--- a/研究室関連/ゼミ/2024.11.27ゼミ.pptx
+++ b/研究室関連/ゼミ/2024.11.27ゼミ.pptx
@@ -5,10 +5,10 @@
     <p:sldMasterId id="2147483660" r:id="rId1"/>
   </p:sldMasterIdLst>
   <p:notesMasterIdLst>
-    <p:notesMasterId r:id="rId32"/>
+    <p:notesMasterId r:id="rId31"/>
   </p:notesMasterIdLst>
   <p:handoutMasterIdLst>
-    <p:handoutMasterId r:id="rId33"/>
+    <p:handoutMasterId r:id="rId32"/>
   </p:handoutMasterIdLst>
   <p:sldIdLst>
     <p:sldId id="256" r:id="rId2"/>
@@ -18,29 +18,28 @@
     <p:sldId id="258" r:id="rId6"/>
     <p:sldId id="259" r:id="rId7"/>
     <p:sldId id="260" r:id="rId8"/>
-    <p:sldId id="265" r:id="rId9"/>
-    <p:sldId id="261" r:id="rId10"/>
-    <p:sldId id="267" r:id="rId11"/>
-    <p:sldId id="268" r:id="rId12"/>
-    <p:sldId id="269" r:id="rId13"/>
-    <p:sldId id="270" r:id="rId14"/>
-    <p:sldId id="272" r:id="rId15"/>
-    <p:sldId id="273" r:id="rId16"/>
-    <p:sldId id="271" r:id="rId17"/>
-    <p:sldId id="274" r:id="rId18"/>
-    <p:sldId id="276" r:id="rId19"/>
-    <p:sldId id="277" r:id="rId20"/>
-    <p:sldId id="278" r:id="rId21"/>
-    <p:sldId id="279" r:id="rId22"/>
-    <p:sldId id="282" r:id="rId23"/>
-    <p:sldId id="283" r:id="rId24"/>
-    <p:sldId id="284" r:id="rId25"/>
-    <p:sldId id="285" r:id="rId26"/>
-    <p:sldId id="286" r:id="rId27"/>
-    <p:sldId id="287" r:id="rId28"/>
-    <p:sldId id="288" r:id="rId29"/>
-    <p:sldId id="266" r:id="rId30"/>
-    <p:sldId id="281" r:id="rId31"/>
+    <p:sldId id="261" r:id="rId9"/>
+    <p:sldId id="267" r:id="rId10"/>
+    <p:sldId id="268" r:id="rId11"/>
+    <p:sldId id="269" r:id="rId12"/>
+    <p:sldId id="270" r:id="rId13"/>
+    <p:sldId id="272" r:id="rId14"/>
+    <p:sldId id="273" r:id="rId15"/>
+    <p:sldId id="271" r:id="rId16"/>
+    <p:sldId id="274" r:id="rId17"/>
+    <p:sldId id="276" r:id="rId18"/>
+    <p:sldId id="277" r:id="rId19"/>
+    <p:sldId id="278" r:id="rId20"/>
+    <p:sldId id="279" r:id="rId21"/>
+    <p:sldId id="282" r:id="rId22"/>
+    <p:sldId id="283" r:id="rId23"/>
+    <p:sldId id="284" r:id="rId24"/>
+    <p:sldId id="285" r:id="rId25"/>
+    <p:sldId id="286" r:id="rId26"/>
+    <p:sldId id="287" r:id="rId27"/>
+    <p:sldId id="288" r:id="rId28"/>
+    <p:sldId id="266" r:id="rId29"/>
+    <p:sldId id="281" r:id="rId30"/>
   </p:sldIdLst>
   <p:sldSz cx="9144000" cy="6858000" type="screen4x3"/>
   <p:notesSz cx="6858000" cy="9144000"/>
@@ -244,7 +243,7 @@
           <a:p>
             <a:fld id="{002B35ED-074F-4DA6-B0D2-0863611FB16F}" type="datetimeFigureOut">
               <a:rPr kumimoji="1" lang="ja-JP" altLang="en-US" smtClean="0"/>
-              <a:t>2024/11/18</a:t>
+              <a:t>2024/11/22</a:t>
             </a:fld>
             <a:endParaRPr kumimoji="1" lang="ja-JP" altLang="en-US"/>
           </a:p>
@@ -421,7 +420,7 @@
           <a:p>
             <a:fld id="{5D2CEC0D-A261-4C59-BB97-0C6E777DBF7E}" type="datetimeFigureOut">
               <a:rPr kumimoji="1" lang="ja-JP" altLang="en-US" smtClean="0"/>
-              <a:t>2024/11/17</a:t>
+              <a:t>2024/11/22</a:t>
             </a:fld>
             <a:endParaRPr kumimoji="1" lang="ja-JP" altLang="en-US"/>
           </a:p>
@@ -785,7 +784,7 @@
           <a:p>
             <a:fld id="{DDF836ED-F853-4572-9577-AC8FB84EC459}" type="slidenum">
               <a:rPr kumimoji="1" lang="ja-JP" altLang="en-US" smtClean="0"/>
-              <a:t>11</a:t>
+              <a:t>10</a:t>
             </a:fld>
             <a:endParaRPr kumimoji="1" lang="ja-JP" altLang="en-US"/>
           </a:p>
@@ -869,7 +868,7 @@
           <a:p>
             <a:fld id="{DDF836ED-F853-4572-9577-AC8FB84EC459}" type="slidenum">
               <a:rPr kumimoji="1" lang="ja-JP" altLang="en-US" smtClean="0"/>
-              <a:t>12</a:t>
+              <a:t>11</a:t>
             </a:fld>
             <a:endParaRPr kumimoji="1" lang="ja-JP" altLang="en-US"/>
           </a:p>
@@ -977,7 +976,7 @@
           <a:p>
             <a:fld id="{DDF836ED-F853-4572-9577-AC8FB84EC459}" type="slidenum">
               <a:rPr kumimoji="1" lang="ja-JP" altLang="en-US" smtClean="0"/>
-              <a:t>13</a:t>
+              <a:t>12</a:t>
             </a:fld>
             <a:endParaRPr kumimoji="1" lang="ja-JP" altLang="en-US"/>
           </a:p>
@@ -1085,7 +1084,7 @@
           <a:p>
             <a:fld id="{DDF836ED-F853-4572-9577-AC8FB84EC459}" type="slidenum">
               <a:rPr kumimoji="1" lang="ja-JP" altLang="en-US" smtClean="0"/>
-              <a:t>14</a:t>
+              <a:t>13</a:t>
             </a:fld>
             <a:endParaRPr kumimoji="1" lang="ja-JP" altLang="en-US"/>
           </a:p>
@@ -1193,7 +1192,7 @@
           <a:p>
             <a:fld id="{DDF836ED-F853-4572-9577-AC8FB84EC459}" type="slidenum">
               <a:rPr kumimoji="1" lang="ja-JP" altLang="en-US" smtClean="0"/>
-              <a:t>15</a:t>
+              <a:t>14</a:t>
             </a:fld>
             <a:endParaRPr kumimoji="1" lang="ja-JP" altLang="en-US"/>
           </a:p>
@@ -1301,7 +1300,7 @@
           <a:p>
             <a:fld id="{DDF836ED-F853-4572-9577-AC8FB84EC459}" type="slidenum">
               <a:rPr kumimoji="1" lang="ja-JP" altLang="en-US" smtClean="0"/>
-              <a:t>16</a:t>
+              <a:t>15</a:t>
             </a:fld>
             <a:endParaRPr kumimoji="1" lang="ja-JP" altLang="en-US"/>
           </a:p>
@@ -1409,7 +1408,7 @@
           <a:p>
             <a:fld id="{DDF836ED-F853-4572-9577-AC8FB84EC459}" type="slidenum">
               <a:rPr kumimoji="1" lang="ja-JP" altLang="en-US" smtClean="0"/>
-              <a:t>17</a:t>
+              <a:t>16</a:t>
             </a:fld>
             <a:endParaRPr kumimoji="1" lang="ja-JP" altLang="en-US"/>
           </a:p>
@@ -1517,7 +1516,7 @@
           <a:p>
             <a:fld id="{DDF836ED-F853-4572-9577-AC8FB84EC459}" type="slidenum">
               <a:rPr kumimoji="1" lang="ja-JP" altLang="en-US" smtClean="0"/>
-              <a:t>18</a:t>
+              <a:t>17</a:t>
             </a:fld>
             <a:endParaRPr kumimoji="1" lang="ja-JP" altLang="en-US"/>
           </a:p>
@@ -1625,7 +1624,7 @@
           <a:p>
             <a:fld id="{DDF836ED-F853-4572-9577-AC8FB84EC459}" type="slidenum">
               <a:rPr kumimoji="1" lang="ja-JP" altLang="en-US" smtClean="0"/>
-              <a:t>19</a:t>
+              <a:t>18</a:t>
             </a:fld>
             <a:endParaRPr kumimoji="1" lang="ja-JP" altLang="en-US"/>
           </a:p>
@@ -2107,7 +2106,7 @@
           <a:p>
             <a:fld id="{E8CAF464-15F3-4BB4-BD7F-4E96634389B9}" type="datetime1">
               <a:rPr kumimoji="1" lang="ja-JP" altLang="en-US" smtClean="0"/>
-              <a:t>2024/11/17</a:t>
+              <a:t>2024/11/22</a:t>
             </a:fld>
             <a:endParaRPr kumimoji="1" lang="ja-JP" altLang="en-US"/>
           </a:p>
@@ -2882,7 +2881,7 @@
           <a:p>
             <a:fld id="{B4C738A0-993E-4FF2-A9D3-F8A25E5BED3D}" type="datetime1">
               <a:rPr kumimoji="1" lang="ja-JP" altLang="en-US" smtClean="0"/>
-              <a:t>2024/11/17</a:t>
+              <a:t>2024/11/22</a:t>
             </a:fld>
             <a:endParaRPr kumimoji="1" lang="ja-JP" altLang="en-US"/>
           </a:p>
@@ -3202,7 +3201,7 @@
           <a:p>
             <a:fld id="{6F43E0D6-D44E-4BB9-A41C-4EBA4BB1D0AA}" type="datetime1">
               <a:rPr kumimoji="1" lang="ja-JP" altLang="en-US" smtClean="0"/>
-              <a:t>2024/11/17</a:t>
+              <a:t>2024/11/22</a:t>
             </a:fld>
             <a:endParaRPr kumimoji="1" lang="ja-JP" altLang="en-US"/>
           </a:p>
@@ -3669,7 +3668,7 @@
           <a:p>
             <a:fld id="{80FBE12C-66DD-425F-87DA-45FA71D4B14C}" type="datetime1">
               <a:rPr kumimoji="1" lang="ja-JP" altLang="en-US" smtClean="0"/>
-              <a:t>2024/11/17</a:t>
+              <a:t>2024/11/22</a:t>
             </a:fld>
             <a:endParaRPr kumimoji="1" lang="ja-JP" altLang="en-US"/>
           </a:p>
@@ -3801,7 +3800,7 @@
           <a:p>
             <a:fld id="{5D337AB5-68CF-4C9A-84F0-CEB8B3F3804F}" type="datetime1">
               <a:rPr kumimoji="1" lang="ja-JP" altLang="en-US" smtClean="0"/>
-              <a:t>2024/11/17</a:t>
+              <a:t>2024/11/22</a:t>
             </a:fld>
             <a:endParaRPr kumimoji="1" lang="ja-JP" altLang="en-US"/>
           </a:p>
@@ -3905,7 +3904,7 @@
           <a:p>
             <a:fld id="{0224F364-07F3-46C8-84AA-302D169C9924}" type="datetime1">
               <a:rPr kumimoji="1" lang="ja-JP" altLang="en-US" smtClean="0"/>
-              <a:t>2024/11/17</a:t>
+              <a:t>2024/11/22</a:t>
             </a:fld>
             <a:endParaRPr kumimoji="1" lang="ja-JP" altLang="en-US"/>
           </a:p>
@@ -4239,7 +4238,7 @@
           <a:p>
             <a:fld id="{C98F773C-6196-4130-BAF3-BF8645CB42FA}" type="datetime1">
               <a:rPr kumimoji="1" lang="ja-JP" altLang="en-US" smtClean="0"/>
-              <a:t>2024/11/17</a:t>
+              <a:t>2024/11/22</a:t>
             </a:fld>
             <a:endParaRPr kumimoji="1" lang="ja-JP" altLang="en-US"/>
           </a:p>
@@ -4518,7 +4517,7 @@
           <a:p>
             <a:fld id="{E4883AD5-0DE6-4DC7-9375-A23AA371A5C4}" type="datetime1">
               <a:rPr kumimoji="1" lang="ja-JP" altLang="en-US" smtClean="0"/>
-              <a:t>2024/11/17</a:t>
+              <a:t>2024/11/22</a:t>
             </a:fld>
             <a:endParaRPr kumimoji="1" lang="ja-JP" altLang="en-US"/>
           </a:p>
@@ -5179,7 +5178,7 @@
           <p:cNvPr id="2" name="タイトル 1">
             <a:extLst>
               <a:ext uri="{FF2B5EF4-FFF2-40B4-BE49-F238E27FC236}">
-                <a16:creationId xmlns:a16="http://schemas.microsoft.com/office/drawing/2014/main" id="{93D2BC46-CF58-D4C9-242A-B24CAFA39CB5}"/>
+                <a16:creationId xmlns:a16="http://schemas.microsoft.com/office/drawing/2014/main" id="{05B2F2E7-6489-ECCC-89B5-4CE7152751BB}"/>
               </a:ext>
             </a:extLst>
           </p:cNvPr>
@@ -5216,7 +5215,7 @@
           <p:cNvPr id="3" name="コンテンツ プレースホルダー 2">
             <a:extLst>
               <a:ext uri="{FF2B5EF4-FFF2-40B4-BE49-F238E27FC236}">
-                <a16:creationId xmlns:a16="http://schemas.microsoft.com/office/drawing/2014/main" id="{CB673F96-6600-9CFA-C09C-381F0F1679FA}"/>
+                <a16:creationId xmlns:a16="http://schemas.microsoft.com/office/drawing/2014/main" id="{6326FAC9-F1FC-2711-87AC-8312757DC92A}"/>
               </a:ext>
             </a:extLst>
           </p:cNvPr>
@@ -5227,11 +5226,14 @@
             <p:ph idx="1"/>
           </p:nvPr>
         </p:nvSpPr>
-        <p:spPr/>
-        <p:txBody>
-          <a:bodyPr>
-            <a:normAutofit/>
-          </a:bodyPr>
+        <p:spPr>
+          <a:xfrm>
+            <a:off x="259194" y="1099789"/>
+            <a:ext cx="8776521" cy="5482165"/>
+          </a:xfrm>
+        </p:spPr>
+        <p:txBody>
+          <a:bodyPr/>
           <a:lstStyle/>
           <a:p>
             <a:pPr marL="0" indent="0">
@@ -5239,122 +5241,106 @@
             </a:pPr>
             <a:r>
               <a:rPr lang="en-US" altLang="ja-JP" dirty="0"/>
+              <a:t>“T</a:t>
+            </a:r>
+            <a:r>
+              <a:rPr kumimoji="1" lang="en-US" altLang="ja-JP" dirty="0"/>
+              <a:t>racing GC</a:t>
+            </a:r>
+            <a:r>
+              <a:rPr kumimoji="1" lang="ja-JP" altLang="en-US" dirty="0"/>
+              <a:t>の主な仕事は、ルートからポインタによって</a:t>
+            </a:r>
+            <a:endParaRPr kumimoji="1" lang="en-US" altLang="ja-JP" dirty="0"/>
+          </a:p>
+          <a:p>
+            <a:pPr marL="0" indent="0">
+              <a:buNone/>
+            </a:pPr>
+            <a:r>
+              <a:rPr kumimoji="1" lang="ja-JP" altLang="en-US" dirty="0"/>
+              <a:t>到達可能なオブジェクトを再帰的に探索し、たどられた</a:t>
+            </a:r>
+            <a:endParaRPr kumimoji="1" lang="en-US" altLang="ja-JP" dirty="0"/>
+          </a:p>
+          <a:p>
+            <a:pPr marL="0" indent="0">
+              <a:buNone/>
+            </a:pPr>
+            <a:r>
+              <a:rPr kumimoji="1" lang="ja-JP" altLang="en-US" dirty="0"/>
+              <a:t>オブジェクトを何らかの方法で「区別」することである。”</a:t>
+            </a:r>
+            <a:endParaRPr kumimoji="1" lang="en-US" altLang="ja-JP" dirty="0"/>
+          </a:p>
+          <a:p>
+            <a:pPr marL="0" indent="0">
+              <a:buNone/>
+            </a:pPr>
+            <a:endParaRPr kumimoji="1" lang="en-US" altLang="ja-JP" dirty="0"/>
+          </a:p>
+          <a:p>
+            <a:pPr marL="0" indent="0">
+              <a:buNone/>
+            </a:pPr>
+            <a:r>
+              <a:rPr kumimoji="1" lang="ja-JP" altLang="en-US" dirty="0"/>
+              <a:t>“探索には単純な</a:t>
+            </a:r>
+            <a:r>
+              <a:rPr kumimoji="1" lang="en-US" altLang="ja-JP" dirty="0"/>
+              <a:t>allocate/free</a:t>
+            </a:r>
+            <a:r>
+              <a:rPr kumimoji="1" lang="ja-JP" altLang="en-US" dirty="0"/>
+              <a:t>処理よりも</a:t>
+            </a:r>
+            <a:endParaRPr kumimoji="1" lang="en-US" altLang="ja-JP" dirty="0"/>
+          </a:p>
+          <a:p>
+            <a:pPr marL="0" indent="0">
+              <a:buNone/>
+            </a:pPr>
+            <a:r>
+              <a:rPr kumimoji="1" lang="ja-JP" altLang="en-US" dirty="0"/>
+              <a:t>ずっと長い時間が必要</a:t>
+            </a:r>
+            <a:r>
+              <a:rPr kumimoji="1" lang="en-US" altLang="ja-JP" dirty="0"/>
+              <a:t>”</a:t>
+            </a:r>
+          </a:p>
+          <a:p>
+            <a:pPr marL="0" indent="0">
+              <a:buNone/>
+            </a:pPr>
+            <a:endParaRPr lang="en-US" altLang="ja-JP" dirty="0"/>
+          </a:p>
+          <a:p>
+            <a:pPr marL="0" indent="0">
+              <a:buNone/>
+            </a:pPr>
+            <a:r>
+              <a:rPr kumimoji="1" lang="en-US" altLang="ja-JP" dirty="0"/>
               <a:t>“</a:t>
             </a:r>
             <a:r>
               <a:rPr kumimoji="1" lang="ja-JP" altLang="en-US" dirty="0"/>
-              <a:t>ヒープが満杯になるまでは</a:t>
+              <a:t>これが世の中で「</a:t>
             </a:r>
             <a:r>
               <a:rPr kumimoji="1" lang="en-US" altLang="ja-JP" dirty="0"/>
-              <a:t>allocate</a:t>
+              <a:t>GC</a:t>
             </a:r>
             <a:r>
               <a:rPr kumimoji="1" lang="ja-JP" altLang="en-US" dirty="0"/>
-              <a:t>を続け、満杯になったときにヒープ中のゴミオブジェクト</a:t>
+              <a:t>は遅い」と言われるゆえんである</a:t>
             </a:r>
             <a:r>
               <a:rPr kumimoji="1" lang="en-US" altLang="ja-JP" dirty="0"/>
-              <a:t>(</a:t>
-            </a:r>
-            <a:r>
-              <a:rPr kumimoji="1" lang="ja-JP" altLang="en-US" dirty="0"/>
-              <a:t>死んだオブジェクト</a:t>
-            </a:r>
-            <a:r>
-              <a:rPr kumimoji="1" lang="en-US" altLang="ja-JP" dirty="0"/>
-              <a:t>)</a:t>
-            </a:r>
-            <a:r>
-              <a:rPr kumimoji="1" lang="ja-JP" altLang="en-US" dirty="0"/>
-              <a:t>を一気に検出して解放する</a:t>
-            </a:r>
-            <a:r>
-              <a:rPr lang="en-US" altLang="ja-JP" dirty="0"/>
               <a:t>”</a:t>
             </a:r>
-          </a:p>
-          <a:p>
-            <a:pPr marL="0" indent="0">
-              <a:buNone/>
-            </a:pPr>
-            <a:endParaRPr kumimoji="1" lang="en-US" altLang="ja-JP" dirty="0"/>
-          </a:p>
-          <a:p>
-            <a:pPr marL="0" indent="0">
-              <a:buNone/>
-            </a:pPr>
-            <a:r>
-              <a:rPr lang="ja-JP" altLang="en-US" i="1" u="sng" dirty="0"/>
-              <a:t>生死判定の概要</a:t>
-            </a:r>
-            <a:endParaRPr lang="en-US" altLang="ja-JP" i="1" u="sng" dirty="0"/>
-          </a:p>
-          <a:p>
-            <a:pPr marL="0" indent="0">
-              <a:buNone/>
-            </a:pPr>
-            <a:r>
-              <a:rPr lang="en-US" altLang="ja-JP" sz="2400" dirty="0"/>
-              <a:t>• </a:t>
-            </a:r>
-            <a:r>
-              <a:rPr lang="ja-JP" altLang="en-US" sz="2400" dirty="0"/>
-              <a:t>ユーザプログラムが現在直接触れるメモリ領域</a:t>
-            </a:r>
-            <a:r>
-              <a:rPr lang="en-US" altLang="ja-JP" sz="2400" dirty="0"/>
-              <a:t>(</a:t>
-            </a:r>
-            <a:r>
-              <a:rPr lang="ja-JP" altLang="en-US" sz="2400" dirty="0"/>
-              <a:t>レジスタ，スタック，大域変数など，これらを</a:t>
-            </a:r>
-            <a:r>
-              <a:rPr lang="en-US" altLang="ja-JP" sz="2400" dirty="0"/>
-              <a:t>GC</a:t>
-            </a:r>
-            <a:r>
-              <a:rPr lang="ja-JP" altLang="en-US" sz="2400" dirty="0"/>
-              <a:t>のルートと呼ぶ</a:t>
-            </a:r>
-            <a:r>
-              <a:rPr lang="en-US" altLang="ja-JP" sz="2400" dirty="0"/>
-              <a:t>)</a:t>
-            </a:r>
-            <a:r>
-              <a:rPr lang="ja-JP" altLang="en-US" sz="2400" dirty="0"/>
-              <a:t>からポインタによって指されるオブジェクトは生きている．</a:t>
-            </a:r>
-            <a:endParaRPr lang="en-US" altLang="ja-JP" sz="2400" dirty="0"/>
-          </a:p>
-          <a:p>
-            <a:pPr marL="0" indent="0">
-              <a:buNone/>
-            </a:pPr>
-            <a:r>
-              <a:rPr lang="en-US" altLang="ja-JP" sz="2400" dirty="0"/>
-              <a:t>• </a:t>
-            </a:r>
-            <a:r>
-              <a:rPr lang="ja-JP" altLang="en-US" sz="2400" dirty="0"/>
-              <a:t>生きたオブジェクトからポインタによって指されるオブジェクトは生きている．</a:t>
-            </a:r>
-            <a:endParaRPr lang="en-US" altLang="ja-JP" sz="2400" dirty="0"/>
-          </a:p>
-          <a:p>
-            <a:pPr marL="0" indent="0">
-              <a:buNone/>
-            </a:pPr>
-            <a:r>
-              <a:rPr lang="en-US" altLang="ja-JP" sz="2400" dirty="0"/>
-              <a:t>• </a:t>
-            </a:r>
-            <a:r>
-              <a:rPr lang="ja-JP" altLang="en-US" sz="2400" dirty="0"/>
-              <a:t>それ以外のオブジェクトはゴミであり，解放されるべき．</a:t>
-            </a:r>
-            <a:endParaRPr kumimoji="1" lang="ja-JP" altLang="en-US" sz="2400" dirty="0"/>
+            <a:endParaRPr kumimoji="1" lang="ja-JP" altLang="en-US" dirty="0"/>
           </a:p>
         </p:txBody>
       </p:sp>
@@ -5363,7 +5349,7 @@
           <p:cNvPr id="4" name="テキスト ボックス 3">
             <a:extLst>
               <a:ext uri="{FF2B5EF4-FFF2-40B4-BE49-F238E27FC236}">
-                <a16:creationId xmlns:a16="http://schemas.microsoft.com/office/drawing/2014/main" id="{1D6B9946-28BB-4173-2B48-DDE8807CBCEB}"/>
+                <a16:creationId xmlns:a16="http://schemas.microsoft.com/office/drawing/2014/main" id="{EEF1FFFF-6657-A433-CC1B-E62DC1940D7B}"/>
               </a:ext>
             </a:extLst>
           </p:cNvPr>
@@ -5400,7 +5386,7 @@
     </p:spTree>
     <p:extLst>
       <p:ext uri="{BB962C8B-B14F-4D97-AF65-F5344CB8AC3E}">
-        <p14:creationId xmlns:p14="http://schemas.microsoft.com/office/powerpoint/2010/main" val="664939368"/>
+        <p14:creationId xmlns:p14="http://schemas.microsoft.com/office/powerpoint/2010/main" val="4112447273"/>
       </p:ext>
     </p:extLst>
   </p:cSld>
@@ -5432,246 +5418,6 @@
           <p:cNvPr id="2" name="タイトル 1">
             <a:extLst>
               <a:ext uri="{FF2B5EF4-FFF2-40B4-BE49-F238E27FC236}">
-                <a16:creationId xmlns:a16="http://schemas.microsoft.com/office/drawing/2014/main" id="{05B2F2E7-6489-ECCC-89B5-4CE7152751BB}"/>
-              </a:ext>
-            </a:extLst>
-          </p:cNvPr>
-          <p:cNvSpPr>
-            <a:spLocks noGrp="1"/>
-          </p:cNvSpPr>
-          <p:nvPr>
-            <p:ph type="title"/>
-          </p:nvPr>
-        </p:nvSpPr>
-        <p:spPr/>
-        <p:txBody>
-          <a:bodyPr/>
-          <a:lstStyle/>
-          <a:p>
-            <a:r>
-              <a:rPr kumimoji="1" lang="en-US" altLang="ja-JP" dirty="0"/>
-              <a:t>2.1. </a:t>
-            </a:r>
-            <a:r>
-              <a:rPr kumimoji="1" lang="en-US" altLang="ja-JP" dirty="0" err="1"/>
-              <a:t>Tracting</a:t>
-            </a:r>
-            <a:r>
-              <a:rPr kumimoji="1" lang="en-US" altLang="ja-JP" dirty="0"/>
-              <a:t> GC</a:t>
-            </a:r>
-            <a:endParaRPr kumimoji="1" lang="ja-JP" altLang="en-US" dirty="0"/>
-          </a:p>
-        </p:txBody>
-      </p:sp>
-      <p:sp>
-        <p:nvSpPr>
-          <p:cNvPr id="3" name="コンテンツ プレースホルダー 2">
-            <a:extLst>
-              <a:ext uri="{FF2B5EF4-FFF2-40B4-BE49-F238E27FC236}">
-                <a16:creationId xmlns:a16="http://schemas.microsoft.com/office/drawing/2014/main" id="{6326FAC9-F1FC-2711-87AC-8312757DC92A}"/>
-              </a:ext>
-            </a:extLst>
-          </p:cNvPr>
-          <p:cNvSpPr>
-            <a:spLocks noGrp="1"/>
-          </p:cNvSpPr>
-          <p:nvPr>
-            <p:ph idx="1"/>
-          </p:nvPr>
-        </p:nvSpPr>
-        <p:spPr>
-          <a:xfrm>
-            <a:off x="259194" y="1099789"/>
-            <a:ext cx="8776521" cy="5482165"/>
-          </a:xfrm>
-        </p:spPr>
-        <p:txBody>
-          <a:bodyPr/>
-          <a:lstStyle/>
-          <a:p>
-            <a:pPr marL="0" indent="0">
-              <a:buNone/>
-            </a:pPr>
-            <a:r>
-              <a:rPr lang="en-US" altLang="ja-JP" dirty="0"/>
-              <a:t>“T</a:t>
-            </a:r>
-            <a:r>
-              <a:rPr kumimoji="1" lang="en-US" altLang="ja-JP" dirty="0"/>
-              <a:t>racing GC</a:t>
-            </a:r>
-            <a:r>
-              <a:rPr kumimoji="1" lang="ja-JP" altLang="en-US" dirty="0"/>
-              <a:t>の主な仕事は、ルートからポインタによって</a:t>
-            </a:r>
-            <a:endParaRPr kumimoji="1" lang="en-US" altLang="ja-JP" dirty="0"/>
-          </a:p>
-          <a:p>
-            <a:pPr marL="0" indent="0">
-              <a:buNone/>
-            </a:pPr>
-            <a:r>
-              <a:rPr kumimoji="1" lang="ja-JP" altLang="en-US" dirty="0"/>
-              <a:t>到達可能なオブジェクトを再帰的に探索し、たどられた</a:t>
-            </a:r>
-            <a:endParaRPr kumimoji="1" lang="en-US" altLang="ja-JP" dirty="0"/>
-          </a:p>
-          <a:p>
-            <a:pPr marL="0" indent="0">
-              <a:buNone/>
-            </a:pPr>
-            <a:r>
-              <a:rPr kumimoji="1" lang="ja-JP" altLang="en-US" dirty="0"/>
-              <a:t>オブジェクトを何らかの方法で「区別」することである。”</a:t>
-            </a:r>
-            <a:endParaRPr kumimoji="1" lang="en-US" altLang="ja-JP" dirty="0"/>
-          </a:p>
-          <a:p>
-            <a:pPr marL="0" indent="0">
-              <a:buNone/>
-            </a:pPr>
-            <a:endParaRPr kumimoji="1" lang="en-US" altLang="ja-JP" dirty="0"/>
-          </a:p>
-          <a:p>
-            <a:pPr marL="0" indent="0">
-              <a:buNone/>
-            </a:pPr>
-            <a:r>
-              <a:rPr kumimoji="1" lang="ja-JP" altLang="en-US" dirty="0"/>
-              <a:t>“探索には単純な</a:t>
-            </a:r>
-            <a:r>
-              <a:rPr kumimoji="1" lang="en-US" altLang="ja-JP" dirty="0"/>
-              <a:t>allocate/free</a:t>
-            </a:r>
-            <a:r>
-              <a:rPr kumimoji="1" lang="ja-JP" altLang="en-US" dirty="0"/>
-              <a:t>処理よりも</a:t>
-            </a:r>
-            <a:endParaRPr kumimoji="1" lang="en-US" altLang="ja-JP" dirty="0"/>
-          </a:p>
-          <a:p>
-            <a:pPr marL="0" indent="0">
-              <a:buNone/>
-            </a:pPr>
-            <a:r>
-              <a:rPr kumimoji="1" lang="ja-JP" altLang="en-US" dirty="0"/>
-              <a:t>ずっと長い時間が必要</a:t>
-            </a:r>
-            <a:r>
-              <a:rPr kumimoji="1" lang="en-US" altLang="ja-JP" dirty="0"/>
-              <a:t>”</a:t>
-            </a:r>
-          </a:p>
-          <a:p>
-            <a:pPr marL="0" indent="0">
-              <a:buNone/>
-            </a:pPr>
-            <a:endParaRPr lang="en-US" altLang="ja-JP" dirty="0"/>
-          </a:p>
-          <a:p>
-            <a:pPr marL="0" indent="0">
-              <a:buNone/>
-            </a:pPr>
-            <a:r>
-              <a:rPr kumimoji="1" lang="en-US" altLang="ja-JP" dirty="0"/>
-              <a:t>“</a:t>
-            </a:r>
-            <a:r>
-              <a:rPr kumimoji="1" lang="ja-JP" altLang="en-US" dirty="0"/>
-              <a:t>これが世の中で「</a:t>
-            </a:r>
-            <a:r>
-              <a:rPr kumimoji="1" lang="en-US" altLang="ja-JP" dirty="0"/>
-              <a:t>GC</a:t>
-            </a:r>
-            <a:r>
-              <a:rPr kumimoji="1" lang="ja-JP" altLang="en-US" dirty="0"/>
-              <a:t>は遅い」と言われるゆえんである</a:t>
-            </a:r>
-            <a:r>
-              <a:rPr kumimoji="1" lang="en-US" altLang="ja-JP" dirty="0"/>
-              <a:t>”</a:t>
-            </a:r>
-            <a:endParaRPr kumimoji="1" lang="ja-JP" altLang="en-US" dirty="0"/>
-          </a:p>
-        </p:txBody>
-      </p:sp>
-      <p:sp>
-        <p:nvSpPr>
-          <p:cNvPr id="4" name="テキスト ボックス 3">
-            <a:extLst>
-              <a:ext uri="{FF2B5EF4-FFF2-40B4-BE49-F238E27FC236}">
-                <a16:creationId xmlns:a16="http://schemas.microsoft.com/office/drawing/2014/main" id="{EEF1FFFF-6657-A433-CC1B-E62DC1940D7B}"/>
-              </a:ext>
-            </a:extLst>
-          </p:cNvPr>
-          <p:cNvSpPr txBox="1"/>
-          <p:nvPr/>
-        </p:nvSpPr>
-        <p:spPr>
-          <a:xfrm>
-            <a:off x="5763127" y="6581001"/>
-            <a:ext cx="4572000" cy="276999"/>
-          </a:xfrm>
-          <a:prstGeom prst="rect">
-            <a:avLst/>
-          </a:prstGeom>
-          <a:noFill/>
-        </p:spPr>
-        <p:txBody>
-          <a:bodyPr wrap="square">
-            <a:spAutoFit/>
-          </a:bodyPr>
-          <a:lstStyle/>
-          <a:p>
-            <a:pPr marL="0" indent="0">
-              <a:buNone/>
-            </a:pPr>
-            <a:r>
-              <a:rPr kumimoji="1" lang="en-US" altLang="ja-JP" sz="1200" dirty="0"/>
-              <a:t>http://matsu-www.is.titech.ac.jp/~endo/gc/gc.pdf </a:t>
-            </a:r>
-            <a:endParaRPr kumimoji="1" lang="ja-JP" altLang="en-US" sz="1200" dirty="0"/>
-          </a:p>
-        </p:txBody>
-      </p:sp>
-    </p:spTree>
-    <p:extLst>
-      <p:ext uri="{BB962C8B-B14F-4D97-AF65-F5344CB8AC3E}">
-        <p14:creationId xmlns:p14="http://schemas.microsoft.com/office/powerpoint/2010/main" val="4112447273"/>
-      </p:ext>
-    </p:extLst>
-  </p:cSld>
-  <p:clrMapOvr>
-    <a:masterClrMapping/>
-  </p:clrMapOvr>
-</p:sld>
-</file>
-
-<file path=ppt/slides/slide12.xml><?xml version="1.0" encoding="utf-8"?>
-<p:sld xmlns:a="http://schemas.openxmlformats.org/drawingml/2006/main" xmlns:r="http://schemas.openxmlformats.org/officeDocument/2006/relationships" xmlns:p="http://schemas.openxmlformats.org/presentationml/2006/main">
-  <p:cSld>
-    <p:spTree>
-      <p:nvGrpSpPr>
-        <p:cNvPr id="1" name=""/>
-        <p:cNvGrpSpPr/>
-        <p:nvPr/>
-      </p:nvGrpSpPr>
-      <p:grpSpPr>
-        <a:xfrm>
-          <a:off x="0" y="0"/>
-          <a:ext cx="0" cy="0"/>
-          <a:chOff x="0" y="0"/>
-          <a:chExt cx="0" cy="0"/>
-        </a:xfrm>
-      </p:grpSpPr>
-      <p:sp>
-        <p:nvSpPr>
-          <p:cNvPr id="2" name="タイトル 1">
-            <a:extLst>
-              <a:ext uri="{FF2B5EF4-FFF2-40B4-BE49-F238E27FC236}">
                 <a16:creationId xmlns:a16="http://schemas.microsoft.com/office/drawing/2014/main" id="{299071EF-41D2-2BDE-F319-D4CC884692B4}"/>
               </a:ext>
             </a:extLst>
@@ -5954,8 +5700,8 @@
 </p:sld>
 </file>
 
-<file path=ppt/slides/slide13.xml><?xml version="1.0" encoding="utf-8"?>
-<p:sld xmlns:a="http://schemas.openxmlformats.org/drawingml/2006/main" xmlns:r="http://schemas.openxmlformats.org/officeDocument/2006/relationships" xmlns:p="http://schemas.openxmlformats.org/presentationml/2006/main">
+<file path=ppt/slides/slide12.xml><?xml version="1.0" encoding="utf-8"?>
+<p:sld xmlns:a="http://schemas.openxmlformats.org/drawingml/2006/main" xmlns:r="http://schemas.openxmlformats.org/officeDocument/2006/relationships" xmlns:p="http://schemas.openxmlformats.org/presentationml/2006/main" show="0">
   <p:cSld>
     <p:spTree>
       <p:nvGrpSpPr>
@@ -6169,8 +5915,8 @@
 </p:sld>
 </file>
 
-<file path=ppt/slides/slide14.xml><?xml version="1.0" encoding="utf-8"?>
-<p:sld xmlns:a="http://schemas.openxmlformats.org/drawingml/2006/main" xmlns:r="http://schemas.openxmlformats.org/officeDocument/2006/relationships" xmlns:p="http://schemas.openxmlformats.org/presentationml/2006/main">
+<file path=ppt/slides/slide13.xml><?xml version="1.0" encoding="utf-8"?>
+<p:sld xmlns:a="http://schemas.openxmlformats.org/drawingml/2006/main" xmlns:r="http://schemas.openxmlformats.org/officeDocument/2006/relationships" xmlns:p="http://schemas.openxmlformats.org/presentationml/2006/main" show="0">
   <p:cSld>
     <p:spTree>
       <p:nvGrpSpPr>
@@ -6563,7 +6309,7 @@
 </p:sld>
 </file>
 
-<file path=ppt/slides/slide15.xml><?xml version="1.0" encoding="utf-8"?>
+<file path=ppt/slides/slide14.xml><?xml version="1.0" encoding="utf-8"?>
 <p:sld xmlns:a="http://schemas.openxmlformats.org/drawingml/2006/main" xmlns:r="http://schemas.openxmlformats.org/officeDocument/2006/relationships" xmlns:p="http://schemas.openxmlformats.org/presentationml/2006/main">
   <p:cSld>
     <p:spTree>
@@ -6655,10 +6401,10 @@
               <a:buNone/>
             </a:pPr>
             <a:r>
-              <a:rPr kumimoji="1" lang="en-US" altLang="ja-JP" i="1" u="sng" dirty="0"/>
+              <a:rPr kumimoji="1" lang="en-US" altLang="ja-JP" dirty="0"/>
               <a:t>2.1.2 Copying GC</a:t>
             </a:r>
-            <a:endParaRPr lang="en-US" altLang="ja-JP" i="1" u="sng" dirty="0"/>
+            <a:endParaRPr lang="en-US" altLang="ja-JP" dirty="0"/>
           </a:p>
           <a:p>
             <a:pPr marL="0" indent="0">
@@ -6680,48 +6426,6 @@
             </a:pPr>
             <a:r>
               <a:rPr kumimoji="1" lang="ja-JP" altLang="en-US" sz="2400" dirty="0"/>
-              <a:t>これにより、</a:t>
-            </a:r>
-            <a:r>
-              <a:rPr lang="en-US" altLang="ja-JP" sz="2400" dirty="0"/>
-              <a:t>M</a:t>
-            </a:r>
-            <a:r>
-              <a:rPr kumimoji="1" lang="en-US" altLang="ja-JP" sz="2400" dirty="0"/>
-              <a:t>ark-sweep </a:t>
-            </a:r>
-            <a:r>
-              <a:rPr kumimoji="1" lang="ja-JP" altLang="en-US" sz="2400" dirty="0"/>
-              <a:t>や </a:t>
-            </a:r>
-            <a:r>
-              <a:rPr lang="en-US" altLang="ja-JP" sz="2400" dirty="0"/>
-              <a:t>R</a:t>
-            </a:r>
-            <a:r>
-              <a:rPr kumimoji="1" lang="en-US" altLang="ja-JP" sz="2400" dirty="0"/>
-              <a:t>eference counting </a:t>
-            </a:r>
-            <a:r>
-              <a:rPr kumimoji="1" lang="ja-JP" altLang="en-US" sz="2400" dirty="0"/>
-              <a:t>で問題となる</a:t>
-            </a:r>
-            <a:r>
-              <a:rPr kumimoji="1" lang="en-US" altLang="ja-JP" sz="2400" dirty="0"/>
-              <a:t>fragmentation</a:t>
-            </a:r>
-            <a:r>
-              <a:rPr kumimoji="1" lang="ja-JP" altLang="en-US" sz="2400" dirty="0"/>
-              <a:t>が全く起らないという利点がある。</a:t>
-            </a:r>
-            <a:endParaRPr kumimoji="1" lang="en-US" altLang="ja-JP" sz="2400" dirty="0"/>
-          </a:p>
-          <a:p>
-            <a:pPr marL="0" indent="0">
-              <a:buNone/>
-            </a:pPr>
-            <a:r>
-              <a:rPr kumimoji="1" lang="ja-JP" altLang="en-US" sz="2400" dirty="0"/>
               <a:t>多くの</a:t>
             </a:r>
             <a:r>
@@ -6756,12 +6460,16 @@
               <a:buNone/>
             </a:pPr>
             <a:r>
-              <a:rPr kumimoji="1" lang="ja-JP" altLang="en-US" i="1" u="sng" dirty="0"/>
+              <a:rPr kumimoji="1" lang="ja-JP" altLang="en-US" sz="2400" i="1" u="sng" dirty="0"/>
               <a:t>もっとも単純な例</a:t>
             </a:r>
             <a:r>
+              <a:rPr kumimoji="1" lang="ja-JP" altLang="en-US" sz="2000" dirty="0"/>
+              <a:t>　</a:t>
+            </a:r>
+            <a:r>
               <a:rPr kumimoji="1" lang="ja-JP" altLang="en-US" sz="2400" dirty="0"/>
-              <a:t>　ヒープを</a:t>
+              <a:t>ヒープを</a:t>
             </a:r>
             <a:r>
               <a:rPr kumimoji="1" lang="en-US" altLang="ja-JP" sz="2400" dirty="0"/>
@@ -6939,7 +6647,7 @@
 </p:sld>
 </file>
 
-<file path=ppt/slides/slide16.xml><?xml version="1.0" encoding="utf-8"?>
+<file path=ppt/slides/slide15.xml><?xml version="1.0" encoding="utf-8"?>
 <p:sld xmlns:a="http://schemas.openxmlformats.org/drawingml/2006/main" xmlns:r="http://schemas.openxmlformats.org/officeDocument/2006/relationships" xmlns:p="http://schemas.openxmlformats.org/presentationml/2006/main">
   <p:cSld>
     <p:spTree>
@@ -7235,7 +6943,7 @@
 </p:sld>
 </file>
 
-<file path=ppt/slides/slide17.xml><?xml version="1.0" encoding="utf-8"?>
+<file path=ppt/slides/slide16.xml><?xml version="1.0" encoding="utf-8"?>
 <p:sld xmlns:a="http://schemas.openxmlformats.org/drawingml/2006/main" xmlns:r="http://schemas.openxmlformats.org/officeDocument/2006/relationships" xmlns:p="http://schemas.openxmlformats.org/presentationml/2006/main">
   <p:cSld>
     <p:spTree>
@@ -7459,7 +7167,7 @@
 </p:sld>
 </file>
 
-<file path=ppt/slides/slide18.xml><?xml version="1.0" encoding="utf-8"?>
+<file path=ppt/slides/slide17.xml><?xml version="1.0" encoding="utf-8"?>
 <p:sld xmlns:a="http://schemas.openxmlformats.org/drawingml/2006/main" xmlns:r="http://schemas.openxmlformats.org/officeDocument/2006/relationships" xmlns:p="http://schemas.openxmlformats.org/presentationml/2006/main">
   <p:cSld>
     <p:spTree>
@@ -7645,7 +7353,7 @@
 </p:sld>
 </file>
 
-<file path=ppt/slides/slide19.xml><?xml version="1.0" encoding="utf-8"?>
+<file path=ppt/slides/slide18.xml><?xml version="1.0" encoding="utf-8"?>
 <p:sld xmlns:a="http://schemas.openxmlformats.org/drawingml/2006/main" xmlns:r="http://schemas.openxmlformats.org/officeDocument/2006/relationships" xmlns:p="http://schemas.openxmlformats.org/presentationml/2006/main">
   <p:cSld>
     <p:spTree>
@@ -7891,6 +7599,285 @@
     <p:extLst>
       <p:ext uri="{BB962C8B-B14F-4D97-AF65-F5344CB8AC3E}">
         <p14:creationId xmlns:p14="http://schemas.microsoft.com/office/powerpoint/2010/main" val="1121309103"/>
+      </p:ext>
+    </p:extLst>
+  </p:cSld>
+  <p:clrMapOvr>
+    <a:masterClrMapping/>
+  </p:clrMapOvr>
+</p:sld>
+</file>
+
+<file path=ppt/slides/slide19.xml><?xml version="1.0" encoding="utf-8"?>
+<p:sld xmlns:a="http://schemas.openxmlformats.org/drawingml/2006/main" xmlns:r="http://schemas.openxmlformats.org/officeDocument/2006/relationships" xmlns:p="http://schemas.openxmlformats.org/presentationml/2006/main">
+  <p:cSld>
+    <p:spTree>
+      <p:nvGrpSpPr>
+        <p:cNvPr id="1" name="">
+          <a:extLst>
+            <a:ext uri="{FF2B5EF4-FFF2-40B4-BE49-F238E27FC236}">
+              <a16:creationId xmlns:a16="http://schemas.microsoft.com/office/drawing/2014/main" id="{228F530C-DFEA-2B89-C5D6-9CFBFF3860AD}"/>
+            </a:ext>
+          </a:extLst>
+        </p:cNvPr>
+        <p:cNvGrpSpPr/>
+        <p:nvPr/>
+      </p:nvGrpSpPr>
+      <p:grpSpPr>
+        <a:xfrm>
+          <a:off x="0" y="0"/>
+          <a:ext cx="0" cy="0"/>
+          <a:chOff x="0" y="0"/>
+          <a:chExt cx="0" cy="0"/>
+        </a:xfrm>
+      </p:grpSpPr>
+      <p:sp>
+        <p:nvSpPr>
+          <p:cNvPr id="2" name="タイトル 1">
+            <a:extLst>
+              <a:ext uri="{FF2B5EF4-FFF2-40B4-BE49-F238E27FC236}">
+                <a16:creationId xmlns:a16="http://schemas.microsoft.com/office/drawing/2014/main" id="{497608FE-4A9D-6FD6-DB2D-8C6805A57532}"/>
+              </a:ext>
+            </a:extLst>
+          </p:cNvPr>
+          <p:cNvSpPr>
+            <a:spLocks noGrp="1"/>
+          </p:cNvSpPr>
+          <p:nvPr>
+            <p:ph type="title"/>
+          </p:nvPr>
+        </p:nvSpPr>
+        <p:spPr/>
+        <p:txBody>
+          <a:bodyPr/>
+          <a:lstStyle/>
+          <a:p>
+            <a:r>
+              <a:rPr lang="ja-JP" altLang="en-US" dirty="0"/>
+              <a:t>今回の内容</a:t>
+            </a:r>
+            <a:endParaRPr kumimoji="1" lang="ja-JP" altLang="en-US" dirty="0"/>
+          </a:p>
+        </p:txBody>
+      </p:sp>
+      <p:sp>
+        <p:nvSpPr>
+          <p:cNvPr id="3" name="コンテンツ プレースホルダー 2">
+            <a:extLst>
+              <a:ext uri="{FF2B5EF4-FFF2-40B4-BE49-F238E27FC236}">
+                <a16:creationId xmlns:a16="http://schemas.microsoft.com/office/drawing/2014/main" id="{B41634F3-AAA6-2021-1B22-4EBD260F27B2}"/>
+              </a:ext>
+            </a:extLst>
+          </p:cNvPr>
+          <p:cNvSpPr>
+            <a:spLocks noGrp="1"/>
+          </p:cNvSpPr>
+          <p:nvPr>
+            <p:ph idx="1"/>
+          </p:nvPr>
+        </p:nvSpPr>
+        <p:spPr/>
+        <p:txBody>
+          <a:bodyPr/>
+          <a:lstStyle/>
+          <a:p>
+            <a:pPr marL="0" indent="0">
+              <a:buNone/>
+            </a:pPr>
+            <a:endParaRPr lang="en-US" altLang="ja-JP" dirty="0"/>
+          </a:p>
+          <a:p>
+            <a:pPr marL="0" indent="0">
+              <a:buNone/>
+            </a:pPr>
+            <a:endParaRPr lang="en-US" altLang="ja-JP" dirty="0"/>
+          </a:p>
+          <a:p>
+            <a:pPr marL="0" indent="0">
+              <a:buNone/>
+            </a:pPr>
+            <a:endParaRPr lang="en-US" altLang="ja-JP" dirty="0"/>
+          </a:p>
+          <a:p>
+            <a:pPr marL="0" indent="0">
+              <a:buNone/>
+            </a:pPr>
+            <a:r>
+              <a:rPr lang="en-US" altLang="ja-JP" dirty="0">
+                <a:solidFill>
+                  <a:schemeClr val="bg1">
+                    <a:lumMod val="85000"/>
+                  </a:schemeClr>
+                </a:solidFill>
+              </a:rPr>
+              <a:t>1. Dangling Reference </a:t>
+            </a:r>
+            <a:r>
+              <a:rPr lang="ja-JP" altLang="en-US" dirty="0">
+                <a:solidFill>
+                  <a:schemeClr val="bg1">
+                    <a:lumMod val="85000"/>
+                  </a:schemeClr>
+                </a:solidFill>
+              </a:rPr>
+              <a:t>と </a:t>
+            </a:r>
+            <a:r>
+              <a:rPr lang="en-US" altLang="ja-JP" dirty="0">
+                <a:solidFill>
+                  <a:schemeClr val="bg1">
+                    <a:lumMod val="85000"/>
+                  </a:schemeClr>
+                </a:solidFill>
+              </a:rPr>
+              <a:t>Garbage Collection</a:t>
+            </a:r>
+          </a:p>
+          <a:p>
+            <a:pPr marL="0" indent="0">
+              <a:buNone/>
+            </a:pPr>
+            <a:r>
+              <a:rPr lang="en-US" altLang="ja-JP" dirty="0">
+                <a:solidFill>
+                  <a:schemeClr val="bg1">
+                    <a:lumMod val="85000"/>
+                  </a:schemeClr>
+                </a:solidFill>
+              </a:rPr>
+              <a:t>2</a:t>
+            </a:r>
+            <a:r>
+              <a:rPr kumimoji="1" lang="en-US" altLang="ja-JP" dirty="0">
+                <a:solidFill>
+                  <a:schemeClr val="bg1">
+                    <a:lumMod val="85000"/>
+                  </a:schemeClr>
+                </a:solidFill>
+              </a:rPr>
+              <a:t>. Garbage Collection</a:t>
+            </a:r>
+            <a:r>
+              <a:rPr lang="ja-JP" altLang="en-US" dirty="0">
+                <a:solidFill>
+                  <a:schemeClr val="bg1">
+                    <a:lumMod val="85000"/>
+                  </a:schemeClr>
+                </a:solidFill>
+              </a:rPr>
+              <a:t> 概論</a:t>
+            </a:r>
+            <a:endParaRPr kumimoji="1" lang="en-US" altLang="ja-JP" dirty="0">
+              <a:solidFill>
+                <a:schemeClr val="bg1">
+                  <a:lumMod val="85000"/>
+                </a:schemeClr>
+              </a:solidFill>
+            </a:endParaRPr>
+          </a:p>
+          <a:p>
+            <a:pPr marL="0" indent="0">
+              <a:buNone/>
+            </a:pPr>
+            <a:r>
+              <a:rPr lang="en-US" altLang="ja-JP" dirty="0"/>
+              <a:t>3</a:t>
+            </a:r>
+            <a:r>
+              <a:rPr kumimoji="1" lang="en-US" altLang="ja-JP" dirty="0"/>
+              <a:t>. </a:t>
+            </a:r>
+            <a:r>
+              <a:rPr lang="en-US" altLang="ja-JP" dirty="0"/>
+              <a:t>Python </a:t>
+            </a:r>
+            <a:r>
+              <a:rPr lang="ja-JP" altLang="en-US" dirty="0"/>
+              <a:t>における </a:t>
+            </a:r>
+            <a:r>
+              <a:rPr lang="en-US" altLang="ja-JP" dirty="0"/>
+              <a:t>GC</a:t>
+            </a:r>
+          </a:p>
+          <a:p>
+            <a:pPr marL="0" indent="0">
+              <a:buNone/>
+            </a:pPr>
+            <a:r>
+              <a:rPr lang="en-US" altLang="ja-JP" dirty="0">
+                <a:solidFill>
+                  <a:schemeClr val="bg1">
+                    <a:lumMod val="85000"/>
+                  </a:schemeClr>
+                </a:solidFill>
+              </a:rPr>
+              <a:t>4</a:t>
+            </a:r>
+            <a:r>
+              <a:rPr kumimoji="1" lang="en-US" altLang="ja-JP" dirty="0">
+                <a:solidFill>
+                  <a:schemeClr val="bg1">
+                    <a:lumMod val="85000"/>
+                  </a:schemeClr>
+                </a:solidFill>
+              </a:rPr>
+              <a:t>. </a:t>
+            </a:r>
+            <a:r>
+              <a:rPr kumimoji="1" lang="ja-JP" altLang="en-US" dirty="0">
+                <a:solidFill>
+                  <a:schemeClr val="bg1">
+                    <a:lumMod val="85000"/>
+                  </a:schemeClr>
+                </a:solidFill>
+              </a:rPr>
+              <a:t>実例と </a:t>
+            </a:r>
+            <a:r>
+              <a:rPr kumimoji="1" lang="en-US" altLang="ja-JP" dirty="0" err="1">
+                <a:solidFill>
+                  <a:schemeClr val="bg1">
+                    <a:lumMod val="85000"/>
+                  </a:schemeClr>
+                </a:solidFill>
+              </a:rPr>
+              <a:t>gc.get_stats</a:t>
+            </a:r>
+            <a:r>
+              <a:rPr kumimoji="1" lang="en-US" altLang="ja-JP" dirty="0">
+                <a:solidFill>
+                  <a:schemeClr val="bg1">
+                    <a:lumMod val="85000"/>
+                  </a:schemeClr>
+                </a:solidFill>
+              </a:rPr>
+              <a:t> </a:t>
+            </a:r>
+            <a:r>
+              <a:rPr kumimoji="1" lang="ja-JP" altLang="en-US" dirty="0">
+                <a:solidFill>
+                  <a:schemeClr val="bg1">
+                    <a:lumMod val="85000"/>
+                  </a:schemeClr>
+                </a:solidFill>
+              </a:rPr>
+              <a:t>の仕様</a:t>
+            </a:r>
+            <a:endParaRPr kumimoji="1" lang="en-US" altLang="ja-JP" dirty="0">
+              <a:solidFill>
+                <a:schemeClr val="bg1">
+                  <a:lumMod val="85000"/>
+                </a:schemeClr>
+              </a:solidFill>
+            </a:endParaRPr>
+          </a:p>
+        </p:txBody>
+      </p:sp>
+    </p:spTree>
+    <p:extLst>
+      <p:ext uri="{BB962C8B-B14F-4D97-AF65-F5344CB8AC3E}">
+        <p14:creationId xmlns:p14="http://schemas.microsoft.com/office/powerpoint/2010/main" val="1787027251"/>
       </p:ext>
     </p:extLst>
   </p:cSld>
@@ -8122,285 +8109,6 @@
   <p:cSld>
     <p:spTree>
       <p:nvGrpSpPr>
-        <p:cNvPr id="1" name="">
-          <a:extLst>
-            <a:ext uri="{FF2B5EF4-FFF2-40B4-BE49-F238E27FC236}">
-              <a16:creationId xmlns:a16="http://schemas.microsoft.com/office/drawing/2014/main" id="{228F530C-DFEA-2B89-C5D6-9CFBFF3860AD}"/>
-            </a:ext>
-          </a:extLst>
-        </p:cNvPr>
-        <p:cNvGrpSpPr/>
-        <p:nvPr/>
-      </p:nvGrpSpPr>
-      <p:grpSpPr>
-        <a:xfrm>
-          <a:off x="0" y="0"/>
-          <a:ext cx="0" cy="0"/>
-          <a:chOff x="0" y="0"/>
-          <a:chExt cx="0" cy="0"/>
-        </a:xfrm>
-      </p:grpSpPr>
-      <p:sp>
-        <p:nvSpPr>
-          <p:cNvPr id="2" name="タイトル 1">
-            <a:extLst>
-              <a:ext uri="{FF2B5EF4-FFF2-40B4-BE49-F238E27FC236}">
-                <a16:creationId xmlns:a16="http://schemas.microsoft.com/office/drawing/2014/main" id="{497608FE-4A9D-6FD6-DB2D-8C6805A57532}"/>
-              </a:ext>
-            </a:extLst>
-          </p:cNvPr>
-          <p:cNvSpPr>
-            <a:spLocks noGrp="1"/>
-          </p:cNvSpPr>
-          <p:nvPr>
-            <p:ph type="title"/>
-          </p:nvPr>
-        </p:nvSpPr>
-        <p:spPr/>
-        <p:txBody>
-          <a:bodyPr/>
-          <a:lstStyle/>
-          <a:p>
-            <a:r>
-              <a:rPr lang="ja-JP" altLang="en-US" dirty="0"/>
-              <a:t>今回の内容</a:t>
-            </a:r>
-            <a:endParaRPr kumimoji="1" lang="ja-JP" altLang="en-US" dirty="0"/>
-          </a:p>
-        </p:txBody>
-      </p:sp>
-      <p:sp>
-        <p:nvSpPr>
-          <p:cNvPr id="3" name="コンテンツ プレースホルダー 2">
-            <a:extLst>
-              <a:ext uri="{FF2B5EF4-FFF2-40B4-BE49-F238E27FC236}">
-                <a16:creationId xmlns:a16="http://schemas.microsoft.com/office/drawing/2014/main" id="{B41634F3-AAA6-2021-1B22-4EBD260F27B2}"/>
-              </a:ext>
-            </a:extLst>
-          </p:cNvPr>
-          <p:cNvSpPr>
-            <a:spLocks noGrp="1"/>
-          </p:cNvSpPr>
-          <p:nvPr>
-            <p:ph idx="1"/>
-          </p:nvPr>
-        </p:nvSpPr>
-        <p:spPr/>
-        <p:txBody>
-          <a:bodyPr/>
-          <a:lstStyle/>
-          <a:p>
-            <a:pPr marL="0" indent="0">
-              <a:buNone/>
-            </a:pPr>
-            <a:endParaRPr lang="en-US" altLang="ja-JP" dirty="0"/>
-          </a:p>
-          <a:p>
-            <a:pPr marL="0" indent="0">
-              <a:buNone/>
-            </a:pPr>
-            <a:endParaRPr lang="en-US" altLang="ja-JP" dirty="0"/>
-          </a:p>
-          <a:p>
-            <a:pPr marL="0" indent="0">
-              <a:buNone/>
-            </a:pPr>
-            <a:endParaRPr lang="en-US" altLang="ja-JP" dirty="0"/>
-          </a:p>
-          <a:p>
-            <a:pPr marL="0" indent="0">
-              <a:buNone/>
-            </a:pPr>
-            <a:r>
-              <a:rPr lang="en-US" altLang="ja-JP" dirty="0">
-                <a:solidFill>
-                  <a:schemeClr val="bg1">
-                    <a:lumMod val="85000"/>
-                  </a:schemeClr>
-                </a:solidFill>
-              </a:rPr>
-              <a:t>1. Dangling Reference </a:t>
-            </a:r>
-            <a:r>
-              <a:rPr lang="ja-JP" altLang="en-US" dirty="0">
-                <a:solidFill>
-                  <a:schemeClr val="bg1">
-                    <a:lumMod val="85000"/>
-                  </a:schemeClr>
-                </a:solidFill>
-              </a:rPr>
-              <a:t>と </a:t>
-            </a:r>
-            <a:r>
-              <a:rPr lang="en-US" altLang="ja-JP" dirty="0">
-                <a:solidFill>
-                  <a:schemeClr val="bg1">
-                    <a:lumMod val="85000"/>
-                  </a:schemeClr>
-                </a:solidFill>
-              </a:rPr>
-              <a:t>Garbage Collection</a:t>
-            </a:r>
-          </a:p>
-          <a:p>
-            <a:pPr marL="0" indent="0">
-              <a:buNone/>
-            </a:pPr>
-            <a:r>
-              <a:rPr lang="en-US" altLang="ja-JP" dirty="0">
-                <a:solidFill>
-                  <a:schemeClr val="bg1">
-                    <a:lumMod val="85000"/>
-                  </a:schemeClr>
-                </a:solidFill>
-              </a:rPr>
-              <a:t>2</a:t>
-            </a:r>
-            <a:r>
-              <a:rPr kumimoji="1" lang="en-US" altLang="ja-JP" dirty="0">
-                <a:solidFill>
-                  <a:schemeClr val="bg1">
-                    <a:lumMod val="85000"/>
-                  </a:schemeClr>
-                </a:solidFill>
-              </a:rPr>
-              <a:t>. Garbage Collection</a:t>
-            </a:r>
-            <a:r>
-              <a:rPr lang="ja-JP" altLang="en-US" dirty="0">
-                <a:solidFill>
-                  <a:schemeClr val="bg1">
-                    <a:lumMod val="85000"/>
-                  </a:schemeClr>
-                </a:solidFill>
-              </a:rPr>
-              <a:t> 概論</a:t>
-            </a:r>
-            <a:endParaRPr kumimoji="1" lang="en-US" altLang="ja-JP" dirty="0">
-              <a:solidFill>
-                <a:schemeClr val="bg1">
-                  <a:lumMod val="85000"/>
-                </a:schemeClr>
-              </a:solidFill>
-            </a:endParaRPr>
-          </a:p>
-          <a:p>
-            <a:pPr marL="0" indent="0">
-              <a:buNone/>
-            </a:pPr>
-            <a:r>
-              <a:rPr lang="en-US" altLang="ja-JP" dirty="0"/>
-              <a:t>3</a:t>
-            </a:r>
-            <a:r>
-              <a:rPr kumimoji="1" lang="en-US" altLang="ja-JP" dirty="0"/>
-              <a:t>. </a:t>
-            </a:r>
-            <a:r>
-              <a:rPr lang="en-US" altLang="ja-JP" dirty="0"/>
-              <a:t>Python </a:t>
-            </a:r>
-            <a:r>
-              <a:rPr lang="ja-JP" altLang="en-US" dirty="0"/>
-              <a:t>における </a:t>
-            </a:r>
-            <a:r>
-              <a:rPr lang="en-US" altLang="ja-JP" dirty="0"/>
-              <a:t>GC</a:t>
-            </a:r>
-          </a:p>
-          <a:p>
-            <a:pPr marL="0" indent="0">
-              <a:buNone/>
-            </a:pPr>
-            <a:r>
-              <a:rPr lang="en-US" altLang="ja-JP" dirty="0">
-                <a:solidFill>
-                  <a:schemeClr val="bg1">
-                    <a:lumMod val="85000"/>
-                  </a:schemeClr>
-                </a:solidFill>
-              </a:rPr>
-              <a:t>4</a:t>
-            </a:r>
-            <a:r>
-              <a:rPr kumimoji="1" lang="en-US" altLang="ja-JP" dirty="0">
-                <a:solidFill>
-                  <a:schemeClr val="bg1">
-                    <a:lumMod val="85000"/>
-                  </a:schemeClr>
-                </a:solidFill>
-              </a:rPr>
-              <a:t>. </a:t>
-            </a:r>
-            <a:r>
-              <a:rPr kumimoji="1" lang="ja-JP" altLang="en-US" dirty="0">
-                <a:solidFill>
-                  <a:schemeClr val="bg1">
-                    <a:lumMod val="85000"/>
-                  </a:schemeClr>
-                </a:solidFill>
-              </a:rPr>
-              <a:t>実例と </a:t>
-            </a:r>
-            <a:r>
-              <a:rPr kumimoji="1" lang="en-US" altLang="ja-JP" dirty="0" err="1">
-                <a:solidFill>
-                  <a:schemeClr val="bg1">
-                    <a:lumMod val="85000"/>
-                  </a:schemeClr>
-                </a:solidFill>
-              </a:rPr>
-              <a:t>gc.get_stats</a:t>
-            </a:r>
-            <a:r>
-              <a:rPr kumimoji="1" lang="en-US" altLang="ja-JP" dirty="0">
-                <a:solidFill>
-                  <a:schemeClr val="bg1">
-                    <a:lumMod val="85000"/>
-                  </a:schemeClr>
-                </a:solidFill>
-              </a:rPr>
-              <a:t> </a:t>
-            </a:r>
-            <a:r>
-              <a:rPr kumimoji="1" lang="ja-JP" altLang="en-US" dirty="0">
-                <a:solidFill>
-                  <a:schemeClr val="bg1">
-                    <a:lumMod val="85000"/>
-                  </a:schemeClr>
-                </a:solidFill>
-              </a:rPr>
-              <a:t>の仕様</a:t>
-            </a:r>
-            <a:endParaRPr kumimoji="1" lang="en-US" altLang="ja-JP" dirty="0">
-              <a:solidFill>
-                <a:schemeClr val="bg1">
-                  <a:lumMod val="85000"/>
-                </a:schemeClr>
-              </a:solidFill>
-            </a:endParaRPr>
-          </a:p>
-        </p:txBody>
-      </p:sp>
-    </p:spTree>
-    <p:extLst>
-      <p:ext uri="{BB962C8B-B14F-4D97-AF65-F5344CB8AC3E}">
-        <p14:creationId xmlns:p14="http://schemas.microsoft.com/office/powerpoint/2010/main" val="1787027251"/>
-      </p:ext>
-    </p:extLst>
-  </p:cSld>
-  <p:clrMapOvr>
-    <a:masterClrMapping/>
-  </p:clrMapOvr>
-</p:sld>
-</file>
-
-<file path=ppt/slides/slide21.xml><?xml version="1.0" encoding="utf-8"?>
-<p:sld xmlns:a="http://schemas.openxmlformats.org/drawingml/2006/main" xmlns:r="http://schemas.openxmlformats.org/officeDocument/2006/relationships" xmlns:p="http://schemas.openxmlformats.org/presentationml/2006/main">
-  <p:cSld>
-    <p:spTree>
-      <p:nvGrpSpPr>
         <p:cNvPr id="1" name=""/>
         <p:cNvGrpSpPr/>
         <p:nvPr/>
@@ -8519,7 +8227,15 @@
             </a:pPr>
             <a:r>
               <a:rPr lang="en-US" altLang="ja-JP" dirty="0"/>
-              <a:t>		with Generational GC</a:t>
+              <a:t>		with 2</a:t>
+            </a:r>
+            <a:r>
+              <a:rPr lang="ja-JP" altLang="en-US" dirty="0"/>
+              <a:t>世代 </a:t>
+            </a:r>
+            <a:r>
+              <a:rPr lang="en-US" altLang="ja-JP" dirty="0"/>
+              <a:t>Generational GC</a:t>
             </a:r>
           </a:p>
           <a:p>
@@ -8556,8 +8272,8 @@
         </p:blipFill>
         <p:spPr>
           <a:xfrm>
-            <a:off x="259195" y="3032327"/>
-            <a:ext cx="3357227" cy="2998688"/>
+            <a:off x="259195" y="2586012"/>
+            <a:ext cx="4127748" cy="3686920"/>
           </a:xfrm>
           <a:prstGeom prst="rect">
             <a:avLst/>
@@ -8612,7 +8328,7 @@
 </p:sld>
 </file>
 
-<file path=ppt/slides/slide22.xml><?xml version="1.0" encoding="utf-8"?>
+<file path=ppt/slides/slide21.xml><?xml version="1.0" encoding="utf-8"?>
 <p:sld xmlns:a="http://schemas.openxmlformats.org/drawingml/2006/main" xmlns:r="http://schemas.openxmlformats.org/officeDocument/2006/relationships" xmlns:p="http://schemas.openxmlformats.org/presentationml/2006/main">
   <p:cSld>
     <p:spTree>
@@ -8700,7 +8416,7 @@
             </a:pPr>
             <a:r>
               <a:rPr lang="en-US" altLang="ja-JP" u="sng" dirty="0"/>
-              <a:t>3</a:t>
+              <a:t>2</a:t>
             </a:r>
             <a:r>
               <a:rPr lang="ja-JP" altLang="en-US" u="sng" dirty="0"/>
@@ -8954,7 +8670,7 @@
 </p:sld>
 </file>
 
-<file path=ppt/slides/slide23.xml><?xml version="1.0" encoding="utf-8"?>
+<file path=ppt/slides/slide22.xml><?xml version="1.0" encoding="utf-8"?>
 <p:sld xmlns:a="http://schemas.openxmlformats.org/drawingml/2006/main" xmlns:r="http://schemas.openxmlformats.org/officeDocument/2006/relationships" xmlns:p="http://schemas.openxmlformats.org/presentationml/2006/main">
   <p:cSld>
     <p:spTree>
@@ -9000,7 +8716,7 @@
           <a:p>
             <a:r>
               <a:rPr kumimoji="1" lang="en-US" altLang="ja-JP" dirty="0"/>
-              <a:t>3.1. 3</a:t>
+              <a:t>3.1. 2</a:t>
             </a:r>
             <a:r>
               <a:rPr kumimoji="1" lang="ja-JP" altLang="en-US" dirty="0"/>
@@ -9106,8 +8822,167 @@
               <a:buNone/>
             </a:pPr>
             <a:r>
+              <a:rPr lang="en-US" altLang="ja-JP" sz="3200" b="1" i="1" dirty="0">
+                <a:solidFill>
+                  <a:schemeClr val="bg1">
+                    <a:lumMod val="85000"/>
+                  </a:schemeClr>
+                </a:solidFill>
+              </a:rPr>
+              <a:t>gen1 </a:t>
+            </a:r>
+            <a:r>
+              <a:rPr lang="en-US" altLang="ja-JP" b="1" dirty="0">
+                <a:solidFill>
+                  <a:schemeClr val="bg1">
+                    <a:lumMod val="85000"/>
+                  </a:schemeClr>
+                </a:solidFill>
+              </a:rPr>
+              <a:t>(</a:t>
+            </a:r>
+            <a:r>
+              <a:rPr lang="ja-JP" altLang="en-US" b="1" dirty="0">
+                <a:solidFill>
+                  <a:schemeClr val="bg1">
+                    <a:lumMod val="85000"/>
+                  </a:schemeClr>
+                </a:solidFill>
+              </a:rPr>
+              <a:t>中年世代</a:t>
+            </a:r>
+            <a:r>
+              <a:rPr lang="en-US" altLang="ja-JP" b="1" dirty="0">
+                <a:solidFill>
+                  <a:schemeClr val="bg1">
+                    <a:lumMod val="85000"/>
+                  </a:schemeClr>
+                </a:solidFill>
+              </a:rPr>
+              <a:t>)</a:t>
+            </a:r>
+            <a:r>
+              <a:rPr lang="ja-JP" altLang="en-US" b="1" dirty="0">
+                <a:solidFill>
+                  <a:schemeClr val="bg1">
+                    <a:lumMod val="85000"/>
+                  </a:schemeClr>
+                </a:solidFill>
+              </a:rPr>
+              <a:t> </a:t>
+            </a:r>
+            <a:endParaRPr lang="en-US" altLang="ja-JP" b="1" dirty="0">
+              <a:solidFill>
+                <a:schemeClr val="bg1">
+                  <a:lumMod val="85000"/>
+                </a:schemeClr>
+              </a:solidFill>
+            </a:endParaRPr>
+          </a:p>
+          <a:p>
+            <a:pPr marL="0" indent="0">
+              <a:buNone/>
+            </a:pPr>
+            <a:r>
+              <a:rPr lang="en-US" altLang="ja-JP" sz="2400" b="1" dirty="0">
+                <a:solidFill>
+                  <a:schemeClr val="bg1">
+                    <a:lumMod val="85000"/>
+                  </a:schemeClr>
+                </a:solidFill>
+              </a:rPr>
+              <a:t>	</a:t>
+            </a:r>
+            <a:r>
+              <a:rPr lang="en-US" altLang="ja-JP" sz="2400" dirty="0">
+                <a:solidFill>
+                  <a:schemeClr val="bg1">
+                    <a:lumMod val="85000"/>
+                  </a:schemeClr>
+                </a:solidFill>
+              </a:rPr>
+              <a:t>gen1 </a:t>
+            </a:r>
+            <a:r>
+              <a:rPr lang="ja-JP" altLang="en-US" sz="2400" dirty="0">
+                <a:solidFill>
+                  <a:schemeClr val="bg1">
+                    <a:lumMod val="85000"/>
+                  </a:schemeClr>
+                </a:solidFill>
+              </a:rPr>
+              <a:t>は </a:t>
+            </a:r>
+            <a:r>
+              <a:rPr lang="en-US" altLang="ja-JP" sz="2400" dirty="0">
+                <a:solidFill>
+                  <a:schemeClr val="bg1">
+                    <a:lumMod val="85000"/>
+                  </a:schemeClr>
+                </a:solidFill>
+              </a:rPr>
+              <a:t>Python 3.13 (2024.10.07) </a:t>
+            </a:r>
+            <a:r>
+              <a:rPr lang="ja-JP" altLang="en-US" sz="2400" dirty="0">
+                <a:solidFill>
+                  <a:schemeClr val="bg1">
+                    <a:lumMod val="85000"/>
+                  </a:schemeClr>
+                </a:solidFill>
+              </a:rPr>
+              <a:t>より削除された．</a:t>
+            </a:r>
+            <a:endParaRPr lang="en-US" altLang="ja-JP" sz="2400" b="1" dirty="0">
+              <a:solidFill>
+                <a:schemeClr val="bg1">
+                  <a:lumMod val="85000"/>
+                </a:schemeClr>
+              </a:solidFill>
+            </a:endParaRPr>
+          </a:p>
+          <a:p>
+            <a:pPr marL="0" indent="0">
+              <a:buNone/>
+            </a:pPr>
+            <a:r>
+              <a:rPr lang="en-US" altLang="ja-JP" sz="2400" dirty="0">
+                <a:solidFill>
+                  <a:schemeClr val="bg1">
+                    <a:lumMod val="85000"/>
+                  </a:schemeClr>
+                </a:solidFill>
+              </a:rPr>
+              <a:t> 	threshold2 </a:t>
+            </a:r>
+            <a:r>
+              <a:rPr lang="ja-JP" altLang="en-US" sz="2400" dirty="0">
+                <a:solidFill>
+                  <a:schemeClr val="bg1">
+                    <a:lumMod val="85000"/>
+                  </a:schemeClr>
+                </a:solidFill>
+              </a:rPr>
+              <a:t>も無視される</a:t>
+            </a:r>
+            <a:r>
+              <a:rPr lang="en-US" altLang="ja-JP" sz="2400" dirty="0">
+                <a:solidFill>
+                  <a:schemeClr val="bg1">
+                    <a:lumMod val="85000"/>
+                  </a:schemeClr>
+                </a:solidFill>
+              </a:rPr>
+              <a:t>.</a:t>
+            </a:r>
+          </a:p>
+          <a:p>
+            <a:pPr marL="0" indent="0">
+              <a:buNone/>
+            </a:pPr>
+            <a:r>
               <a:rPr lang="en-US" altLang="ja-JP" sz="3200" b="1" i="1" dirty="0"/>
-              <a:t>gen1 </a:t>
+              <a:t>gen2 </a:t>
             </a:r>
             <a:r>
               <a:rPr lang="en-US" altLang="ja-JP" b="1" dirty="0"/>
@@ -9119,29 +8994,28 @@
             </a:r>
             <a:r>
               <a:rPr lang="en-US" altLang="ja-JP" b="1" dirty="0"/>
-              <a:t>-1)</a:t>
-            </a:r>
-            <a:r>
-              <a:rPr lang="ja-JP" altLang="en-US" b="1" dirty="0"/>
-              <a:t> </a:t>
-            </a:r>
-            <a:endParaRPr lang="en-US" altLang="ja-JP" b="1" dirty="0"/>
-          </a:p>
-          <a:p>
-            <a:pPr marL="0" indent="0">
-              <a:buNone/>
-            </a:pPr>
-            <a:r>
-              <a:rPr lang="en-US" altLang="ja-JP" b="1" dirty="0"/>
-              <a:t>	</a:t>
-            </a:r>
+              <a:t>)</a:t>
+            </a:r>
+          </a:p>
+          <a:p>
+            <a:pPr marL="0" indent="0">
+              <a:buNone/>
+            </a:pPr>
             <a:r>
               <a:rPr lang="en-US" altLang="ja-JP" sz="2400" dirty="0"/>
-              <a:t>gen0 </a:t>
+              <a:t>	gen1 </a:t>
             </a:r>
             <a:r>
               <a:rPr lang="ja-JP" altLang="en-US" sz="2400" dirty="0"/>
-              <a:t>のスキャンが </a:t>
+              <a:t>の </a:t>
+            </a:r>
+            <a:r>
+              <a:rPr lang="en-US" altLang="ja-JP" sz="2400" dirty="0"/>
+              <a:t>GC </a:t>
+            </a:r>
+            <a:r>
+              <a:rPr lang="ja-JP" altLang="en-US" sz="2400" dirty="0"/>
+              <a:t>が </a:t>
             </a:r>
             <a:r>
               <a:rPr lang="en-US" altLang="ja-JP" sz="2400" dirty="0"/>
@@ -9158,54 +9032,39 @@
               <a:buNone/>
             </a:pPr>
             <a:r>
-              <a:rPr lang="en-US" altLang="ja-JP" sz="3200" dirty="0"/>
-              <a:t>	</a:t>
-            </a:r>
-            <a:r>
               <a:rPr lang="en-US" altLang="ja-JP" sz="2400" dirty="0"/>
-              <a:t>1 / threshold1 </a:t>
+              <a:t>	1 / threshold1 </a:t>
             </a:r>
             <a:r>
               <a:rPr lang="ja-JP" altLang="en-US" sz="2400" dirty="0"/>
-              <a:t>の割合でスキャン</a:t>
+              <a:t>の割合でスキャン </a:t>
             </a:r>
             <a:r>
               <a:rPr lang="en-US" altLang="ja-JP" sz="2400" dirty="0"/>
-              <a:t> </a:t>
-            </a:r>
-          </a:p>
-          <a:p>
-            <a:pPr marL="0" indent="0">
-              <a:buNone/>
-            </a:pPr>
-            <a:r>
-              <a:rPr lang="en-US" altLang="ja-JP" sz="3200" b="1" i="1" dirty="0"/>
-              <a:t>gen2 </a:t>
-            </a:r>
-            <a:r>
-              <a:rPr lang="en-US" altLang="ja-JP" b="1" dirty="0"/>
-              <a:t>(</a:t>
-            </a:r>
-            <a:r>
-              <a:rPr lang="ja-JP" altLang="en-US" b="1" dirty="0"/>
-              <a:t>古い世代</a:t>
-            </a:r>
-            <a:r>
-              <a:rPr lang="en-US" altLang="ja-JP" b="1" dirty="0"/>
-              <a:t>-2)</a:t>
-            </a:r>
-          </a:p>
-          <a:p>
-            <a:pPr marL="0" indent="0">
-              <a:buNone/>
-            </a:pPr>
+              <a:t>(Incremental Correction)</a:t>
+            </a:r>
+          </a:p>
+          <a:p>
+            <a:pPr marL="0" indent="0">
+              <a:buNone/>
+            </a:pPr>
+            <a:endParaRPr lang="en-US" altLang="ja-JP" sz="2400" dirty="0"/>
+          </a:p>
+          <a:p>
+            <a:pPr marL="0" indent="0">
+              <a:buNone/>
+            </a:pPr>
+            <a:r>
+              <a:rPr lang="ja-JP" altLang="en-US" sz="2400" dirty="0"/>
+              <a:t>☆ </a:t>
+            </a:r>
             <a:r>
               <a:rPr lang="en-US" altLang="ja-JP" sz="2400" dirty="0"/>
-              <a:t>	gen1 </a:t>
+              <a:t>gen0</a:t>
             </a:r>
             <a:r>
               <a:rPr lang="ja-JP" altLang="en-US" sz="2400" dirty="0"/>
-              <a:t>の </a:t>
+              <a:t> の </a:t>
             </a:r>
             <a:r>
               <a:rPr lang="en-US" altLang="ja-JP" sz="2400" dirty="0"/>
@@ -9213,53 +9072,15 @@
             </a:r>
             <a:r>
               <a:rPr lang="ja-JP" altLang="en-US" sz="2400" dirty="0"/>
-              <a:t>が </a:t>
+              <a:t>を生き残ったオブジェクトは </a:t>
             </a:r>
             <a:r>
               <a:rPr lang="en-US" altLang="ja-JP" sz="2400" dirty="0"/>
-              <a:t>threshold2 </a:t>
+              <a:t>gen2</a:t>
             </a:r>
             <a:r>
               <a:rPr lang="ja-JP" altLang="en-US" sz="2400" dirty="0"/>
-              <a:t>回実行されるたびに</a:t>
-            </a:r>
-            <a:endParaRPr lang="en-US" altLang="ja-JP" sz="2400" dirty="0"/>
-          </a:p>
-          <a:p>
-            <a:pPr marL="0" indent="0">
-              <a:buNone/>
-            </a:pPr>
-            <a:r>
-              <a:rPr lang="en-US" altLang="ja-JP" sz="2400" dirty="0"/>
-              <a:t>	1 / threshold1 </a:t>
-            </a:r>
-            <a:r>
-              <a:rPr lang="ja-JP" altLang="en-US" sz="2400" dirty="0"/>
-              <a:t>の割合でスキャン</a:t>
-            </a:r>
-            <a:endParaRPr lang="en-US" altLang="ja-JP" sz="2400" dirty="0"/>
-          </a:p>
-          <a:p>
-            <a:pPr marL="0" indent="0">
-              <a:buNone/>
-            </a:pPr>
-            <a:endParaRPr lang="en-US" altLang="ja-JP" sz="2400"/>
-          </a:p>
-          <a:p>
-            <a:pPr marL="0" indent="0">
-              <a:buNone/>
-            </a:pPr>
-            <a:r>
-              <a:rPr lang="ja-JP" altLang="en-US" sz="2400"/>
-              <a:t>☆ </a:t>
-            </a:r>
-            <a:r>
-              <a:rPr lang="en-US" altLang="ja-JP" sz="2400" dirty="0"/>
-              <a:t>GC </a:t>
-            </a:r>
-            <a:r>
-              <a:rPr lang="ja-JP" altLang="en-US" sz="2400" dirty="0"/>
-              <a:t>を生き残ったオブジェクトは一つ上の世代へ昇格</a:t>
+              <a:t> へ昇格</a:t>
             </a:r>
           </a:p>
         </p:txBody>
@@ -9279,7 +9100,7 @@
         <p:spPr>
           <a:xfrm>
             <a:off x="3529584" y="6446860"/>
-            <a:ext cx="5797296" cy="369332"/>
+            <a:ext cx="5797296" cy="400110"/>
           </a:xfrm>
           <a:prstGeom prst="rect">
             <a:avLst/>
@@ -9299,11 +9120,14 @@
             <a:endParaRPr lang="en-US" altLang="ja-JP" sz="900" dirty="0"/>
           </a:p>
           <a:p>
-            <a:r>
-              <a:rPr lang="en-US" altLang="ja-JP" sz="900" dirty="0"/>
-              <a:t>https://docs.python.org/ja/3/library/gc.html</a:t>
-            </a:r>
-            <a:endParaRPr lang="ja-JP" altLang="en-US" sz="900" dirty="0"/>
+            <a:pPr marL="0" indent="0">
+              <a:buNone/>
+            </a:pPr>
+            <a:r>
+              <a:rPr kumimoji="1" lang="en-US" altLang="ja-JP" sz="1100" dirty="0"/>
+              <a:t>https://docs.python.org/3.14/library/gc.html</a:t>
+            </a:r>
+            <a:endParaRPr kumimoji="1" lang="ja-JP" altLang="en-US" sz="1100" dirty="0"/>
           </a:p>
         </p:txBody>
       </p:sp>
@@ -9320,7 +9144,7 @@
 </p:sld>
 </file>
 
-<file path=ppt/slides/slide24.xml><?xml version="1.0" encoding="utf-8"?>
+<file path=ppt/slides/slide23.xml><?xml version="1.0" encoding="utf-8"?>
 <p:sld xmlns:a="http://schemas.openxmlformats.org/drawingml/2006/main" xmlns:r="http://schemas.openxmlformats.org/officeDocument/2006/relationships" xmlns:p="http://schemas.openxmlformats.org/presentationml/2006/main">
   <p:cSld>
     <p:spTree>
@@ -9366,7 +9190,7 @@
           <a:p>
             <a:r>
               <a:rPr kumimoji="1" lang="en-US" altLang="ja-JP" dirty="0"/>
-              <a:t>3.1. 3</a:t>
+              <a:t>3.1. 2</a:t>
             </a:r>
             <a:r>
               <a:rPr kumimoji="1" lang="ja-JP" altLang="en-US" dirty="0"/>
@@ -9426,7 +9250,7 @@
             </a:r>
             <a:r>
               <a:rPr lang="ja-JP" altLang="en-US" sz="2400" dirty="0"/>
-              <a:t>が導入されている．</a:t>
+              <a:t>が導入されている． </a:t>
             </a:r>
             <a:endParaRPr lang="en-US" altLang="ja-JP" sz="2400" dirty="0"/>
           </a:p>
@@ -9639,7 +9463,7 @@
 </p:sld>
 </file>
 
-<file path=ppt/slides/slide25.xml><?xml version="1.0" encoding="utf-8"?>
+<file path=ppt/slides/slide24.xml><?xml version="1.0" encoding="utf-8"?>
 <p:sld xmlns:a="http://schemas.openxmlformats.org/drawingml/2006/main" xmlns:r="http://schemas.openxmlformats.org/officeDocument/2006/relationships" xmlns:p="http://schemas.openxmlformats.org/presentationml/2006/main">
   <p:cSld>
     <p:spTree>
@@ -9685,7 +9509,7 @@
           <a:p>
             <a:r>
               <a:rPr kumimoji="1" lang="en-US" altLang="ja-JP" dirty="0"/>
-              <a:t>3.1. 3</a:t>
+              <a:t>3.1. 2</a:t>
             </a:r>
             <a:r>
               <a:rPr kumimoji="1" lang="ja-JP" altLang="en-US" dirty="0"/>
@@ -9954,7 +9778,7 @@
 </p:sld>
 </file>
 
-<file path=ppt/slides/slide26.xml><?xml version="1.0" encoding="utf-8"?>
+<file path=ppt/slides/slide25.xml><?xml version="1.0" encoding="utf-8"?>
 <p:sld xmlns:a="http://schemas.openxmlformats.org/drawingml/2006/main" xmlns:r="http://schemas.openxmlformats.org/officeDocument/2006/relationships" xmlns:p="http://schemas.openxmlformats.org/presentationml/2006/main">
   <p:cSld>
     <p:spTree>
@@ -10000,7 +9824,7 @@
           <a:p>
             <a:r>
               <a:rPr kumimoji="1" lang="en-US" altLang="ja-JP" dirty="0"/>
-              <a:t>3.1. 3</a:t>
+              <a:t>3.1. 2</a:t>
             </a:r>
             <a:r>
               <a:rPr kumimoji="1" lang="ja-JP" altLang="en-US" dirty="0"/>
@@ -10068,11 +9892,11 @@
             </a:r>
             <a:r>
               <a:rPr lang="en-US" altLang="ja-JP" sz="2400" dirty="0"/>
-              <a:t>allocation </a:t>
+              <a:t>allocation, </a:t>
             </a:r>
             <a:r>
               <a:rPr lang="ja-JP" altLang="en-US" sz="2400" dirty="0"/>
-              <a:t>・ </a:t>
+              <a:t> </a:t>
             </a:r>
             <a:r>
               <a:rPr lang="en-US" altLang="ja-JP" sz="2400" dirty="0"/>
@@ -10150,44 +9974,6 @@
               <a:rPr lang="ja-JP" altLang="en-US" sz="2400" dirty="0"/>
               <a:t>が実行される頻度が低くなる．</a:t>
             </a:r>
-            <a:endParaRPr lang="en-US" altLang="ja-JP" sz="2400" dirty="0"/>
-          </a:p>
-          <a:p>
-            <a:pPr marL="0" indent="0">
-              <a:buNone/>
-            </a:pPr>
-            <a:endParaRPr lang="en-US" altLang="ja-JP" sz="2400" dirty="0"/>
-          </a:p>
-          <a:p>
-            <a:pPr marL="0" indent="0">
-              <a:buNone/>
-            </a:pPr>
-            <a:r>
-              <a:rPr lang="ja-JP" altLang="en-US" sz="2400" dirty="0"/>
-              <a:t>☆</a:t>
-            </a:r>
-            <a:r>
-              <a:rPr lang="en-US" altLang="ja-JP" sz="2400" dirty="0"/>
-              <a:t>incremental scan </a:t>
-            </a:r>
-            <a:r>
-              <a:rPr lang="ja-JP" altLang="en-US" sz="2400" dirty="0"/>
-              <a:t>でスキャンするオブジェクトの割合という点では</a:t>
-            </a:r>
-            <a:r>
-              <a:rPr lang="en-US" altLang="ja-JP" sz="2400" dirty="0"/>
-              <a:t>threshold2</a:t>
-            </a:r>
-            <a:r>
-              <a:rPr lang="ja-JP" altLang="en-US" sz="2400" dirty="0"/>
-              <a:t>は無視される．</a:t>
-            </a:r>
-            <a:endParaRPr lang="en-US" altLang="ja-JP" sz="2400" dirty="0"/>
-          </a:p>
-          <a:p>
-            <a:pPr marL="0" indent="0">
-              <a:buNone/>
-            </a:pPr>
             <a:endParaRPr lang="en-US" altLang="ja-JP" sz="2400" dirty="0"/>
           </a:p>
           <a:p>
@@ -10246,7 +10032,7 @@
 </p:sld>
 </file>
 
-<file path=ppt/slides/slide27.xml><?xml version="1.0" encoding="utf-8"?>
+<file path=ppt/slides/slide26.xml><?xml version="1.0" encoding="utf-8"?>
 <p:sld xmlns:a="http://schemas.openxmlformats.org/drawingml/2006/main" xmlns:r="http://schemas.openxmlformats.org/officeDocument/2006/relationships" xmlns:p="http://schemas.openxmlformats.org/presentationml/2006/main">
   <p:cSld>
     <p:spTree>
@@ -10292,7 +10078,7 @@
           <a:p>
             <a:r>
               <a:rPr kumimoji="1" lang="en-US" altLang="ja-JP" dirty="0"/>
-              <a:t>3.1. 3</a:t>
+              <a:t>3.1. 2</a:t>
             </a:r>
             <a:r>
               <a:rPr kumimoji="1" lang="ja-JP" altLang="en-US" dirty="0"/>
@@ -10336,7 +10122,7 @@
               <a:rPr lang="en-US" altLang="ja-JP" i="1" u="sng" dirty="0"/>
               <a:t>Incremental collection</a:t>
             </a:r>
-            <a:endParaRPr lang="en-US" altLang="ja-JP" sz="2400" dirty="0"/>
+            <a:endParaRPr lang="en-US" altLang="ja-JP" dirty="0"/>
           </a:p>
           <a:p>
             <a:pPr marL="0" indent="0">
@@ -10440,7 +10226,7 @@
             </a:r>
             <a:r>
               <a:rPr lang="en-US" altLang="ja-JP" sz="2400" dirty="0"/>
-              <a:t>gen1</a:t>
+              <a:t>gen2</a:t>
             </a:r>
             <a:r>
               <a:rPr lang="ja-JP" altLang="en-US" sz="2400" dirty="0"/>
@@ -10452,52 +10238,6 @@
             </a:r>
             <a:r>
               <a:rPr lang="ja-JP" altLang="en-US" sz="2400" dirty="0"/>
-              <a:t>が，</a:t>
-            </a:r>
-            <a:endParaRPr lang="en-US" altLang="ja-JP" sz="2400" dirty="0"/>
-          </a:p>
-          <a:p>
-            <a:pPr marL="0" indent="0">
-              <a:buNone/>
-            </a:pPr>
-            <a:r>
-              <a:rPr lang="en-US" altLang="ja-JP" sz="2400" dirty="0"/>
-              <a:t>gen1</a:t>
-            </a:r>
-            <a:r>
-              <a:rPr lang="ja-JP" altLang="en-US" sz="2400" dirty="0"/>
-              <a:t>の</a:t>
-            </a:r>
-            <a:r>
-              <a:rPr lang="en-US" altLang="ja-JP" sz="2400" dirty="0"/>
-              <a:t>GC</a:t>
-            </a:r>
-            <a:r>
-              <a:rPr lang="ja-JP" altLang="en-US" sz="2400" dirty="0"/>
-              <a:t>が</a:t>
-            </a:r>
-            <a:r>
-              <a:rPr lang="en-US" altLang="ja-JP" sz="2400" dirty="0"/>
-              <a:t>10</a:t>
-            </a:r>
-            <a:r>
-              <a:rPr lang="ja-JP" altLang="en-US" sz="2400" dirty="0"/>
-              <a:t>回行われるたびに </a:t>
-            </a:r>
-            <a:r>
-              <a:rPr lang="en-US" altLang="ja-JP" sz="2400" dirty="0"/>
-              <a:t>gen2</a:t>
-            </a:r>
-            <a:r>
-              <a:rPr lang="ja-JP" altLang="en-US" sz="2400" dirty="0"/>
-              <a:t>の</a:t>
-            </a:r>
-            <a:r>
-              <a:rPr lang="en-US" altLang="ja-JP" sz="2400" dirty="0"/>
-              <a:t>1/10 </a:t>
-            </a:r>
-            <a:r>
-              <a:rPr lang="ja-JP" altLang="en-US" sz="2400" dirty="0"/>
               <a:t>が</a:t>
             </a:r>
             <a:r>
@@ -10517,6 +10257,12 @@
             <a:pPr marL="0" indent="0">
               <a:buNone/>
             </a:pPr>
+            <a:endParaRPr lang="en-US" altLang="ja-JP" sz="2400" dirty="0"/>
+          </a:p>
+          <a:p>
+            <a:pPr marL="0" indent="0">
+              <a:buNone/>
+            </a:pPr>
             <a:r>
               <a:rPr lang="ja-JP" altLang="en-US" sz="2400" dirty="0"/>
               <a:t>したがって，各世代別フルスキャンの回数の割合は，</a:t>
@@ -10529,7 +10275,7 @@
             </a:pPr>
             <a:r>
               <a:rPr lang="en-US" altLang="ja-JP" sz="2400" dirty="0"/>
-              <a:t>	gen0 : gen1 : gen2 = 10000 : 100 : 1</a:t>
+              <a:t>	gen0  : gen2 = 100 : 1</a:t>
             </a:r>
           </a:p>
           <a:p>
@@ -10540,7 +10286,10 @@
               <a:rPr lang="ja-JP" altLang="en-US" sz="2400" dirty="0"/>
               <a:t>と考えられる</a:t>
             </a:r>
-            <a:endParaRPr lang="en-US" altLang="ja-JP" sz="2400" dirty="0"/>
+            <a:r>
+              <a:rPr lang="en-US" altLang="ja-JP" sz="2400" dirty="0"/>
+              <a:t>. </a:t>
+            </a:r>
           </a:p>
         </p:txBody>
       </p:sp>
@@ -10622,6 +10371,93 @@
 </p:sld>
 </file>
 
+<file path=ppt/slides/slide27.xml><?xml version="1.0" encoding="utf-8"?>
+<p:sld xmlns:a="http://schemas.openxmlformats.org/drawingml/2006/main" xmlns:r="http://schemas.openxmlformats.org/officeDocument/2006/relationships" xmlns:p="http://schemas.openxmlformats.org/presentationml/2006/main">
+  <p:cSld>
+    <p:spTree>
+      <p:nvGrpSpPr>
+        <p:cNvPr id="1" name=""/>
+        <p:cNvGrpSpPr/>
+        <p:nvPr/>
+      </p:nvGrpSpPr>
+      <p:grpSpPr>
+        <a:xfrm>
+          <a:off x="0" y="0"/>
+          <a:ext cx="0" cy="0"/>
+          <a:chOff x="0" y="0"/>
+          <a:chExt cx="0" cy="0"/>
+        </a:xfrm>
+      </p:grpSpPr>
+      <p:sp>
+        <p:nvSpPr>
+          <p:cNvPr id="2" name="タイトル 1">
+            <a:extLst>
+              <a:ext uri="{FF2B5EF4-FFF2-40B4-BE49-F238E27FC236}">
+                <a16:creationId xmlns:a16="http://schemas.microsoft.com/office/drawing/2014/main" id="{F064CCEC-4E3E-9B37-B05A-90BF870A3D65}"/>
+              </a:ext>
+            </a:extLst>
+          </p:cNvPr>
+          <p:cNvSpPr>
+            <a:spLocks noGrp="1"/>
+          </p:cNvSpPr>
+          <p:nvPr>
+            <p:ph type="title"/>
+          </p:nvPr>
+        </p:nvSpPr>
+        <p:spPr/>
+        <p:txBody>
+          <a:bodyPr/>
+          <a:lstStyle/>
+          <a:p>
+            <a:r>
+              <a:rPr kumimoji="1" lang="en-US" altLang="ja-JP" dirty="0"/>
+              <a:t>3.2. </a:t>
+            </a:r>
+            <a:r>
+              <a:rPr kumimoji="1" lang="ja-JP" altLang="en-US" dirty="0"/>
+              <a:t>循環参照への対処</a:t>
+            </a:r>
+          </a:p>
+        </p:txBody>
+      </p:sp>
+      <p:sp>
+        <p:nvSpPr>
+          <p:cNvPr id="3" name="コンテンツ プレースホルダー 2">
+            <a:extLst>
+              <a:ext uri="{FF2B5EF4-FFF2-40B4-BE49-F238E27FC236}">
+                <a16:creationId xmlns:a16="http://schemas.microsoft.com/office/drawing/2014/main" id="{281FA24D-2D80-B3A5-8ABB-B5DF0DF8BCA5}"/>
+              </a:ext>
+            </a:extLst>
+          </p:cNvPr>
+          <p:cNvSpPr>
+            <a:spLocks noGrp="1"/>
+          </p:cNvSpPr>
+          <p:nvPr>
+            <p:ph idx="1"/>
+          </p:nvPr>
+        </p:nvSpPr>
+        <p:spPr/>
+        <p:txBody>
+          <a:bodyPr/>
+          <a:lstStyle/>
+          <a:p>
+            <a:endParaRPr kumimoji="1" lang="ja-JP" altLang="en-US" dirty="0"/>
+          </a:p>
+        </p:txBody>
+      </p:sp>
+    </p:spTree>
+    <p:extLst>
+      <p:ext uri="{BB962C8B-B14F-4D97-AF65-F5344CB8AC3E}">
+        <p14:creationId xmlns:p14="http://schemas.microsoft.com/office/powerpoint/2010/main" val="1866053512"/>
+      </p:ext>
+    </p:extLst>
+  </p:cSld>
+  <p:clrMapOvr>
+    <a:masterClrMapping/>
+  </p:clrMapOvr>
+</p:sld>
+</file>
+
 <file path=ppt/slides/slide28.xml><?xml version="1.0" encoding="utf-8"?>
 <p:sld xmlns:a="http://schemas.openxmlformats.org/drawingml/2006/main" xmlns:r="http://schemas.openxmlformats.org/officeDocument/2006/relationships" xmlns:p="http://schemas.openxmlformats.org/presentationml/2006/main">
   <p:cSld>
@@ -10644,7 +10480,7 @@
           <p:cNvPr id="2" name="タイトル 1">
             <a:extLst>
               <a:ext uri="{FF2B5EF4-FFF2-40B4-BE49-F238E27FC236}">
-                <a16:creationId xmlns:a16="http://schemas.microsoft.com/office/drawing/2014/main" id="{F064CCEC-4E3E-9B37-B05A-90BF870A3D65}"/>
+                <a16:creationId xmlns:a16="http://schemas.microsoft.com/office/drawing/2014/main" id="{6CBF3B6D-CD52-180C-BE57-EC4937286B4C}"/>
               </a:ext>
             </a:extLst>
           </p:cNvPr>
@@ -10661,45 +10497,110 @@
           <a:lstStyle/>
           <a:p>
             <a:r>
+              <a:rPr kumimoji="1" lang="ja-JP" altLang="en-US" dirty="0"/>
+              <a:t>参考文献</a:t>
+            </a:r>
+          </a:p>
+        </p:txBody>
+      </p:sp>
+      <p:sp>
+        <p:nvSpPr>
+          <p:cNvPr id="3" name="コンテンツ プレースホルダー 2">
+            <a:extLst>
+              <a:ext uri="{FF2B5EF4-FFF2-40B4-BE49-F238E27FC236}">
+                <a16:creationId xmlns:a16="http://schemas.microsoft.com/office/drawing/2014/main" id="{A23766E5-2403-0306-015C-1E4F091DF520}"/>
+              </a:ext>
+            </a:extLst>
+          </p:cNvPr>
+          <p:cNvSpPr>
+            <a:spLocks noGrp="1"/>
+          </p:cNvSpPr>
+          <p:nvPr>
+            <p:ph idx="1"/>
+          </p:nvPr>
+        </p:nvSpPr>
+        <p:spPr/>
+        <p:txBody>
+          <a:bodyPr>
+            <a:normAutofit/>
+          </a:bodyPr>
+          <a:lstStyle/>
+          <a:p>
+            <a:pPr marL="0" indent="0">
+              <a:buNone/>
+            </a:pPr>
+            <a:endParaRPr lang="en-US" altLang="ja-JP" dirty="0"/>
+          </a:p>
+          <a:p>
+            <a:pPr marL="0" indent="0">
+              <a:buNone/>
+            </a:pPr>
+            <a:r>
+              <a:rPr kumimoji="1" lang="en-US" altLang="ja-JP" dirty="0">
+                <a:hlinkClick r:id="rId2"/>
+              </a:rPr>
+              <a:t>https://en.wikipedia.org/wiki/Garbage_collection_(computer_science)</a:t>
+            </a:r>
+            <a:r>
               <a:rPr kumimoji="1" lang="en-US" altLang="ja-JP" dirty="0"/>
-              <a:t>3.2. </a:t>
-            </a:r>
-            <a:r>
-              <a:rPr kumimoji="1" lang="ja-JP" altLang="en-US" dirty="0"/>
-              <a:t>循環参照への対処</a:t>
-            </a:r>
-          </a:p>
-        </p:txBody>
-      </p:sp>
-      <p:sp>
-        <p:nvSpPr>
-          <p:cNvPr id="3" name="コンテンツ プレースホルダー 2">
-            <a:extLst>
-              <a:ext uri="{FF2B5EF4-FFF2-40B4-BE49-F238E27FC236}">
-                <a16:creationId xmlns:a16="http://schemas.microsoft.com/office/drawing/2014/main" id="{281FA24D-2D80-B3A5-8ABB-B5DF0DF8BCA5}"/>
-              </a:ext>
-            </a:extLst>
-          </p:cNvPr>
-          <p:cNvSpPr>
-            <a:spLocks noGrp="1"/>
-          </p:cNvSpPr>
-          <p:nvPr>
-            <p:ph idx="1"/>
-          </p:nvPr>
-        </p:nvSpPr>
-        <p:spPr/>
-        <p:txBody>
-          <a:bodyPr/>
-          <a:lstStyle/>
-          <a:p>
-            <a:endParaRPr kumimoji="1" lang="ja-JP" altLang="en-US" dirty="0"/>
+              <a:t> </a:t>
+            </a:r>
+          </a:p>
+          <a:p>
+            <a:pPr marL="0" indent="0">
+              <a:buNone/>
+            </a:pPr>
+            <a:endParaRPr kumimoji="1" lang="en-US" altLang="ja-JP" dirty="0"/>
+          </a:p>
+          <a:p>
+            <a:pPr marL="0" indent="0">
+              <a:buNone/>
+            </a:pPr>
+            <a:r>
+              <a:rPr kumimoji="1" lang="en-US" altLang="ja-JP" dirty="0">
+                <a:hlinkClick r:id="rId3"/>
+              </a:rPr>
+              <a:t>http://matsu-www.is.titech.ac.jp/~endo/gc/gc.pdf</a:t>
+            </a:r>
+            <a:r>
+              <a:rPr kumimoji="1" lang="en-US" altLang="ja-JP" dirty="0"/>
+              <a:t> </a:t>
+            </a:r>
+          </a:p>
+          <a:p>
+            <a:pPr marL="0" indent="0">
+              <a:buNone/>
+            </a:pPr>
+            <a:endParaRPr lang="en-US" altLang="ja-JP" dirty="0"/>
+          </a:p>
+          <a:p>
+            <a:pPr marL="0" indent="0">
+              <a:buNone/>
+            </a:pPr>
+            <a:r>
+              <a:rPr kumimoji="1" lang="en-US" altLang="ja-JP" sz="2800" dirty="0"/>
+              <a:t>https://ja.wikipedia.org/wiki/%E3%83%95%E3%83%A9%E3%82%B0%E3%83%A1%E3%83%B3%E3%83%86%E3%83%BC%E3%82%B7%E3%83%A7%E3%83%B3 </a:t>
+            </a:r>
+            <a:endParaRPr kumimoji="1" lang="ja-JP" altLang="en-US" sz="2800" dirty="0"/>
+          </a:p>
+          <a:p>
+            <a:pPr marL="0" indent="0">
+              <a:buNone/>
+            </a:pPr>
+            <a:endParaRPr lang="en-US" altLang="ja-JP" dirty="0"/>
+          </a:p>
+          <a:p>
+            <a:pPr marL="0" indent="0">
+              <a:buNone/>
+            </a:pPr>
+            <a:endParaRPr lang="en-US" altLang="ja-JP" dirty="0"/>
           </a:p>
         </p:txBody>
       </p:sp>
     </p:spTree>
     <p:extLst>
       <p:ext uri="{BB962C8B-B14F-4D97-AF65-F5344CB8AC3E}">
-        <p14:creationId xmlns:p14="http://schemas.microsoft.com/office/powerpoint/2010/main" val="1866053512"/>
+        <p14:creationId xmlns:p14="http://schemas.microsoft.com/office/powerpoint/2010/main" val="94726582"/>
       </p:ext>
     </p:extLst>
   </p:cSld>
@@ -10714,7 +10615,13 @@
   <p:cSld>
     <p:spTree>
       <p:nvGrpSpPr>
-        <p:cNvPr id="1" name=""/>
+        <p:cNvPr id="1" name="">
+          <a:extLst>
+            <a:ext uri="{FF2B5EF4-FFF2-40B4-BE49-F238E27FC236}">
+              <a16:creationId xmlns:a16="http://schemas.microsoft.com/office/drawing/2014/main" id="{6927EDB8-FD8D-ADA2-5001-E3E74CB7591C}"/>
+            </a:ext>
+          </a:extLst>
+        </p:cNvPr>
         <p:cNvGrpSpPr/>
         <p:nvPr/>
       </p:nvGrpSpPr>
@@ -10731,7 +10638,7 @@
           <p:cNvPr id="2" name="タイトル 1">
             <a:extLst>
               <a:ext uri="{FF2B5EF4-FFF2-40B4-BE49-F238E27FC236}">
-                <a16:creationId xmlns:a16="http://schemas.microsoft.com/office/drawing/2014/main" id="{6CBF3B6D-CD52-180C-BE57-EC4937286B4C}"/>
+                <a16:creationId xmlns:a16="http://schemas.microsoft.com/office/drawing/2014/main" id="{103DF0FE-9371-C051-4493-3D17934D7D38}"/>
               </a:ext>
             </a:extLst>
           </p:cNvPr>
@@ -10759,7 +10666,7 @@
           <p:cNvPr id="3" name="コンテンツ プレースホルダー 2">
             <a:extLst>
               <a:ext uri="{FF2B5EF4-FFF2-40B4-BE49-F238E27FC236}">
-                <a16:creationId xmlns:a16="http://schemas.microsoft.com/office/drawing/2014/main" id="{A23766E5-2403-0306-015C-1E4F091DF520}"/>
+                <a16:creationId xmlns:a16="http://schemas.microsoft.com/office/drawing/2014/main" id="{1194B260-6EA0-D9FA-475F-C9EB15B72972}"/>
               </a:ext>
             </a:extLst>
           </p:cNvPr>
@@ -10790,68 +10697,61 @@
               <a:rPr kumimoji="1" lang="en-US" altLang="ja-JP" dirty="0">
                 <a:hlinkClick r:id="rId2"/>
               </a:rPr>
-              <a:t>https://en.wikipedia.org/wiki/Garbage_collection_(computer_science)</a:t>
-            </a:r>
+              <a:t>https://github.com/python/cpython/blob/main/InternalDocs/garbage_collector.md</a:t>
+            </a:r>
+            <a:endParaRPr kumimoji="1" lang="en-US" altLang="ja-JP" dirty="0"/>
+          </a:p>
+          <a:p>
+            <a:pPr marL="0" indent="0">
+              <a:buNone/>
+            </a:pPr>
+            <a:endParaRPr lang="en-US" altLang="ja-JP" dirty="0"/>
+          </a:p>
+          <a:p>
+            <a:pPr marL="0" indent="0">
+              <a:buNone/>
+            </a:pPr>
             <a:r>
               <a:rPr kumimoji="1" lang="en-US" altLang="ja-JP" dirty="0"/>
-              <a:t> </a:t>
-            </a:r>
-          </a:p>
-          <a:p>
-            <a:pPr marL="0" indent="0">
-              <a:buNone/>
-            </a:pPr>
+              <a:t>https://docs.python.org/ja/3/library/gc.html</a:t>
+            </a:r>
+            <a:r>
+              <a:rPr kumimoji="1" lang="ja-JP" altLang="en-US" dirty="0"/>
+              <a:t>　</a:t>
+            </a:r>
             <a:endParaRPr kumimoji="1" lang="en-US" altLang="ja-JP" dirty="0"/>
           </a:p>
           <a:p>
             <a:pPr marL="0" indent="0">
               <a:buNone/>
             </a:pPr>
-            <a:r>
-              <a:rPr kumimoji="1" lang="en-US" altLang="ja-JP" dirty="0">
-                <a:hlinkClick r:id="rId3"/>
-              </a:rPr>
-              <a:t>http://matsu-www.is.titech.ac.jp/~endo/gc/gc.pdf</a:t>
-            </a:r>
+            <a:endParaRPr lang="en-US" altLang="ja-JP" dirty="0"/>
+          </a:p>
+          <a:p>
+            <a:pPr marL="0" indent="0">
+              <a:buNone/>
+            </a:pPr>
+            <a:r>
+              <a:rPr lang="en-US" altLang="ja-JP" dirty="0"/>
+              <a:t>https://docs.python.org/3.13/library/gc.html</a:t>
+            </a:r>
+          </a:p>
+          <a:p>
+            <a:pPr marL="0" indent="0">
+              <a:buNone/>
+            </a:pPr>
             <a:r>
               <a:rPr kumimoji="1" lang="en-US" altLang="ja-JP" dirty="0"/>
-              <a:t> </a:t>
-            </a:r>
-          </a:p>
-          <a:p>
-            <a:pPr marL="0" indent="0">
-              <a:buNone/>
-            </a:pPr>
-            <a:endParaRPr lang="en-US" altLang="ja-JP" dirty="0"/>
-          </a:p>
-          <a:p>
-            <a:pPr marL="0" indent="0">
-              <a:buNone/>
-            </a:pPr>
-            <a:r>
-              <a:rPr kumimoji="1" lang="en-US" altLang="ja-JP" sz="2800" dirty="0"/>
-              <a:t>https://ja.wikipedia.org/wiki/%E3%83%95%E3%83%A9%E3%82%B0%E3%83%A1%E3%83%B3%E3%83%86%E3%83%BC%E3%82%B7%E3%83%A7%E3%83%B3 </a:t>
-            </a:r>
-            <a:endParaRPr kumimoji="1" lang="ja-JP" altLang="en-US" sz="2800" dirty="0"/>
-          </a:p>
-          <a:p>
-            <a:pPr marL="0" indent="0">
-              <a:buNone/>
-            </a:pPr>
-            <a:endParaRPr lang="en-US" altLang="ja-JP" dirty="0"/>
-          </a:p>
-          <a:p>
-            <a:pPr marL="0" indent="0">
-              <a:buNone/>
-            </a:pPr>
-            <a:endParaRPr lang="en-US" altLang="ja-JP" dirty="0"/>
+              <a:t>https://docs.python.org/3.14/library/gc.html</a:t>
+            </a:r>
+            <a:endParaRPr kumimoji="1" lang="ja-JP" altLang="en-US" dirty="0"/>
           </a:p>
         </p:txBody>
       </p:sp>
     </p:spTree>
     <p:extLst>
       <p:ext uri="{BB962C8B-B14F-4D97-AF65-F5344CB8AC3E}">
-        <p14:creationId xmlns:p14="http://schemas.microsoft.com/office/powerpoint/2010/main" val="94726582"/>
+        <p14:creationId xmlns:p14="http://schemas.microsoft.com/office/powerpoint/2010/main" val="3035484224"/>
       </p:ext>
     </p:extLst>
   </p:cSld>
@@ -11039,131 +10939,6 @@
     <p:extLst>
       <p:ext uri="{BB962C8B-B14F-4D97-AF65-F5344CB8AC3E}">
         <p14:creationId xmlns:p14="http://schemas.microsoft.com/office/powerpoint/2010/main" val="2829603837"/>
-      </p:ext>
-    </p:extLst>
-  </p:cSld>
-  <p:clrMapOvr>
-    <a:masterClrMapping/>
-  </p:clrMapOvr>
-</p:sld>
-</file>
-
-<file path=ppt/slides/slide30.xml><?xml version="1.0" encoding="utf-8"?>
-<p:sld xmlns:a="http://schemas.openxmlformats.org/drawingml/2006/main" xmlns:r="http://schemas.openxmlformats.org/officeDocument/2006/relationships" xmlns:p="http://schemas.openxmlformats.org/presentationml/2006/main">
-  <p:cSld>
-    <p:spTree>
-      <p:nvGrpSpPr>
-        <p:cNvPr id="1" name="">
-          <a:extLst>
-            <a:ext uri="{FF2B5EF4-FFF2-40B4-BE49-F238E27FC236}">
-              <a16:creationId xmlns:a16="http://schemas.microsoft.com/office/drawing/2014/main" id="{6927EDB8-FD8D-ADA2-5001-E3E74CB7591C}"/>
-            </a:ext>
-          </a:extLst>
-        </p:cNvPr>
-        <p:cNvGrpSpPr/>
-        <p:nvPr/>
-      </p:nvGrpSpPr>
-      <p:grpSpPr>
-        <a:xfrm>
-          <a:off x="0" y="0"/>
-          <a:ext cx="0" cy="0"/>
-          <a:chOff x="0" y="0"/>
-          <a:chExt cx="0" cy="0"/>
-        </a:xfrm>
-      </p:grpSpPr>
-      <p:sp>
-        <p:nvSpPr>
-          <p:cNvPr id="2" name="タイトル 1">
-            <a:extLst>
-              <a:ext uri="{FF2B5EF4-FFF2-40B4-BE49-F238E27FC236}">
-                <a16:creationId xmlns:a16="http://schemas.microsoft.com/office/drawing/2014/main" id="{103DF0FE-9371-C051-4493-3D17934D7D38}"/>
-              </a:ext>
-            </a:extLst>
-          </p:cNvPr>
-          <p:cNvSpPr>
-            <a:spLocks noGrp="1"/>
-          </p:cNvSpPr>
-          <p:nvPr>
-            <p:ph type="title"/>
-          </p:nvPr>
-        </p:nvSpPr>
-        <p:spPr/>
-        <p:txBody>
-          <a:bodyPr/>
-          <a:lstStyle/>
-          <a:p>
-            <a:r>
-              <a:rPr kumimoji="1" lang="ja-JP" altLang="en-US" dirty="0"/>
-              <a:t>参考文献</a:t>
-            </a:r>
-          </a:p>
-        </p:txBody>
-      </p:sp>
-      <p:sp>
-        <p:nvSpPr>
-          <p:cNvPr id="3" name="コンテンツ プレースホルダー 2">
-            <a:extLst>
-              <a:ext uri="{FF2B5EF4-FFF2-40B4-BE49-F238E27FC236}">
-                <a16:creationId xmlns:a16="http://schemas.microsoft.com/office/drawing/2014/main" id="{1194B260-6EA0-D9FA-475F-C9EB15B72972}"/>
-              </a:ext>
-            </a:extLst>
-          </p:cNvPr>
-          <p:cNvSpPr>
-            <a:spLocks noGrp="1"/>
-          </p:cNvSpPr>
-          <p:nvPr>
-            <p:ph idx="1"/>
-          </p:nvPr>
-        </p:nvSpPr>
-        <p:spPr/>
-        <p:txBody>
-          <a:bodyPr>
-            <a:normAutofit/>
-          </a:bodyPr>
-          <a:lstStyle/>
-          <a:p>
-            <a:pPr marL="0" indent="0">
-              <a:buNone/>
-            </a:pPr>
-            <a:endParaRPr lang="en-US" altLang="ja-JP" dirty="0"/>
-          </a:p>
-          <a:p>
-            <a:pPr marL="0" indent="0">
-              <a:buNone/>
-            </a:pPr>
-            <a:r>
-              <a:rPr kumimoji="1" lang="en-US" altLang="ja-JP" dirty="0">
-                <a:hlinkClick r:id="rId2"/>
-              </a:rPr>
-              <a:t>https://github.com/python/cpython/blob/main/InternalDocs/garbage_collector.md</a:t>
-            </a:r>
-            <a:endParaRPr kumimoji="1" lang="en-US" altLang="ja-JP" dirty="0"/>
-          </a:p>
-          <a:p>
-            <a:pPr marL="0" indent="0">
-              <a:buNone/>
-            </a:pPr>
-            <a:endParaRPr lang="en-US" altLang="ja-JP" dirty="0"/>
-          </a:p>
-          <a:p>
-            <a:pPr marL="0" indent="0">
-              <a:buNone/>
-            </a:pPr>
-            <a:r>
-              <a:rPr kumimoji="1" lang="en-US" altLang="ja-JP" dirty="0"/>
-              <a:t>https://docs.python.org/ja/3/library/gc.html</a:t>
-            </a:r>
-            <a:r>
-              <a:rPr kumimoji="1" lang="ja-JP" altLang="en-US" dirty="0"/>
-              <a:t>　</a:t>
-            </a:r>
-          </a:p>
-        </p:txBody>
-      </p:sp>
-    </p:spTree>
-    <p:extLst>
-      <p:ext uri="{BB962C8B-B14F-4D97-AF65-F5344CB8AC3E}">
-        <p14:creationId xmlns:p14="http://schemas.microsoft.com/office/powerpoint/2010/main" val="3035484224"/>
       </p:ext>
     </p:extLst>
   </p:cSld>
@@ -11268,33 +11043,6 @@
               <a:buNone/>
             </a:pPr>
             <a:r>
-              <a:rPr lang="en-US" altLang="ja-JP" dirty="0"/>
-              <a:t>1. Dangling Reference </a:t>
-            </a:r>
-            <a:r>
-              <a:rPr lang="ja-JP" altLang="en-US" dirty="0"/>
-              <a:t>と </a:t>
-            </a:r>
-            <a:r>
-              <a:rPr lang="en-US" altLang="ja-JP" dirty="0"/>
-              <a:t>Garbage Collection</a:t>
-            </a:r>
-          </a:p>
-          <a:p>
-            <a:pPr marL="0" indent="0">
-              <a:buNone/>
-            </a:pPr>
-            <a:r>
-              <a:rPr lang="en-US" altLang="ja-JP" dirty="0">
-                <a:solidFill>
-                  <a:schemeClr val="bg1">
-                    <a:lumMod val="85000"/>
-                  </a:schemeClr>
-                </a:solidFill>
-              </a:rPr>
-              <a:t>2</a:t>
-            </a:r>
-            <a:r>
               <a:rPr kumimoji="1" lang="en-US" altLang="ja-JP" dirty="0">
                 <a:solidFill>
                   <a:schemeClr val="bg1">
@@ -11302,7 +11050,7 @@
                   </a:schemeClr>
                 </a:solidFill>
               </a:rPr>
-              <a:t>. Garbage Collection</a:t>
+              <a:t>1. Garbage Collection</a:t>
             </a:r>
             <a:r>
               <a:rPr lang="ja-JP" altLang="en-US" dirty="0">
@@ -11508,23 +11256,14 @@
               <a:rPr lang="en-US" altLang="ja-JP" dirty="0">
                 <a:latin typeface="+mj-lt"/>
               </a:rPr>
-              <a:t>1. Dangling Reference </a:t>
+              <a:t>1. Garbage Collection </a:t>
             </a:r>
             <a:r>
               <a:rPr lang="ja-JP" altLang="en-US" dirty="0">
                 <a:latin typeface="+mj-lt"/>
               </a:rPr>
-              <a:t>と </a:t>
-            </a:r>
-            <a:r>
-              <a:rPr lang="en-US" altLang="ja-JP" dirty="0">
-                <a:latin typeface="+mj-lt"/>
-              </a:rPr>
-              <a:t>Garbage Collection</a:t>
-            </a:r>
-            <a:endParaRPr kumimoji="1" lang="ja-JP" altLang="en-US" dirty="0">
-              <a:latin typeface="+mj-lt"/>
-            </a:endParaRPr>
+              <a:t>概論</a:t>
+            </a:r>
           </a:p>
         </p:txBody>
       </p:sp>
@@ -11637,7 +11376,7 @@
 </file>
 
 <file path=ppt/slides/slide6.xml><?xml version="1.0" encoding="utf-8"?>
-<p:sld xmlns:a="http://schemas.openxmlformats.org/drawingml/2006/main" xmlns:r="http://schemas.openxmlformats.org/officeDocument/2006/relationships" xmlns:p="http://schemas.openxmlformats.org/presentationml/2006/main">
+<p:sld xmlns:a="http://schemas.openxmlformats.org/drawingml/2006/main" xmlns:r="http://schemas.openxmlformats.org/officeDocument/2006/relationships" xmlns:p="http://schemas.openxmlformats.org/presentationml/2006/main" show="0">
   <p:cSld>
     <p:spTree>
       <p:nvGrpSpPr>
@@ -11680,19 +11419,13 @@
               <a:rPr lang="en-US" altLang="ja-JP" dirty="0">
                 <a:latin typeface="+mj-lt"/>
               </a:rPr>
-              <a:t>1. Dangling Reference </a:t>
+              <a:t>1. Garbage Collection </a:t>
             </a:r>
             <a:r>
               <a:rPr lang="ja-JP" altLang="en-US" dirty="0">
                 <a:latin typeface="+mj-lt"/>
               </a:rPr>
-              <a:t>と </a:t>
-            </a:r>
-            <a:r>
-              <a:rPr lang="en-US" altLang="ja-JP" dirty="0">
-                <a:latin typeface="+mj-lt"/>
-              </a:rPr>
-              <a:t>Garbage Collection</a:t>
+              <a:t>概論</a:t>
             </a:r>
             <a:endParaRPr kumimoji="1" lang="ja-JP" altLang="en-US" dirty="0">
               <a:latin typeface="+mj-lt"/>
@@ -12000,19 +11733,13 @@
               <a:rPr lang="en-US" altLang="ja-JP" dirty="0">
                 <a:latin typeface="+mj-lt"/>
               </a:rPr>
-              <a:t>1. Dangling Reference </a:t>
+              <a:t>1. Garbage Collection </a:t>
             </a:r>
             <a:r>
               <a:rPr lang="ja-JP" altLang="en-US" dirty="0">
                 <a:latin typeface="+mj-lt"/>
               </a:rPr>
-              <a:t>と </a:t>
-            </a:r>
-            <a:r>
-              <a:rPr lang="en-US" altLang="ja-JP" dirty="0">
-                <a:latin typeface="+mj-lt"/>
-              </a:rPr>
-              <a:t>Garbage Collection</a:t>
+              <a:t>概論</a:t>
             </a:r>
             <a:endParaRPr kumimoji="1" lang="ja-JP" altLang="en-US" dirty="0">
               <a:latin typeface="+mj-lt"/>
@@ -12278,13 +12005,7 @@
   <p:cSld>
     <p:spTree>
       <p:nvGrpSpPr>
-        <p:cNvPr id="1" name="">
-          <a:extLst>
-            <a:ext uri="{FF2B5EF4-FFF2-40B4-BE49-F238E27FC236}">
-              <a16:creationId xmlns:a16="http://schemas.microsoft.com/office/drawing/2014/main" id="{6892D78F-DFD2-3CA7-09EC-C51EB7EC82E3}"/>
-            </a:ext>
-          </a:extLst>
-        </p:cNvPr>
+        <p:cNvPr id="1" name=""/>
         <p:cNvGrpSpPr/>
         <p:nvPr/>
       </p:nvGrpSpPr>
@@ -12301,7 +12022,7 @@
           <p:cNvPr id="2" name="タイトル 1">
             <a:extLst>
               <a:ext uri="{FF2B5EF4-FFF2-40B4-BE49-F238E27FC236}">
-                <a16:creationId xmlns:a16="http://schemas.microsoft.com/office/drawing/2014/main" id="{1145AADC-34BE-118B-4188-26292D18A11B}"/>
+                <a16:creationId xmlns:a16="http://schemas.microsoft.com/office/drawing/2014/main" id="{CE33A737-F5CB-95F6-41F7-442DE1D7BC31}"/>
               </a:ext>
             </a:extLst>
           </p:cNvPr>
@@ -12310,6 +12031,47 @@
           </p:cNvSpPr>
           <p:nvPr>
             <p:ph type="title"/>
+          </p:nvPr>
+        </p:nvSpPr>
+        <p:spPr/>
+        <p:txBody>
+          <a:bodyPr>
+            <a:normAutofit/>
+          </a:bodyPr>
+          <a:lstStyle/>
+          <a:p>
+            <a:r>
+              <a:rPr kumimoji="1" lang="en-US" altLang="ja-JP" dirty="0">
+                <a:latin typeface="+mj-lt"/>
+              </a:rPr>
+              <a:t>1. Garbage Collection</a:t>
+            </a:r>
+            <a:r>
+              <a:rPr lang="ja-JP" altLang="en-US" dirty="0">
+                <a:latin typeface="+mj-lt"/>
+              </a:rPr>
+              <a:t> 概論</a:t>
+            </a:r>
+            <a:endParaRPr kumimoji="1" lang="ja-JP" altLang="en-US" dirty="0">
+              <a:latin typeface="+mj-lt"/>
+            </a:endParaRPr>
+          </a:p>
+        </p:txBody>
+      </p:sp>
+      <p:sp>
+        <p:nvSpPr>
+          <p:cNvPr id="3" name="コンテンツ プレースホルダー 2">
+            <a:extLst>
+              <a:ext uri="{FF2B5EF4-FFF2-40B4-BE49-F238E27FC236}">
+                <a16:creationId xmlns:a16="http://schemas.microsoft.com/office/drawing/2014/main" id="{FFCFFFCF-49CD-C5DD-592C-DD5483CC9044}"/>
+              </a:ext>
+            </a:extLst>
+          </p:cNvPr>
+          <p:cNvSpPr>
+            <a:spLocks noGrp="1"/>
+          </p:cNvSpPr>
+          <p:nvPr>
+            <p:ph idx="1"/>
           </p:nvPr>
         </p:nvSpPr>
         <p:spPr/>
@@ -12317,238 +12079,209 @@
           <a:bodyPr/>
           <a:lstStyle/>
           <a:p>
-            <a:r>
-              <a:rPr lang="ja-JP" altLang="en-US" dirty="0"/>
-              <a:t>今回の内容</a:t>
-            </a:r>
-            <a:endParaRPr kumimoji="1" lang="ja-JP" altLang="en-US" dirty="0"/>
-          </a:p>
-        </p:txBody>
-      </p:sp>
-      <p:sp>
-        <p:nvSpPr>
-          <p:cNvPr id="3" name="コンテンツ プレースホルダー 2">
-            <a:extLst>
-              <a:ext uri="{FF2B5EF4-FFF2-40B4-BE49-F238E27FC236}">
-                <a16:creationId xmlns:a16="http://schemas.microsoft.com/office/drawing/2014/main" id="{0F80524F-0D31-4FE2-6DAE-C2B41E86DA4D}"/>
-              </a:ext>
-            </a:extLst>
-          </p:cNvPr>
-          <p:cNvSpPr>
-            <a:spLocks noGrp="1"/>
-          </p:cNvSpPr>
-          <p:nvPr>
-            <p:ph idx="1"/>
-          </p:nvPr>
-        </p:nvSpPr>
-        <p:spPr/>
-        <p:txBody>
-          <a:bodyPr/>
+            <a:pPr marL="0" indent="0">
+              <a:buNone/>
+            </a:pPr>
+            <a:r>
+              <a:rPr kumimoji="1" lang="en-US" altLang="ja-JP" dirty="0"/>
+              <a:t>GC </a:t>
+            </a:r>
+            <a:r>
+              <a:rPr kumimoji="1" lang="ja-JP" altLang="en-US" dirty="0"/>
+              <a:t>の方法は大きく分けて</a:t>
+            </a:r>
+            <a:r>
+              <a:rPr kumimoji="1" lang="en-US" altLang="ja-JP" dirty="0"/>
+              <a:t>3</a:t>
+            </a:r>
+            <a:r>
+              <a:rPr kumimoji="1" lang="ja-JP" altLang="en-US" dirty="0"/>
+              <a:t>つ</a:t>
+            </a:r>
+            <a:endParaRPr kumimoji="1" lang="en-US" altLang="ja-JP" dirty="0"/>
+          </a:p>
+          <a:p>
+            <a:pPr marL="0" indent="0">
+              <a:buNone/>
+            </a:pPr>
+            <a:endParaRPr lang="en-US" altLang="ja-JP" sz="2400" dirty="0"/>
+          </a:p>
+          <a:p>
+            <a:pPr marL="0" indent="0">
+              <a:buNone/>
+            </a:pPr>
+            <a:r>
+              <a:rPr kumimoji="1" lang="en-US" altLang="ja-JP" sz="2400" dirty="0"/>
+              <a:t>	1. </a:t>
+            </a:r>
+            <a:r>
+              <a:rPr kumimoji="1" lang="en-US" altLang="ja-JP" sz="2400" dirty="0" err="1"/>
+              <a:t>Tracting</a:t>
+            </a:r>
+            <a:r>
+              <a:rPr lang="ja-JP" altLang="en-US" sz="2400" dirty="0"/>
+              <a:t> </a:t>
+            </a:r>
+            <a:r>
+              <a:rPr lang="en-US" altLang="ja-JP" sz="2400" dirty="0"/>
+              <a:t>GC    </a:t>
+            </a:r>
+            <a:r>
+              <a:rPr kumimoji="1" lang="en-US" altLang="ja-JP" sz="2400" dirty="0"/>
+              <a:t>(Mark-sweep GC, Copying GC, </a:t>
+            </a:r>
+            <a:r>
+              <a:rPr kumimoji="1" lang="en-US" altLang="ja-JP" sz="2400" dirty="0" err="1"/>
+              <a:t>etc</a:t>
+            </a:r>
+            <a:r>
+              <a:rPr kumimoji="1" lang="en-US" altLang="ja-JP" sz="2400" dirty="0"/>
+              <a:t>)</a:t>
+            </a:r>
+          </a:p>
+          <a:p>
+            <a:pPr marL="0" indent="0">
+              <a:buNone/>
+            </a:pPr>
+            <a:r>
+              <a:rPr lang="en-US" altLang="ja-JP" sz="2400" dirty="0"/>
+              <a:t>	2. Reference Counting</a:t>
+            </a:r>
+          </a:p>
+          <a:p>
+            <a:pPr marL="0" indent="0">
+              <a:buNone/>
+            </a:pPr>
+            <a:r>
+              <a:rPr kumimoji="1" lang="en-US" altLang="ja-JP" sz="2400" dirty="0"/>
+              <a:t>	3. </a:t>
+            </a:r>
+            <a:r>
+              <a:rPr kumimoji="1" lang="ja-JP" altLang="en-US" sz="2400" dirty="0"/>
+              <a:t>静的自動メモリ管理</a:t>
+            </a:r>
+            <a:r>
+              <a:rPr kumimoji="1" lang="en-US" altLang="ja-JP" sz="2400" dirty="0"/>
+              <a:t> ※</a:t>
+            </a:r>
+            <a:r>
+              <a:rPr kumimoji="1" lang="ja-JP" altLang="en-US" sz="2400" dirty="0"/>
+              <a:t>今回は触れません</a:t>
+            </a:r>
+            <a:endParaRPr kumimoji="1" lang="en-US" altLang="ja-JP" sz="2400" dirty="0"/>
+          </a:p>
+          <a:p>
+            <a:pPr marL="0" indent="0">
+              <a:buNone/>
+            </a:pPr>
+            <a:r>
+              <a:rPr lang="en-US" altLang="ja-JP" sz="2400" dirty="0"/>
+              <a:t>	</a:t>
+            </a:r>
+            <a:r>
+              <a:rPr lang="ja-JP" altLang="en-US" sz="2400" dirty="0"/>
+              <a:t>　　</a:t>
+            </a:r>
+            <a:r>
+              <a:rPr lang="en-US" altLang="ja-JP" sz="2400" dirty="0"/>
+              <a:t>			(Escape Analysis, Region inference, </a:t>
+            </a:r>
+            <a:r>
+              <a:rPr lang="en-US" altLang="ja-JP" sz="2400" dirty="0" err="1"/>
+              <a:t>etc</a:t>
+            </a:r>
+            <a:r>
+              <a:rPr lang="en-US" altLang="ja-JP" sz="2400" dirty="0"/>
+              <a:t>)</a:t>
+            </a:r>
+          </a:p>
+          <a:p>
+            <a:pPr marL="0" indent="0">
+              <a:buNone/>
+            </a:pPr>
+            <a:endParaRPr lang="en-US" altLang="ja-JP" sz="2400" dirty="0"/>
+          </a:p>
+          <a:p>
+            <a:pPr marL="0" indent="0">
+              <a:buNone/>
+            </a:pPr>
+            <a:r>
+              <a:rPr lang="en-US" altLang="ja-JP" sz="2400" dirty="0"/>
+              <a:t>	[GC </a:t>
+            </a:r>
+            <a:r>
+              <a:rPr lang="ja-JP" altLang="en-US" sz="2400" dirty="0"/>
+              <a:t>の改良</a:t>
+            </a:r>
+            <a:r>
+              <a:rPr lang="en-US" altLang="ja-JP" sz="2400" dirty="0"/>
+              <a:t>]</a:t>
+            </a:r>
+          </a:p>
+          <a:p>
+            <a:pPr marL="0" indent="0">
+              <a:buNone/>
+            </a:pPr>
+            <a:r>
+              <a:rPr kumimoji="1" lang="en-US" altLang="ja-JP" sz="2400" dirty="0"/>
+              <a:t>	+ Generational GC</a:t>
+            </a:r>
+          </a:p>
+          <a:p>
+            <a:pPr marL="0" indent="0">
+              <a:buNone/>
+            </a:pPr>
+            <a:r>
+              <a:rPr lang="en-US" altLang="ja-JP" sz="2400" dirty="0"/>
+              <a:t>	+ Incremental GC</a:t>
+            </a:r>
+            <a:endParaRPr kumimoji="1" lang="ja-JP" altLang="en-US" sz="2400" dirty="0"/>
+          </a:p>
+        </p:txBody>
+      </p:sp>
+      <p:sp>
+        <p:nvSpPr>
+          <p:cNvPr id="5" name="テキスト ボックス 4">
+            <a:extLst>
+              <a:ext uri="{FF2B5EF4-FFF2-40B4-BE49-F238E27FC236}">
+                <a16:creationId xmlns:a16="http://schemas.microsoft.com/office/drawing/2014/main" id="{4710BFEA-6D7A-D8AC-CAE4-3DE1E771D5A5}"/>
+              </a:ext>
+            </a:extLst>
+          </p:cNvPr>
+          <p:cNvSpPr txBox="1"/>
+          <p:nvPr/>
+        </p:nvSpPr>
+        <p:spPr>
+          <a:xfrm>
+            <a:off x="5763127" y="6581001"/>
+            <a:ext cx="4572000" cy="276999"/>
+          </a:xfrm>
+          <a:prstGeom prst="rect">
+            <a:avLst/>
+          </a:prstGeom>
+          <a:noFill/>
+        </p:spPr>
+        <p:txBody>
+          <a:bodyPr wrap="square">
+            <a:spAutoFit/>
+          </a:bodyPr>
           <a:lstStyle/>
           <a:p>
             <a:pPr marL="0" indent="0">
               <a:buNone/>
             </a:pPr>
-            <a:endParaRPr lang="en-US" altLang="ja-JP" dirty="0"/>
-          </a:p>
-          <a:p>
-            <a:pPr marL="0" indent="0">
-              <a:buNone/>
-            </a:pPr>
-            <a:endParaRPr lang="en-US" altLang="ja-JP" dirty="0"/>
-          </a:p>
-          <a:p>
-            <a:pPr marL="0" indent="0">
-              <a:buNone/>
-            </a:pPr>
-            <a:endParaRPr lang="en-US" altLang="ja-JP" dirty="0"/>
-          </a:p>
-          <a:p>
-            <a:pPr marL="0" indent="0">
-              <a:buNone/>
-            </a:pPr>
-            <a:r>
-              <a:rPr lang="en-US" altLang="ja-JP" dirty="0">
-                <a:solidFill>
-                  <a:schemeClr val="bg1">
-                    <a:lumMod val="85000"/>
-                  </a:schemeClr>
-                </a:solidFill>
-              </a:rPr>
-              <a:t>1. Dangling Reference </a:t>
-            </a:r>
-            <a:r>
-              <a:rPr lang="ja-JP" altLang="en-US" dirty="0">
-                <a:solidFill>
-                  <a:schemeClr val="bg1">
-                    <a:lumMod val="85000"/>
-                  </a:schemeClr>
-                </a:solidFill>
-              </a:rPr>
-              <a:t>と </a:t>
-            </a:r>
-            <a:r>
-              <a:rPr lang="en-US" altLang="ja-JP" dirty="0">
-                <a:solidFill>
-                  <a:schemeClr val="bg1">
-                    <a:lumMod val="85000"/>
-                  </a:schemeClr>
-                </a:solidFill>
-              </a:rPr>
-              <a:t>Garbage Collection</a:t>
-            </a:r>
-          </a:p>
-          <a:p>
-            <a:pPr marL="0" indent="0">
-              <a:buNone/>
-            </a:pPr>
-            <a:r>
-              <a:rPr lang="en-US" altLang="ja-JP" dirty="0"/>
-              <a:t>2</a:t>
-            </a:r>
-            <a:r>
-              <a:rPr kumimoji="1" lang="en-US" altLang="ja-JP" dirty="0"/>
-              <a:t>. Garbage Collection</a:t>
-            </a:r>
-            <a:r>
-              <a:rPr lang="ja-JP" altLang="en-US" dirty="0"/>
-              <a:t> 概論</a:t>
-            </a:r>
-            <a:endParaRPr kumimoji="1" lang="en-US" altLang="ja-JP" dirty="0"/>
-          </a:p>
-          <a:p>
-            <a:pPr marL="0" indent="0">
-              <a:buNone/>
-            </a:pPr>
-            <a:r>
-              <a:rPr lang="en-US" altLang="ja-JP" dirty="0">
-                <a:solidFill>
-                  <a:schemeClr val="bg1">
-                    <a:lumMod val="85000"/>
-                  </a:schemeClr>
-                </a:solidFill>
-              </a:rPr>
-              <a:t>3</a:t>
-            </a:r>
-            <a:r>
-              <a:rPr kumimoji="1" lang="en-US" altLang="ja-JP" dirty="0">
-                <a:solidFill>
-                  <a:schemeClr val="bg1">
-                    <a:lumMod val="85000"/>
-                  </a:schemeClr>
-                </a:solidFill>
-              </a:rPr>
-              <a:t>. </a:t>
-            </a:r>
-            <a:r>
-              <a:rPr lang="en-US" altLang="ja-JP" dirty="0">
-                <a:solidFill>
-                  <a:schemeClr val="bg1">
-                    <a:lumMod val="85000"/>
-                  </a:schemeClr>
-                </a:solidFill>
-              </a:rPr>
-              <a:t>Python </a:t>
-            </a:r>
-            <a:r>
-              <a:rPr lang="ja-JP" altLang="en-US" dirty="0">
-                <a:solidFill>
-                  <a:schemeClr val="bg1">
-                    <a:lumMod val="85000"/>
-                  </a:schemeClr>
-                </a:solidFill>
-              </a:rPr>
-              <a:t>における </a:t>
-            </a:r>
-            <a:r>
-              <a:rPr lang="en-US" altLang="ja-JP" dirty="0">
-                <a:solidFill>
-                  <a:schemeClr val="bg1">
-                    <a:lumMod val="85000"/>
-                  </a:schemeClr>
-                </a:solidFill>
-              </a:rPr>
-              <a:t>GC</a:t>
-            </a:r>
-          </a:p>
-          <a:p>
-            <a:pPr marL="0" indent="0">
-              <a:buNone/>
-            </a:pPr>
-            <a:r>
-              <a:rPr lang="en-US" altLang="ja-JP" dirty="0">
-                <a:solidFill>
-                  <a:schemeClr val="bg1">
-                    <a:lumMod val="85000"/>
-                  </a:schemeClr>
-                </a:solidFill>
-              </a:rPr>
-              <a:t>4</a:t>
-            </a:r>
-            <a:r>
-              <a:rPr kumimoji="1" lang="en-US" altLang="ja-JP" dirty="0">
-                <a:solidFill>
-                  <a:schemeClr val="bg1">
-                    <a:lumMod val="85000"/>
-                  </a:schemeClr>
-                </a:solidFill>
-              </a:rPr>
-              <a:t>. </a:t>
-            </a:r>
-            <a:r>
-              <a:rPr kumimoji="1" lang="ja-JP" altLang="en-US" dirty="0">
-                <a:solidFill>
-                  <a:schemeClr val="bg1">
-                    <a:lumMod val="85000"/>
-                  </a:schemeClr>
-                </a:solidFill>
-              </a:rPr>
-              <a:t>実例と </a:t>
-            </a:r>
-            <a:r>
-              <a:rPr kumimoji="1" lang="en-US" altLang="ja-JP" dirty="0" err="1">
-                <a:solidFill>
-                  <a:schemeClr val="bg1">
-                    <a:lumMod val="85000"/>
-                  </a:schemeClr>
-                </a:solidFill>
-              </a:rPr>
-              <a:t>gc.get_stats</a:t>
-            </a:r>
-            <a:r>
-              <a:rPr kumimoji="1" lang="en-US" altLang="ja-JP" dirty="0">
-                <a:solidFill>
-                  <a:schemeClr val="bg1">
-                    <a:lumMod val="85000"/>
-                  </a:schemeClr>
-                </a:solidFill>
-              </a:rPr>
-              <a:t> </a:t>
-            </a:r>
-            <a:r>
-              <a:rPr kumimoji="1" lang="ja-JP" altLang="en-US" dirty="0">
-                <a:solidFill>
-                  <a:schemeClr val="bg1">
-                    <a:lumMod val="85000"/>
-                  </a:schemeClr>
-                </a:solidFill>
-              </a:rPr>
-              <a:t>の仕様</a:t>
-            </a:r>
-            <a:endParaRPr kumimoji="1" lang="en-US" altLang="ja-JP" dirty="0">
-              <a:solidFill>
-                <a:schemeClr val="bg1">
-                  <a:lumMod val="85000"/>
-                </a:schemeClr>
-              </a:solidFill>
-            </a:endParaRPr>
+            <a:r>
+              <a:rPr kumimoji="1" lang="en-US" altLang="ja-JP" sz="1200" dirty="0"/>
+              <a:t>http://matsu-www.is.titech.ac.jp/~endo/gc/gc.pdf </a:t>
+            </a:r>
+            <a:endParaRPr kumimoji="1" lang="ja-JP" altLang="en-US" sz="1200" dirty="0"/>
           </a:p>
         </p:txBody>
       </p:sp>
     </p:spTree>
     <p:extLst>
       <p:ext uri="{BB962C8B-B14F-4D97-AF65-F5344CB8AC3E}">
-        <p14:creationId xmlns:p14="http://schemas.microsoft.com/office/powerpoint/2010/main" val="2965870734"/>
+        <p14:creationId xmlns:p14="http://schemas.microsoft.com/office/powerpoint/2010/main" val="100864130"/>
       </p:ext>
     </p:extLst>
   </p:cSld>
@@ -12580,7 +12313,7 @@
           <p:cNvPr id="2" name="タイトル 1">
             <a:extLst>
               <a:ext uri="{FF2B5EF4-FFF2-40B4-BE49-F238E27FC236}">
-                <a16:creationId xmlns:a16="http://schemas.microsoft.com/office/drawing/2014/main" id="{CE33A737-F5CB-95F6-41F7-442DE1D7BC31}"/>
+                <a16:creationId xmlns:a16="http://schemas.microsoft.com/office/drawing/2014/main" id="{93D2BC46-CF58-D4C9-242A-B24CAFA39CB5}"/>
               </a:ext>
             </a:extLst>
           </p:cNvPr>
@@ -12589,6 +12322,43 @@
           </p:cNvSpPr>
           <p:nvPr>
             <p:ph type="title"/>
+          </p:nvPr>
+        </p:nvSpPr>
+        <p:spPr/>
+        <p:txBody>
+          <a:bodyPr/>
+          <a:lstStyle/>
+          <a:p>
+            <a:r>
+              <a:rPr kumimoji="1" lang="en-US" altLang="ja-JP" dirty="0"/>
+              <a:t>2.1. </a:t>
+            </a:r>
+            <a:r>
+              <a:rPr kumimoji="1" lang="en-US" altLang="ja-JP" dirty="0" err="1"/>
+              <a:t>Tracting</a:t>
+            </a:r>
+            <a:r>
+              <a:rPr kumimoji="1" lang="en-US" altLang="ja-JP" dirty="0"/>
+              <a:t> GC</a:t>
+            </a:r>
+            <a:endParaRPr kumimoji="1" lang="ja-JP" altLang="en-US" dirty="0"/>
+          </a:p>
+        </p:txBody>
+      </p:sp>
+      <p:sp>
+        <p:nvSpPr>
+          <p:cNvPr id="3" name="コンテンツ プレースホルダー 2">
+            <a:extLst>
+              <a:ext uri="{FF2B5EF4-FFF2-40B4-BE49-F238E27FC236}">
+                <a16:creationId xmlns:a16="http://schemas.microsoft.com/office/drawing/2014/main" id="{CB673F96-6600-9CFA-C09C-381F0F1679FA}"/>
+              </a:ext>
+            </a:extLst>
+          </p:cNvPr>
+          <p:cNvSpPr>
+            <a:spLocks noGrp="1"/>
+          </p:cNvSpPr>
+          <p:nvPr>
+            <p:ph idx="1"/>
           </p:nvPr>
         </p:nvSpPr>
         <p:spPr/>
@@ -12598,159 +12368,50 @@
           </a:bodyPr>
           <a:lstStyle/>
           <a:p>
-            <a:r>
-              <a:rPr lang="en-US" altLang="ja-JP" dirty="0">
-                <a:latin typeface="+mj-lt"/>
-              </a:rPr>
-              <a:t>2</a:t>
-            </a:r>
-            <a:r>
-              <a:rPr kumimoji="1" lang="en-US" altLang="ja-JP" dirty="0">
-                <a:latin typeface="+mj-lt"/>
-              </a:rPr>
-              <a:t>. Garbage Collection</a:t>
-            </a:r>
-            <a:r>
-              <a:rPr lang="ja-JP" altLang="en-US" dirty="0">
-                <a:latin typeface="+mj-lt"/>
-              </a:rPr>
-              <a:t> 概論</a:t>
-            </a:r>
-            <a:endParaRPr kumimoji="1" lang="ja-JP" altLang="en-US" dirty="0">
-              <a:latin typeface="+mj-lt"/>
-            </a:endParaRPr>
-          </a:p>
-        </p:txBody>
-      </p:sp>
-      <p:sp>
-        <p:nvSpPr>
-          <p:cNvPr id="3" name="コンテンツ プレースホルダー 2">
-            <a:extLst>
-              <a:ext uri="{FF2B5EF4-FFF2-40B4-BE49-F238E27FC236}">
-                <a16:creationId xmlns:a16="http://schemas.microsoft.com/office/drawing/2014/main" id="{FFCFFFCF-49CD-C5DD-592C-DD5483CC9044}"/>
-              </a:ext>
-            </a:extLst>
-          </p:cNvPr>
-          <p:cNvSpPr>
-            <a:spLocks noGrp="1"/>
-          </p:cNvSpPr>
-          <p:nvPr>
-            <p:ph idx="1"/>
-          </p:nvPr>
-        </p:nvSpPr>
-        <p:spPr/>
-        <p:txBody>
-          <a:bodyPr/>
-          <a:lstStyle/>
-          <a:p>
-            <a:pPr marL="0" indent="0">
-              <a:buNone/>
-            </a:pPr>
+            <a:pPr marL="0" indent="0">
+              <a:buNone/>
+            </a:pPr>
+            <a:r>
+              <a:rPr lang="en-US" altLang="ja-JP" dirty="0"/>
+              <a:t>“</a:t>
+            </a:r>
+            <a:r>
+              <a:rPr kumimoji="1" lang="ja-JP" altLang="en-US" dirty="0"/>
+              <a:t>ヒープが満杯になるまでは</a:t>
+            </a:r>
             <a:r>
               <a:rPr kumimoji="1" lang="en-US" altLang="ja-JP" dirty="0"/>
-              <a:t>Garbage Collection </a:t>
+              <a:t>allocate</a:t>
             </a:r>
             <a:r>
               <a:rPr kumimoji="1" lang="ja-JP" altLang="en-US" dirty="0"/>
-              <a:t>の方法は大きく分けて</a:t>
+              <a:t>を続け、満杯になったときにヒープ中のゴミオブジェクト</a:t>
             </a:r>
             <a:r>
               <a:rPr kumimoji="1" lang="en-US" altLang="ja-JP" dirty="0"/>
-              <a:t>3</a:t>
+              <a:t>(</a:t>
             </a:r>
             <a:r>
               <a:rPr kumimoji="1" lang="ja-JP" altLang="en-US" dirty="0"/>
-              <a:t>つ</a:t>
-            </a:r>
-            <a:endParaRPr kumimoji="1" lang="en-US" altLang="ja-JP" dirty="0"/>
-          </a:p>
-          <a:p>
-            <a:pPr marL="0" indent="0">
-              <a:buNone/>
-            </a:pPr>
-            <a:endParaRPr lang="en-US" altLang="ja-JP" dirty="0"/>
-          </a:p>
-          <a:p>
-            <a:pPr marL="0" indent="0">
-              <a:buNone/>
-            </a:pPr>
-            <a:r>
-              <a:rPr kumimoji="1" lang="en-US" altLang="ja-JP" dirty="0"/>
-              <a:t>	1. </a:t>
-            </a:r>
-            <a:r>
-              <a:rPr kumimoji="1" lang="en-US" altLang="ja-JP" dirty="0" err="1"/>
-              <a:t>Tracting</a:t>
-            </a:r>
-            <a:r>
-              <a:rPr lang="ja-JP" altLang="en-US" dirty="0"/>
-              <a:t> </a:t>
-            </a:r>
-            <a:r>
-              <a:rPr lang="en-US" altLang="ja-JP" dirty="0"/>
-              <a:t>GC</a:t>
-            </a:r>
-          </a:p>
-          <a:p>
-            <a:pPr marL="0" indent="0">
-              <a:buNone/>
-            </a:pPr>
-            <a:r>
-              <a:rPr kumimoji="1" lang="en-US" altLang="ja-JP" dirty="0"/>
-              <a:t>	</a:t>
-            </a:r>
-            <a:r>
-              <a:rPr kumimoji="1" lang="ja-JP" altLang="en-US" dirty="0"/>
-              <a:t>　　</a:t>
-            </a:r>
-            <a:r>
-              <a:rPr kumimoji="1" lang="en-US" altLang="ja-JP" dirty="0"/>
-              <a:t>(Mark-sweep GC, Copying GC, </a:t>
-            </a:r>
-            <a:r>
-              <a:rPr kumimoji="1" lang="en-US" altLang="ja-JP" dirty="0" err="1"/>
-              <a:t>etc</a:t>
+              <a:t>死んだオブジェクト</a:t>
             </a:r>
             <a:r>
               <a:rPr kumimoji="1" lang="en-US" altLang="ja-JP" dirty="0"/>
               <a:t>)</a:t>
             </a:r>
-          </a:p>
-          <a:p>
-            <a:pPr marL="0" indent="0">
-              <a:buNone/>
-            </a:pPr>
+            <a:r>
+              <a:rPr kumimoji="1" lang="ja-JP" altLang="en-US" dirty="0"/>
+              <a:t>を一気に検出して解放する</a:t>
+            </a:r>
             <a:r>
               <a:rPr lang="en-US" altLang="ja-JP" dirty="0"/>
-              <a:t>	2. Reference Counting</a:t>
-            </a:r>
-          </a:p>
-          <a:p>
-            <a:pPr marL="0" indent="0">
-              <a:buNone/>
-            </a:pPr>
-            <a:endParaRPr lang="en-US" altLang="ja-JP" dirty="0"/>
-          </a:p>
-          <a:p>
-            <a:pPr marL="0" indent="0">
-              <a:buNone/>
-            </a:pPr>
-            <a:r>
-              <a:rPr kumimoji="1" lang="en-US" altLang="ja-JP" dirty="0"/>
-              <a:t>	( 3. </a:t>
-            </a:r>
-            <a:r>
-              <a:rPr kumimoji="1" lang="ja-JP" altLang="en-US" dirty="0"/>
-              <a:t>静的自動メモリ管理 </a:t>
-            </a:r>
-            <a:r>
-              <a:rPr kumimoji="1" lang="en-US" altLang="ja-JP" dirty="0"/>
-              <a:t>) ※</a:t>
-            </a:r>
-            <a:r>
-              <a:rPr kumimoji="1" lang="ja-JP" altLang="en-US" dirty="0"/>
-              <a:t>今回は触れません</a:t>
-            </a:r>
+              <a:t>”</a:t>
+            </a:r>
+          </a:p>
+          <a:p>
+            <a:pPr marL="0" indent="0">
+              <a:buNone/>
+            </a:pPr>
             <a:endParaRPr kumimoji="1" lang="en-US" altLang="ja-JP" dirty="0"/>
           </a:p>
           <a:p>
@@ -12758,59 +12419,85 @@
               <a:buNone/>
             </a:pPr>
             <a:r>
-              <a:rPr lang="en-US" altLang="ja-JP" dirty="0"/>
-              <a:t>	</a:t>
-            </a:r>
-            <a:r>
-              <a:rPr lang="ja-JP" altLang="en-US" dirty="0"/>
-              <a:t>　　</a:t>
-            </a:r>
-            <a:r>
-              <a:rPr lang="en-US" altLang="ja-JP" dirty="0"/>
-              <a:t>(Escape Analysis, Region inference, </a:t>
-            </a:r>
-            <a:r>
-              <a:rPr lang="en-US" altLang="ja-JP" dirty="0" err="1"/>
-              <a:t>etc</a:t>
-            </a:r>
-            <a:r>
-              <a:rPr lang="en-US" altLang="ja-JP" dirty="0"/>
+              <a:rPr lang="ja-JP" altLang="en-US" i="1" u="sng" dirty="0"/>
+              <a:t>生死判定の概要</a:t>
+            </a:r>
+            <a:endParaRPr lang="en-US" altLang="ja-JP" i="1" u="sng" dirty="0"/>
+          </a:p>
+          <a:p>
+            <a:pPr marL="0" indent="0">
+              <a:buNone/>
+            </a:pPr>
+            <a:r>
+              <a:rPr lang="en-US" altLang="ja-JP" sz="2400" dirty="0"/>
+              <a:t>• </a:t>
+            </a:r>
+            <a:r>
+              <a:rPr lang="ja-JP" altLang="en-US" sz="2400" dirty="0"/>
+              <a:t>ユーザプログラムが現在直接触れるメモリ領域</a:t>
+            </a:r>
+            <a:r>
+              <a:rPr lang="en-US" altLang="ja-JP" sz="2400" dirty="0"/>
+              <a:t>(</a:t>
+            </a:r>
+            <a:r>
+              <a:rPr lang="ja-JP" altLang="en-US" sz="2400" dirty="0"/>
+              <a:t>レジスタ，スタック，大域変数など，これらを</a:t>
+            </a:r>
+            <a:r>
+              <a:rPr lang="en-US" altLang="ja-JP" sz="2400" dirty="0"/>
+              <a:t>GC</a:t>
+            </a:r>
+            <a:r>
+              <a:rPr lang="ja-JP" altLang="en-US" sz="2400" dirty="0"/>
+              <a:t>のルートと呼ぶ</a:t>
+            </a:r>
+            <a:r>
+              <a:rPr lang="en-US" altLang="ja-JP" sz="2400" dirty="0"/>
               <a:t>)</a:t>
             </a:r>
-          </a:p>
-          <a:p>
-            <a:pPr marL="0" indent="0">
-              <a:buNone/>
-            </a:pPr>
-            <a:endParaRPr lang="en-US" altLang="ja-JP" dirty="0"/>
-          </a:p>
-          <a:p>
-            <a:pPr marL="0" indent="0">
-              <a:buNone/>
-            </a:pPr>
-            <a:r>
-              <a:rPr kumimoji="1" lang="en-US" altLang="ja-JP" dirty="0"/>
-              <a:t>	+ Generational GC</a:t>
-            </a:r>
-          </a:p>
-          <a:p>
-            <a:pPr marL="0" indent="0">
-              <a:buNone/>
-            </a:pPr>
-            <a:r>
-              <a:rPr lang="en-US" altLang="ja-JP" dirty="0"/>
-              <a:t>	+ Incremental GC</a:t>
-            </a:r>
-            <a:endParaRPr kumimoji="1" lang="ja-JP" altLang="en-US" dirty="0"/>
-          </a:p>
-        </p:txBody>
-      </p:sp>
-      <p:sp>
-        <p:nvSpPr>
-          <p:cNvPr id="5" name="テキスト ボックス 4">
-            <a:extLst>
-              <a:ext uri="{FF2B5EF4-FFF2-40B4-BE49-F238E27FC236}">
-                <a16:creationId xmlns:a16="http://schemas.microsoft.com/office/drawing/2014/main" id="{4710BFEA-6D7A-D8AC-CAE4-3DE1E771D5A5}"/>
+            <a:r>
+              <a:rPr lang="ja-JP" altLang="en-US" sz="2400" dirty="0"/>
+              <a:t>からポインタによって指されるオブジェクトは生きている．</a:t>
+            </a:r>
+            <a:endParaRPr lang="en-US" altLang="ja-JP" sz="2400" dirty="0"/>
+          </a:p>
+          <a:p>
+            <a:pPr marL="0" indent="0">
+              <a:buNone/>
+            </a:pPr>
+            <a:r>
+              <a:rPr lang="en-US" altLang="ja-JP" sz="2400" dirty="0"/>
+              <a:t>• </a:t>
+            </a:r>
+            <a:r>
+              <a:rPr lang="ja-JP" altLang="en-US" sz="2400" dirty="0"/>
+              <a:t>生きたオブジェクトからポインタによって指されるオブジェクトは生きている．</a:t>
+            </a:r>
+            <a:endParaRPr lang="en-US" altLang="ja-JP" sz="2400" dirty="0"/>
+          </a:p>
+          <a:p>
+            <a:pPr marL="0" indent="0">
+              <a:buNone/>
+            </a:pPr>
+            <a:r>
+              <a:rPr lang="en-US" altLang="ja-JP" sz="2400" dirty="0"/>
+              <a:t>• </a:t>
+            </a:r>
+            <a:r>
+              <a:rPr lang="ja-JP" altLang="en-US" sz="2400" dirty="0"/>
+              <a:t>それ以外のオブジェクトはゴミであり，解放されるべき．</a:t>
+            </a:r>
+            <a:endParaRPr kumimoji="1" lang="ja-JP" altLang="en-US" sz="2400" dirty="0"/>
+          </a:p>
+        </p:txBody>
+      </p:sp>
+      <p:sp>
+        <p:nvSpPr>
+          <p:cNvPr id="4" name="テキスト ボックス 3">
+            <a:extLst>
+              <a:ext uri="{FF2B5EF4-FFF2-40B4-BE49-F238E27FC236}">
+                <a16:creationId xmlns:a16="http://schemas.microsoft.com/office/drawing/2014/main" id="{1D6B9946-28BB-4173-2B48-DDE8807CBCEB}"/>
               </a:ext>
             </a:extLst>
           </p:cNvPr>
@@ -12847,7 +12534,7 @@
     </p:spTree>
     <p:extLst>
       <p:ext uri="{BB962C8B-B14F-4D97-AF65-F5344CB8AC3E}">
-        <p14:creationId xmlns:p14="http://schemas.microsoft.com/office/powerpoint/2010/main" val="100864130"/>
+        <p14:creationId xmlns:p14="http://schemas.microsoft.com/office/powerpoint/2010/main" val="664939368"/>
       </p:ext>
     </p:extLst>
   </p:cSld>

--- a/研究室関連/ゼミ/2024.11.27ゼミ.pptx
+++ b/研究室関連/ゼミ/2024.11.27ゼミ.pptx
@@ -5,10 +5,10 @@
     <p:sldMasterId id="2147483660" r:id="rId1"/>
   </p:sldMasterIdLst>
   <p:notesMasterIdLst>
-    <p:notesMasterId r:id="rId31"/>
+    <p:notesMasterId r:id="rId38"/>
   </p:notesMasterIdLst>
   <p:handoutMasterIdLst>
-    <p:handoutMasterId r:id="rId32"/>
+    <p:handoutMasterId r:id="rId39"/>
   </p:handoutMasterIdLst>
   <p:sldIdLst>
     <p:sldId id="256" r:id="rId2"/>
@@ -38,8 +38,15 @@
     <p:sldId id="286" r:id="rId26"/>
     <p:sldId id="287" r:id="rId27"/>
     <p:sldId id="288" r:id="rId28"/>
-    <p:sldId id="266" r:id="rId29"/>
-    <p:sldId id="281" r:id="rId30"/>
+    <p:sldId id="289" r:id="rId29"/>
+    <p:sldId id="290" r:id="rId30"/>
+    <p:sldId id="291" r:id="rId31"/>
+    <p:sldId id="292" r:id="rId32"/>
+    <p:sldId id="294" r:id="rId33"/>
+    <p:sldId id="295" r:id="rId34"/>
+    <p:sldId id="296" r:id="rId35"/>
+    <p:sldId id="266" r:id="rId36"/>
+    <p:sldId id="281" r:id="rId37"/>
   </p:sldIdLst>
   <p:sldSz cx="9144000" cy="6858000" type="screen4x3"/>
   <p:notesSz cx="6858000" cy="9144000"/>
@@ -5196,7 +5203,7 @@
           <a:p>
             <a:r>
               <a:rPr kumimoji="1" lang="en-US" altLang="ja-JP" dirty="0"/>
-              <a:t>2.1. </a:t>
+              <a:t>1.1. </a:t>
             </a:r>
             <a:r>
               <a:rPr kumimoji="1" lang="en-US" altLang="ja-JP" dirty="0" err="1"/>
@@ -5435,8 +5442,12 @@
           <a:lstStyle/>
           <a:p>
             <a:r>
+              <a:rPr lang="en-US" altLang="ja-JP" dirty="0"/>
+              <a:t>1</a:t>
+            </a:r>
+            <a:r>
               <a:rPr kumimoji="1" lang="en-US" altLang="ja-JP" dirty="0"/>
-              <a:t>2.1. </a:t>
+              <a:t>.1. </a:t>
             </a:r>
             <a:r>
               <a:rPr kumimoji="1" lang="en-US" altLang="ja-JP" dirty="0" err="1"/>
@@ -5475,8 +5486,12 @@
               <a:buNone/>
             </a:pPr>
             <a:r>
+              <a:rPr lang="en-US" altLang="ja-JP" dirty="0"/>
+              <a:t>1</a:t>
+            </a:r>
+            <a:r>
               <a:rPr kumimoji="1" lang="en-US" altLang="ja-JP" dirty="0"/>
-              <a:t>2.1.1 Mark-sweep GC</a:t>
+              <a:t>.1.1 Mark-sweep GC</a:t>
             </a:r>
           </a:p>
           <a:p>
@@ -5745,8 +5760,12 @@
           <a:lstStyle/>
           <a:p>
             <a:r>
+              <a:rPr lang="en-US" altLang="ja-JP" dirty="0"/>
+              <a:t>1</a:t>
+            </a:r>
+            <a:r>
               <a:rPr kumimoji="1" lang="en-US" altLang="ja-JP" dirty="0"/>
-              <a:t>2.1. </a:t>
+              <a:t>.1. </a:t>
             </a:r>
             <a:r>
               <a:rPr kumimoji="1" lang="en-US" altLang="ja-JP" dirty="0" err="1"/>
@@ -5785,8 +5804,12 @@
               <a:buNone/>
             </a:pPr>
             <a:r>
+              <a:rPr lang="en-US" altLang="ja-JP" dirty="0"/>
+              <a:t>1</a:t>
+            </a:r>
+            <a:r>
               <a:rPr kumimoji="1" lang="en-US" altLang="ja-JP" dirty="0"/>
-              <a:t>2.1.1 Mark-sweep GC</a:t>
+              <a:t>.1.1 Mark-sweep GC</a:t>
             </a:r>
           </a:p>
           <a:p>
@@ -6354,8 +6377,12 @@
           <a:lstStyle/>
           <a:p>
             <a:r>
+              <a:rPr lang="en-US" altLang="ja-JP" dirty="0"/>
+              <a:t>1</a:t>
+            </a:r>
+            <a:r>
               <a:rPr kumimoji="1" lang="en-US" altLang="ja-JP" dirty="0"/>
-              <a:t>2.1. </a:t>
+              <a:t>.1. </a:t>
             </a:r>
             <a:r>
               <a:rPr kumimoji="1" lang="en-US" altLang="ja-JP" dirty="0" err="1"/>
@@ -6401,8 +6428,12 @@
               <a:buNone/>
             </a:pPr>
             <a:r>
+              <a:rPr lang="en-US" altLang="ja-JP" dirty="0"/>
+              <a:t>1</a:t>
+            </a:r>
+            <a:r>
               <a:rPr kumimoji="1" lang="en-US" altLang="ja-JP" dirty="0"/>
-              <a:t>2.1.2 Copying GC</a:t>
+              <a:t>.1.2 Copying GC</a:t>
             </a:r>
             <a:endParaRPr lang="en-US" altLang="ja-JP" dirty="0"/>
           </a:p>
@@ -6692,8 +6723,12 @@
           <a:lstStyle/>
           <a:p>
             <a:r>
+              <a:rPr lang="en-US" altLang="ja-JP" dirty="0"/>
+              <a:t>1</a:t>
+            </a:r>
+            <a:r>
               <a:rPr kumimoji="1" lang="en-US" altLang="ja-JP" dirty="0"/>
-              <a:t>2.2. Reference Counting</a:t>
+              <a:t>.2. Reference Counting</a:t>
             </a:r>
             <a:endParaRPr kumimoji="1" lang="ja-JP" altLang="en-US" dirty="0"/>
           </a:p>
@@ -6988,8 +7023,12 @@
           <a:lstStyle/>
           <a:p>
             <a:r>
+              <a:rPr lang="en-US" altLang="ja-JP" dirty="0"/>
+              <a:t>1</a:t>
+            </a:r>
+            <a:r>
               <a:rPr kumimoji="1" lang="en-US" altLang="ja-JP" dirty="0"/>
-              <a:t>2.2.3. GC</a:t>
+              <a:t>.4. GC</a:t>
             </a:r>
             <a:r>
               <a:rPr kumimoji="1" lang="ja-JP" altLang="en-US" dirty="0"/>
@@ -7212,8 +7251,12 @@
           <a:lstStyle/>
           <a:p>
             <a:r>
+              <a:rPr lang="en-US" altLang="ja-JP" dirty="0"/>
+              <a:t>1.4</a:t>
+            </a:r>
+            <a:r>
               <a:rPr kumimoji="1" lang="en-US" altLang="ja-JP" dirty="0"/>
-              <a:t>2.2.3. GC</a:t>
+              <a:t>. GC</a:t>
             </a:r>
             <a:r>
               <a:rPr kumimoji="1" lang="ja-JP" altLang="en-US" dirty="0"/>
@@ -7398,8 +7441,12 @@
           <a:lstStyle/>
           <a:p>
             <a:r>
+              <a:rPr lang="en-US" altLang="ja-JP" dirty="0"/>
+              <a:t>1.4.</a:t>
+            </a:r>
+            <a:r>
               <a:rPr kumimoji="1" lang="en-US" altLang="ja-JP" dirty="0"/>
-              <a:t>2.2.3. GC</a:t>
+              <a:t> GC</a:t>
             </a:r>
             <a:r>
               <a:rPr kumimoji="1" lang="ja-JP" altLang="en-US" dirty="0"/>
@@ -7703,51 +7750,6 @@
               <a:buNone/>
             </a:pPr>
             <a:r>
-              <a:rPr lang="en-US" altLang="ja-JP" dirty="0">
-                <a:solidFill>
-                  <a:schemeClr val="bg1">
-                    <a:lumMod val="85000"/>
-                  </a:schemeClr>
-                </a:solidFill>
-              </a:rPr>
-              <a:t>1. Dangling Reference </a:t>
-            </a:r>
-            <a:r>
-              <a:rPr lang="ja-JP" altLang="en-US" dirty="0">
-                <a:solidFill>
-                  <a:schemeClr val="bg1">
-                    <a:lumMod val="85000"/>
-                  </a:schemeClr>
-                </a:solidFill>
-              </a:rPr>
-              <a:t>と </a:t>
-            </a:r>
-            <a:r>
-              <a:rPr lang="en-US" altLang="ja-JP" dirty="0">
-                <a:solidFill>
-                  <a:schemeClr val="bg1">
-                    <a:lumMod val="85000"/>
-                  </a:schemeClr>
-                </a:solidFill>
-              </a:rPr>
-              <a:t>Garbage Collection</a:t>
-            </a:r>
-          </a:p>
-          <a:p>
-            <a:pPr marL="0" indent="0">
-              <a:buNone/>
-            </a:pPr>
-            <a:r>
-              <a:rPr lang="en-US" altLang="ja-JP" dirty="0">
-                <a:solidFill>
-                  <a:schemeClr val="bg1">
-                    <a:lumMod val="85000"/>
-                  </a:schemeClr>
-                </a:solidFill>
-              </a:rPr>
-              <a:t>2</a:t>
-            </a:r>
-            <a:r>
               <a:rPr kumimoji="1" lang="en-US" altLang="ja-JP" dirty="0">
                 <a:solidFill>
                   <a:schemeClr val="bg1">
@@ -7755,7 +7757,7 @@
                   </a:schemeClr>
                 </a:solidFill>
               </a:rPr>
-              <a:t>. Garbage Collection</a:t>
+              <a:t>1. Garbage Collection</a:t>
             </a:r>
             <a:r>
               <a:rPr lang="ja-JP" altLang="en-US" dirty="0">
@@ -7780,12 +7782,8 @@
               <a:buNone/>
             </a:pPr>
             <a:r>
-              <a:rPr lang="en-US" altLang="ja-JP" dirty="0"/>
-              <a:t>3</a:t>
-            </a:r>
-            <a:r>
               <a:rPr kumimoji="1" lang="en-US" altLang="ja-JP" dirty="0"/>
-              <a:t>. </a:t>
+              <a:t>2. </a:t>
             </a:r>
             <a:r>
               <a:rPr lang="en-US" altLang="ja-JP" dirty="0"/>
@@ -7804,16 +7802,6 @@
             <a:pPr marL="0" indent="0">
               <a:buNone/>
             </a:pPr>
-            <a:r>
-              <a:rPr lang="en-US" altLang="ja-JP" dirty="0">
-                <a:solidFill>
-                  <a:schemeClr val="bg1">
-                    <a:lumMod val="85000"/>
-                  </a:schemeClr>
-                </a:solidFill>
-              </a:rPr>
-              <a:t>4</a:t>
-            </a:r>
             <a:r>
               <a:rPr kumimoji="1" lang="en-US" altLang="ja-JP" dirty="0">
                 <a:solidFill>
@@ -7822,7 +7810,7 @@
                   </a:schemeClr>
                 </a:solidFill>
               </a:rPr>
-              <a:t>. </a:t>
+              <a:t>3. </a:t>
             </a:r>
             <a:r>
               <a:rPr kumimoji="1" lang="ja-JP" altLang="en-US" dirty="0">
@@ -7832,37 +7820,7 @@
                   </a:schemeClr>
                 </a:solidFill>
               </a:rPr>
-              <a:t>実例と </a:t>
-            </a:r>
-            <a:r>
-              <a:rPr kumimoji="1" lang="en-US" altLang="ja-JP" dirty="0" err="1">
-                <a:solidFill>
-                  <a:schemeClr val="bg1">
-                    <a:lumMod val="85000"/>
-                  </a:schemeClr>
-                </a:solidFill>
-              </a:rPr>
-              <a:t>gc.get_stats</a:t>
-            </a:r>
-            <a:r>
-              <a:rPr kumimoji="1" lang="en-US" altLang="ja-JP" dirty="0">
-                <a:solidFill>
-                  <a:schemeClr val="bg1">
-                    <a:lumMod val="85000"/>
-                  </a:schemeClr>
-                </a:solidFill>
-              </a:rPr>
-              <a:t> </a:t>
-            </a:r>
-            <a:r>
-              <a:rPr kumimoji="1" lang="ja-JP" altLang="en-US" dirty="0">
-                <a:solidFill>
-                  <a:schemeClr val="bg1">
-                    <a:lumMod val="85000"/>
-                  </a:schemeClr>
-                </a:solidFill>
-              </a:rPr>
-              <a:t>の仕様</a:t>
+              <a:t>冒頭の疑問への答え</a:t>
             </a:r>
             <a:endParaRPr kumimoji="1" lang="en-US" altLang="ja-JP" dirty="0">
               <a:solidFill>
@@ -8006,8 +7964,8 @@
         </p:nvSpPr>
         <p:spPr>
           <a:xfrm>
-            <a:off x="4218432" y="4608576"/>
-            <a:ext cx="4925568" cy="2031325"/>
+            <a:off x="4218432" y="4891604"/>
+            <a:ext cx="4925568" cy="1323439"/>
           </a:xfrm>
           <a:prstGeom prst="rect">
             <a:avLst/>
@@ -8021,71 +7979,98 @@
           <a:lstStyle/>
           <a:p>
             <a:r>
-              <a:rPr lang="en-US" altLang="ja-JP" dirty="0"/>
-              <a:t>x2 </a:t>
-            </a:r>
-            <a:r>
-              <a:rPr lang="ja-JP" altLang="en-US" dirty="0"/>
-              <a:t>を参照している部分</a:t>
-            </a:r>
-            <a:endParaRPr lang="en-US" altLang="ja-JP" dirty="0"/>
-          </a:p>
-          <a:p>
-            <a:r>
-              <a:rPr lang="en-US" altLang="ja-JP" dirty="0"/>
-              <a:t>	x2 =</a:t>
-            </a:r>
-            <a:r>
-              <a:rPr lang="ja-JP" altLang="en-US" dirty="0"/>
-              <a:t> </a:t>
-            </a:r>
-            <a:r>
-              <a:rPr lang="en-US" altLang="ja-JP" dirty="0"/>
-              <a:t>C()</a:t>
-            </a:r>
-          </a:p>
-          <a:p>
-            <a:r>
-              <a:rPr lang="en-US" altLang="ja-JP" dirty="0"/>
-              <a:t>	x1.next = x2</a:t>
-            </a:r>
-          </a:p>
-          <a:p>
-            <a:r>
-              <a:rPr lang="en-US" altLang="ja-JP" dirty="0"/>
-              <a:t>	x2.next = x2</a:t>
-            </a:r>
-          </a:p>
-          <a:p>
-            <a:endParaRPr kumimoji="1" lang="en-US" altLang="ja-JP" dirty="0"/>
-          </a:p>
-          <a:p>
-            <a:r>
-              <a:rPr lang="en-US" altLang="ja-JP" dirty="0"/>
-              <a:t>del x2 </a:t>
-            </a:r>
-            <a:r>
-              <a:rPr lang="ja-JP" altLang="en-US" dirty="0"/>
-              <a:t>をした時点で </a:t>
-            </a:r>
-            <a:r>
-              <a:rPr lang="en-US" altLang="ja-JP" dirty="0"/>
-              <a:t>x1.next, x2.next</a:t>
-            </a:r>
-            <a:r>
-              <a:rPr lang="ja-JP" altLang="en-US" dirty="0"/>
-              <a:t>は到達不可能なはずなので</a:t>
-            </a:r>
-            <a:r>
-              <a:rPr lang="en-US" altLang="ja-JP" dirty="0"/>
+              <a:rPr lang="en-US" altLang="ja-JP" sz="2000" dirty="0" err="1"/>
+              <a:t>gc.collect</a:t>
+            </a:r>
+            <a:r>
+              <a:rPr lang="en-US" altLang="ja-JP" sz="2000" dirty="0"/>
+              <a:t>()</a:t>
+            </a:r>
+            <a:r>
+              <a:rPr lang="ja-JP" altLang="en-US" sz="2000" dirty="0"/>
+              <a:t> や </a:t>
+            </a:r>
+            <a:r>
+              <a:rPr lang="en-US" altLang="ja-JP" sz="2000" dirty="0" err="1"/>
+              <a:t>gc.get_stats</a:t>
+            </a:r>
+            <a:r>
+              <a:rPr lang="en-US" altLang="ja-JP" sz="2000" dirty="0"/>
+              <a:t>() </a:t>
+            </a:r>
+            <a:r>
+              <a:rPr lang="ja-JP" altLang="en-US" sz="2000" dirty="0"/>
+              <a:t>の仕様は</a:t>
+            </a:r>
+            <a:r>
+              <a:rPr lang="en-US" altLang="ja-JP" sz="2000" dirty="0"/>
+              <a:t>?</a:t>
+            </a:r>
+            <a:br>
+              <a:rPr lang="en-US" altLang="ja-JP" sz="2000" dirty="0"/>
+            </a:br>
+            <a:r>
+              <a:rPr lang="en-US" altLang="ja-JP" sz="2000" dirty="0"/>
+              <a:t>x1.next = 0 </a:t>
+            </a:r>
+            <a:r>
+              <a:rPr lang="ja-JP" altLang="en-US" sz="2000" dirty="0"/>
+              <a:t>とした後に</a:t>
+            </a:r>
+            <a:r>
+              <a:rPr lang="en-US" altLang="ja-JP" sz="2000" dirty="0"/>
+              <a:t> GC </a:t>
+            </a:r>
+            <a:r>
+              <a:rPr lang="ja-JP" altLang="en-US" sz="2000" dirty="0"/>
+              <a:t>されたのは何</a:t>
+            </a:r>
+            <a:r>
+              <a:rPr lang="en-US" altLang="ja-JP" sz="2000" dirty="0"/>
+              <a:t>?</a:t>
+            </a:r>
+          </a:p>
+          <a:p>
+            <a:r>
+              <a:rPr lang="ja-JP" altLang="en-US" sz="2000" dirty="0"/>
+              <a:t>なぜ</a:t>
+            </a:r>
+            <a:r>
+              <a:rPr lang="en-US" altLang="ja-JP" sz="2000" dirty="0"/>
               <a:t>GC</a:t>
             </a:r>
             <a:r>
-              <a:rPr lang="ja-JP" altLang="en-US" dirty="0"/>
-              <a:t>してほしいがされていない</a:t>
-            </a:r>
-            <a:r>
-              <a:rPr lang="en-US" altLang="ja-JP" dirty="0"/>
+              <a:rPr lang="ja-JP" altLang="en-US" sz="2000" dirty="0"/>
+              <a:t>された</a:t>
+            </a:r>
+            <a:r>
+              <a:rPr lang="en-US" altLang="ja-JP" sz="2000" dirty="0"/>
+              <a:t>?</a:t>
+            </a:r>
+          </a:p>
+          <a:p>
+            <a:r>
+              <a:rPr lang="en-US" altLang="ja-JP" sz="2000" dirty="0" err="1"/>
+              <a:t>gc.collect</a:t>
+            </a:r>
+            <a:r>
+              <a:rPr lang="en-US" altLang="ja-JP" sz="2000" dirty="0"/>
+              <a:t>() </a:t>
+            </a:r>
+            <a:r>
+              <a:rPr lang="ja-JP" altLang="en-US" sz="2000" dirty="0"/>
+              <a:t>をしないと </a:t>
+            </a:r>
+            <a:r>
+              <a:rPr lang="en-US" altLang="ja-JP" sz="2000" dirty="0"/>
+              <a:t>GC </a:t>
+            </a:r>
+            <a:r>
+              <a:rPr lang="ja-JP" altLang="en-US" sz="2000" dirty="0"/>
+              <a:t>されないのか</a:t>
+            </a:r>
+            <a:r>
+              <a:rPr lang="en-US" altLang="ja-JP" sz="2000" dirty="0"/>
               <a:t>?</a:t>
             </a:r>
           </a:p>
@@ -8143,8 +8128,12 @@
           <a:lstStyle/>
           <a:p>
             <a:r>
+              <a:rPr lang="en-US" altLang="ja-JP" dirty="0"/>
+              <a:t>2</a:t>
+            </a:r>
+            <a:r>
               <a:rPr kumimoji="1" lang="en-US" altLang="ja-JP" dirty="0"/>
-              <a:t>3. Python </a:t>
+              <a:t>. Python </a:t>
             </a:r>
             <a:r>
               <a:rPr kumimoji="1" lang="ja-JP" altLang="en-US" dirty="0"/>
@@ -8373,8 +8362,12 @@
           <a:lstStyle/>
           <a:p>
             <a:r>
+              <a:rPr lang="en-US" altLang="ja-JP" dirty="0"/>
+              <a:t>2</a:t>
+            </a:r>
+            <a:r>
               <a:rPr kumimoji="1" lang="en-US" altLang="ja-JP" dirty="0"/>
-              <a:t>3. Python </a:t>
+              <a:t>. Python </a:t>
             </a:r>
             <a:r>
               <a:rPr kumimoji="1" lang="ja-JP" altLang="en-US" dirty="0"/>
@@ -8715,8 +8708,12 @@
           <a:lstStyle/>
           <a:p>
             <a:r>
+              <a:rPr lang="en-US" altLang="ja-JP" dirty="0"/>
+              <a:t>2</a:t>
+            </a:r>
+            <a:r>
               <a:rPr kumimoji="1" lang="en-US" altLang="ja-JP" dirty="0"/>
-              <a:t>3.1. 2</a:t>
+              <a:t>.1. 2</a:t>
             </a:r>
             <a:r>
               <a:rPr kumimoji="1" lang="ja-JP" altLang="en-US" dirty="0"/>
@@ -9189,8 +9186,12 @@
           <a:lstStyle/>
           <a:p>
             <a:r>
+              <a:rPr lang="en-US" altLang="ja-JP" dirty="0"/>
+              <a:t>2</a:t>
+            </a:r>
+            <a:r>
               <a:rPr kumimoji="1" lang="en-US" altLang="ja-JP" dirty="0"/>
-              <a:t>3.1. 2</a:t>
+              <a:t>.1. 2</a:t>
             </a:r>
             <a:r>
               <a:rPr kumimoji="1" lang="ja-JP" altLang="en-US" dirty="0"/>
@@ -9508,8 +9509,12 @@
           <a:lstStyle/>
           <a:p>
             <a:r>
+              <a:rPr lang="en-US" altLang="ja-JP" dirty="0"/>
+              <a:t>2</a:t>
+            </a:r>
+            <a:r>
               <a:rPr kumimoji="1" lang="en-US" altLang="ja-JP" dirty="0"/>
-              <a:t>3.1. 2</a:t>
+              <a:t>.1. 2</a:t>
             </a:r>
             <a:r>
               <a:rPr kumimoji="1" lang="ja-JP" altLang="en-US" dirty="0"/>
@@ -9823,8 +9828,12 @@
           <a:lstStyle/>
           <a:p>
             <a:r>
+              <a:rPr lang="en-US" altLang="ja-JP" dirty="0"/>
+              <a:t>2</a:t>
+            </a:r>
+            <a:r>
               <a:rPr kumimoji="1" lang="en-US" altLang="ja-JP" dirty="0"/>
-              <a:t>3.1. 2</a:t>
+              <a:t>.1. 2</a:t>
             </a:r>
             <a:r>
               <a:rPr kumimoji="1" lang="ja-JP" altLang="en-US" dirty="0"/>
@@ -10077,8 +10086,12 @@
           <a:lstStyle/>
           <a:p>
             <a:r>
+              <a:rPr lang="en-US" altLang="ja-JP" dirty="0"/>
+              <a:t>2</a:t>
+            </a:r>
+            <a:r>
               <a:rPr kumimoji="1" lang="en-US" altLang="ja-JP" dirty="0"/>
-              <a:t>3.1. 2</a:t>
+              <a:t>.1. 2</a:t>
             </a:r>
             <a:r>
               <a:rPr kumimoji="1" lang="ja-JP" altLang="en-US" dirty="0"/>
@@ -10410,8 +10423,12 @@
           <a:lstStyle/>
           <a:p>
             <a:r>
+              <a:rPr lang="en-US" altLang="ja-JP" dirty="0"/>
+              <a:t>2</a:t>
+            </a:r>
+            <a:r>
               <a:rPr kumimoji="1" lang="en-US" altLang="ja-JP" dirty="0"/>
-              <a:t>3.2. </a:t>
+              <a:t>.2. </a:t>
             </a:r>
             <a:r>
               <a:rPr kumimoji="1" lang="ja-JP" altLang="en-US" dirty="0"/>
@@ -10441,7 +10458,111 @@
           <a:bodyPr/>
           <a:lstStyle/>
           <a:p>
-            <a:endParaRPr kumimoji="1" lang="ja-JP" altLang="en-US" dirty="0"/>
+            <a:pPr marL="0" indent="0">
+              <a:buNone/>
+            </a:pPr>
+            <a:r>
+              <a:rPr kumimoji="1" lang="en-US" altLang="ja-JP" dirty="0"/>
+              <a:t>Python</a:t>
+            </a:r>
+            <a:r>
+              <a:rPr kumimoji="1" lang="ja-JP" altLang="en-US" dirty="0"/>
+              <a:t>では，循環参照に対応するためのアルゴリズムが</a:t>
+            </a:r>
+            <a:r>
+              <a:rPr kumimoji="1" lang="en-US" altLang="ja-JP" dirty="0" err="1"/>
+              <a:t>gc</a:t>
+            </a:r>
+            <a:r>
+              <a:rPr kumimoji="1" lang="ja-JP" altLang="en-US" dirty="0"/>
+              <a:t>モジュールに組み込まれている</a:t>
+            </a:r>
+            <a:r>
+              <a:rPr kumimoji="1" lang="en-US" altLang="ja-JP" dirty="0"/>
+              <a:t>.</a:t>
+            </a:r>
+          </a:p>
+          <a:p>
+            <a:pPr marL="0" indent="0">
+              <a:buNone/>
+            </a:pPr>
+            <a:endParaRPr lang="en-US" altLang="ja-JP" dirty="0"/>
+          </a:p>
+          <a:p>
+            <a:pPr marL="0" indent="0">
+              <a:buNone/>
+            </a:pPr>
+            <a:r>
+              <a:rPr kumimoji="1" lang="ja-JP" altLang="en-US" dirty="0"/>
+              <a:t>これは，古い世代の </a:t>
+            </a:r>
+            <a:r>
+              <a:rPr kumimoji="1" lang="en-US" altLang="ja-JP" dirty="0"/>
+              <a:t>GC (incremental collection) </a:t>
+            </a:r>
+            <a:r>
+              <a:rPr kumimoji="1" lang="ja-JP" altLang="en-US" dirty="0"/>
+              <a:t>実行時に自動的に行われるもので，</a:t>
+            </a:r>
+            <a:r>
+              <a:rPr kumimoji="1" lang="en-US" altLang="ja-JP" dirty="0"/>
+              <a:t>Mark–sweep </a:t>
+            </a:r>
+            <a:r>
+              <a:rPr kumimoji="1" lang="ja-JP" altLang="en-US" dirty="0"/>
+              <a:t>に似たアルゴリズムが部分的に実行される．</a:t>
+            </a:r>
+            <a:endParaRPr kumimoji="1" lang="en-US" altLang="ja-JP" dirty="0"/>
+          </a:p>
+          <a:p>
+            <a:pPr marL="0" indent="0">
+              <a:buNone/>
+            </a:pPr>
+            <a:endParaRPr lang="en-US" altLang="ja-JP" dirty="0"/>
+          </a:p>
+          <a:p>
+            <a:pPr marL="0" indent="0">
+              <a:buNone/>
+            </a:pPr>
+            <a:r>
+              <a:rPr kumimoji="1" lang="ja-JP" altLang="en-US" dirty="0"/>
+              <a:t>具体的な手順を次に説明する．</a:t>
+            </a:r>
+          </a:p>
+        </p:txBody>
+      </p:sp>
+      <p:sp>
+        <p:nvSpPr>
+          <p:cNvPr id="4" name="テキスト ボックス 3">
+            <a:extLst>
+              <a:ext uri="{FF2B5EF4-FFF2-40B4-BE49-F238E27FC236}">
+                <a16:creationId xmlns:a16="http://schemas.microsoft.com/office/drawing/2014/main" id="{97896854-CE7C-E8E9-2633-C307DA0A5ECE}"/>
+              </a:ext>
+            </a:extLst>
+          </p:cNvPr>
+          <p:cNvSpPr txBox="1"/>
+          <p:nvPr/>
+        </p:nvSpPr>
+        <p:spPr>
+          <a:xfrm>
+            <a:off x="3517392" y="6627168"/>
+            <a:ext cx="5797296" cy="230832"/>
+          </a:xfrm>
+          <a:prstGeom prst="rect">
+            <a:avLst/>
+          </a:prstGeom>
+          <a:noFill/>
+        </p:spPr>
+        <p:txBody>
+          <a:bodyPr wrap="square">
+            <a:spAutoFit/>
+          </a:bodyPr>
+          <a:lstStyle/>
+          <a:p>
+            <a:r>
+              <a:rPr lang="ja-JP" altLang="en-US" sz="900" dirty="0"/>
+              <a:t>https://github.com/python/cpython/blob/main/InternalDocs/garbage_collector.md#Optimization-incremental-collection</a:t>
+            </a:r>
           </a:p>
         </p:txBody>
       </p:sp>
@@ -10463,7 +10584,13 @@
   <p:cSld>
     <p:spTree>
       <p:nvGrpSpPr>
-        <p:cNvPr id="1" name=""/>
+        <p:cNvPr id="1" name="">
+          <a:extLst>
+            <a:ext uri="{FF2B5EF4-FFF2-40B4-BE49-F238E27FC236}">
+              <a16:creationId xmlns:a16="http://schemas.microsoft.com/office/drawing/2014/main" id="{E33E7E1E-896B-5E20-5D85-C26073D107E2}"/>
+            </a:ext>
+          </a:extLst>
+        </p:cNvPr>
         <p:cNvGrpSpPr/>
         <p:nvPr/>
       </p:nvGrpSpPr>
@@ -10480,7 +10607,7 @@
           <p:cNvPr id="2" name="タイトル 1">
             <a:extLst>
               <a:ext uri="{FF2B5EF4-FFF2-40B4-BE49-F238E27FC236}">
-                <a16:creationId xmlns:a16="http://schemas.microsoft.com/office/drawing/2014/main" id="{6CBF3B6D-CD52-180C-BE57-EC4937286B4C}"/>
+                <a16:creationId xmlns:a16="http://schemas.microsoft.com/office/drawing/2014/main" id="{EB51AA32-41E9-FE0F-CD17-83600BD56211}"/>
               </a:ext>
             </a:extLst>
           </p:cNvPr>
@@ -10497,8 +10624,16 @@
           <a:lstStyle/>
           <a:p>
             <a:r>
+              <a:rPr lang="en-US" altLang="ja-JP" dirty="0"/>
+              <a:t>2</a:t>
+            </a:r>
+            <a:r>
+              <a:rPr kumimoji="1" lang="en-US" altLang="ja-JP" dirty="0"/>
+              <a:t>.2. </a:t>
+            </a:r>
+            <a:r>
               <a:rPr kumimoji="1" lang="ja-JP" altLang="en-US" dirty="0"/>
-              <a:t>参考文献</a:t>
+              <a:t>循環参照への対処</a:t>
             </a:r>
           </a:p>
         </p:txBody>
@@ -10508,7 +10643,7 @@
           <p:cNvPr id="3" name="コンテンツ プレースホルダー 2">
             <a:extLst>
               <a:ext uri="{FF2B5EF4-FFF2-40B4-BE49-F238E27FC236}">
-                <a16:creationId xmlns:a16="http://schemas.microsoft.com/office/drawing/2014/main" id="{A23766E5-2403-0306-015C-1E4F091DF520}"/>
+                <a16:creationId xmlns:a16="http://schemas.microsoft.com/office/drawing/2014/main" id="{1B4C7DBD-799D-60C3-ECB9-49541C55EDCF}"/>
               </a:ext>
             </a:extLst>
           </p:cNvPr>
@@ -10521,86 +10656,169 @@
         </p:nvSpPr>
         <p:spPr/>
         <p:txBody>
-          <a:bodyPr>
-            <a:normAutofit/>
+          <a:bodyPr/>
+          <a:lstStyle/>
+          <a:p>
+            <a:pPr marL="0" indent="0">
+              <a:buNone/>
+            </a:pPr>
+            <a:r>
+              <a:rPr kumimoji="1" lang="en-US" altLang="ja-JP" dirty="0"/>
+              <a:t>Python</a:t>
+            </a:r>
+            <a:r>
+              <a:rPr kumimoji="1" lang="ja-JP" altLang="en-US" dirty="0"/>
+              <a:t>では循環参照はどこでも起こり得る：</a:t>
+            </a:r>
+            <a:endParaRPr kumimoji="1" lang="en-US" altLang="ja-JP" dirty="0"/>
+          </a:p>
+          <a:p>
+            <a:pPr marL="0" indent="0">
+              <a:buNone/>
+            </a:pPr>
+            <a:r>
+              <a:rPr lang="en-US" altLang="ja-JP" sz="2400" dirty="0"/>
+              <a:t>	</a:t>
+            </a:r>
+            <a:r>
+              <a:rPr lang="ja-JP" altLang="en-US" sz="2400" dirty="0"/>
+              <a:t>インタプリタが必要とする多くの内部参照が循環参照を　　　</a:t>
+            </a:r>
+            <a:r>
+              <a:rPr lang="en-US" altLang="ja-JP" sz="2400" dirty="0"/>
+              <a:t>	</a:t>
+            </a:r>
+            <a:r>
+              <a:rPr lang="ja-JP" altLang="en-US" sz="2400" dirty="0"/>
+              <a:t>生成するため．</a:t>
+            </a:r>
+            <a:endParaRPr lang="en-US" altLang="ja-JP" sz="2400" dirty="0"/>
+          </a:p>
+          <a:p>
+            <a:pPr marL="0" indent="0">
+              <a:buNone/>
+            </a:pPr>
+            <a:endParaRPr lang="en-US" altLang="ja-JP" dirty="0"/>
+          </a:p>
+          <a:p>
+            <a:pPr marL="0" indent="0">
+              <a:buNone/>
+            </a:pPr>
+            <a:r>
+              <a:rPr kumimoji="1" lang="ja-JP" altLang="en-US" dirty="0"/>
+              <a:t>→循環参照に対応するためのアルゴリズムが</a:t>
+            </a:r>
+            <a:endParaRPr kumimoji="1" lang="en-US" altLang="ja-JP" dirty="0"/>
+          </a:p>
+          <a:p>
+            <a:pPr marL="0" indent="0">
+              <a:buNone/>
+            </a:pPr>
+            <a:r>
+              <a:rPr kumimoji="1" lang="ja-JP" altLang="en-US" dirty="0"/>
+              <a:t>　 </a:t>
+            </a:r>
+            <a:r>
+              <a:rPr kumimoji="1" lang="en-US" altLang="ja-JP" dirty="0" err="1"/>
+              <a:t>gc</a:t>
+            </a:r>
+            <a:r>
+              <a:rPr kumimoji="1" lang="ja-JP" altLang="en-US" dirty="0"/>
+              <a:t>モジュールに組み込まれている</a:t>
+            </a:r>
+            <a:r>
+              <a:rPr kumimoji="1" lang="en-US" altLang="ja-JP" dirty="0"/>
+              <a:t>.</a:t>
+            </a:r>
+          </a:p>
+          <a:p>
+            <a:pPr marL="0" indent="0">
+              <a:buNone/>
+            </a:pPr>
+            <a:endParaRPr lang="en-US" altLang="ja-JP" dirty="0"/>
+          </a:p>
+          <a:p>
+            <a:pPr marL="0" indent="0">
+              <a:buNone/>
+            </a:pPr>
+            <a:r>
+              <a:rPr kumimoji="1" lang="ja-JP" altLang="en-US" dirty="0"/>
+              <a:t>これは，古い世代の </a:t>
+            </a:r>
+            <a:r>
+              <a:rPr kumimoji="1" lang="en-US" altLang="ja-JP" dirty="0"/>
+              <a:t>GC (incremental collection) </a:t>
+            </a:r>
+            <a:r>
+              <a:rPr kumimoji="1" lang="ja-JP" altLang="en-US" dirty="0"/>
+              <a:t>実行時に自動的に行われるもので，</a:t>
+            </a:r>
+            <a:r>
+              <a:rPr kumimoji="1" lang="en-US" altLang="ja-JP" dirty="0"/>
+              <a:t>Mark–sweep </a:t>
+            </a:r>
+            <a:r>
+              <a:rPr kumimoji="1" lang="ja-JP" altLang="en-US" dirty="0"/>
+              <a:t>に似たアルゴリズムが部分的に実行される．</a:t>
+            </a:r>
+            <a:endParaRPr kumimoji="1" lang="en-US" altLang="ja-JP" dirty="0"/>
+          </a:p>
+          <a:p>
+            <a:pPr marL="0" indent="0">
+              <a:buNone/>
+            </a:pPr>
+            <a:endParaRPr lang="en-US" altLang="ja-JP" dirty="0"/>
+          </a:p>
+          <a:p>
+            <a:pPr marL="0" indent="0">
+              <a:buNone/>
+            </a:pPr>
+            <a:r>
+              <a:rPr kumimoji="1" lang="ja-JP" altLang="en-US" dirty="0"/>
+              <a:t>具体的な手順を次に説明する．</a:t>
+            </a:r>
+          </a:p>
+        </p:txBody>
+      </p:sp>
+      <p:sp>
+        <p:nvSpPr>
+          <p:cNvPr id="4" name="テキスト ボックス 3">
+            <a:extLst>
+              <a:ext uri="{FF2B5EF4-FFF2-40B4-BE49-F238E27FC236}">
+                <a16:creationId xmlns:a16="http://schemas.microsoft.com/office/drawing/2014/main" id="{54EA0BB8-BA3A-BB07-6D9C-7416A42F0AC6}"/>
+              </a:ext>
+            </a:extLst>
+          </p:cNvPr>
+          <p:cNvSpPr txBox="1"/>
+          <p:nvPr/>
+        </p:nvSpPr>
+        <p:spPr>
+          <a:xfrm>
+            <a:off x="3517392" y="6627168"/>
+            <a:ext cx="5797296" cy="230832"/>
+          </a:xfrm>
+          <a:prstGeom prst="rect">
+            <a:avLst/>
+          </a:prstGeom>
+          <a:noFill/>
+        </p:spPr>
+        <p:txBody>
+          <a:bodyPr wrap="square">
+            <a:spAutoFit/>
           </a:bodyPr>
           <a:lstStyle/>
           <a:p>
-            <a:pPr marL="0" indent="0">
-              <a:buNone/>
-            </a:pPr>
-            <a:endParaRPr lang="en-US" altLang="ja-JP" dirty="0"/>
-          </a:p>
-          <a:p>
-            <a:pPr marL="0" indent="0">
-              <a:buNone/>
-            </a:pPr>
-            <a:r>
-              <a:rPr kumimoji="1" lang="en-US" altLang="ja-JP" dirty="0">
-                <a:hlinkClick r:id="rId2"/>
-              </a:rPr>
-              <a:t>https://en.wikipedia.org/wiki/Garbage_collection_(computer_science)</a:t>
-            </a:r>
-            <a:r>
-              <a:rPr kumimoji="1" lang="en-US" altLang="ja-JP" dirty="0"/>
-              <a:t> </a:t>
-            </a:r>
-          </a:p>
-          <a:p>
-            <a:pPr marL="0" indent="0">
-              <a:buNone/>
-            </a:pPr>
-            <a:endParaRPr kumimoji="1" lang="en-US" altLang="ja-JP" dirty="0"/>
-          </a:p>
-          <a:p>
-            <a:pPr marL="0" indent="0">
-              <a:buNone/>
-            </a:pPr>
-            <a:r>
-              <a:rPr kumimoji="1" lang="en-US" altLang="ja-JP" dirty="0">
-                <a:hlinkClick r:id="rId3"/>
-              </a:rPr>
-              <a:t>http://matsu-www.is.titech.ac.jp/~endo/gc/gc.pdf</a:t>
-            </a:r>
-            <a:r>
-              <a:rPr kumimoji="1" lang="en-US" altLang="ja-JP" dirty="0"/>
-              <a:t> </a:t>
-            </a:r>
-          </a:p>
-          <a:p>
-            <a:pPr marL="0" indent="0">
-              <a:buNone/>
-            </a:pPr>
-            <a:endParaRPr lang="en-US" altLang="ja-JP" dirty="0"/>
-          </a:p>
-          <a:p>
-            <a:pPr marL="0" indent="0">
-              <a:buNone/>
-            </a:pPr>
-            <a:r>
-              <a:rPr kumimoji="1" lang="en-US" altLang="ja-JP" sz="2800" dirty="0"/>
-              <a:t>https://ja.wikipedia.org/wiki/%E3%83%95%E3%83%A9%E3%82%B0%E3%83%A1%E3%83%B3%E3%83%86%E3%83%BC%E3%82%B7%E3%83%A7%E3%83%B3 </a:t>
-            </a:r>
-            <a:endParaRPr kumimoji="1" lang="ja-JP" altLang="en-US" sz="2800" dirty="0"/>
-          </a:p>
-          <a:p>
-            <a:pPr marL="0" indent="0">
-              <a:buNone/>
-            </a:pPr>
-            <a:endParaRPr lang="en-US" altLang="ja-JP" dirty="0"/>
-          </a:p>
-          <a:p>
-            <a:pPr marL="0" indent="0">
-              <a:buNone/>
-            </a:pPr>
-            <a:endParaRPr lang="en-US" altLang="ja-JP" dirty="0"/>
+            <a:r>
+              <a:rPr lang="ja-JP" altLang="en-US" sz="900" dirty="0"/>
+              <a:t>https://github.com/python/cpython/blob/main/InternalDocs/garbage_collector.md#Optimization-incremental-collection</a:t>
+            </a:r>
           </a:p>
         </p:txBody>
       </p:sp>
     </p:spTree>
     <p:extLst>
       <p:ext uri="{BB962C8B-B14F-4D97-AF65-F5344CB8AC3E}">
-        <p14:creationId xmlns:p14="http://schemas.microsoft.com/office/powerpoint/2010/main" val="94726582"/>
+        <p14:creationId xmlns:p14="http://schemas.microsoft.com/office/powerpoint/2010/main" val="2322478047"/>
       </p:ext>
     </p:extLst>
   </p:cSld>
@@ -10618,7 +10836,7 @@
         <p:cNvPr id="1" name="">
           <a:extLst>
             <a:ext uri="{FF2B5EF4-FFF2-40B4-BE49-F238E27FC236}">
-              <a16:creationId xmlns:a16="http://schemas.microsoft.com/office/drawing/2014/main" id="{6927EDB8-FD8D-ADA2-5001-E3E74CB7591C}"/>
+              <a16:creationId xmlns:a16="http://schemas.microsoft.com/office/drawing/2014/main" id="{9DEAF370-D507-A9F6-BA00-783AC710E418}"/>
             </a:ext>
           </a:extLst>
         </p:cNvPr>
@@ -10638,7 +10856,7 @@
           <p:cNvPr id="2" name="タイトル 1">
             <a:extLst>
               <a:ext uri="{FF2B5EF4-FFF2-40B4-BE49-F238E27FC236}">
-                <a16:creationId xmlns:a16="http://schemas.microsoft.com/office/drawing/2014/main" id="{103DF0FE-9371-C051-4493-3D17934D7D38}"/>
+                <a16:creationId xmlns:a16="http://schemas.microsoft.com/office/drawing/2014/main" id="{3CE5702B-41AC-5A55-34F1-9BBCF70AE271}"/>
               </a:ext>
             </a:extLst>
           </p:cNvPr>
@@ -10655,8 +10873,16 @@
           <a:lstStyle/>
           <a:p>
             <a:r>
+              <a:rPr lang="en-US" altLang="ja-JP" dirty="0"/>
+              <a:t>2</a:t>
+            </a:r>
+            <a:r>
+              <a:rPr kumimoji="1" lang="en-US" altLang="ja-JP" dirty="0"/>
+              <a:t>.2. </a:t>
+            </a:r>
+            <a:r>
               <a:rPr kumimoji="1" lang="ja-JP" altLang="en-US" dirty="0"/>
-              <a:t>参考文献</a:t>
+              <a:t>循環参照への対処</a:t>
             </a:r>
           </a:p>
         </p:txBody>
@@ -10666,7 +10892,7 @@
           <p:cNvPr id="3" name="コンテンツ プレースホルダー 2">
             <a:extLst>
               <a:ext uri="{FF2B5EF4-FFF2-40B4-BE49-F238E27FC236}">
-                <a16:creationId xmlns:a16="http://schemas.microsoft.com/office/drawing/2014/main" id="{1194B260-6EA0-D9FA-475F-C9EB15B72972}"/>
+                <a16:creationId xmlns:a16="http://schemas.microsoft.com/office/drawing/2014/main" id="{E689EB6C-5A7E-E80F-76BF-6B7B78094E5A}"/>
               </a:ext>
             </a:extLst>
           </p:cNvPr>
@@ -10679,79 +10905,176 @@
         </p:nvSpPr>
         <p:spPr/>
         <p:txBody>
-          <a:bodyPr>
-            <a:normAutofit/>
+          <a:bodyPr/>
+          <a:lstStyle/>
+          <a:p>
+            <a:pPr marL="0" indent="0">
+              <a:buNone/>
+            </a:pPr>
+            <a:r>
+              <a:rPr kumimoji="1" lang="ja-JP" altLang="en-US" dirty="0"/>
+              <a:t>循環参照の特定</a:t>
+            </a:r>
+            <a:endParaRPr kumimoji="1" lang="en-US" altLang="ja-JP" dirty="0"/>
+          </a:p>
+          <a:p>
+            <a:pPr marL="0" indent="0">
+              <a:buNone/>
+            </a:pPr>
+            <a:r>
+              <a:rPr lang="en-US" altLang="ja-JP" sz="2400" dirty="0"/>
+              <a:t>	</a:t>
+            </a:r>
+            <a:r>
+              <a:rPr lang="ja-JP" altLang="en-US" sz="2400" dirty="0"/>
+              <a:t>このアルゴリズムは，コンテナオブジェクトを処理する．</a:t>
+            </a:r>
+            <a:endParaRPr lang="en-US" altLang="ja-JP" sz="2400" dirty="0"/>
+          </a:p>
+          <a:p>
+            <a:pPr marL="0" indent="0">
+              <a:buNone/>
+            </a:pPr>
+            <a:r>
+              <a:rPr kumimoji="1" lang="en-US" altLang="ja-JP" sz="2400" dirty="0"/>
+              <a:t>	(</a:t>
+            </a:r>
+            <a:r>
+              <a:rPr lang="en-US" altLang="ja-JP" sz="2400" dirty="0"/>
+              <a:t>1</a:t>
+            </a:r>
+            <a:r>
+              <a:rPr lang="ja-JP" altLang="en-US" sz="2400" dirty="0"/>
+              <a:t>つ以上のオブジェクトへの参照を持つ可能性があるため</a:t>
+            </a:r>
+            <a:r>
+              <a:rPr lang="en-US" altLang="ja-JP" sz="2400" dirty="0"/>
+              <a:t>)</a:t>
+            </a:r>
+          </a:p>
+          <a:p>
+            <a:pPr marL="0" indent="0">
+              <a:buNone/>
+            </a:pPr>
+            <a:endParaRPr kumimoji="1" lang="en-US" altLang="ja-JP" sz="2400" dirty="0"/>
+          </a:p>
+          <a:p>
+            <a:pPr marL="0" indent="0">
+              <a:buNone/>
+            </a:pPr>
+            <a:r>
+              <a:rPr lang="en-US" altLang="ja-JP" sz="2400" dirty="0"/>
+              <a:t>	</a:t>
+            </a:r>
+            <a:r>
+              <a:rPr lang="ja-JP" altLang="en-US" sz="2400" dirty="0"/>
+              <a:t>コンテナオブジェクト</a:t>
+            </a:r>
+            <a:endParaRPr lang="en-US" altLang="ja-JP" sz="2400" dirty="0"/>
+          </a:p>
+          <a:p>
+            <a:pPr marL="0" indent="0">
+              <a:buNone/>
+            </a:pPr>
+            <a:r>
+              <a:rPr lang="en-US" altLang="ja-JP" sz="2400" dirty="0"/>
+              <a:t>		</a:t>
+            </a:r>
+            <a:r>
+              <a:rPr lang="ja-JP" altLang="en-US" sz="2400" dirty="0"/>
+              <a:t>配列，辞書，リスト，カスタムクラスへのインスタンス，</a:t>
+            </a:r>
+            <a:endParaRPr lang="en-US" altLang="ja-JP" sz="2400" dirty="0"/>
+          </a:p>
+          <a:p>
+            <a:pPr marL="0" indent="0">
+              <a:buNone/>
+            </a:pPr>
+            <a:r>
+              <a:rPr lang="en-US" altLang="ja-JP" sz="2400" dirty="0"/>
+              <a:t>		</a:t>
+            </a:r>
+            <a:r>
+              <a:rPr lang="ja-JP" altLang="en-US" sz="2400" dirty="0"/>
+              <a:t>拡張モジュール内のクラス など．</a:t>
+            </a:r>
+            <a:endParaRPr lang="en-US" altLang="ja-JP" sz="2400" dirty="0"/>
+          </a:p>
+          <a:p>
+            <a:pPr marL="0" indent="0">
+              <a:buNone/>
+            </a:pPr>
+            <a:endParaRPr lang="en-US" altLang="ja-JP" sz="2400" dirty="0"/>
+          </a:p>
+          <a:p>
+            <a:pPr marL="0" indent="0">
+              <a:buNone/>
+            </a:pPr>
+            <a:r>
+              <a:rPr lang="en-US" altLang="ja-JP" sz="2400" dirty="0"/>
+              <a:t>	</a:t>
+            </a:r>
+            <a:r>
+              <a:rPr lang="ja-JP" altLang="en-US" sz="2400" dirty="0"/>
+              <a:t>これらのコンテナオブジェクトについて，到達可能なのか　　</a:t>
+            </a:r>
+            <a:r>
+              <a:rPr lang="en-US" altLang="ja-JP" sz="2400" dirty="0"/>
+              <a:t>	</a:t>
+            </a:r>
+            <a:r>
+              <a:rPr lang="ja-JP" altLang="en-US" sz="2400" dirty="0"/>
+              <a:t>そうでないのかを厳密に区別する必要がある．</a:t>
+            </a:r>
+            <a:endParaRPr lang="en-US" altLang="ja-JP" sz="2400" dirty="0"/>
+          </a:p>
+          <a:p>
+            <a:pPr marL="0" indent="0">
+              <a:buNone/>
+            </a:pPr>
+            <a:endParaRPr kumimoji="1" lang="ja-JP" altLang="en-US" sz="2400" dirty="0"/>
+          </a:p>
+        </p:txBody>
+      </p:sp>
+      <p:sp>
+        <p:nvSpPr>
+          <p:cNvPr id="4" name="テキスト ボックス 3">
+            <a:extLst>
+              <a:ext uri="{FF2B5EF4-FFF2-40B4-BE49-F238E27FC236}">
+                <a16:creationId xmlns:a16="http://schemas.microsoft.com/office/drawing/2014/main" id="{88DBB323-4D67-C7B3-9AB5-893512691018}"/>
+              </a:ext>
+            </a:extLst>
+          </p:cNvPr>
+          <p:cNvSpPr txBox="1"/>
+          <p:nvPr/>
+        </p:nvSpPr>
+        <p:spPr>
+          <a:xfrm>
+            <a:off x="3517392" y="6627168"/>
+            <a:ext cx="5797296" cy="230832"/>
+          </a:xfrm>
+          <a:prstGeom prst="rect">
+            <a:avLst/>
+          </a:prstGeom>
+          <a:noFill/>
+        </p:spPr>
+        <p:txBody>
+          <a:bodyPr wrap="square">
+            <a:spAutoFit/>
           </a:bodyPr>
           <a:lstStyle/>
           <a:p>
-            <a:pPr marL="0" indent="0">
-              <a:buNone/>
-            </a:pPr>
-            <a:endParaRPr lang="en-US" altLang="ja-JP" dirty="0"/>
-          </a:p>
-          <a:p>
-            <a:pPr marL="0" indent="0">
-              <a:buNone/>
-            </a:pPr>
-            <a:r>
-              <a:rPr kumimoji="1" lang="en-US" altLang="ja-JP" dirty="0">
-                <a:hlinkClick r:id="rId2"/>
-              </a:rPr>
-              <a:t>https://github.com/python/cpython/blob/main/InternalDocs/garbage_collector.md</a:t>
-            </a:r>
-            <a:endParaRPr kumimoji="1" lang="en-US" altLang="ja-JP" dirty="0"/>
-          </a:p>
-          <a:p>
-            <a:pPr marL="0" indent="0">
-              <a:buNone/>
-            </a:pPr>
-            <a:endParaRPr lang="en-US" altLang="ja-JP" dirty="0"/>
-          </a:p>
-          <a:p>
-            <a:pPr marL="0" indent="0">
-              <a:buNone/>
-            </a:pPr>
-            <a:r>
-              <a:rPr kumimoji="1" lang="en-US" altLang="ja-JP" dirty="0"/>
-              <a:t>https://docs.python.org/ja/3/library/gc.html</a:t>
-            </a:r>
-            <a:r>
-              <a:rPr kumimoji="1" lang="ja-JP" altLang="en-US" dirty="0"/>
-              <a:t>　</a:t>
-            </a:r>
-            <a:endParaRPr kumimoji="1" lang="en-US" altLang="ja-JP" dirty="0"/>
-          </a:p>
-          <a:p>
-            <a:pPr marL="0" indent="0">
-              <a:buNone/>
-            </a:pPr>
-            <a:endParaRPr lang="en-US" altLang="ja-JP" dirty="0"/>
-          </a:p>
-          <a:p>
-            <a:pPr marL="0" indent="0">
-              <a:buNone/>
-            </a:pPr>
-            <a:r>
-              <a:rPr lang="en-US" altLang="ja-JP" dirty="0"/>
-              <a:t>https://docs.python.org/3.13/library/gc.html</a:t>
-            </a:r>
-          </a:p>
-          <a:p>
-            <a:pPr marL="0" indent="0">
-              <a:buNone/>
-            </a:pPr>
-            <a:r>
-              <a:rPr kumimoji="1" lang="en-US" altLang="ja-JP" dirty="0"/>
-              <a:t>https://docs.python.org/3.14/library/gc.html</a:t>
-            </a:r>
-            <a:endParaRPr kumimoji="1" lang="ja-JP" altLang="en-US" dirty="0"/>
+            <a:r>
+              <a:rPr lang="ja-JP" altLang="en-US" sz="900" dirty="0"/>
+              <a:t>https://github.com/python/cpython/blob/main/InternalDocs/garbage_collector.md#Optimization-incremental-collection</a:t>
+            </a:r>
           </a:p>
         </p:txBody>
       </p:sp>
     </p:spTree>
     <p:extLst>
       <p:ext uri="{BB962C8B-B14F-4D97-AF65-F5344CB8AC3E}">
-        <p14:creationId xmlns:p14="http://schemas.microsoft.com/office/powerpoint/2010/main" val="3035484224"/>
+        <p14:creationId xmlns:p14="http://schemas.microsoft.com/office/powerpoint/2010/main" val="335071045"/>
       </p:ext>
     </p:extLst>
   </p:cSld>
@@ -10859,30 +11182,15 @@
             <a:pPr marL="0" indent="0">
               <a:buNone/>
             </a:pPr>
-            <a:r>
-              <a:rPr lang="en-US" altLang="ja-JP" dirty="0"/>
-              <a:t>1. Dangling Reference </a:t>
-            </a:r>
-            <a:r>
-              <a:rPr lang="ja-JP" altLang="en-US" dirty="0"/>
-              <a:t>と </a:t>
-            </a:r>
-            <a:r>
-              <a:rPr lang="en-US" altLang="ja-JP" dirty="0"/>
-              <a:t>Garbage Collection</a:t>
-            </a:r>
-          </a:p>
-          <a:p>
-            <a:pPr marL="0" indent="0">
-              <a:buNone/>
-            </a:pPr>
-            <a:r>
-              <a:rPr lang="en-US" altLang="ja-JP" dirty="0"/>
-              <a:t>2</a:t>
-            </a:r>
+            <a:endParaRPr lang="en-US" altLang="ja-JP" dirty="0"/>
+          </a:p>
+          <a:p>
+            <a:pPr marL="0" indent="0">
+              <a:buNone/>
+            </a:pPr>
             <a:r>
               <a:rPr kumimoji="1" lang="en-US" altLang="ja-JP" dirty="0"/>
-              <a:t>. Garbage Collection</a:t>
+              <a:t>1. Garbage Collection</a:t>
             </a:r>
             <a:r>
               <a:rPr lang="ja-JP" altLang="en-US" dirty="0"/>
@@ -10895,12 +11203,8 @@
               <a:buNone/>
             </a:pPr>
             <a:r>
-              <a:rPr lang="en-US" altLang="ja-JP" dirty="0"/>
-              <a:t>3</a:t>
-            </a:r>
-            <a:r>
               <a:rPr kumimoji="1" lang="en-US" altLang="ja-JP" dirty="0"/>
-              <a:t>. </a:t>
+              <a:t>2. </a:t>
             </a:r>
             <a:r>
               <a:rPr lang="en-US" altLang="ja-JP" dirty="0"/>
@@ -10920,16 +11224,12 @@
               <a:buNone/>
             </a:pPr>
             <a:r>
-              <a:rPr lang="en-US" altLang="ja-JP" dirty="0"/>
-              <a:t>4</a:t>
-            </a:r>
-            <a:r>
               <a:rPr kumimoji="1" lang="en-US" altLang="ja-JP" dirty="0"/>
-              <a:t>. </a:t>
+              <a:t>3. </a:t>
             </a:r>
             <a:r>
               <a:rPr kumimoji="1" lang="ja-JP" altLang="en-US" dirty="0"/>
-              <a:t>実例と 冒頭の疑問への答え</a:t>
+              <a:t>冒頭の疑問への答え</a:t>
             </a:r>
             <a:endParaRPr kumimoji="1" lang="en-US" altLang="ja-JP" dirty="0"/>
           </a:p>
@@ -10939,6 +11239,1916 @@
     <p:extLst>
       <p:ext uri="{BB962C8B-B14F-4D97-AF65-F5344CB8AC3E}">
         <p14:creationId xmlns:p14="http://schemas.microsoft.com/office/powerpoint/2010/main" val="2829603837"/>
+      </p:ext>
+    </p:extLst>
+  </p:cSld>
+  <p:clrMapOvr>
+    <a:masterClrMapping/>
+  </p:clrMapOvr>
+</p:sld>
+</file>
+
+<file path=ppt/slides/slide30.xml><?xml version="1.0" encoding="utf-8"?>
+<p:sld xmlns:a="http://schemas.openxmlformats.org/drawingml/2006/main" xmlns:r="http://schemas.openxmlformats.org/officeDocument/2006/relationships" xmlns:p="http://schemas.openxmlformats.org/presentationml/2006/main">
+  <p:cSld>
+    <p:spTree>
+      <p:nvGrpSpPr>
+        <p:cNvPr id="1" name="">
+          <a:extLst>
+            <a:ext uri="{FF2B5EF4-FFF2-40B4-BE49-F238E27FC236}">
+              <a16:creationId xmlns:a16="http://schemas.microsoft.com/office/drawing/2014/main" id="{CAC687DE-09A7-3F3E-7DAA-23BEF4310905}"/>
+            </a:ext>
+          </a:extLst>
+        </p:cNvPr>
+        <p:cNvGrpSpPr/>
+        <p:nvPr/>
+      </p:nvGrpSpPr>
+      <p:grpSpPr>
+        <a:xfrm>
+          <a:off x="0" y="0"/>
+          <a:ext cx="0" cy="0"/>
+          <a:chOff x="0" y="0"/>
+          <a:chExt cx="0" cy="0"/>
+        </a:xfrm>
+      </p:grpSpPr>
+      <p:sp>
+        <p:nvSpPr>
+          <p:cNvPr id="2" name="タイトル 1">
+            <a:extLst>
+              <a:ext uri="{FF2B5EF4-FFF2-40B4-BE49-F238E27FC236}">
+                <a16:creationId xmlns:a16="http://schemas.microsoft.com/office/drawing/2014/main" id="{3876F796-F388-CD2F-5C44-D893A4E29AA3}"/>
+              </a:ext>
+            </a:extLst>
+          </p:cNvPr>
+          <p:cNvSpPr>
+            <a:spLocks noGrp="1"/>
+          </p:cNvSpPr>
+          <p:nvPr>
+            <p:ph type="title"/>
+          </p:nvPr>
+        </p:nvSpPr>
+        <p:spPr/>
+        <p:txBody>
+          <a:bodyPr/>
+          <a:lstStyle/>
+          <a:p>
+            <a:r>
+              <a:rPr lang="en-US" altLang="ja-JP" dirty="0"/>
+              <a:t>2</a:t>
+            </a:r>
+            <a:r>
+              <a:rPr kumimoji="1" lang="en-US" altLang="ja-JP" dirty="0"/>
+              <a:t>.2. </a:t>
+            </a:r>
+            <a:r>
+              <a:rPr kumimoji="1" lang="ja-JP" altLang="en-US" dirty="0"/>
+              <a:t>循環参照への対処</a:t>
+            </a:r>
+          </a:p>
+        </p:txBody>
+      </p:sp>
+      <p:sp>
+        <p:nvSpPr>
+          <p:cNvPr id="3" name="コンテンツ プレースホルダー 2">
+            <a:extLst>
+              <a:ext uri="{FF2B5EF4-FFF2-40B4-BE49-F238E27FC236}">
+                <a16:creationId xmlns:a16="http://schemas.microsoft.com/office/drawing/2014/main" id="{737D8019-FD29-195E-8D46-C37AC97AAE1A}"/>
+              </a:ext>
+            </a:extLst>
+          </p:cNvPr>
+          <p:cNvSpPr>
+            <a:spLocks noGrp="1"/>
+          </p:cNvSpPr>
+          <p:nvPr>
+            <p:ph idx="1"/>
+          </p:nvPr>
+        </p:nvSpPr>
+        <p:spPr/>
+        <p:txBody>
+          <a:bodyPr/>
+          <a:lstStyle/>
+          <a:p>
+            <a:pPr marL="0" indent="0">
+              <a:buNone/>
+            </a:pPr>
+            <a:r>
+              <a:rPr kumimoji="1" lang="ja-JP" altLang="en-US" dirty="0"/>
+              <a:t>循環参照の特定</a:t>
+            </a:r>
+            <a:endParaRPr kumimoji="1" lang="en-US" altLang="ja-JP" dirty="0"/>
+          </a:p>
+          <a:p>
+            <a:pPr marL="0" indent="0">
+              <a:buNone/>
+            </a:pPr>
+            <a:r>
+              <a:rPr kumimoji="1" lang="en-US" altLang="ja-JP" sz="2400" dirty="0"/>
+              <a:t>	</a:t>
+            </a:r>
+            <a:r>
+              <a:rPr kumimoji="1" lang="ja-JP" altLang="en-US" sz="2400" dirty="0"/>
+              <a:t>例として，次のようなプログラムを考える．</a:t>
+            </a:r>
+            <a:endParaRPr kumimoji="1" lang="en-US" altLang="ja-JP" sz="2400" dirty="0"/>
+          </a:p>
+          <a:p>
+            <a:pPr marL="0" indent="0">
+              <a:buNone/>
+            </a:pPr>
+            <a:r>
+              <a:rPr lang="en-US" altLang="ja-JP" sz="2400" dirty="0"/>
+              <a:t>	</a:t>
+            </a:r>
+            <a:endParaRPr kumimoji="1" lang="ja-JP" altLang="en-US" sz="2400" dirty="0"/>
+          </a:p>
+        </p:txBody>
+      </p:sp>
+      <p:sp>
+        <p:nvSpPr>
+          <p:cNvPr id="4" name="テキスト ボックス 3">
+            <a:extLst>
+              <a:ext uri="{FF2B5EF4-FFF2-40B4-BE49-F238E27FC236}">
+                <a16:creationId xmlns:a16="http://schemas.microsoft.com/office/drawing/2014/main" id="{658DC1DB-DDF0-101D-F797-8385A092D3B5}"/>
+              </a:ext>
+            </a:extLst>
+          </p:cNvPr>
+          <p:cNvSpPr txBox="1"/>
+          <p:nvPr/>
+        </p:nvSpPr>
+        <p:spPr>
+          <a:xfrm>
+            <a:off x="3517392" y="6627168"/>
+            <a:ext cx="5797296" cy="230832"/>
+          </a:xfrm>
+          <a:prstGeom prst="rect">
+            <a:avLst/>
+          </a:prstGeom>
+          <a:noFill/>
+        </p:spPr>
+        <p:txBody>
+          <a:bodyPr wrap="square">
+            <a:spAutoFit/>
+          </a:bodyPr>
+          <a:lstStyle/>
+          <a:p>
+            <a:r>
+              <a:rPr lang="ja-JP" altLang="en-US" sz="900" dirty="0"/>
+              <a:t>https://github.com/python/cpython/blob/main/InternalDocs/garbage_collector.md#Optimization-incremental-collection</a:t>
+            </a:r>
+          </a:p>
+        </p:txBody>
+      </p:sp>
+      <p:pic>
+        <p:nvPicPr>
+          <p:cNvPr id="6" name="図 5">
+            <a:extLst>
+              <a:ext uri="{FF2B5EF4-FFF2-40B4-BE49-F238E27FC236}">
+                <a16:creationId xmlns:a16="http://schemas.microsoft.com/office/drawing/2014/main" id="{7B62BE28-77A1-795E-F8C8-AE20EA9F3B29}"/>
+              </a:ext>
+            </a:extLst>
+          </p:cNvPr>
+          <p:cNvPicPr>
+            <a:picLocks noChangeAspect="1"/>
+          </p:cNvPicPr>
+          <p:nvPr/>
+        </p:nvPicPr>
+        <p:blipFill>
+          <a:blip r:embed="rId2"/>
+          <a:stretch>
+            <a:fillRect/>
+          </a:stretch>
+        </p:blipFill>
+        <p:spPr>
+          <a:xfrm>
+            <a:off x="2073146" y="2118524"/>
+            <a:ext cx="4997707" cy="4210266"/>
+          </a:xfrm>
+          <a:prstGeom prst="rect">
+            <a:avLst/>
+          </a:prstGeom>
+        </p:spPr>
+      </p:pic>
+    </p:spTree>
+    <p:extLst>
+      <p:ext uri="{BB962C8B-B14F-4D97-AF65-F5344CB8AC3E}">
+        <p14:creationId xmlns:p14="http://schemas.microsoft.com/office/powerpoint/2010/main" val="4261396351"/>
+      </p:ext>
+    </p:extLst>
+  </p:cSld>
+  <p:clrMapOvr>
+    <a:masterClrMapping/>
+  </p:clrMapOvr>
+</p:sld>
+</file>
+
+<file path=ppt/slides/slide31.xml><?xml version="1.0" encoding="utf-8"?>
+<p:sld xmlns:a="http://schemas.openxmlformats.org/drawingml/2006/main" xmlns:r="http://schemas.openxmlformats.org/officeDocument/2006/relationships" xmlns:p="http://schemas.openxmlformats.org/presentationml/2006/main">
+  <p:cSld>
+    <p:spTree>
+      <p:nvGrpSpPr>
+        <p:cNvPr id="1" name="">
+          <a:extLst>
+            <a:ext uri="{FF2B5EF4-FFF2-40B4-BE49-F238E27FC236}">
+              <a16:creationId xmlns:a16="http://schemas.microsoft.com/office/drawing/2014/main" id="{6937B7AA-8754-1792-1FDC-0F19E9481DC2}"/>
+            </a:ext>
+          </a:extLst>
+        </p:cNvPr>
+        <p:cNvGrpSpPr/>
+        <p:nvPr/>
+      </p:nvGrpSpPr>
+      <p:grpSpPr>
+        <a:xfrm>
+          <a:off x="0" y="0"/>
+          <a:ext cx="0" cy="0"/>
+          <a:chOff x="0" y="0"/>
+          <a:chExt cx="0" cy="0"/>
+        </a:xfrm>
+      </p:grpSpPr>
+      <p:sp>
+        <p:nvSpPr>
+          <p:cNvPr id="2" name="タイトル 1">
+            <a:extLst>
+              <a:ext uri="{FF2B5EF4-FFF2-40B4-BE49-F238E27FC236}">
+                <a16:creationId xmlns:a16="http://schemas.microsoft.com/office/drawing/2014/main" id="{D130A3DB-008D-8365-F15B-C02107F54DB8}"/>
+              </a:ext>
+            </a:extLst>
+          </p:cNvPr>
+          <p:cNvSpPr>
+            <a:spLocks noGrp="1"/>
+          </p:cNvSpPr>
+          <p:nvPr>
+            <p:ph type="title"/>
+          </p:nvPr>
+        </p:nvSpPr>
+        <p:spPr/>
+        <p:txBody>
+          <a:bodyPr/>
+          <a:lstStyle/>
+          <a:p>
+            <a:r>
+              <a:rPr lang="en-US" altLang="ja-JP" dirty="0"/>
+              <a:t>2</a:t>
+            </a:r>
+            <a:r>
+              <a:rPr kumimoji="1" lang="en-US" altLang="ja-JP" dirty="0"/>
+              <a:t>.2. </a:t>
+            </a:r>
+            <a:r>
+              <a:rPr kumimoji="1" lang="ja-JP" altLang="en-US" dirty="0"/>
+              <a:t>循環参照への対処</a:t>
+            </a:r>
+          </a:p>
+        </p:txBody>
+      </p:sp>
+      <p:sp>
+        <p:nvSpPr>
+          <p:cNvPr id="3" name="コンテンツ プレースホルダー 2">
+            <a:extLst>
+              <a:ext uri="{FF2B5EF4-FFF2-40B4-BE49-F238E27FC236}">
+                <a16:creationId xmlns:a16="http://schemas.microsoft.com/office/drawing/2014/main" id="{493B7AFC-E4CD-8369-9D62-09B330BED981}"/>
+              </a:ext>
+            </a:extLst>
+          </p:cNvPr>
+          <p:cNvSpPr>
+            <a:spLocks noGrp="1"/>
+          </p:cNvSpPr>
+          <p:nvPr>
+            <p:ph idx="1"/>
+          </p:nvPr>
+        </p:nvSpPr>
+        <p:spPr/>
+        <p:txBody>
+          <a:bodyPr/>
+          <a:lstStyle/>
+          <a:p>
+            <a:pPr marL="0" indent="0">
+              <a:buNone/>
+            </a:pPr>
+            <a:r>
+              <a:rPr kumimoji="1" lang="ja-JP" altLang="en-US" dirty="0"/>
+              <a:t>循環参照の特定</a:t>
+            </a:r>
+            <a:endParaRPr kumimoji="1" lang="en-US" altLang="ja-JP" dirty="0"/>
+          </a:p>
+          <a:p>
+            <a:pPr marL="0" indent="0">
+              <a:buNone/>
+            </a:pPr>
+            <a:r>
+              <a:rPr kumimoji="1" lang="en-US" altLang="ja-JP" sz="2400" dirty="0"/>
+              <a:t>	</a:t>
+            </a:r>
+            <a:r>
+              <a:rPr kumimoji="1" lang="ja-JP" altLang="en-US" sz="2400" dirty="0"/>
+              <a:t>デフォルトビルドでは，</a:t>
+            </a:r>
+            <a:r>
+              <a:rPr lang="ja-JP" altLang="en-US" sz="2400" dirty="0"/>
+              <a:t>このアルゴリズムのスキャン対象は　</a:t>
+            </a:r>
+            <a:r>
+              <a:rPr lang="en-US" altLang="ja-JP" sz="2400" dirty="0"/>
+              <a:t>	</a:t>
+            </a:r>
+            <a:r>
+              <a:rPr lang="ja-JP" altLang="en-US" sz="2400" dirty="0"/>
+              <a:t>すべてのコンテナオブジェクトの集合またはそのサブセット　</a:t>
+            </a:r>
+            <a:r>
+              <a:rPr lang="en-US" altLang="ja-JP" sz="2400" dirty="0"/>
+              <a:t>	</a:t>
+            </a:r>
+            <a:r>
+              <a:rPr lang="ja-JP" altLang="en-US" sz="2400" dirty="0"/>
+              <a:t>である </a:t>
+            </a:r>
+            <a:r>
+              <a:rPr lang="en-US" altLang="ja-JP" sz="2400" dirty="0"/>
+              <a:t>(incremental collection </a:t>
+            </a:r>
+            <a:r>
+              <a:rPr lang="ja-JP" altLang="en-US" sz="2400" dirty="0"/>
+              <a:t>の場合と考えられる</a:t>
+            </a:r>
+            <a:r>
+              <a:rPr lang="en-US" altLang="ja-JP" sz="2400" dirty="0"/>
+              <a:t>)</a:t>
+            </a:r>
+            <a:r>
+              <a:rPr lang="ja-JP" altLang="en-US" sz="2400" dirty="0"/>
+              <a:t> ．</a:t>
+            </a:r>
+            <a:endParaRPr lang="en-US" altLang="ja-JP" sz="2400" dirty="0"/>
+          </a:p>
+          <a:p>
+            <a:pPr marL="0" indent="0">
+              <a:buNone/>
+            </a:pPr>
+            <a:endParaRPr lang="en-US" altLang="ja-JP" sz="2400" dirty="0"/>
+          </a:p>
+          <a:p>
+            <a:pPr marL="0" indent="0">
+              <a:buNone/>
+            </a:pPr>
+            <a:r>
+              <a:rPr lang="en-US" altLang="ja-JP" sz="2400" dirty="0"/>
+              <a:t>	</a:t>
+            </a:r>
+            <a:r>
+              <a:rPr lang="ja-JP" altLang="en-US" sz="2400" dirty="0"/>
+              <a:t>アルゴリズムの開始時，それぞれのオブジェクトは追加の  </a:t>
+            </a:r>
+            <a:r>
+              <a:rPr lang="en-US" altLang="ja-JP" sz="2400" dirty="0"/>
+              <a:t>	</a:t>
+            </a:r>
+            <a:r>
+              <a:rPr lang="ja-JP" altLang="en-US" sz="2400" dirty="0"/>
+              <a:t>参照カウントフィールド </a:t>
+            </a:r>
+            <a:r>
+              <a:rPr lang="en-US" altLang="ja-JP" sz="2400" dirty="0" err="1">
+                <a:latin typeface="Consolas" panose="020B0609020204030204" pitchFamily="49" charset="0"/>
+              </a:rPr>
+              <a:t>gc_ref</a:t>
+            </a:r>
+            <a:r>
+              <a:rPr lang="en-US" altLang="ja-JP" sz="2400" dirty="0">
+                <a:latin typeface="Consolas" panose="020B0609020204030204" pitchFamily="49" charset="0"/>
+              </a:rPr>
+              <a:t> </a:t>
+            </a:r>
+            <a:r>
+              <a:rPr lang="ja-JP" altLang="en-US" sz="2400" dirty="0"/>
+              <a:t>を持つ．</a:t>
+            </a:r>
+            <a:endParaRPr lang="en-US" altLang="ja-JP" sz="2400" dirty="0"/>
+          </a:p>
+          <a:p>
+            <a:pPr marL="0" indent="0">
+              <a:buNone/>
+            </a:pPr>
+            <a:r>
+              <a:rPr lang="en-US" altLang="ja-JP" sz="2400" dirty="0"/>
+              <a:t>	</a:t>
+            </a:r>
+            <a:r>
+              <a:rPr lang="ja-JP" altLang="en-US" sz="2400" dirty="0"/>
+              <a:t>これは</a:t>
+            </a:r>
+            <a:r>
+              <a:rPr lang="ja-JP" altLang="en-US" sz="2400" dirty="0">
+                <a:latin typeface="Consolas" panose="020B0609020204030204" pitchFamily="49" charset="0"/>
+              </a:rPr>
+              <a:t> </a:t>
+            </a:r>
+            <a:r>
+              <a:rPr lang="en-US" altLang="ja-JP" sz="2400" dirty="0">
+                <a:latin typeface="Consolas" panose="020B0609020204030204" pitchFamily="49" charset="0"/>
+              </a:rPr>
+              <a:t>ref count </a:t>
+            </a:r>
+            <a:r>
+              <a:rPr lang="ja-JP" altLang="en-US" sz="2400" dirty="0"/>
+              <a:t>により初期化されている</a:t>
+            </a:r>
+            <a:r>
+              <a:rPr lang="en-US" altLang="ja-JP" sz="2400" dirty="0"/>
+              <a:t>.</a:t>
+            </a:r>
+          </a:p>
+          <a:p>
+            <a:pPr marL="0" indent="0">
+              <a:buNone/>
+            </a:pPr>
+            <a:endParaRPr lang="en-US" altLang="ja-JP" sz="2400" dirty="0"/>
+          </a:p>
+          <a:p>
+            <a:pPr marL="0" indent="0">
+              <a:buNone/>
+            </a:pPr>
+            <a:endParaRPr lang="en-US" altLang="ja-JP" sz="2400" dirty="0"/>
+          </a:p>
+          <a:p>
+            <a:pPr marL="0" indent="0">
+              <a:buNone/>
+            </a:pPr>
+            <a:r>
+              <a:rPr lang="en-US" altLang="ja-JP" sz="2400" dirty="0"/>
+              <a:t>	</a:t>
+            </a:r>
+            <a:endParaRPr kumimoji="1" lang="ja-JP" altLang="en-US" sz="2400" dirty="0"/>
+          </a:p>
+        </p:txBody>
+      </p:sp>
+      <p:sp>
+        <p:nvSpPr>
+          <p:cNvPr id="4" name="テキスト ボックス 3">
+            <a:extLst>
+              <a:ext uri="{FF2B5EF4-FFF2-40B4-BE49-F238E27FC236}">
+                <a16:creationId xmlns:a16="http://schemas.microsoft.com/office/drawing/2014/main" id="{91C6C0F0-78B1-3ED5-BECD-B6C3210332D7}"/>
+              </a:ext>
+            </a:extLst>
+          </p:cNvPr>
+          <p:cNvSpPr txBox="1"/>
+          <p:nvPr/>
+        </p:nvSpPr>
+        <p:spPr>
+          <a:xfrm>
+            <a:off x="3517392" y="6627168"/>
+            <a:ext cx="5797296" cy="230832"/>
+          </a:xfrm>
+          <a:prstGeom prst="rect">
+            <a:avLst/>
+          </a:prstGeom>
+          <a:noFill/>
+        </p:spPr>
+        <p:txBody>
+          <a:bodyPr wrap="square">
+            <a:spAutoFit/>
+          </a:bodyPr>
+          <a:lstStyle/>
+          <a:p>
+            <a:r>
+              <a:rPr lang="ja-JP" altLang="en-US" sz="900" dirty="0"/>
+              <a:t>https://github.com/python/cpython/blob/main/InternalDocs/garbage_collector.md#Optimization-incremental-collection</a:t>
+            </a:r>
+          </a:p>
+        </p:txBody>
+      </p:sp>
+      <p:pic>
+        <p:nvPicPr>
+          <p:cNvPr id="1026" name="Picture 2" descr="gc-image1">
+            <a:extLst>
+              <a:ext uri="{FF2B5EF4-FFF2-40B4-BE49-F238E27FC236}">
+                <a16:creationId xmlns:a16="http://schemas.microsoft.com/office/drawing/2014/main" id="{E14472BF-95FB-D218-909E-000BAD5CDEC6}"/>
+              </a:ext>
+            </a:extLst>
+          </p:cNvPr>
+          <p:cNvPicPr>
+            <a:picLocks noChangeAspect="1" noChangeArrowheads="1"/>
+          </p:cNvPicPr>
+          <p:nvPr/>
+        </p:nvPicPr>
+        <p:blipFill>
+          <a:blip r:embed="rId2">
+            <a:extLst>
+              <a:ext uri="{28A0092B-C50C-407E-A947-70E740481C1C}">
+                <a14:useLocalDpi xmlns:a14="http://schemas.microsoft.com/office/drawing/2010/main" val="0"/>
+              </a:ext>
+            </a:extLst>
+          </a:blip>
+          <a:srcRect/>
+          <a:stretch>
+            <a:fillRect/>
+          </a:stretch>
+        </p:blipFill>
+        <p:spPr bwMode="auto">
+          <a:xfrm>
+            <a:off x="1143000" y="4453618"/>
+            <a:ext cx="6858000" cy="2000250"/>
+          </a:xfrm>
+          <a:prstGeom prst="rect">
+            <a:avLst/>
+          </a:prstGeom>
+          <a:noFill/>
+          <a:extLst>
+            <a:ext uri="{909E8E84-426E-40DD-AFC4-6F175D3DCCD1}">
+              <a14:hiddenFill xmlns:a14="http://schemas.microsoft.com/office/drawing/2010/main">
+                <a:solidFill>
+                  <a:srgbClr val="FFFFFF"/>
+                </a:solidFill>
+              </a14:hiddenFill>
+            </a:ext>
+          </a:extLst>
+        </p:spPr>
+      </p:pic>
+    </p:spTree>
+    <p:extLst>
+      <p:ext uri="{BB962C8B-B14F-4D97-AF65-F5344CB8AC3E}">
+        <p14:creationId xmlns:p14="http://schemas.microsoft.com/office/powerpoint/2010/main" val="2417628427"/>
+      </p:ext>
+    </p:extLst>
+  </p:cSld>
+  <p:clrMapOvr>
+    <a:masterClrMapping/>
+  </p:clrMapOvr>
+</p:sld>
+</file>
+
+<file path=ppt/slides/slide32.xml><?xml version="1.0" encoding="utf-8"?>
+<p:sld xmlns:a="http://schemas.openxmlformats.org/drawingml/2006/main" xmlns:r="http://schemas.openxmlformats.org/officeDocument/2006/relationships" xmlns:p="http://schemas.openxmlformats.org/presentationml/2006/main">
+  <p:cSld>
+    <p:spTree>
+      <p:nvGrpSpPr>
+        <p:cNvPr id="1" name="">
+          <a:extLst>
+            <a:ext uri="{FF2B5EF4-FFF2-40B4-BE49-F238E27FC236}">
+              <a16:creationId xmlns:a16="http://schemas.microsoft.com/office/drawing/2014/main" id="{25628258-9655-1748-F7D9-8E38369ABD37}"/>
+            </a:ext>
+          </a:extLst>
+        </p:cNvPr>
+        <p:cNvGrpSpPr/>
+        <p:nvPr/>
+      </p:nvGrpSpPr>
+      <p:grpSpPr>
+        <a:xfrm>
+          <a:off x="0" y="0"/>
+          <a:ext cx="0" cy="0"/>
+          <a:chOff x="0" y="0"/>
+          <a:chExt cx="0" cy="0"/>
+        </a:xfrm>
+      </p:grpSpPr>
+      <p:sp>
+        <p:nvSpPr>
+          <p:cNvPr id="2" name="タイトル 1">
+            <a:extLst>
+              <a:ext uri="{FF2B5EF4-FFF2-40B4-BE49-F238E27FC236}">
+                <a16:creationId xmlns:a16="http://schemas.microsoft.com/office/drawing/2014/main" id="{68FF97F6-5B3A-364D-20C9-2D82C8DCF7DA}"/>
+              </a:ext>
+            </a:extLst>
+          </p:cNvPr>
+          <p:cNvSpPr>
+            <a:spLocks noGrp="1"/>
+          </p:cNvSpPr>
+          <p:nvPr>
+            <p:ph type="title"/>
+          </p:nvPr>
+        </p:nvSpPr>
+        <p:spPr/>
+        <p:txBody>
+          <a:bodyPr/>
+          <a:lstStyle/>
+          <a:p>
+            <a:r>
+              <a:rPr lang="en-US" altLang="ja-JP" dirty="0"/>
+              <a:t>2</a:t>
+            </a:r>
+            <a:r>
+              <a:rPr kumimoji="1" lang="en-US" altLang="ja-JP" dirty="0"/>
+              <a:t>.2. </a:t>
+            </a:r>
+            <a:r>
+              <a:rPr kumimoji="1" lang="ja-JP" altLang="en-US" dirty="0"/>
+              <a:t>循環参照への対処</a:t>
+            </a:r>
+          </a:p>
+        </p:txBody>
+      </p:sp>
+      <p:sp>
+        <p:nvSpPr>
+          <p:cNvPr id="3" name="コンテンツ プレースホルダー 2">
+            <a:extLst>
+              <a:ext uri="{FF2B5EF4-FFF2-40B4-BE49-F238E27FC236}">
+                <a16:creationId xmlns:a16="http://schemas.microsoft.com/office/drawing/2014/main" id="{3782659B-B20E-6D12-B775-3412E73E82C3}"/>
+              </a:ext>
+            </a:extLst>
+          </p:cNvPr>
+          <p:cNvSpPr>
+            <a:spLocks noGrp="1"/>
+          </p:cNvSpPr>
+          <p:nvPr>
+            <p:ph idx="1"/>
+          </p:nvPr>
+        </p:nvSpPr>
+        <p:spPr/>
+        <p:txBody>
+          <a:bodyPr/>
+          <a:lstStyle/>
+          <a:p>
+            <a:pPr marL="0" indent="0">
+              <a:buNone/>
+            </a:pPr>
+            <a:r>
+              <a:rPr kumimoji="1" lang="ja-JP" altLang="en-US" dirty="0"/>
+              <a:t>循環参照の特定</a:t>
+            </a:r>
+            <a:endParaRPr kumimoji="1" lang="en-US" altLang="ja-JP" dirty="0"/>
+          </a:p>
+          <a:p>
+            <a:pPr marL="0" indent="0">
+              <a:buNone/>
+            </a:pPr>
+            <a:r>
+              <a:rPr kumimoji="1" lang="en-US" altLang="ja-JP" sz="2400" dirty="0"/>
+              <a:t>	</a:t>
+            </a:r>
+            <a:r>
+              <a:rPr kumimoji="1" lang="ja-JP" altLang="en-US" sz="2400" dirty="0"/>
+              <a:t>それぞれのコンテナが参照する先の </a:t>
+            </a:r>
+            <a:r>
+              <a:rPr kumimoji="1" lang="en-US" altLang="ja-JP" sz="2400" dirty="0" err="1">
+                <a:latin typeface="Consolas" panose="020B0609020204030204" pitchFamily="49" charset="0"/>
+              </a:rPr>
+              <a:t>gc_ref</a:t>
+            </a:r>
+            <a:r>
+              <a:rPr kumimoji="1" lang="en-US" altLang="ja-JP" sz="2400" dirty="0">
+                <a:latin typeface="Consolas" panose="020B0609020204030204" pitchFamily="49" charset="0"/>
+              </a:rPr>
+              <a:t> </a:t>
+            </a:r>
+            <a:r>
+              <a:rPr kumimoji="1" lang="ja-JP" altLang="en-US" sz="2400" dirty="0"/>
+              <a:t>を</a:t>
+            </a:r>
+            <a:r>
+              <a:rPr kumimoji="1" lang="en-US" altLang="ja-JP" sz="2400" dirty="0"/>
+              <a:t>1</a:t>
+            </a:r>
+            <a:r>
+              <a:rPr kumimoji="1" lang="ja-JP" altLang="en-US" sz="2400" dirty="0"/>
+              <a:t>減らす．</a:t>
+            </a:r>
+            <a:endParaRPr kumimoji="1" lang="en-US" altLang="ja-JP" sz="2400" dirty="0"/>
+          </a:p>
+          <a:p>
+            <a:pPr marL="0" indent="0">
+              <a:buNone/>
+            </a:pPr>
+            <a:r>
+              <a:rPr lang="en-US" altLang="ja-JP" sz="2400" dirty="0"/>
+              <a:t>	</a:t>
+            </a:r>
+            <a:r>
+              <a:rPr lang="ja-JP" altLang="en-US" sz="2400" dirty="0"/>
+              <a:t>すべてのコンテナの処理が終わると，外部から参照されて　</a:t>
+            </a:r>
+            <a:r>
+              <a:rPr lang="en-US" altLang="ja-JP" sz="2400" dirty="0"/>
+              <a:t>	</a:t>
+            </a:r>
+            <a:r>
+              <a:rPr lang="ja-JP" altLang="en-US" sz="2400" dirty="0"/>
+              <a:t>いるオブジェクトのみが </a:t>
+            </a:r>
+            <a:r>
+              <a:rPr kumimoji="1" lang="en-US" altLang="ja-JP" sz="2400" dirty="0" err="1">
+                <a:latin typeface="Consolas" panose="020B0609020204030204" pitchFamily="49" charset="0"/>
+              </a:rPr>
+              <a:t>gc_ref</a:t>
+            </a:r>
+            <a:r>
+              <a:rPr kumimoji="1" lang="en-US" altLang="ja-JP" sz="2400" dirty="0">
+                <a:latin typeface="Consolas" panose="020B0609020204030204" pitchFamily="49" charset="0"/>
+              </a:rPr>
+              <a:t> &gt; 0 </a:t>
+            </a:r>
+            <a:r>
+              <a:rPr kumimoji="1" lang="ja-JP" altLang="en-US" sz="2400" dirty="0">
+                <a:latin typeface="Consolas" panose="020B0609020204030204" pitchFamily="49" charset="0"/>
+              </a:rPr>
+              <a:t>となる．</a:t>
+            </a:r>
+            <a:endParaRPr kumimoji="1" lang="en-US" altLang="ja-JP" sz="2400" dirty="0">
+              <a:latin typeface="Consolas" panose="020B0609020204030204" pitchFamily="49" charset="0"/>
+            </a:endParaRPr>
+          </a:p>
+          <a:p>
+            <a:pPr marL="0" indent="0">
+              <a:buNone/>
+            </a:pPr>
+            <a:endParaRPr lang="en-US" altLang="ja-JP" sz="2400" dirty="0">
+              <a:latin typeface="Consolas" panose="020B0609020204030204" pitchFamily="49" charset="0"/>
+            </a:endParaRPr>
+          </a:p>
+          <a:p>
+            <a:pPr marL="0" indent="0">
+              <a:buNone/>
+            </a:pPr>
+            <a:r>
+              <a:rPr lang="en-US" altLang="ja-JP" sz="2400" dirty="0">
+                <a:latin typeface="Consolas" panose="020B0609020204030204" pitchFamily="49" charset="0"/>
+              </a:rPr>
+              <a:t>	</a:t>
+            </a:r>
+            <a:r>
+              <a:rPr lang="ja-JP" altLang="en-US" sz="2400" dirty="0">
+                <a:latin typeface="Consolas" panose="020B0609020204030204" pitchFamily="49" charset="0"/>
+              </a:rPr>
+              <a:t>☆</a:t>
+            </a:r>
+            <a:r>
+              <a:rPr kumimoji="1" lang="ja-JP" altLang="en-US" sz="2400" dirty="0">
+                <a:latin typeface="Consolas" panose="020B0609020204030204" pitchFamily="49" charset="0"/>
+              </a:rPr>
+              <a:t>必ずしも </a:t>
+            </a:r>
+            <a:r>
+              <a:rPr kumimoji="1" lang="en-US" altLang="ja-JP" sz="2400" dirty="0" err="1">
+                <a:latin typeface="Consolas" panose="020B0609020204030204" pitchFamily="49" charset="0"/>
+              </a:rPr>
+              <a:t>gc_ref</a:t>
+            </a:r>
+            <a:r>
+              <a:rPr kumimoji="1" lang="en-US" altLang="ja-JP" sz="2400" dirty="0">
+                <a:latin typeface="Consolas" panose="020B0609020204030204" pitchFamily="49" charset="0"/>
+              </a:rPr>
+              <a:t> == 0 </a:t>
+            </a:r>
+            <a:r>
+              <a:rPr kumimoji="1" lang="ja-JP" altLang="en-US" sz="2400" dirty="0">
+                <a:latin typeface="Consolas" panose="020B0609020204030204" pitchFamily="49" charset="0"/>
+              </a:rPr>
+              <a:t>⇒ </a:t>
+            </a:r>
+            <a:r>
+              <a:rPr kumimoji="1" lang="en-US" altLang="ja-JP" sz="2400" dirty="0">
+                <a:latin typeface="+mn-lt"/>
+              </a:rPr>
+              <a:t>unreachable</a:t>
+            </a:r>
+            <a:r>
+              <a:rPr kumimoji="1" lang="en-US" altLang="ja-JP" sz="2400" dirty="0">
+                <a:latin typeface="Consolas" panose="020B0609020204030204" pitchFamily="49" charset="0"/>
+              </a:rPr>
+              <a:t> </a:t>
+            </a:r>
+            <a:r>
+              <a:rPr kumimoji="1" lang="ja-JP" altLang="en-US" sz="2400" dirty="0">
+                <a:latin typeface="Consolas" panose="020B0609020204030204" pitchFamily="49" charset="0"/>
+              </a:rPr>
+              <a:t>ではない</a:t>
+            </a:r>
+            <a:r>
+              <a:rPr kumimoji="1" lang="en-US" altLang="ja-JP" sz="2400" dirty="0">
+                <a:latin typeface="Consolas" panose="020B0609020204030204" pitchFamily="49" charset="0"/>
+              </a:rPr>
+              <a:t> </a:t>
+            </a:r>
+            <a:endParaRPr lang="en-US" altLang="ja-JP" sz="2400" dirty="0"/>
+          </a:p>
+          <a:p>
+            <a:pPr marL="0" indent="0">
+              <a:buNone/>
+            </a:pPr>
+            <a:r>
+              <a:rPr lang="en-US" altLang="ja-JP" sz="2400" dirty="0"/>
+              <a:t>		</a:t>
+            </a:r>
+            <a:r>
+              <a:rPr lang="ja-JP" altLang="en-US" sz="2400" dirty="0"/>
+              <a:t>例えば下の図では</a:t>
+            </a:r>
+            <a:r>
+              <a:rPr lang="en-US" altLang="ja-JP" sz="2400" dirty="0"/>
+              <a:t>, link_2 </a:t>
+            </a:r>
+            <a:r>
+              <a:rPr lang="ja-JP" altLang="en-US" sz="2400" dirty="0"/>
+              <a:t>は </a:t>
+            </a:r>
+            <a:r>
+              <a:rPr lang="en-US" altLang="ja-JP" sz="2400" dirty="0"/>
+              <a:t>link_1 </a:t>
+            </a:r>
+            <a:r>
+              <a:rPr lang="ja-JP" altLang="en-US" sz="2400" dirty="0"/>
+              <a:t>により到達可能</a:t>
+            </a:r>
+            <a:r>
+              <a:rPr lang="en-US" altLang="ja-JP" sz="2400" dirty="0"/>
+              <a:t>.</a:t>
+            </a:r>
+          </a:p>
+          <a:p>
+            <a:pPr marL="0" indent="0">
+              <a:buNone/>
+            </a:pPr>
+            <a:r>
+              <a:rPr lang="en-US" altLang="ja-JP" sz="2400" dirty="0"/>
+              <a:t>	</a:t>
+            </a:r>
+            <a:endParaRPr kumimoji="1" lang="ja-JP" altLang="en-US" sz="2400" dirty="0"/>
+          </a:p>
+        </p:txBody>
+      </p:sp>
+      <p:sp>
+        <p:nvSpPr>
+          <p:cNvPr id="4" name="テキスト ボックス 3">
+            <a:extLst>
+              <a:ext uri="{FF2B5EF4-FFF2-40B4-BE49-F238E27FC236}">
+                <a16:creationId xmlns:a16="http://schemas.microsoft.com/office/drawing/2014/main" id="{F25B248E-9617-B4AA-97BC-D5425DD31823}"/>
+              </a:ext>
+            </a:extLst>
+          </p:cNvPr>
+          <p:cNvSpPr txBox="1"/>
+          <p:nvPr/>
+        </p:nvSpPr>
+        <p:spPr>
+          <a:xfrm>
+            <a:off x="3517392" y="6627168"/>
+            <a:ext cx="5797296" cy="230832"/>
+          </a:xfrm>
+          <a:prstGeom prst="rect">
+            <a:avLst/>
+          </a:prstGeom>
+          <a:noFill/>
+        </p:spPr>
+        <p:txBody>
+          <a:bodyPr wrap="square">
+            <a:spAutoFit/>
+          </a:bodyPr>
+          <a:lstStyle/>
+          <a:p>
+            <a:r>
+              <a:rPr lang="ja-JP" altLang="en-US" sz="900" dirty="0"/>
+              <a:t>https://github.com/python/cpython/blob/main/InternalDocs/garbage_collector.md#Optimization-incremental-collection</a:t>
+            </a:r>
+          </a:p>
+        </p:txBody>
+      </p:sp>
+      <p:pic>
+        <p:nvPicPr>
+          <p:cNvPr id="2050" name="Picture 2" descr="gc-image2">
+            <a:extLst>
+              <a:ext uri="{FF2B5EF4-FFF2-40B4-BE49-F238E27FC236}">
+                <a16:creationId xmlns:a16="http://schemas.microsoft.com/office/drawing/2014/main" id="{2257E1E0-CD78-7FD9-2585-0357B493A35F}"/>
+              </a:ext>
+            </a:extLst>
+          </p:cNvPr>
+          <p:cNvPicPr>
+            <a:picLocks noChangeAspect="1" noChangeArrowheads="1"/>
+          </p:cNvPicPr>
+          <p:nvPr/>
+        </p:nvPicPr>
+        <p:blipFill>
+          <a:blip r:embed="rId2">
+            <a:extLst>
+              <a:ext uri="{28A0092B-C50C-407E-A947-70E740481C1C}">
+                <a14:useLocalDpi xmlns:a14="http://schemas.microsoft.com/office/drawing/2010/main" val="0"/>
+              </a:ext>
+            </a:extLst>
+          </a:blip>
+          <a:srcRect/>
+          <a:stretch>
+            <a:fillRect/>
+          </a:stretch>
+        </p:blipFill>
+        <p:spPr bwMode="auto">
+          <a:xfrm>
+            <a:off x="1143000" y="4581704"/>
+            <a:ext cx="6858000" cy="2000250"/>
+          </a:xfrm>
+          <a:prstGeom prst="rect">
+            <a:avLst/>
+          </a:prstGeom>
+          <a:noFill/>
+          <a:extLst>
+            <a:ext uri="{909E8E84-426E-40DD-AFC4-6F175D3DCCD1}">
+              <a14:hiddenFill xmlns:a14="http://schemas.microsoft.com/office/drawing/2010/main">
+                <a:solidFill>
+                  <a:srgbClr val="FFFFFF"/>
+                </a:solidFill>
+              </a14:hiddenFill>
+            </a:ext>
+          </a:extLst>
+        </p:spPr>
+      </p:pic>
+    </p:spTree>
+    <p:extLst>
+      <p:ext uri="{BB962C8B-B14F-4D97-AF65-F5344CB8AC3E}">
+        <p14:creationId xmlns:p14="http://schemas.microsoft.com/office/powerpoint/2010/main" val="7561270"/>
+      </p:ext>
+    </p:extLst>
+  </p:cSld>
+  <p:clrMapOvr>
+    <a:masterClrMapping/>
+  </p:clrMapOvr>
+</p:sld>
+</file>
+
+<file path=ppt/slides/slide33.xml><?xml version="1.0" encoding="utf-8"?>
+<p:sld xmlns:a="http://schemas.openxmlformats.org/drawingml/2006/main" xmlns:r="http://schemas.openxmlformats.org/officeDocument/2006/relationships" xmlns:p="http://schemas.openxmlformats.org/presentationml/2006/main">
+  <p:cSld>
+    <p:spTree>
+      <p:nvGrpSpPr>
+        <p:cNvPr id="1" name="">
+          <a:extLst>
+            <a:ext uri="{FF2B5EF4-FFF2-40B4-BE49-F238E27FC236}">
+              <a16:creationId xmlns:a16="http://schemas.microsoft.com/office/drawing/2014/main" id="{30482D50-70FE-5651-B975-96B5730DB34D}"/>
+            </a:ext>
+          </a:extLst>
+        </p:cNvPr>
+        <p:cNvGrpSpPr/>
+        <p:nvPr/>
+      </p:nvGrpSpPr>
+      <p:grpSpPr>
+        <a:xfrm>
+          <a:off x="0" y="0"/>
+          <a:ext cx="0" cy="0"/>
+          <a:chOff x="0" y="0"/>
+          <a:chExt cx="0" cy="0"/>
+        </a:xfrm>
+      </p:grpSpPr>
+      <p:sp>
+        <p:nvSpPr>
+          <p:cNvPr id="2" name="タイトル 1">
+            <a:extLst>
+              <a:ext uri="{FF2B5EF4-FFF2-40B4-BE49-F238E27FC236}">
+                <a16:creationId xmlns:a16="http://schemas.microsoft.com/office/drawing/2014/main" id="{B8022FAC-9B84-8902-70D3-DC09EDC83B85}"/>
+              </a:ext>
+            </a:extLst>
+          </p:cNvPr>
+          <p:cNvSpPr>
+            <a:spLocks noGrp="1"/>
+          </p:cNvSpPr>
+          <p:nvPr>
+            <p:ph type="title"/>
+          </p:nvPr>
+        </p:nvSpPr>
+        <p:spPr/>
+        <p:txBody>
+          <a:bodyPr/>
+          <a:lstStyle/>
+          <a:p>
+            <a:r>
+              <a:rPr lang="en-US" altLang="ja-JP" dirty="0"/>
+              <a:t>2</a:t>
+            </a:r>
+            <a:r>
+              <a:rPr kumimoji="1" lang="en-US" altLang="ja-JP" dirty="0"/>
+              <a:t>.2. </a:t>
+            </a:r>
+            <a:r>
+              <a:rPr kumimoji="1" lang="ja-JP" altLang="en-US" dirty="0"/>
+              <a:t>循環参照への対処</a:t>
+            </a:r>
+          </a:p>
+        </p:txBody>
+      </p:sp>
+      <p:sp>
+        <p:nvSpPr>
+          <p:cNvPr id="3" name="コンテンツ プレースホルダー 2">
+            <a:extLst>
+              <a:ext uri="{FF2B5EF4-FFF2-40B4-BE49-F238E27FC236}">
+                <a16:creationId xmlns:a16="http://schemas.microsoft.com/office/drawing/2014/main" id="{9E8C38C6-5489-7C7D-1DCE-2CFD28D4DF3C}"/>
+              </a:ext>
+            </a:extLst>
+          </p:cNvPr>
+          <p:cNvSpPr>
+            <a:spLocks noGrp="1"/>
+          </p:cNvSpPr>
+          <p:nvPr>
+            <p:ph idx="1"/>
+          </p:nvPr>
+        </p:nvSpPr>
+        <p:spPr/>
+        <p:txBody>
+          <a:bodyPr/>
+          <a:lstStyle/>
+          <a:p>
+            <a:pPr marL="0" indent="0">
+              <a:buNone/>
+            </a:pPr>
+            <a:r>
+              <a:rPr kumimoji="1" lang="ja-JP" altLang="en-US" dirty="0"/>
+              <a:t>循環参照の特定</a:t>
+            </a:r>
+            <a:endParaRPr kumimoji="1" lang="en-US" altLang="ja-JP" dirty="0"/>
+          </a:p>
+          <a:p>
+            <a:pPr marL="0" indent="0">
+              <a:buNone/>
+            </a:pPr>
+            <a:r>
+              <a:rPr kumimoji="1" lang="en-US" altLang="ja-JP" sz="2400" dirty="0"/>
+              <a:t>	</a:t>
+            </a:r>
+            <a:r>
+              <a:rPr kumimoji="1" lang="en-US" altLang="ja-JP" sz="2400" dirty="0" err="1">
+                <a:latin typeface="Consolas" panose="020B0609020204030204" pitchFamily="49" charset="0"/>
+              </a:rPr>
+              <a:t>gc_ref</a:t>
+            </a:r>
+            <a:r>
+              <a:rPr kumimoji="1" lang="en-US" altLang="ja-JP" sz="2400" dirty="0">
+                <a:latin typeface="Consolas" panose="020B0609020204030204" pitchFamily="49" charset="0"/>
+              </a:rPr>
+              <a:t> </a:t>
+            </a:r>
+            <a:r>
+              <a:rPr lang="en-US" altLang="ja-JP" sz="2400" dirty="0">
+                <a:latin typeface="Consolas" panose="020B0609020204030204" pitchFamily="49" charset="0"/>
+              </a:rPr>
+              <a:t>== 0 </a:t>
+            </a:r>
+            <a:r>
+              <a:rPr lang="ja-JP" altLang="en-US" sz="2400" dirty="0">
+                <a:latin typeface="Consolas" panose="020B0609020204030204" pitchFamily="49" charset="0"/>
+              </a:rPr>
+              <a:t>であるオブジェクトは</a:t>
+            </a:r>
+            <a:r>
+              <a:rPr lang="en-US" altLang="ja-JP" sz="2400" dirty="0">
+                <a:latin typeface="Consolas" panose="020B0609020204030204" pitchFamily="49" charset="0"/>
+              </a:rPr>
+              <a:t>”</a:t>
+            </a:r>
+            <a:r>
+              <a:rPr lang="ja-JP" altLang="en-US" sz="2400" dirty="0">
+                <a:latin typeface="Consolas" panose="020B0609020204030204" pitchFamily="49" charset="0"/>
+              </a:rPr>
+              <a:t>暫定的に到達不能</a:t>
+            </a:r>
+            <a:r>
+              <a:rPr lang="en-US" altLang="ja-JP" sz="2400" dirty="0">
+                <a:latin typeface="Consolas" panose="020B0609020204030204" pitchFamily="49" charset="0"/>
+              </a:rPr>
+              <a:t>”</a:t>
+            </a:r>
+            <a:r>
+              <a:rPr lang="ja-JP" altLang="en-US" sz="2400" dirty="0">
+                <a:latin typeface="Consolas" panose="020B0609020204030204" pitchFamily="49" charset="0"/>
+              </a:rPr>
+              <a:t>　</a:t>
+            </a:r>
+            <a:r>
+              <a:rPr lang="en-US" altLang="ja-JP" sz="2400" dirty="0">
+                <a:latin typeface="Consolas" panose="020B0609020204030204" pitchFamily="49" charset="0"/>
+              </a:rPr>
+              <a:t>	</a:t>
+            </a:r>
+            <a:r>
+              <a:rPr lang="ja-JP" altLang="en-US" sz="2400" dirty="0">
+                <a:latin typeface="Consolas" panose="020B0609020204030204" pitchFamily="49" charset="0"/>
+              </a:rPr>
+              <a:t>と判定され，別のリストに移動される．</a:t>
+            </a:r>
+            <a:endParaRPr lang="en-US" altLang="ja-JP" sz="2400" dirty="0">
+              <a:latin typeface="Consolas" panose="020B0609020204030204" pitchFamily="49" charset="0"/>
+            </a:endParaRPr>
+          </a:p>
+          <a:p>
+            <a:pPr marL="0" indent="0">
+              <a:buNone/>
+            </a:pPr>
+            <a:r>
+              <a:rPr lang="en-US" altLang="ja-JP" sz="2400" dirty="0">
+                <a:latin typeface="Consolas" panose="020B0609020204030204" pitchFamily="49" charset="0"/>
+              </a:rPr>
+              <a:t>	</a:t>
+            </a:r>
+            <a:r>
+              <a:rPr lang="ja-JP" altLang="en-US" sz="2400" dirty="0">
+                <a:latin typeface="Consolas" panose="020B0609020204030204" pitchFamily="49" charset="0"/>
+              </a:rPr>
+              <a:t>次に，</a:t>
+            </a:r>
+            <a:r>
+              <a:rPr kumimoji="1" lang="en-US" altLang="ja-JP" sz="2400" dirty="0">
+                <a:latin typeface="Consolas" panose="020B0609020204030204" pitchFamily="49" charset="0"/>
+              </a:rPr>
+              <a:t> </a:t>
+            </a:r>
+            <a:r>
+              <a:rPr kumimoji="1" lang="en-US" altLang="ja-JP" sz="2400" dirty="0" err="1">
+                <a:latin typeface="Consolas" panose="020B0609020204030204" pitchFamily="49" charset="0"/>
+              </a:rPr>
+              <a:t>gc_ref</a:t>
+            </a:r>
+            <a:r>
+              <a:rPr kumimoji="1" lang="en-US" altLang="ja-JP" sz="2400" dirty="0">
+                <a:latin typeface="Consolas" panose="020B0609020204030204" pitchFamily="49" charset="0"/>
+              </a:rPr>
+              <a:t> &gt;</a:t>
+            </a:r>
+            <a:r>
+              <a:rPr lang="en-US" altLang="ja-JP" sz="2400" dirty="0">
+                <a:latin typeface="Consolas" panose="020B0609020204030204" pitchFamily="49" charset="0"/>
+              </a:rPr>
+              <a:t> 0 </a:t>
+            </a:r>
+            <a:r>
+              <a:rPr lang="ja-JP" altLang="en-US" sz="2400" dirty="0">
+                <a:latin typeface="Consolas" panose="020B0609020204030204" pitchFamily="49" charset="0"/>
+              </a:rPr>
+              <a:t>のオブジェクトを再度走査し，そこから</a:t>
+            </a:r>
+            <a:r>
+              <a:rPr lang="en-US" altLang="ja-JP" sz="2400" dirty="0">
+                <a:latin typeface="Consolas" panose="020B0609020204030204" pitchFamily="49" charset="0"/>
+              </a:rPr>
+              <a:t>	</a:t>
+            </a:r>
+            <a:r>
+              <a:rPr lang="ja-JP" altLang="en-US" sz="2400" dirty="0">
+                <a:latin typeface="Consolas" panose="020B0609020204030204" pitchFamily="49" charset="0"/>
+              </a:rPr>
+              <a:t>到達可能なオブジェクトを元のリストに復活させる．</a:t>
+            </a:r>
+            <a:endParaRPr lang="en-US" altLang="ja-JP" sz="2400" dirty="0">
+              <a:latin typeface="Consolas" panose="020B0609020204030204" pitchFamily="49" charset="0"/>
+            </a:endParaRPr>
+          </a:p>
+          <a:p>
+            <a:pPr marL="0" indent="0">
+              <a:buNone/>
+            </a:pPr>
+            <a:r>
+              <a:rPr lang="en-US" altLang="ja-JP" sz="2400" dirty="0">
+                <a:latin typeface="Consolas" panose="020B0609020204030204" pitchFamily="49" charset="0"/>
+              </a:rPr>
+              <a:t>	</a:t>
+            </a:r>
+            <a:r>
+              <a:rPr lang="ja-JP" altLang="en-US" sz="2400" dirty="0">
+                <a:latin typeface="Consolas" panose="020B0609020204030204" pitchFamily="49" charset="0"/>
+              </a:rPr>
+              <a:t>復活したオブジェクトの参照も当然走査する．</a:t>
+            </a:r>
+            <a:endParaRPr lang="en-US" altLang="ja-JP" sz="2400" dirty="0">
+              <a:latin typeface="Consolas" panose="020B0609020204030204" pitchFamily="49" charset="0"/>
+            </a:endParaRPr>
+          </a:p>
+          <a:p>
+            <a:pPr marL="0" indent="0">
+              <a:buNone/>
+            </a:pPr>
+            <a:r>
+              <a:rPr lang="en-US" altLang="ja-JP" sz="2400" dirty="0">
+                <a:latin typeface="Consolas" panose="020B0609020204030204" pitchFamily="49" charset="0"/>
+              </a:rPr>
+              <a:t>	</a:t>
+            </a:r>
+            <a:r>
+              <a:rPr lang="ja-JP" altLang="en-US" sz="2400" dirty="0">
+                <a:latin typeface="Consolas" panose="020B0609020204030204" pitchFamily="49" charset="0"/>
+              </a:rPr>
+              <a:t>この走査をしても復活しないオブジェクトこそが真に到達不能</a:t>
+            </a:r>
+            <a:r>
+              <a:rPr lang="en-US" altLang="ja-JP" sz="2400" dirty="0">
+                <a:latin typeface="Consolas" panose="020B0609020204030204" pitchFamily="49" charset="0"/>
+              </a:rPr>
+              <a:t>	</a:t>
+            </a:r>
+            <a:r>
+              <a:rPr lang="ja-JP" altLang="en-US" sz="2400" dirty="0">
+                <a:latin typeface="Consolas" panose="020B0609020204030204" pitchFamily="49" charset="0"/>
+              </a:rPr>
+              <a:t>として</a:t>
+            </a:r>
+            <a:r>
+              <a:rPr lang="en-US" altLang="ja-JP" sz="2400" dirty="0">
+                <a:latin typeface="+mn-lt"/>
+              </a:rPr>
+              <a:t> GC </a:t>
+            </a:r>
+            <a:r>
+              <a:rPr lang="ja-JP" altLang="en-US" sz="2400" dirty="0">
+                <a:latin typeface="Consolas" panose="020B0609020204030204" pitchFamily="49" charset="0"/>
+              </a:rPr>
+              <a:t>によって破棄される</a:t>
+            </a:r>
+            <a:r>
+              <a:rPr lang="en-US" altLang="ja-JP" sz="2400" dirty="0">
+                <a:latin typeface="Consolas" panose="020B0609020204030204" pitchFamily="49" charset="0"/>
+              </a:rPr>
+              <a:t>.</a:t>
+            </a:r>
+          </a:p>
+          <a:p>
+            <a:pPr marL="0" indent="0">
+              <a:buNone/>
+            </a:pPr>
+            <a:r>
+              <a:rPr lang="en-US" altLang="ja-JP" sz="2400" dirty="0">
+                <a:latin typeface="Consolas" panose="020B0609020204030204" pitchFamily="49" charset="0"/>
+              </a:rPr>
+              <a:t>	</a:t>
+            </a:r>
+            <a:endParaRPr lang="en-US" altLang="ja-JP" sz="2400" dirty="0"/>
+          </a:p>
+          <a:p>
+            <a:pPr marL="0" indent="0">
+              <a:buNone/>
+            </a:pPr>
+            <a:r>
+              <a:rPr lang="en-US" altLang="ja-JP" sz="2400" dirty="0"/>
+              <a:t>	</a:t>
+            </a:r>
+            <a:endParaRPr kumimoji="1" lang="ja-JP" altLang="en-US" sz="2400" dirty="0"/>
+          </a:p>
+        </p:txBody>
+      </p:sp>
+      <p:sp>
+        <p:nvSpPr>
+          <p:cNvPr id="4" name="テキスト ボックス 3">
+            <a:extLst>
+              <a:ext uri="{FF2B5EF4-FFF2-40B4-BE49-F238E27FC236}">
+                <a16:creationId xmlns:a16="http://schemas.microsoft.com/office/drawing/2014/main" id="{E2A3547C-AD0C-E3C8-67CF-6ED82AE464A5}"/>
+              </a:ext>
+            </a:extLst>
+          </p:cNvPr>
+          <p:cNvSpPr txBox="1"/>
+          <p:nvPr/>
+        </p:nvSpPr>
+        <p:spPr>
+          <a:xfrm>
+            <a:off x="3517392" y="6627168"/>
+            <a:ext cx="5797296" cy="230832"/>
+          </a:xfrm>
+          <a:prstGeom prst="rect">
+            <a:avLst/>
+          </a:prstGeom>
+          <a:noFill/>
+        </p:spPr>
+        <p:txBody>
+          <a:bodyPr wrap="square">
+            <a:spAutoFit/>
+          </a:bodyPr>
+          <a:lstStyle/>
+          <a:p>
+            <a:r>
+              <a:rPr lang="ja-JP" altLang="en-US" sz="900" dirty="0"/>
+              <a:t>https://github.com/python/cpython/blob/main/InternalDocs/garbage_collector.md#Optimization-incremental-collection</a:t>
+            </a:r>
+          </a:p>
+        </p:txBody>
+      </p:sp>
+      <p:pic>
+        <p:nvPicPr>
+          <p:cNvPr id="4100" name="Picture 4" descr="gc-image5">
+            <a:extLst>
+              <a:ext uri="{FF2B5EF4-FFF2-40B4-BE49-F238E27FC236}">
+                <a16:creationId xmlns:a16="http://schemas.microsoft.com/office/drawing/2014/main" id="{3A7F065E-11C4-09E5-5162-84D4947AA882}"/>
+              </a:ext>
+            </a:extLst>
+          </p:cNvPr>
+          <p:cNvPicPr>
+            <a:picLocks noChangeAspect="1" noChangeArrowheads="1"/>
+          </p:cNvPicPr>
+          <p:nvPr/>
+        </p:nvPicPr>
+        <p:blipFill>
+          <a:blip r:embed="rId2">
+            <a:extLst>
+              <a:ext uri="{28A0092B-C50C-407E-A947-70E740481C1C}">
+                <a14:useLocalDpi xmlns:a14="http://schemas.microsoft.com/office/drawing/2010/main" val="0"/>
+              </a:ext>
+            </a:extLst>
+          </a:blip>
+          <a:srcRect/>
+          <a:stretch>
+            <a:fillRect/>
+          </a:stretch>
+        </p:blipFill>
+        <p:spPr bwMode="auto">
+          <a:xfrm>
+            <a:off x="1143000" y="4464504"/>
+            <a:ext cx="6858000" cy="2000250"/>
+          </a:xfrm>
+          <a:prstGeom prst="rect">
+            <a:avLst/>
+          </a:prstGeom>
+          <a:noFill/>
+          <a:extLst>
+            <a:ext uri="{909E8E84-426E-40DD-AFC4-6F175D3DCCD1}">
+              <a14:hiddenFill xmlns:a14="http://schemas.microsoft.com/office/drawing/2010/main">
+                <a:solidFill>
+                  <a:srgbClr val="FFFFFF"/>
+                </a:solidFill>
+              </a14:hiddenFill>
+            </a:ext>
+          </a:extLst>
+        </p:spPr>
+      </p:pic>
+    </p:spTree>
+    <p:extLst>
+      <p:ext uri="{BB962C8B-B14F-4D97-AF65-F5344CB8AC3E}">
+        <p14:creationId xmlns:p14="http://schemas.microsoft.com/office/powerpoint/2010/main" val="937450468"/>
+      </p:ext>
+    </p:extLst>
+  </p:cSld>
+  <p:clrMapOvr>
+    <a:masterClrMapping/>
+  </p:clrMapOvr>
+</p:sld>
+</file>
+
+<file path=ppt/slides/slide34.xml><?xml version="1.0" encoding="utf-8"?>
+<p:sld xmlns:a="http://schemas.openxmlformats.org/drawingml/2006/main" xmlns:r="http://schemas.openxmlformats.org/officeDocument/2006/relationships" xmlns:p="http://schemas.openxmlformats.org/presentationml/2006/main">
+  <p:cSld>
+    <p:spTree>
+      <p:nvGrpSpPr>
+        <p:cNvPr id="1" name="">
+          <a:extLst>
+            <a:ext uri="{FF2B5EF4-FFF2-40B4-BE49-F238E27FC236}">
+              <a16:creationId xmlns:a16="http://schemas.microsoft.com/office/drawing/2014/main" id="{EB78E79B-E11D-17D8-DF2B-677E47666332}"/>
+            </a:ext>
+          </a:extLst>
+        </p:cNvPr>
+        <p:cNvGrpSpPr/>
+        <p:nvPr/>
+      </p:nvGrpSpPr>
+      <p:grpSpPr>
+        <a:xfrm>
+          <a:off x="0" y="0"/>
+          <a:ext cx="0" cy="0"/>
+          <a:chOff x="0" y="0"/>
+          <a:chExt cx="0" cy="0"/>
+        </a:xfrm>
+      </p:grpSpPr>
+      <p:sp>
+        <p:nvSpPr>
+          <p:cNvPr id="2" name="タイトル 1">
+            <a:extLst>
+              <a:ext uri="{FF2B5EF4-FFF2-40B4-BE49-F238E27FC236}">
+                <a16:creationId xmlns:a16="http://schemas.microsoft.com/office/drawing/2014/main" id="{3FF4B99C-9C51-EB4C-3AF1-D561A61E3413}"/>
+              </a:ext>
+            </a:extLst>
+          </p:cNvPr>
+          <p:cNvSpPr>
+            <a:spLocks noGrp="1"/>
+          </p:cNvSpPr>
+          <p:nvPr>
+            <p:ph type="title"/>
+          </p:nvPr>
+        </p:nvSpPr>
+        <p:spPr/>
+        <p:txBody>
+          <a:bodyPr/>
+          <a:lstStyle/>
+          <a:p>
+            <a:r>
+              <a:rPr lang="en-US" altLang="ja-JP" dirty="0"/>
+              <a:t>2</a:t>
+            </a:r>
+            <a:r>
+              <a:rPr kumimoji="1" lang="en-US" altLang="ja-JP" dirty="0"/>
+              <a:t>.2. </a:t>
+            </a:r>
+            <a:r>
+              <a:rPr kumimoji="1" lang="ja-JP" altLang="en-US" dirty="0"/>
+              <a:t>循環参照への対処</a:t>
+            </a:r>
+          </a:p>
+        </p:txBody>
+      </p:sp>
+      <p:sp>
+        <p:nvSpPr>
+          <p:cNvPr id="3" name="コンテンツ プレースホルダー 2">
+            <a:extLst>
+              <a:ext uri="{FF2B5EF4-FFF2-40B4-BE49-F238E27FC236}">
+                <a16:creationId xmlns:a16="http://schemas.microsoft.com/office/drawing/2014/main" id="{6DBAE31A-3725-60B2-75BA-A4D4A0BA5490}"/>
+              </a:ext>
+            </a:extLst>
+          </p:cNvPr>
+          <p:cNvSpPr>
+            <a:spLocks noGrp="1"/>
+          </p:cNvSpPr>
+          <p:nvPr>
+            <p:ph idx="1"/>
+          </p:nvPr>
+        </p:nvSpPr>
+        <p:spPr>
+          <a:xfrm>
+            <a:off x="259195" y="1099789"/>
+            <a:ext cx="8710634" cy="5482165"/>
+          </a:xfrm>
+        </p:spPr>
+        <p:txBody>
+          <a:bodyPr/>
+          <a:lstStyle/>
+          <a:p>
+            <a:pPr marL="0" indent="0">
+              <a:buNone/>
+            </a:pPr>
+            <a:r>
+              <a:rPr kumimoji="1" lang="ja-JP" altLang="en-US" dirty="0"/>
+              <a:t>アルゴリズムの特徴</a:t>
+            </a:r>
+            <a:endParaRPr lang="en-US" altLang="ja-JP" dirty="0"/>
+          </a:p>
+          <a:p>
+            <a:pPr marL="0" indent="0">
+              <a:buNone/>
+            </a:pPr>
+            <a:r>
+              <a:rPr kumimoji="1" lang="en-US" altLang="ja-JP" sz="2400" dirty="0"/>
+              <a:t>	</a:t>
+            </a:r>
+            <a:r>
+              <a:rPr kumimoji="1" lang="ja-JP" altLang="en-US" sz="2400" dirty="0"/>
+              <a:t>一度到達可能と判定されたオブジェクトは</a:t>
+            </a:r>
+            <a:r>
+              <a:rPr lang="en-US" altLang="ja-JP" sz="2400" dirty="0" err="1"/>
+              <a:t>gc_ref</a:t>
+            </a:r>
+            <a:r>
+              <a:rPr lang="en-US" altLang="ja-JP" sz="2400" dirty="0"/>
+              <a:t> == 1 </a:t>
+            </a:r>
+            <a:r>
+              <a:rPr lang="ja-JP" altLang="en-US" sz="2400" dirty="0"/>
+              <a:t>に設定</a:t>
+            </a:r>
+            <a:r>
+              <a:rPr lang="en-US" altLang="ja-JP" sz="2400" dirty="0"/>
+              <a:t>	</a:t>
+            </a:r>
+            <a:r>
+              <a:rPr lang="ja-JP" altLang="en-US" sz="2400" dirty="0"/>
+              <a:t>される．</a:t>
+            </a:r>
+            <a:endParaRPr lang="en-US" altLang="ja-JP" sz="2400" dirty="0"/>
+          </a:p>
+          <a:p>
+            <a:pPr marL="0" indent="0">
+              <a:buNone/>
+            </a:pPr>
+            <a:r>
+              <a:rPr kumimoji="1" lang="en-US" altLang="ja-JP" sz="2400" dirty="0"/>
+              <a:t>	GC </a:t>
+            </a:r>
+            <a:r>
+              <a:rPr kumimoji="1" lang="ja-JP" altLang="en-US" sz="2400" dirty="0"/>
+              <a:t>がこのオブジェクトを何度も走査することがないよう，　　</a:t>
+            </a:r>
+            <a:r>
+              <a:rPr kumimoji="1" lang="en-US" altLang="ja-JP" sz="2400" dirty="0"/>
+              <a:t>	</a:t>
+            </a:r>
+            <a:r>
+              <a:rPr kumimoji="1" lang="ja-JP" altLang="en-US" sz="2400" dirty="0"/>
+              <a:t>走査済みオブジェクトにはフラグがつけられ，区別される</a:t>
+            </a:r>
+            <a:endParaRPr kumimoji="1" lang="en-US" altLang="ja-JP" sz="2400" dirty="0"/>
+          </a:p>
+          <a:p>
+            <a:pPr marL="0" indent="0">
+              <a:buNone/>
+            </a:pPr>
+            <a:endParaRPr lang="en-US" altLang="ja-JP" sz="2400" dirty="0"/>
+          </a:p>
+          <a:p>
+            <a:pPr marL="0" indent="0">
+              <a:buNone/>
+            </a:pPr>
+            <a:r>
+              <a:rPr lang="en-US" altLang="ja-JP" sz="2400" dirty="0"/>
+              <a:t>	</a:t>
+            </a:r>
+            <a:r>
+              <a:rPr lang="ja-JP" altLang="en-US" sz="2400" dirty="0"/>
+              <a:t>このアルゴリズムは再帰を必要とせず，追加のメモリを準備　</a:t>
+            </a:r>
+            <a:r>
+              <a:rPr lang="en-US" altLang="ja-JP" sz="2400" dirty="0"/>
+              <a:t>	</a:t>
+            </a:r>
+            <a:r>
+              <a:rPr lang="ja-JP" altLang="en-US" sz="2400" dirty="0"/>
+              <a:t>する必要もない</a:t>
+            </a:r>
+            <a:r>
+              <a:rPr lang="en-US" altLang="ja-JP" sz="2400" dirty="0"/>
+              <a:t>. </a:t>
+            </a:r>
+          </a:p>
+          <a:p>
+            <a:pPr marL="0" indent="0">
+              <a:buNone/>
+            </a:pPr>
+            <a:r>
+              <a:rPr lang="en-US" altLang="ja-JP" sz="2400" dirty="0"/>
+              <a:t>	</a:t>
+            </a:r>
+            <a:r>
+              <a:rPr lang="ja-JP" altLang="en-US" sz="2400" dirty="0"/>
+              <a:t>内部の</a:t>
+            </a:r>
+            <a:r>
+              <a:rPr lang="en-US" altLang="ja-JP" sz="2400" dirty="0"/>
+              <a:t>C</a:t>
+            </a:r>
+            <a:r>
+              <a:rPr lang="ja-JP" altLang="en-US" sz="2400" dirty="0"/>
+              <a:t>が必要とする</a:t>
+            </a:r>
+            <a:r>
+              <a:rPr lang="en-US" altLang="ja-JP" sz="2400" dirty="0"/>
+              <a:t>O(1)</a:t>
+            </a:r>
+            <a:r>
+              <a:rPr lang="ja-JP" altLang="en-US" sz="2400" dirty="0"/>
+              <a:t>のストレージを除き，アルゴリズム</a:t>
+            </a:r>
+            <a:r>
+              <a:rPr lang="en-US" altLang="ja-JP" sz="2400" dirty="0"/>
+              <a:t>	</a:t>
+            </a:r>
+            <a:r>
+              <a:rPr lang="ja-JP" altLang="en-US" sz="2400" dirty="0"/>
+              <a:t>が必要とする追加のストレージはすべてオブジェクト自身が</a:t>
+            </a:r>
+            <a:r>
+              <a:rPr lang="en-US" altLang="ja-JP" sz="2400" dirty="0"/>
+              <a:t>	</a:t>
+            </a:r>
+            <a:r>
+              <a:rPr lang="ja-JP" altLang="en-US" sz="2400" dirty="0"/>
+              <a:t>持っている．</a:t>
+            </a:r>
+            <a:endParaRPr lang="en-US" altLang="ja-JP" sz="2000" dirty="0"/>
+          </a:p>
+          <a:p>
+            <a:pPr marL="0" indent="0">
+              <a:buNone/>
+            </a:pPr>
+            <a:r>
+              <a:rPr lang="en-US" altLang="ja-JP" sz="2000" dirty="0"/>
+              <a:t>	</a:t>
+            </a:r>
+            <a:endParaRPr kumimoji="1" lang="ja-JP" altLang="en-US" sz="2000" dirty="0"/>
+          </a:p>
+        </p:txBody>
+      </p:sp>
+      <p:sp>
+        <p:nvSpPr>
+          <p:cNvPr id="4" name="テキスト ボックス 3">
+            <a:extLst>
+              <a:ext uri="{FF2B5EF4-FFF2-40B4-BE49-F238E27FC236}">
+                <a16:creationId xmlns:a16="http://schemas.microsoft.com/office/drawing/2014/main" id="{5FAD51DF-1254-4D87-9DDB-3AF07EBE91CF}"/>
+              </a:ext>
+            </a:extLst>
+          </p:cNvPr>
+          <p:cNvSpPr txBox="1"/>
+          <p:nvPr/>
+        </p:nvSpPr>
+        <p:spPr>
+          <a:xfrm>
+            <a:off x="3517392" y="6627168"/>
+            <a:ext cx="5797296" cy="230832"/>
+          </a:xfrm>
+          <a:prstGeom prst="rect">
+            <a:avLst/>
+          </a:prstGeom>
+          <a:noFill/>
+        </p:spPr>
+        <p:txBody>
+          <a:bodyPr wrap="square">
+            <a:spAutoFit/>
+          </a:bodyPr>
+          <a:lstStyle/>
+          <a:p>
+            <a:r>
+              <a:rPr lang="ja-JP" altLang="en-US" sz="900" dirty="0"/>
+              <a:t>https://github.com/python/cpython/blob/main/InternalDocs/garbage_collector.md#Optimization-incremental-collection</a:t>
+            </a:r>
+          </a:p>
+        </p:txBody>
+      </p:sp>
+    </p:spTree>
+    <p:extLst>
+      <p:ext uri="{BB962C8B-B14F-4D97-AF65-F5344CB8AC3E}">
+        <p14:creationId xmlns:p14="http://schemas.microsoft.com/office/powerpoint/2010/main" val="2020960442"/>
+      </p:ext>
+    </p:extLst>
+  </p:cSld>
+  <p:clrMapOvr>
+    <a:masterClrMapping/>
+  </p:clrMapOvr>
+</p:sld>
+</file>
+
+<file path=ppt/slides/slide35.xml><?xml version="1.0" encoding="utf-8"?>
+<p:sld xmlns:a="http://schemas.openxmlformats.org/drawingml/2006/main" xmlns:r="http://schemas.openxmlformats.org/officeDocument/2006/relationships" xmlns:p="http://schemas.openxmlformats.org/presentationml/2006/main">
+  <p:cSld>
+    <p:spTree>
+      <p:nvGrpSpPr>
+        <p:cNvPr id="1" name=""/>
+        <p:cNvGrpSpPr/>
+        <p:nvPr/>
+      </p:nvGrpSpPr>
+      <p:grpSpPr>
+        <a:xfrm>
+          <a:off x="0" y="0"/>
+          <a:ext cx="0" cy="0"/>
+          <a:chOff x="0" y="0"/>
+          <a:chExt cx="0" cy="0"/>
+        </a:xfrm>
+      </p:grpSpPr>
+      <p:sp>
+        <p:nvSpPr>
+          <p:cNvPr id="2" name="タイトル 1">
+            <a:extLst>
+              <a:ext uri="{FF2B5EF4-FFF2-40B4-BE49-F238E27FC236}">
+                <a16:creationId xmlns:a16="http://schemas.microsoft.com/office/drawing/2014/main" id="{6CBF3B6D-CD52-180C-BE57-EC4937286B4C}"/>
+              </a:ext>
+            </a:extLst>
+          </p:cNvPr>
+          <p:cNvSpPr>
+            <a:spLocks noGrp="1"/>
+          </p:cNvSpPr>
+          <p:nvPr>
+            <p:ph type="title"/>
+          </p:nvPr>
+        </p:nvSpPr>
+        <p:spPr/>
+        <p:txBody>
+          <a:bodyPr/>
+          <a:lstStyle/>
+          <a:p>
+            <a:r>
+              <a:rPr kumimoji="1" lang="ja-JP" altLang="en-US" dirty="0"/>
+              <a:t>参考文献</a:t>
+            </a:r>
+          </a:p>
+        </p:txBody>
+      </p:sp>
+      <p:sp>
+        <p:nvSpPr>
+          <p:cNvPr id="3" name="コンテンツ プレースホルダー 2">
+            <a:extLst>
+              <a:ext uri="{FF2B5EF4-FFF2-40B4-BE49-F238E27FC236}">
+                <a16:creationId xmlns:a16="http://schemas.microsoft.com/office/drawing/2014/main" id="{A23766E5-2403-0306-015C-1E4F091DF520}"/>
+              </a:ext>
+            </a:extLst>
+          </p:cNvPr>
+          <p:cNvSpPr>
+            <a:spLocks noGrp="1"/>
+          </p:cNvSpPr>
+          <p:nvPr>
+            <p:ph idx="1"/>
+          </p:nvPr>
+        </p:nvSpPr>
+        <p:spPr/>
+        <p:txBody>
+          <a:bodyPr>
+            <a:normAutofit/>
+          </a:bodyPr>
+          <a:lstStyle/>
+          <a:p>
+            <a:pPr marL="0" indent="0">
+              <a:buNone/>
+            </a:pPr>
+            <a:endParaRPr lang="en-US" altLang="ja-JP" dirty="0"/>
+          </a:p>
+          <a:p>
+            <a:pPr marL="0" indent="0">
+              <a:buNone/>
+            </a:pPr>
+            <a:r>
+              <a:rPr kumimoji="1" lang="en-US" altLang="ja-JP" dirty="0">
+                <a:hlinkClick r:id="rId2"/>
+              </a:rPr>
+              <a:t>https://en.wikipedia.org/wiki/Garbage_collection_(computer_science)</a:t>
+            </a:r>
+            <a:r>
+              <a:rPr kumimoji="1" lang="en-US" altLang="ja-JP" dirty="0"/>
+              <a:t> </a:t>
+            </a:r>
+          </a:p>
+          <a:p>
+            <a:pPr marL="0" indent="0">
+              <a:buNone/>
+            </a:pPr>
+            <a:endParaRPr kumimoji="1" lang="en-US" altLang="ja-JP" dirty="0"/>
+          </a:p>
+          <a:p>
+            <a:pPr marL="0" indent="0">
+              <a:buNone/>
+            </a:pPr>
+            <a:r>
+              <a:rPr kumimoji="1" lang="en-US" altLang="ja-JP" dirty="0">
+                <a:hlinkClick r:id="rId3"/>
+              </a:rPr>
+              <a:t>http://matsu-www.is.titech.ac.jp/~endo/gc/gc.pdf</a:t>
+            </a:r>
+            <a:r>
+              <a:rPr kumimoji="1" lang="en-US" altLang="ja-JP" dirty="0"/>
+              <a:t> </a:t>
+            </a:r>
+          </a:p>
+          <a:p>
+            <a:pPr marL="0" indent="0">
+              <a:buNone/>
+            </a:pPr>
+            <a:endParaRPr lang="en-US" altLang="ja-JP" dirty="0"/>
+          </a:p>
+          <a:p>
+            <a:pPr marL="0" indent="0">
+              <a:buNone/>
+            </a:pPr>
+            <a:r>
+              <a:rPr kumimoji="1" lang="en-US" altLang="ja-JP" sz="2800" dirty="0"/>
+              <a:t>https://ja.wikipedia.org/wiki/%E3%83%95%E3%83%A9%E3%82%B0%E3%83%A1%E3%83%B3%E3%83%86%E3%83%BC%E3%82%B7%E3%83%A7%E3%83%B3 </a:t>
+            </a:r>
+            <a:endParaRPr kumimoji="1" lang="ja-JP" altLang="en-US" sz="2800" dirty="0"/>
+          </a:p>
+          <a:p>
+            <a:pPr marL="0" indent="0">
+              <a:buNone/>
+            </a:pPr>
+            <a:endParaRPr lang="en-US" altLang="ja-JP" dirty="0"/>
+          </a:p>
+          <a:p>
+            <a:pPr marL="0" indent="0">
+              <a:buNone/>
+            </a:pPr>
+            <a:endParaRPr lang="en-US" altLang="ja-JP" dirty="0"/>
+          </a:p>
+        </p:txBody>
+      </p:sp>
+    </p:spTree>
+    <p:extLst>
+      <p:ext uri="{BB962C8B-B14F-4D97-AF65-F5344CB8AC3E}">
+        <p14:creationId xmlns:p14="http://schemas.microsoft.com/office/powerpoint/2010/main" val="94726582"/>
+      </p:ext>
+    </p:extLst>
+  </p:cSld>
+  <p:clrMapOvr>
+    <a:masterClrMapping/>
+  </p:clrMapOvr>
+</p:sld>
+</file>
+
+<file path=ppt/slides/slide36.xml><?xml version="1.0" encoding="utf-8"?>
+<p:sld xmlns:a="http://schemas.openxmlformats.org/drawingml/2006/main" xmlns:r="http://schemas.openxmlformats.org/officeDocument/2006/relationships" xmlns:p="http://schemas.openxmlformats.org/presentationml/2006/main">
+  <p:cSld>
+    <p:spTree>
+      <p:nvGrpSpPr>
+        <p:cNvPr id="1" name="">
+          <a:extLst>
+            <a:ext uri="{FF2B5EF4-FFF2-40B4-BE49-F238E27FC236}">
+              <a16:creationId xmlns:a16="http://schemas.microsoft.com/office/drawing/2014/main" id="{6927EDB8-FD8D-ADA2-5001-E3E74CB7591C}"/>
+            </a:ext>
+          </a:extLst>
+        </p:cNvPr>
+        <p:cNvGrpSpPr/>
+        <p:nvPr/>
+      </p:nvGrpSpPr>
+      <p:grpSpPr>
+        <a:xfrm>
+          <a:off x="0" y="0"/>
+          <a:ext cx="0" cy="0"/>
+          <a:chOff x="0" y="0"/>
+          <a:chExt cx="0" cy="0"/>
+        </a:xfrm>
+      </p:grpSpPr>
+      <p:sp>
+        <p:nvSpPr>
+          <p:cNvPr id="2" name="タイトル 1">
+            <a:extLst>
+              <a:ext uri="{FF2B5EF4-FFF2-40B4-BE49-F238E27FC236}">
+                <a16:creationId xmlns:a16="http://schemas.microsoft.com/office/drawing/2014/main" id="{103DF0FE-9371-C051-4493-3D17934D7D38}"/>
+              </a:ext>
+            </a:extLst>
+          </p:cNvPr>
+          <p:cNvSpPr>
+            <a:spLocks noGrp="1"/>
+          </p:cNvSpPr>
+          <p:nvPr>
+            <p:ph type="title"/>
+          </p:nvPr>
+        </p:nvSpPr>
+        <p:spPr/>
+        <p:txBody>
+          <a:bodyPr/>
+          <a:lstStyle/>
+          <a:p>
+            <a:r>
+              <a:rPr kumimoji="1" lang="ja-JP" altLang="en-US" dirty="0"/>
+              <a:t>参考文献</a:t>
+            </a:r>
+          </a:p>
+        </p:txBody>
+      </p:sp>
+      <p:sp>
+        <p:nvSpPr>
+          <p:cNvPr id="3" name="コンテンツ プレースホルダー 2">
+            <a:extLst>
+              <a:ext uri="{FF2B5EF4-FFF2-40B4-BE49-F238E27FC236}">
+                <a16:creationId xmlns:a16="http://schemas.microsoft.com/office/drawing/2014/main" id="{1194B260-6EA0-D9FA-475F-C9EB15B72972}"/>
+              </a:ext>
+            </a:extLst>
+          </p:cNvPr>
+          <p:cNvSpPr>
+            <a:spLocks noGrp="1"/>
+          </p:cNvSpPr>
+          <p:nvPr>
+            <p:ph idx="1"/>
+          </p:nvPr>
+        </p:nvSpPr>
+        <p:spPr/>
+        <p:txBody>
+          <a:bodyPr>
+            <a:normAutofit/>
+          </a:bodyPr>
+          <a:lstStyle/>
+          <a:p>
+            <a:pPr marL="0" indent="0">
+              <a:buNone/>
+            </a:pPr>
+            <a:endParaRPr lang="en-US" altLang="ja-JP" dirty="0"/>
+          </a:p>
+          <a:p>
+            <a:pPr marL="0" indent="0">
+              <a:buNone/>
+            </a:pPr>
+            <a:r>
+              <a:rPr kumimoji="1" lang="en-US" altLang="ja-JP" dirty="0">
+                <a:hlinkClick r:id="rId2"/>
+              </a:rPr>
+              <a:t>https://github.com/python/cpython/blob/main/InternalDocs/garbage_collector.md</a:t>
+            </a:r>
+            <a:endParaRPr kumimoji="1" lang="en-US" altLang="ja-JP" dirty="0"/>
+          </a:p>
+          <a:p>
+            <a:pPr marL="0" indent="0">
+              <a:buNone/>
+            </a:pPr>
+            <a:endParaRPr lang="en-US" altLang="ja-JP" dirty="0"/>
+          </a:p>
+          <a:p>
+            <a:pPr marL="0" indent="0">
+              <a:buNone/>
+            </a:pPr>
+            <a:r>
+              <a:rPr kumimoji="1" lang="en-US" altLang="ja-JP" dirty="0"/>
+              <a:t>https://docs.python.org/ja/3/library/gc.html</a:t>
+            </a:r>
+            <a:r>
+              <a:rPr kumimoji="1" lang="ja-JP" altLang="en-US" dirty="0"/>
+              <a:t>　</a:t>
+            </a:r>
+            <a:endParaRPr kumimoji="1" lang="en-US" altLang="ja-JP" dirty="0"/>
+          </a:p>
+          <a:p>
+            <a:pPr marL="0" indent="0">
+              <a:buNone/>
+            </a:pPr>
+            <a:endParaRPr lang="en-US" altLang="ja-JP" dirty="0"/>
+          </a:p>
+          <a:p>
+            <a:pPr marL="0" indent="0">
+              <a:buNone/>
+            </a:pPr>
+            <a:r>
+              <a:rPr lang="en-US" altLang="ja-JP" dirty="0"/>
+              <a:t>https://docs.python.org/3.13/library/gc.html</a:t>
+            </a:r>
+          </a:p>
+          <a:p>
+            <a:pPr marL="0" indent="0">
+              <a:buNone/>
+            </a:pPr>
+            <a:r>
+              <a:rPr kumimoji="1" lang="en-US" altLang="ja-JP" dirty="0"/>
+              <a:t>https://docs.python.org/3.14/library/gc.html</a:t>
+            </a:r>
+            <a:endParaRPr kumimoji="1" lang="ja-JP" altLang="en-US" dirty="0"/>
+          </a:p>
+        </p:txBody>
+      </p:sp>
+    </p:spTree>
+    <p:extLst>
+      <p:ext uri="{BB962C8B-B14F-4D97-AF65-F5344CB8AC3E}">
+        <p14:creationId xmlns:p14="http://schemas.microsoft.com/office/powerpoint/2010/main" val="3035484224"/>
       </p:ext>
     </p:extLst>
   </p:cSld>
@@ -11043,6 +13253,20 @@
               <a:buNone/>
             </a:pPr>
             <a:r>
+              <a:rPr kumimoji="1" lang="en-US" altLang="ja-JP" dirty="0"/>
+              <a:t>1. Garbage Collection</a:t>
+            </a:r>
+            <a:r>
+              <a:rPr lang="ja-JP" altLang="en-US" dirty="0"/>
+              <a:t> 概論</a:t>
+            </a:r>
+            <a:endParaRPr kumimoji="1" lang="en-US" altLang="ja-JP" dirty="0"/>
+          </a:p>
+          <a:p>
+            <a:pPr marL="0" indent="0">
+              <a:buNone/>
+            </a:pPr>
+            <a:r>
               <a:rPr kumimoji="1" lang="en-US" altLang="ja-JP" dirty="0">
                 <a:solidFill>
                   <a:schemeClr val="bg1">
@@ -11050,49 +13274,7 @@
                   </a:schemeClr>
                 </a:solidFill>
               </a:rPr>
-              <a:t>1. Garbage Collection</a:t>
-            </a:r>
-            <a:r>
-              <a:rPr lang="ja-JP" altLang="en-US" dirty="0">
-                <a:solidFill>
-                  <a:schemeClr val="bg1">
-                    <a:lumMod val="85000"/>
-                  </a:schemeClr>
-                </a:solidFill>
-              </a:rPr>
-              <a:t> 概論</a:t>
-            </a:r>
-            <a:endParaRPr kumimoji="1" lang="en-US" altLang="ja-JP" dirty="0">
-              <a:solidFill>
-                <a:schemeClr val="bg1">
-                  <a:lumMod val="85000"/>
-                </a:schemeClr>
-              </a:solidFill>
-            </a:endParaRPr>
-          </a:p>
-          <a:p>
-            <a:pPr marL="0" indent="0">
-              <a:buNone/>
-            </a:pPr>
-            <a:r>
-              <a:rPr lang="en-US" altLang="ja-JP" dirty="0">
-                <a:solidFill>
-                  <a:schemeClr val="bg1">
-                    <a:lumMod val="85000"/>
-                  </a:schemeClr>
-                </a:solidFill>
-              </a:rPr>
-              <a:t>3</a:t>
-            </a:r>
-            <a:r>
-              <a:rPr kumimoji="1" lang="en-US" altLang="ja-JP" dirty="0">
-                <a:solidFill>
-                  <a:schemeClr val="bg1">
-                    <a:lumMod val="85000"/>
-                  </a:schemeClr>
-                </a:solidFill>
-              </a:rPr>
-              <a:t>. </a:t>
+              <a:t>2. </a:t>
             </a:r>
             <a:r>
               <a:rPr lang="en-US" altLang="ja-JP" dirty="0">
@@ -11130,16 +13312,6 @@
               <a:buNone/>
             </a:pPr>
             <a:r>
-              <a:rPr lang="en-US" altLang="ja-JP" dirty="0">
-                <a:solidFill>
-                  <a:schemeClr val="bg1">
-                    <a:lumMod val="85000"/>
-                  </a:schemeClr>
-                </a:solidFill>
-              </a:rPr>
-              <a:t>4</a:t>
-            </a:r>
-            <a:r>
               <a:rPr kumimoji="1" lang="en-US" altLang="ja-JP" dirty="0">
                 <a:solidFill>
                   <a:schemeClr val="bg1">
@@ -11147,7 +13319,7 @@
                   </a:schemeClr>
                 </a:solidFill>
               </a:rPr>
-              <a:t>. </a:t>
+              <a:t>3. </a:t>
             </a:r>
             <a:r>
               <a:rPr kumimoji="1" lang="ja-JP" altLang="en-US" dirty="0">
@@ -11157,37 +13329,7 @@
                   </a:schemeClr>
                 </a:solidFill>
               </a:rPr>
-              <a:t>実例と </a:t>
-            </a:r>
-            <a:r>
-              <a:rPr kumimoji="1" lang="en-US" altLang="ja-JP" dirty="0" err="1">
-                <a:solidFill>
-                  <a:schemeClr val="bg1">
-                    <a:lumMod val="85000"/>
-                  </a:schemeClr>
-                </a:solidFill>
-              </a:rPr>
-              <a:t>gc.get_stats</a:t>
-            </a:r>
-            <a:r>
-              <a:rPr kumimoji="1" lang="en-US" altLang="ja-JP" dirty="0">
-                <a:solidFill>
-                  <a:schemeClr val="bg1">
-                    <a:lumMod val="85000"/>
-                  </a:schemeClr>
-                </a:solidFill>
-              </a:rPr>
-              <a:t> </a:t>
-            </a:r>
-            <a:r>
-              <a:rPr kumimoji="1" lang="ja-JP" altLang="en-US" dirty="0">
-                <a:solidFill>
-                  <a:schemeClr val="bg1">
-                    <a:lumMod val="85000"/>
-                  </a:schemeClr>
-                </a:solidFill>
-              </a:rPr>
-              <a:t>の仕様</a:t>
+              <a:t>冒頭の疑問への答え</a:t>
             </a:r>
             <a:endParaRPr kumimoji="1" lang="en-US" altLang="ja-JP" dirty="0">
               <a:solidFill>
@@ -12330,8 +14472,12 @@
           <a:lstStyle/>
           <a:p>
             <a:r>
+              <a:rPr lang="en-US" altLang="ja-JP" dirty="0"/>
+              <a:t>1</a:t>
+            </a:r>
+            <a:r>
               <a:rPr kumimoji="1" lang="en-US" altLang="ja-JP" dirty="0"/>
-              <a:t>2.1. </a:t>
+              <a:t>.1. </a:t>
             </a:r>
             <a:r>
               <a:rPr kumimoji="1" lang="en-US" altLang="ja-JP" dirty="0" err="1"/>
@@ -12361,7 +14507,12 @@
             <p:ph idx="1"/>
           </p:nvPr>
         </p:nvSpPr>
-        <p:spPr/>
+        <p:spPr>
+          <a:xfrm>
+            <a:off x="259194" y="1099789"/>
+            <a:ext cx="8405835" cy="5482165"/>
+          </a:xfrm>
+        </p:spPr>
         <p:txBody>
           <a:bodyPr>
             <a:normAutofit/>
@@ -12377,7 +14528,7 @@
             </a:r>
             <a:r>
               <a:rPr kumimoji="1" lang="ja-JP" altLang="en-US" dirty="0"/>
-              <a:t>ヒープが満杯になるまでは</a:t>
+              <a:t>ヒープが満杯になるまで</a:t>
             </a:r>
             <a:r>
               <a:rPr kumimoji="1" lang="en-US" altLang="ja-JP" dirty="0"/>
@@ -12385,7 +14536,15 @@
             </a:r>
             <a:r>
               <a:rPr kumimoji="1" lang="ja-JP" altLang="en-US" dirty="0"/>
-              <a:t>を続け、満杯になったときにヒープ中のゴミオブジェクト</a:t>
+              <a:t>を続け</a:t>
+            </a:r>
+            <a:r>
+              <a:rPr kumimoji="1" lang="en-US" altLang="ja-JP" dirty="0"/>
+              <a:t>, </a:t>
+            </a:r>
+            <a:r>
+              <a:rPr kumimoji="1" lang="ja-JP" altLang="en-US" dirty="0"/>
+              <a:t>満杯になったときにヒープ中のゴミオブジェクト </a:t>
             </a:r>
             <a:r>
               <a:rPr kumimoji="1" lang="en-US" altLang="ja-JP" dirty="0"/>
@@ -12397,7 +14556,7 @@
             </a:r>
             <a:r>
               <a:rPr kumimoji="1" lang="en-US" altLang="ja-JP" dirty="0"/>
-              <a:t>)</a:t>
+              <a:t>) </a:t>
             </a:r>
             <a:r>
               <a:rPr kumimoji="1" lang="ja-JP" altLang="en-US" dirty="0"/>
@@ -12419,22 +14578,18 @@
               <a:buNone/>
             </a:pPr>
             <a:r>
-              <a:rPr lang="ja-JP" altLang="en-US" i="1" u="sng" dirty="0"/>
+              <a:rPr lang="ja-JP" altLang="en-US" u="sng" dirty="0"/>
               <a:t>生死判定の概要</a:t>
             </a:r>
-            <a:endParaRPr lang="en-US" altLang="ja-JP" i="1" u="sng" dirty="0"/>
-          </a:p>
-          <a:p>
-            <a:pPr marL="0" indent="0">
-              <a:buNone/>
-            </a:pPr>
-            <a:r>
-              <a:rPr lang="en-US" altLang="ja-JP" sz="2400" dirty="0"/>
-              <a:t>• </a:t>
-            </a:r>
+            <a:endParaRPr lang="en-US" altLang="ja-JP" u="sng" dirty="0"/>
+          </a:p>
+          <a:p>
+            <a:pPr marL="0" indent="0">
+              <a:buNone/>
+            </a:pPr>
             <a:r>
               <a:rPr lang="ja-JP" altLang="en-US" sz="2400" dirty="0"/>
-              <a:t>ユーザプログラムが現在直接触れるメモリ領域</a:t>
+              <a:t>・ ユーザプログラムが現在直接触れるメモリ領域 </a:t>
             </a:r>
             <a:r>
               <a:rPr lang="en-US" altLang="ja-JP" sz="2400" dirty="0"/>
@@ -12442,7 +14597,15 @@
             </a:r>
             <a:r>
               <a:rPr lang="ja-JP" altLang="en-US" sz="2400" dirty="0"/>
-              <a:t>レジスタ，スタック，大域変数など，これらを</a:t>
+              <a:t>レジスタ，　　　スタック，大域変数など </a:t>
+            </a:r>
+            <a:r>
+              <a:rPr lang="en-US" altLang="ja-JP" sz="2400" dirty="0"/>
+              <a:t>(=</a:t>
+            </a:r>
+            <a:r>
+              <a:rPr lang="ja-JP" altLang="en-US" sz="2400" dirty="0"/>
+              <a:t> </a:t>
             </a:r>
             <a:r>
               <a:rPr lang="en-US" altLang="ja-JP" sz="2400" dirty="0"/>
@@ -12450,17 +14613,23 @@
             </a:r>
             <a:r>
               <a:rPr lang="ja-JP" altLang="en-US" sz="2400" dirty="0"/>
-              <a:t>のルートと呼ぶ</a:t>
-            </a:r>
-            <a:r>
-              <a:rPr lang="en-US" altLang="ja-JP" sz="2400" dirty="0"/>
-              <a:t>)</a:t>
+              <a:t>のルート</a:t>
+            </a:r>
+            <a:r>
+              <a:rPr lang="en-US" altLang="ja-JP" sz="2400" dirty="0"/>
+              <a:t>)) </a:t>
             </a:r>
             <a:r>
               <a:rPr lang="ja-JP" altLang="en-US" sz="2400" dirty="0"/>
-              <a:t>からポインタによって指されるオブジェクトは生きている．</a:t>
+              <a:t>からポインタによって     指されるオブジェクトは生きている．</a:t>
             </a:r>
             <a:endParaRPr lang="en-US" altLang="ja-JP" sz="2400" dirty="0"/>
+          </a:p>
+          <a:p>
+            <a:pPr marL="0" indent="0">
+              <a:buNone/>
+            </a:pPr>
+            <a:endParaRPr lang="en-US" altLang="ja-JP" sz="1200" dirty="0"/>
           </a:p>
           <a:p>
             <a:pPr marL="0" indent="0">
@@ -12475,6 +14644,12 @@
               <a:t>生きたオブジェクトからポインタによって指されるオブジェクトは生きている．</a:t>
             </a:r>
             <a:endParaRPr lang="en-US" altLang="ja-JP" sz="2400" dirty="0"/>
+          </a:p>
+          <a:p>
+            <a:pPr marL="0" indent="0">
+              <a:buNone/>
+            </a:pPr>
+            <a:endParaRPr lang="en-US" altLang="ja-JP" sz="1200" dirty="0"/>
           </a:p>
           <a:p>
             <a:pPr marL="0" indent="0">

--- a/研究室関連/ゼミ/2024.11.27ゼミ.pptx
+++ b/研究室関連/ゼミ/2024.11.27ゼミ.pptx
@@ -5,10 +5,10 @@
     <p:sldMasterId id="2147483660" r:id="rId1"/>
   </p:sldMasterIdLst>
   <p:notesMasterIdLst>
-    <p:notesMasterId r:id="rId38"/>
+    <p:notesMasterId r:id="rId50"/>
   </p:notesMasterIdLst>
   <p:handoutMasterIdLst>
-    <p:handoutMasterId r:id="rId39"/>
+    <p:handoutMasterId r:id="rId51"/>
   </p:handoutMasterIdLst>
   <p:sldIdLst>
     <p:sldId id="256" r:id="rId2"/>
@@ -37,16 +37,28 @@
     <p:sldId id="285" r:id="rId25"/>
     <p:sldId id="286" r:id="rId26"/>
     <p:sldId id="287" r:id="rId27"/>
-    <p:sldId id="288" r:id="rId28"/>
-    <p:sldId id="289" r:id="rId29"/>
-    <p:sldId id="290" r:id="rId30"/>
-    <p:sldId id="291" r:id="rId31"/>
-    <p:sldId id="292" r:id="rId32"/>
-    <p:sldId id="294" r:id="rId33"/>
-    <p:sldId id="295" r:id="rId34"/>
-    <p:sldId id="296" r:id="rId35"/>
-    <p:sldId id="266" r:id="rId36"/>
-    <p:sldId id="281" r:id="rId37"/>
+    <p:sldId id="289" r:id="rId28"/>
+    <p:sldId id="290" r:id="rId29"/>
+    <p:sldId id="291" r:id="rId30"/>
+    <p:sldId id="292" r:id="rId31"/>
+    <p:sldId id="294" r:id="rId32"/>
+    <p:sldId id="295" r:id="rId33"/>
+    <p:sldId id="296" r:id="rId34"/>
+    <p:sldId id="300" r:id="rId35"/>
+    <p:sldId id="297" r:id="rId36"/>
+    <p:sldId id="298" r:id="rId37"/>
+    <p:sldId id="299" r:id="rId38"/>
+    <p:sldId id="301" r:id="rId39"/>
+    <p:sldId id="304" r:id="rId40"/>
+    <p:sldId id="305" r:id="rId41"/>
+    <p:sldId id="306" r:id="rId42"/>
+    <p:sldId id="307" r:id="rId43"/>
+    <p:sldId id="308" r:id="rId44"/>
+    <p:sldId id="309" r:id="rId45"/>
+    <p:sldId id="311" r:id="rId46"/>
+    <p:sldId id="310" r:id="rId47"/>
+    <p:sldId id="266" r:id="rId48"/>
+    <p:sldId id="281" r:id="rId49"/>
   </p:sldIdLst>
   <p:sldSz cx="9144000" cy="6858000" type="screen4x3"/>
   <p:notesSz cx="6858000" cy="9144000"/>
@@ -250,7 +262,7 @@
           <a:p>
             <a:fld id="{002B35ED-074F-4DA6-B0D2-0863611FB16F}" type="datetimeFigureOut">
               <a:rPr kumimoji="1" lang="ja-JP" altLang="en-US" smtClean="0"/>
-              <a:t>2024/11/22</a:t>
+              <a:t>2024/11/23</a:t>
             </a:fld>
             <a:endParaRPr kumimoji="1" lang="ja-JP" altLang="en-US"/>
           </a:p>
@@ -427,7 +439,7 @@
           <a:p>
             <a:fld id="{5D2CEC0D-A261-4C59-BB97-0C6E777DBF7E}" type="datetimeFigureOut">
               <a:rPr kumimoji="1" lang="ja-JP" altLang="en-US" smtClean="0"/>
-              <a:t>2024/11/22</a:t>
+              <a:t>2024/11/23</a:t>
             </a:fld>
             <a:endParaRPr kumimoji="1" lang="ja-JP" altLang="en-US"/>
           </a:p>
@@ -810,6 +822,181 @@
 </p:notes>
 </file>
 
+<file path=ppt/notesSlides/notesSlide10.xml><?xml version="1.0" encoding="utf-8"?>
+<p:notes xmlns:a="http://schemas.openxmlformats.org/drawingml/2006/main" xmlns:r="http://schemas.openxmlformats.org/officeDocument/2006/relationships" xmlns:p="http://schemas.openxmlformats.org/presentationml/2006/main">
+  <p:cSld>
+    <p:spTree>
+      <p:nvGrpSpPr>
+        <p:cNvPr id="1" name=""/>
+        <p:cNvGrpSpPr/>
+        <p:nvPr/>
+      </p:nvGrpSpPr>
+      <p:grpSpPr>
+        <a:xfrm>
+          <a:off x="0" y="0"/>
+          <a:ext cx="0" cy="0"/>
+          <a:chOff x="0" y="0"/>
+          <a:chExt cx="0" cy="0"/>
+        </a:xfrm>
+      </p:grpSpPr>
+      <p:sp>
+        <p:nvSpPr>
+          <p:cNvPr id="2" name="スライド イメージ プレースホルダー 1"/>
+          <p:cNvSpPr>
+            <a:spLocks noGrp="1" noRot="1" noChangeAspect="1"/>
+          </p:cNvSpPr>
+          <p:nvPr>
+            <p:ph type="sldImg"/>
+          </p:nvPr>
+        </p:nvSpPr>
+        <p:spPr/>
+      </p:sp>
+      <p:sp>
+        <p:nvSpPr>
+          <p:cNvPr id="3" name="ノート プレースホルダー 2"/>
+          <p:cNvSpPr>
+            <a:spLocks noGrp="1"/>
+          </p:cNvSpPr>
+          <p:nvPr>
+            <p:ph type="body" idx="1"/>
+          </p:nvPr>
+        </p:nvSpPr>
+        <p:spPr/>
+        <p:txBody>
+          <a:bodyPr/>
+          <a:lstStyle/>
+          <a:p>
+            <a:pPr marL="0" marR="0" lvl="0" indent="0" algn="l" defTabSz="914400" rtl="0" eaLnBrk="1" fontAlgn="auto" latinLnBrk="0" hangingPunct="1">
+              <a:lnSpc>
+                <a:spcPct val="100000"/>
+              </a:lnSpc>
+              <a:spcBef>
+                <a:spcPts val="0"/>
+              </a:spcBef>
+              <a:spcAft>
+                <a:spcPts val="0"/>
+              </a:spcAft>
+              <a:buClrTx/>
+              <a:buSzTx/>
+              <a:buFontTx/>
+              <a:buNone/>
+              <a:tabLst/>
+              <a:defRPr/>
+            </a:pPr>
+            <a:r>
+              <a:rPr lang="en-US" altLang="ja-JP" sz="1200" dirty="0"/>
+              <a:t>transitive closure : </a:t>
+            </a:r>
+            <a:r>
+              <a:rPr lang="ja-JP" altLang="en-US" sz="1200" dirty="0"/>
+              <a:t>集合</a:t>
+            </a:r>
+            <a:r>
+              <a:rPr lang="en-US" altLang="ja-JP" sz="1200" dirty="0"/>
+              <a:t>X</a:t>
+            </a:r>
+            <a:r>
+              <a:rPr lang="ja-JP" altLang="en-US" sz="1200" dirty="0"/>
+              <a:t>上の二項関係</a:t>
+            </a:r>
+            <a:r>
+              <a:rPr lang="en-US" altLang="ja-JP" sz="1200" dirty="0"/>
+              <a:t>R</a:t>
+            </a:r>
+            <a:r>
+              <a:rPr lang="ja-JP" altLang="en-US" sz="1200" dirty="0"/>
+              <a:t>において，</a:t>
+            </a:r>
+            <a:r>
+              <a:rPr lang="en-US" altLang="ja-JP" sz="1200" dirty="0"/>
+              <a:t>R</a:t>
+            </a:r>
+            <a:r>
+              <a:rPr lang="ja-JP" altLang="en-US" sz="1200" dirty="0"/>
+              <a:t>を含み，かつ</a:t>
+            </a:r>
+            <a:r>
+              <a:rPr lang="en-US" altLang="ja-JP" sz="1200" dirty="0" err="1"/>
+              <a:t>xR+y</a:t>
+            </a:r>
+            <a:r>
+              <a:rPr lang="en-US" altLang="ja-JP" sz="1200" dirty="0"/>
+              <a:t> </a:t>
+            </a:r>
+            <a:r>
+              <a:rPr lang="ja-JP" altLang="en-US" sz="1200" dirty="0"/>
+              <a:t>かつ </a:t>
+            </a:r>
+            <a:r>
+              <a:rPr lang="en-US" altLang="ja-JP" sz="1200" dirty="0" err="1"/>
+              <a:t>yR+z</a:t>
+            </a:r>
+            <a:r>
+              <a:rPr lang="en-US" altLang="ja-JP" sz="1200" dirty="0"/>
+              <a:t> </a:t>
+            </a:r>
+            <a:r>
+              <a:rPr lang="ja-JP" altLang="en-US" sz="1200" dirty="0"/>
+              <a:t>ならば </a:t>
+            </a:r>
+            <a:r>
+              <a:rPr lang="en-US" altLang="ja-JP" sz="1200" dirty="0" err="1"/>
+              <a:t>xR+z</a:t>
+            </a:r>
+            <a:r>
+              <a:rPr lang="en-US" altLang="ja-JP" sz="1200" dirty="0"/>
+              <a:t> </a:t>
+            </a:r>
+            <a:r>
+              <a:rPr lang="ja-JP" altLang="en-US" sz="1200" dirty="0"/>
+              <a:t>であるような含む最小の関係</a:t>
+            </a:r>
+            <a:r>
+              <a:rPr lang="en-US" altLang="ja-JP" sz="1200" dirty="0"/>
+              <a:t>R+</a:t>
+            </a:r>
+          </a:p>
+          <a:p>
+            <a:endParaRPr kumimoji="1" lang="ja-JP" altLang="en-US" dirty="0"/>
+          </a:p>
+        </p:txBody>
+      </p:sp>
+      <p:sp>
+        <p:nvSpPr>
+          <p:cNvPr id="4" name="スライド番号プレースホルダー 3"/>
+          <p:cNvSpPr>
+            <a:spLocks noGrp="1"/>
+          </p:cNvSpPr>
+          <p:nvPr>
+            <p:ph type="sldNum" sz="quarter" idx="5"/>
+          </p:nvPr>
+        </p:nvSpPr>
+        <p:spPr/>
+        <p:txBody>
+          <a:bodyPr/>
+          <a:lstStyle/>
+          <a:p>
+            <a:fld id="{DDF836ED-F853-4572-9577-AC8FB84EC459}" type="slidenum">
+              <a:rPr kumimoji="1" lang="ja-JP" altLang="en-US" smtClean="0"/>
+              <a:t>34</a:t>
+            </a:fld>
+            <a:endParaRPr kumimoji="1" lang="ja-JP" altLang="en-US"/>
+          </a:p>
+        </p:txBody>
+      </p:sp>
+    </p:spTree>
+    <p:extLst>
+      <p:ext uri="{BB962C8B-B14F-4D97-AF65-F5344CB8AC3E}">
+        <p14:creationId xmlns:p14="http://schemas.microsoft.com/office/powerpoint/2010/main" val="2655265095"/>
+      </p:ext>
+    </p:extLst>
+  </p:cSld>
+  <p:clrMapOvr>
+    <a:masterClrMapping/>
+  </p:clrMapOvr>
+</p:notes>
+</file>
+
 <file path=ppt/notesSlides/notesSlide2.xml><?xml version="1.0" encoding="utf-8"?>
 <p:notes xmlns:a="http://schemas.openxmlformats.org/drawingml/2006/main" xmlns:r="http://schemas.openxmlformats.org/officeDocument/2006/relationships" xmlns:p="http://schemas.openxmlformats.org/presentationml/2006/main">
   <p:cSld>
@@ -2113,7 +2300,7 @@
           <a:p>
             <a:fld id="{E8CAF464-15F3-4BB4-BD7F-4E96634389B9}" type="datetime1">
               <a:rPr kumimoji="1" lang="ja-JP" altLang="en-US" smtClean="0"/>
-              <a:t>2024/11/22</a:t>
+              <a:t>2024/11/23</a:t>
             </a:fld>
             <a:endParaRPr kumimoji="1" lang="ja-JP" altLang="en-US"/>
           </a:p>
@@ -2888,7 +3075,7 @@
           <a:p>
             <a:fld id="{B4C738A0-993E-4FF2-A9D3-F8A25E5BED3D}" type="datetime1">
               <a:rPr kumimoji="1" lang="ja-JP" altLang="en-US" smtClean="0"/>
-              <a:t>2024/11/22</a:t>
+              <a:t>2024/11/23</a:t>
             </a:fld>
             <a:endParaRPr kumimoji="1" lang="ja-JP" altLang="en-US"/>
           </a:p>
@@ -3208,7 +3395,7 @@
           <a:p>
             <a:fld id="{6F43E0D6-D44E-4BB9-A41C-4EBA4BB1D0AA}" type="datetime1">
               <a:rPr kumimoji="1" lang="ja-JP" altLang="en-US" smtClean="0"/>
-              <a:t>2024/11/22</a:t>
+              <a:t>2024/11/23</a:t>
             </a:fld>
             <a:endParaRPr kumimoji="1" lang="ja-JP" altLang="en-US"/>
           </a:p>
@@ -3675,7 +3862,7 @@
           <a:p>
             <a:fld id="{80FBE12C-66DD-425F-87DA-45FA71D4B14C}" type="datetime1">
               <a:rPr kumimoji="1" lang="ja-JP" altLang="en-US" smtClean="0"/>
-              <a:t>2024/11/22</a:t>
+              <a:t>2024/11/23</a:t>
             </a:fld>
             <a:endParaRPr kumimoji="1" lang="ja-JP" altLang="en-US"/>
           </a:p>
@@ -3807,7 +3994,7 @@
           <a:p>
             <a:fld id="{5D337AB5-68CF-4C9A-84F0-CEB8B3F3804F}" type="datetime1">
               <a:rPr kumimoji="1" lang="ja-JP" altLang="en-US" smtClean="0"/>
-              <a:t>2024/11/22</a:t>
+              <a:t>2024/11/23</a:t>
             </a:fld>
             <a:endParaRPr kumimoji="1" lang="ja-JP" altLang="en-US"/>
           </a:p>
@@ -3911,7 +4098,7 @@
           <a:p>
             <a:fld id="{0224F364-07F3-46C8-84AA-302D169C9924}" type="datetime1">
               <a:rPr kumimoji="1" lang="ja-JP" altLang="en-US" smtClean="0"/>
-              <a:t>2024/11/22</a:t>
+              <a:t>2024/11/23</a:t>
             </a:fld>
             <a:endParaRPr kumimoji="1" lang="ja-JP" altLang="en-US"/>
           </a:p>
@@ -4245,7 +4432,7 @@
           <a:p>
             <a:fld id="{C98F773C-6196-4130-BAF3-BF8645CB42FA}" type="datetime1">
               <a:rPr kumimoji="1" lang="ja-JP" altLang="en-US" smtClean="0"/>
-              <a:t>2024/11/22</a:t>
+              <a:t>2024/11/23</a:t>
             </a:fld>
             <a:endParaRPr kumimoji="1" lang="ja-JP" altLang="en-US"/>
           </a:p>
@@ -4524,7 +4711,7 @@
           <a:p>
             <a:fld id="{E4883AD5-0DE6-4DC7-9375-A23AA371A5C4}" type="datetime1">
               <a:rPr kumimoji="1" lang="ja-JP" altLang="en-US" smtClean="0"/>
-              <a:t>2024/11/22</a:t>
+              <a:t>2024/11/23</a:t>
             </a:fld>
             <a:endParaRPr kumimoji="1" lang="ja-JP" altLang="en-US"/>
           </a:p>
@@ -7830,6 +8017,50 @@
               </a:solidFill>
             </a:endParaRPr>
           </a:p>
+          <a:p>
+            <a:pPr marL="0" indent="0">
+              <a:buNone/>
+            </a:pPr>
+            <a:r>
+              <a:rPr lang="en-US" altLang="ja-JP" dirty="0">
+                <a:solidFill>
+                  <a:schemeClr val="bg1">
+                    <a:lumMod val="85000"/>
+                  </a:schemeClr>
+                </a:solidFill>
+              </a:rPr>
+              <a:t>4. </a:t>
+            </a:r>
+            <a:r>
+              <a:rPr lang="ja-JP" altLang="en-US" dirty="0">
+                <a:solidFill>
+                  <a:schemeClr val="bg1">
+                    <a:lumMod val="85000"/>
+                  </a:schemeClr>
+                </a:solidFill>
+              </a:rPr>
+              <a:t>今後の方針</a:t>
+            </a:r>
+            <a:endParaRPr kumimoji="1" lang="en-US" altLang="ja-JP" dirty="0">
+              <a:solidFill>
+                <a:schemeClr val="bg1">
+                  <a:lumMod val="85000"/>
+                </a:schemeClr>
+              </a:solidFill>
+            </a:endParaRPr>
+          </a:p>
+          <a:p>
+            <a:pPr marL="0" indent="0">
+              <a:buNone/>
+            </a:pPr>
+            <a:endParaRPr kumimoji="1" lang="en-US" altLang="ja-JP" dirty="0">
+              <a:solidFill>
+                <a:schemeClr val="bg1">
+                  <a:lumMod val="85000"/>
+                </a:schemeClr>
+              </a:solidFill>
+            </a:endParaRPr>
+          </a:p>
         </p:txBody>
       </p:sp>
     </p:spTree>
@@ -7891,21 +8122,145 @@
           </a:p>
         </p:txBody>
       </p:sp>
+      <p:sp>
+        <p:nvSpPr>
+          <p:cNvPr id="10" name="テキスト ボックス 9">
+            <a:extLst>
+              <a:ext uri="{FF2B5EF4-FFF2-40B4-BE49-F238E27FC236}">
+                <a16:creationId xmlns:a16="http://schemas.microsoft.com/office/drawing/2014/main" id="{21F465CB-F54C-2E2B-CCE2-509D237470FC}"/>
+              </a:ext>
+            </a:extLst>
+          </p:cNvPr>
+          <p:cNvSpPr txBox="1"/>
+          <p:nvPr/>
+        </p:nvSpPr>
+        <p:spPr>
+          <a:xfrm>
+            <a:off x="3862984" y="5143575"/>
+            <a:ext cx="4925568" cy="1323439"/>
+          </a:xfrm>
+          <a:prstGeom prst="rect">
+            <a:avLst/>
+          </a:prstGeom>
+          <a:noFill/>
+        </p:spPr>
+        <p:txBody>
+          <a:bodyPr wrap="square" rtlCol="0">
+            <a:spAutoFit/>
+          </a:bodyPr>
+          <a:lstStyle/>
+          <a:p>
+            <a:r>
+              <a:rPr lang="en-US" altLang="ja-JP" sz="2000" dirty="0" err="1"/>
+              <a:t>gc.collect</a:t>
+            </a:r>
+            <a:r>
+              <a:rPr lang="en-US" altLang="ja-JP" sz="2000" dirty="0"/>
+              <a:t>()</a:t>
+            </a:r>
+            <a:r>
+              <a:rPr lang="ja-JP" altLang="en-US" sz="2000" dirty="0"/>
+              <a:t> や </a:t>
+            </a:r>
+            <a:r>
+              <a:rPr lang="en-US" altLang="ja-JP" sz="2000" dirty="0" err="1"/>
+              <a:t>gc.get_stats</a:t>
+            </a:r>
+            <a:r>
+              <a:rPr lang="en-US" altLang="ja-JP" sz="2000" dirty="0"/>
+              <a:t>() </a:t>
+            </a:r>
+            <a:r>
+              <a:rPr lang="ja-JP" altLang="en-US" sz="2000" dirty="0"/>
+              <a:t>の仕様は</a:t>
+            </a:r>
+            <a:r>
+              <a:rPr lang="en-US" altLang="ja-JP" sz="2000" dirty="0"/>
+              <a:t>?</a:t>
+            </a:r>
+            <a:br>
+              <a:rPr lang="en-US" altLang="ja-JP" sz="2000" dirty="0"/>
+            </a:br>
+            <a:r>
+              <a:rPr lang="en-US" altLang="ja-JP" sz="2000" dirty="0"/>
+              <a:t>x1.next = 0 </a:t>
+            </a:r>
+            <a:r>
+              <a:rPr lang="ja-JP" altLang="en-US" sz="2000" dirty="0"/>
+              <a:t>とした後に</a:t>
+            </a:r>
+            <a:r>
+              <a:rPr lang="en-US" altLang="ja-JP" sz="2000" dirty="0"/>
+              <a:t> GC </a:t>
+            </a:r>
+            <a:r>
+              <a:rPr lang="ja-JP" altLang="en-US" sz="2000" dirty="0"/>
+              <a:t>されたのは何</a:t>
+            </a:r>
+            <a:r>
+              <a:rPr lang="en-US" altLang="ja-JP" sz="2000" dirty="0"/>
+              <a:t>?</a:t>
+            </a:r>
+          </a:p>
+          <a:p>
+            <a:r>
+              <a:rPr lang="ja-JP" altLang="en-US" sz="2000" dirty="0"/>
+              <a:t>なぜ</a:t>
+            </a:r>
+            <a:r>
+              <a:rPr lang="en-US" altLang="ja-JP" sz="2000" dirty="0"/>
+              <a:t>GC</a:t>
+            </a:r>
+            <a:r>
+              <a:rPr lang="ja-JP" altLang="en-US" sz="2000" dirty="0"/>
+              <a:t>された</a:t>
+            </a:r>
+            <a:r>
+              <a:rPr lang="en-US" altLang="ja-JP" sz="2000" dirty="0"/>
+              <a:t>?</a:t>
+            </a:r>
+          </a:p>
+          <a:p>
+            <a:r>
+              <a:rPr lang="en-US" altLang="ja-JP" sz="2000" dirty="0" err="1"/>
+              <a:t>gc.collect</a:t>
+            </a:r>
+            <a:r>
+              <a:rPr lang="en-US" altLang="ja-JP" sz="2000" dirty="0"/>
+              <a:t>() </a:t>
+            </a:r>
+            <a:r>
+              <a:rPr lang="ja-JP" altLang="en-US" sz="2000" dirty="0"/>
+              <a:t>をしないと </a:t>
+            </a:r>
+            <a:r>
+              <a:rPr lang="en-US" altLang="ja-JP" sz="2000" dirty="0"/>
+              <a:t>GC </a:t>
+            </a:r>
+            <a:r>
+              <a:rPr lang="ja-JP" altLang="en-US" sz="2000" dirty="0"/>
+              <a:t>されないのか</a:t>
+            </a:r>
+            <a:r>
+              <a:rPr lang="en-US" altLang="ja-JP" sz="2000" dirty="0"/>
+              <a:t>?</a:t>
+            </a:r>
+          </a:p>
+        </p:txBody>
+      </p:sp>
       <p:pic>
         <p:nvPicPr>
-          <p:cNvPr id="9" name="コンテンツ プレースホルダー 8">
-            <a:extLst>
-              <a:ext uri="{FF2B5EF4-FFF2-40B4-BE49-F238E27FC236}">
-                <a16:creationId xmlns:a16="http://schemas.microsoft.com/office/drawing/2014/main" id="{E27D5872-D689-B6B0-EE41-395D9152D3C4}"/>
+          <p:cNvPr id="7" name="図 6">
+            <a:extLst>
+              <a:ext uri="{FF2B5EF4-FFF2-40B4-BE49-F238E27FC236}">
+                <a16:creationId xmlns:a16="http://schemas.microsoft.com/office/drawing/2014/main" id="{DDAD2930-4D60-A7F6-5189-DCCE7A438C87}"/>
               </a:ext>
             </a:extLst>
           </p:cNvPr>
           <p:cNvPicPr>
-            <a:picLocks noGrp="1" noChangeAspect="1"/>
+            <a:picLocks noChangeAspect="1"/>
           </p:cNvPicPr>
-          <p:nvPr>
-            <p:ph idx="1"/>
-          </p:nvPr>
+          <p:nvPr/>
         </p:nvPicPr>
         <p:blipFill>
           <a:blip r:embed="rId2"/>
@@ -7915,17 +8270,20 @@
         </p:blipFill>
         <p:spPr>
           <a:xfrm>
-            <a:off x="4218432" y="999375"/>
-            <a:ext cx="4703880" cy="3453482"/>
+            <a:off x="259195" y="1003326"/>
+            <a:ext cx="2965268" cy="5718148"/>
           </a:xfrm>
+          <a:prstGeom prst="rect">
+            <a:avLst/>
+          </a:prstGeom>
         </p:spPr>
       </p:pic>
       <p:pic>
         <p:nvPicPr>
-          <p:cNvPr id="5" name="図 4">
-            <a:extLst>
-              <a:ext uri="{FF2B5EF4-FFF2-40B4-BE49-F238E27FC236}">
-                <a16:creationId xmlns:a16="http://schemas.microsoft.com/office/drawing/2014/main" id="{9B54434C-0272-029A-5364-DC6BEBDC3A69}"/>
+          <p:cNvPr id="13" name="図 12">
+            <a:extLst>
+              <a:ext uri="{FF2B5EF4-FFF2-40B4-BE49-F238E27FC236}">
+                <a16:creationId xmlns:a16="http://schemas.microsoft.com/office/drawing/2014/main" id="{A8BDB77B-7AB9-E346-0775-D49924024274}"/>
               </a:ext>
             </a:extLst>
           </p:cNvPr>
@@ -7942,140 +8300,14 @@
         </p:blipFill>
         <p:spPr>
           <a:xfrm>
-            <a:off x="124152" y="999375"/>
-            <a:ext cx="3959237" cy="5793459"/>
+            <a:off x="3571370" y="995619"/>
+            <a:ext cx="5217182" cy="3950583"/>
           </a:xfrm>
           <a:prstGeom prst="rect">
             <a:avLst/>
           </a:prstGeom>
         </p:spPr>
       </p:pic>
-      <p:sp>
-        <p:nvSpPr>
-          <p:cNvPr id="10" name="テキスト ボックス 9">
-            <a:extLst>
-              <a:ext uri="{FF2B5EF4-FFF2-40B4-BE49-F238E27FC236}">
-                <a16:creationId xmlns:a16="http://schemas.microsoft.com/office/drawing/2014/main" id="{21F465CB-F54C-2E2B-CCE2-509D237470FC}"/>
-              </a:ext>
-            </a:extLst>
-          </p:cNvPr>
-          <p:cNvSpPr txBox="1"/>
-          <p:nvPr/>
-        </p:nvSpPr>
-        <p:spPr>
-          <a:xfrm>
-            <a:off x="4218432" y="4891604"/>
-            <a:ext cx="4925568" cy="1323439"/>
-          </a:xfrm>
-          <a:prstGeom prst="rect">
-            <a:avLst/>
-          </a:prstGeom>
-          <a:noFill/>
-        </p:spPr>
-        <p:txBody>
-          <a:bodyPr wrap="square" rtlCol="0">
-            <a:spAutoFit/>
-          </a:bodyPr>
-          <a:lstStyle/>
-          <a:p>
-            <a:r>
-              <a:rPr lang="en-US" altLang="ja-JP" sz="2000" dirty="0" err="1"/>
-              <a:t>gc.collect</a:t>
-            </a:r>
-            <a:r>
-              <a:rPr lang="en-US" altLang="ja-JP" sz="2000" dirty="0"/>
-              <a:t>()</a:t>
-            </a:r>
-            <a:r>
-              <a:rPr lang="ja-JP" altLang="en-US" sz="2000" dirty="0"/>
-              <a:t> や </a:t>
-            </a:r>
-            <a:r>
-              <a:rPr lang="en-US" altLang="ja-JP" sz="2000" dirty="0" err="1"/>
-              <a:t>gc.get_stats</a:t>
-            </a:r>
-            <a:r>
-              <a:rPr lang="en-US" altLang="ja-JP" sz="2000" dirty="0"/>
-              <a:t>() </a:t>
-            </a:r>
-            <a:r>
-              <a:rPr lang="ja-JP" altLang="en-US" sz="2000" dirty="0"/>
-              <a:t>の仕様は</a:t>
-            </a:r>
-            <a:r>
-              <a:rPr lang="en-US" altLang="ja-JP" sz="2000" dirty="0"/>
-              <a:t>?</a:t>
-            </a:r>
-            <a:br>
-              <a:rPr lang="en-US" altLang="ja-JP" sz="2000" dirty="0"/>
-            </a:br>
-            <a:r>
-              <a:rPr lang="en-US" altLang="ja-JP" sz="2000" dirty="0"/>
-              <a:t>x1.next = 0 </a:t>
-            </a:r>
-            <a:r>
-              <a:rPr lang="ja-JP" altLang="en-US" sz="2000" dirty="0"/>
-              <a:t>とした後に</a:t>
-            </a:r>
-            <a:r>
-              <a:rPr lang="en-US" altLang="ja-JP" sz="2000" dirty="0"/>
-              <a:t> GC </a:t>
-            </a:r>
-            <a:r>
-              <a:rPr lang="ja-JP" altLang="en-US" sz="2000" dirty="0"/>
-              <a:t>されたのは何</a:t>
-            </a:r>
-            <a:r>
-              <a:rPr lang="en-US" altLang="ja-JP" sz="2000" dirty="0"/>
-              <a:t>?</a:t>
-            </a:r>
-          </a:p>
-          <a:p>
-            <a:r>
-              <a:rPr lang="ja-JP" altLang="en-US" sz="2000" dirty="0"/>
-              <a:t>なぜ</a:t>
-            </a:r>
-            <a:r>
-              <a:rPr lang="en-US" altLang="ja-JP" sz="2000" dirty="0"/>
-              <a:t>GC</a:t>
-            </a:r>
-            <a:r>
-              <a:rPr lang="ja-JP" altLang="en-US" sz="2000" dirty="0"/>
-              <a:t>された</a:t>
-            </a:r>
-            <a:r>
-              <a:rPr lang="en-US" altLang="ja-JP" sz="2000" dirty="0"/>
-              <a:t>?</a:t>
-            </a:r>
-          </a:p>
-          <a:p>
-            <a:r>
-              <a:rPr lang="en-US" altLang="ja-JP" sz="2000" dirty="0" err="1"/>
-              <a:t>gc.collect</a:t>
-            </a:r>
-            <a:r>
-              <a:rPr lang="en-US" altLang="ja-JP" sz="2000" dirty="0"/>
-              <a:t>() </a:t>
-            </a:r>
-            <a:r>
-              <a:rPr lang="ja-JP" altLang="en-US" sz="2000" dirty="0"/>
-              <a:t>をしないと </a:t>
-            </a:r>
-            <a:r>
-              <a:rPr lang="en-US" altLang="ja-JP" sz="2000" dirty="0"/>
-              <a:t>GC </a:t>
-            </a:r>
-            <a:r>
-              <a:rPr lang="ja-JP" altLang="en-US" sz="2000" dirty="0"/>
-              <a:t>されないのか</a:t>
-            </a:r>
-            <a:r>
-              <a:rPr lang="en-US" altLang="ja-JP" sz="2000" dirty="0"/>
-              <a:t>?</a:t>
-            </a:r>
-          </a:p>
-        </p:txBody>
-      </p:sp>
     </p:spTree>
     <p:extLst>
       <p:ext uri="{BB962C8B-B14F-4D97-AF65-F5344CB8AC3E}">
@@ -8206,17 +8438,28 @@
             </a:r>
             <a:r>
               <a:rPr lang="ja-JP" altLang="en-US" dirty="0"/>
-              <a:t>方式</a:t>
-            </a:r>
-            <a:endParaRPr lang="en-US" altLang="ja-JP" dirty="0"/>
-          </a:p>
-          <a:p>
-            <a:pPr marL="0" indent="0">
-              <a:buNone/>
-            </a:pPr>
+              <a:t>方式 </a:t>
+            </a:r>
             <a:r>
               <a:rPr lang="en-US" altLang="ja-JP" dirty="0"/>
-              <a:t>		with 2</a:t>
+              <a:t>(</a:t>
+            </a:r>
+            <a:r>
+              <a:rPr lang="ja-JP" altLang="en-US" dirty="0"/>
+              <a:t>通常</a:t>
+            </a:r>
+            <a:r>
+              <a:rPr lang="en-US" altLang="ja-JP" dirty="0"/>
+              <a:t>)</a:t>
+            </a:r>
+          </a:p>
+          <a:p>
+            <a:pPr marL="0" indent="0">
+              <a:buNone/>
+            </a:pPr>
+            <a:r>
+              <a:rPr lang="en-US" altLang="ja-JP" dirty="0"/>
+              <a:t>		2</a:t>
             </a:r>
             <a:r>
               <a:rPr lang="ja-JP" altLang="en-US" dirty="0"/>
@@ -8224,7 +8467,40 @@
             </a:r>
             <a:r>
               <a:rPr lang="en-US" altLang="ja-JP" dirty="0"/>
-              <a:t>Generational GC</a:t>
+              <a:t>Generational GC </a:t>
+            </a:r>
+          </a:p>
+          <a:p>
+            <a:pPr marL="0" indent="0">
+              <a:buNone/>
+            </a:pPr>
+            <a:r>
+              <a:rPr lang="en-US" altLang="ja-JP" dirty="0"/>
+              <a:t>			(</a:t>
+            </a:r>
+            <a:r>
+              <a:rPr lang="ja-JP" altLang="en-US" dirty="0"/>
+              <a:t>循環参照の処理 </a:t>
+            </a:r>
+            <a:r>
+              <a:rPr lang="en-US" altLang="ja-JP" dirty="0"/>
+              <a:t>:</a:t>
+            </a:r>
+            <a:r>
+              <a:rPr lang="ja-JP" altLang="en-US" dirty="0"/>
+              <a:t> </a:t>
+            </a:r>
+            <a:r>
+              <a:rPr lang="en-US" altLang="ja-JP" dirty="0"/>
+              <a:t>GC</a:t>
+            </a:r>
+            <a:r>
+              <a:rPr lang="ja-JP" altLang="en-US" dirty="0"/>
+              <a:t> モジュールで実装</a:t>
+            </a:r>
+            <a:r>
+              <a:rPr lang="en-US" altLang="ja-JP" dirty="0"/>
+              <a:t>)</a:t>
             </a:r>
           </a:p>
           <a:p>
@@ -8261,8 +8537,8 @@
         </p:blipFill>
         <p:spPr>
           <a:xfrm>
-            <a:off x="259195" y="2586012"/>
-            <a:ext cx="4127748" cy="3686920"/>
+            <a:off x="259195" y="3053522"/>
+            <a:ext cx="3551484" cy="3172199"/>
           </a:xfrm>
           <a:prstGeom prst="rect">
             <a:avLst/>
@@ -8300,6 +8576,96 @@
             <a:r>
               <a:rPr lang="ja-JP" altLang="en-US" sz="900" dirty="0"/>
               <a:t>https://github.com/python/cpython/blob/main/InternalDocs/garbage_collector.md#Optimization-incremental-collection</a:t>
+            </a:r>
+          </a:p>
+        </p:txBody>
+      </p:sp>
+      <p:sp>
+        <p:nvSpPr>
+          <p:cNvPr id="6" name="テキスト ボックス 5">
+            <a:extLst>
+              <a:ext uri="{FF2B5EF4-FFF2-40B4-BE49-F238E27FC236}">
+                <a16:creationId xmlns:a16="http://schemas.microsoft.com/office/drawing/2014/main" id="{DA65BA75-EAEF-33CF-D31D-5EDF30DCF93D}"/>
+              </a:ext>
+            </a:extLst>
+          </p:cNvPr>
+          <p:cNvSpPr txBox="1"/>
+          <p:nvPr/>
+        </p:nvSpPr>
+        <p:spPr>
+          <a:xfrm>
+            <a:off x="3928312" y="3700902"/>
+            <a:ext cx="5398568" cy="1877437"/>
+          </a:xfrm>
+          <a:prstGeom prst="rect">
+            <a:avLst/>
+          </a:prstGeom>
+          <a:noFill/>
+        </p:spPr>
+        <p:txBody>
+          <a:bodyPr wrap="square">
+            <a:spAutoFit/>
+          </a:bodyPr>
+          <a:lstStyle/>
+          <a:p>
+            <a:pPr marL="0" indent="0">
+              <a:buNone/>
+            </a:pPr>
+            <a:r>
+              <a:rPr kumimoji="1" lang="en-US" altLang="ja-JP" sz="2000" dirty="0"/>
+              <a:t>Python</a:t>
+            </a:r>
+            <a:r>
+              <a:rPr kumimoji="1" lang="ja-JP" altLang="en-US" sz="2000" dirty="0"/>
+              <a:t>では循環参照はどこでも起こり得る：</a:t>
+            </a:r>
+            <a:endParaRPr kumimoji="1" lang="en-US" altLang="ja-JP" sz="2000" dirty="0"/>
+          </a:p>
+          <a:p>
+            <a:pPr marL="0" indent="0">
+              <a:buNone/>
+            </a:pPr>
+            <a:r>
+              <a:rPr lang="ja-JP" altLang="en-US" dirty="0"/>
+              <a:t>インタプリタが必要とする多くの内部参照が循環参照を生成するため．</a:t>
+            </a:r>
+            <a:endParaRPr lang="en-US" altLang="ja-JP" dirty="0"/>
+          </a:p>
+          <a:p>
+            <a:pPr marL="0" indent="0">
+              <a:buNone/>
+            </a:pPr>
+            <a:endParaRPr lang="en-US" altLang="ja-JP" sz="2000" dirty="0"/>
+          </a:p>
+          <a:p>
+            <a:pPr marL="0" indent="0">
+              <a:buNone/>
+            </a:pPr>
+            <a:r>
+              <a:rPr kumimoji="1" lang="ja-JP" altLang="en-US" sz="2000" dirty="0"/>
+              <a:t>→循環参照に対応するためのアルゴリズムが</a:t>
+            </a:r>
+            <a:endParaRPr kumimoji="1" lang="en-US" altLang="ja-JP" sz="2000" dirty="0"/>
+          </a:p>
+          <a:p>
+            <a:pPr marL="0" indent="0">
+              <a:buNone/>
+            </a:pPr>
+            <a:r>
+              <a:rPr kumimoji="1" lang="ja-JP" altLang="en-US" sz="2000" dirty="0"/>
+              <a:t>　 </a:t>
+            </a:r>
+            <a:r>
+              <a:rPr kumimoji="1" lang="en-US" altLang="ja-JP" sz="2000" dirty="0" err="1"/>
+              <a:t>gc</a:t>
+            </a:r>
+            <a:r>
+              <a:rPr kumimoji="1" lang="ja-JP" altLang="en-US" sz="2000" dirty="0"/>
+              <a:t>モジュールに組み込まれている</a:t>
+            </a:r>
+            <a:r>
+              <a:rPr kumimoji="1" lang="en-US" altLang="ja-JP" sz="2000" dirty="0"/>
+              <a:t>.</a:t>
             </a:r>
           </a:p>
         </p:txBody>
@@ -8419,6 +8785,15 @@
               <a:rPr lang="en-US" altLang="ja-JP" u="sng" dirty="0"/>
               <a:t>Generational GC</a:t>
             </a:r>
+            <a:r>
+              <a:rPr lang="ja-JP" altLang="en-US" dirty="0"/>
+              <a:t>：</a:t>
+            </a:r>
+            <a:r>
+              <a:rPr lang="ja-JP" altLang="en-US" sz="2400" dirty="0"/>
+              <a:t>循環参照の処理のために実装</a:t>
+            </a:r>
+            <a:endParaRPr lang="en-US" altLang="ja-JP" sz="2400" u="sng" dirty="0"/>
           </a:p>
           <a:p>
             <a:pPr marL="0" indent="0">
@@ -8454,12 +8829,6 @@
               <a:rPr lang="ja-JP" altLang="en-US" sz="2400" dirty="0"/>
               <a:t>を重点的に実施することで効率化を図る</a:t>
             </a:r>
-            <a:endParaRPr lang="en-US" altLang="ja-JP" sz="2400" dirty="0"/>
-          </a:p>
-          <a:p>
-            <a:pPr marL="0" indent="0">
-              <a:buNone/>
-            </a:pPr>
             <a:endParaRPr lang="en-US" altLang="ja-JP" sz="2400" dirty="0"/>
           </a:p>
           <a:p>
@@ -10389,201 +10758,6 @@
   <p:cSld>
     <p:spTree>
       <p:nvGrpSpPr>
-        <p:cNvPr id="1" name=""/>
-        <p:cNvGrpSpPr/>
-        <p:nvPr/>
-      </p:nvGrpSpPr>
-      <p:grpSpPr>
-        <a:xfrm>
-          <a:off x="0" y="0"/>
-          <a:ext cx="0" cy="0"/>
-          <a:chOff x="0" y="0"/>
-          <a:chExt cx="0" cy="0"/>
-        </a:xfrm>
-      </p:grpSpPr>
-      <p:sp>
-        <p:nvSpPr>
-          <p:cNvPr id="2" name="タイトル 1">
-            <a:extLst>
-              <a:ext uri="{FF2B5EF4-FFF2-40B4-BE49-F238E27FC236}">
-                <a16:creationId xmlns:a16="http://schemas.microsoft.com/office/drawing/2014/main" id="{F064CCEC-4E3E-9B37-B05A-90BF870A3D65}"/>
-              </a:ext>
-            </a:extLst>
-          </p:cNvPr>
-          <p:cNvSpPr>
-            <a:spLocks noGrp="1"/>
-          </p:cNvSpPr>
-          <p:nvPr>
-            <p:ph type="title"/>
-          </p:nvPr>
-        </p:nvSpPr>
-        <p:spPr/>
-        <p:txBody>
-          <a:bodyPr/>
-          <a:lstStyle/>
-          <a:p>
-            <a:r>
-              <a:rPr lang="en-US" altLang="ja-JP" dirty="0"/>
-              <a:t>2</a:t>
-            </a:r>
-            <a:r>
-              <a:rPr kumimoji="1" lang="en-US" altLang="ja-JP" dirty="0"/>
-              <a:t>.2. </a:t>
-            </a:r>
-            <a:r>
-              <a:rPr kumimoji="1" lang="ja-JP" altLang="en-US" dirty="0"/>
-              <a:t>循環参照への対処</a:t>
-            </a:r>
-          </a:p>
-        </p:txBody>
-      </p:sp>
-      <p:sp>
-        <p:nvSpPr>
-          <p:cNvPr id="3" name="コンテンツ プレースホルダー 2">
-            <a:extLst>
-              <a:ext uri="{FF2B5EF4-FFF2-40B4-BE49-F238E27FC236}">
-                <a16:creationId xmlns:a16="http://schemas.microsoft.com/office/drawing/2014/main" id="{281FA24D-2D80-B3A5-8ABB-B5DF0DF8BCA5}"/>
-              </a:ext>
-            </a:extLst>
-          </p:cNvPr>
-          <p:cNvSpPr>
-            <a:spLocks noGrp="1"/>
-          </p:cNvSpPr>
-          <p:nvPr>
-            <p:ph idx="1"/>
-          </p:nvPr>
-        </p:nvSpPr>
-        <p:spPr/>
-        <p:txBody>
-          <a:bodyPr/>
-          <a:lstStyle/>
-          <a:p>
-            <a:pPr marL="0" indent="0">
-              <a:buNone/>
-            </a:pPr>
-            <a:r>
-              <a:rPr kumimoji="1" lang="en-US" altLang="ja-JP" dirty="0"/>
-              <a:t>Python</a:t>
-            </a:r>
-            <a:r>
-              <a:rPr kumimoji="1" lang="ja-JP" altLang="en-US" dirty="0"/>
-              <a:t>では，循環参照に対応するためのアルゴリズムが</a:t>
-            </a:r>
-            <a:r>
-              <a:rPr kumimoji="1" lang="en-US" altLang="ja-JP" dirty="0" err="1"/>
-              <a:t>gc</a:t>
-            </a:r>
-            <a:r>
-              <a:rPr kumimoji="1" lang="ja-JP" altLang="en-US" dirty="0"/>
-              <a:t>モジュールに組み込まれている</a:t>
-            </a:r>
-            <a:r>
-              <a:rPr kumimoji="1" lang="en-US" altLang="ja-JP" dirty="0"/>
-              <a:t>.</a:t>
-            </a:r>
-          </a:p>
-          <a:p>
-            <a:pPr marL="0" indent="0">
-              <a:buNone/>
-            </a:pPr>
-            <a:endParaRPr lang="en-US" altLang="ja-JP" dirty="0"/>
-          </a:p>
-          <a:p>
-            <a:pPr marL="0" indent="0">
-              <a:buNone/>
-            </a:pPr>
-            <a:r>
-              <a:rPr kumimoji="1" lang="ja-JP" altLang="en-US" dirty="0"/>
-              <a:t>これは，古い世代の </a:t>
-            </a:r>
-            <a:r>
-              <a:rPr kumimoji="1" lang="en-US" altLang="ja-JP" dirty="0"/>
-              <a:t>GC (incremental collection) </a:t>
-            </a:r>
-            <a:r>
-              <a:rPr kumimoji="1" lang="ja-JP" altLang="en-US" dirty="0"/>
-              <a:t>実行時に自動的に行われるもので，</a:t>
-            </a:r>
-            <a:r>
-              <a:rPr kumimoji="1" lang="en-US" altLang="ja-JP" dirty="0"/>
-              <a:t>Mark–sweep </a:t>
-            </a:r>
-            <a:r>
-              <a:rPr kumimoji="1" lang="ja-JP" altLang="en-US" dirty="0"/>
-              <a:t>に似たアルゴリズムが部分的に実行される．</a:t>
-            </a:r>
-            <a:endParaRPr kumimoji="1" lang="en-US" altLang="ja-JP" dirty="0"/>
-          </a:p>
-          <a:p>
-            <a:pPr marL="0" indent="0">
-              <a:buNone/>
-            </a:pPr>
-            <a:endParaRPr lang="en-US" altLang="ja-JP" dirty="0"/>
-          </a:p>
-          <a:p>
-            <a:pPr marL="0" indent="0">
-              <a:buNone/>
-            </a:pPr>
-            <a:r>
-              <a:rPr kumimoji="1" lang="ja-JP" altLang="en-US" dirty="0"/>
-              <a:t>具体的な手順を次に説明する．</a:t>
-            </a:r>
-          </a:p>
-        </p:txBody>
-      </p:sp>
-      <p:sp>
-        <p:nvSpPr>
-          <p:cNvPr id="4" name="テキスト ボックス 3">
-            <a:extLst>
-              <a:ext uri="{FF2B5EF4-FFF2-40B4-BE49-F238E27FC236}">
-                <a16:creationId xmlns:a16="http://schemas.microsoft.com/office/drawing/2014/main" id="{97896854-CE7C-E8E9-2633-C307DA0A5ECE}"/>
-              </a:ext>
-            </a:extLst>
-          </p:cNvPr>
-          <p:cNvSpPr txBox="1"/>
-          <p:nvPr/>
-        </p:nvSpPr>
-        <p:spPr>
-          <a:xfrm>
-            <a:off x="3517392" y="6627168"/>
-            <a:ext cx="5797296" cy="230832"/>
-          </a:xfrm>
-          <a:prstGeom prst="rect">
-            <a:avLst/>
-          </a:prstGeom>
-          <a:noFill/>
-        </p:spPr>
-        <p:txBody>
-          <a:bodyPr wrap="square">
-            <a:spAutoFit/>
-          </a:bodyPr>
-          <a:lstStyle/>
-          <a:p>
-            <a:r>
-              <a:rPr lang="ja-JP" altLang="en-US" sz="900" dirty="0"/>
-              <a:t>https://github.com/python/cpython/blob/main/InternalDocs/garbage_collector.md#Optimization-incremental-collection</a:t>
-            </a:r>
-          </a:p>
-        </p:txBody>
-      </p:sp>
-    </p:spTree>
-    <p:extLst>
-      <p:ext uri="{BB962C8B-B14F-4D97-AF65-F5344CB8AC3E}">
-        <p14:creationId xmlns:p14="http://schemas.microsoft.com/office/powerpoint/2010/main" val="1866053512"/>
-      </p:ext>
-    </p:extLst>
-  </p:cSld>
-  <p:clrMapOvr>
-    <a:masterClrMapping/>
-  </p:clrMapOvr>
-</p:sld>
-</file>
-
-<file path=ppt/slides/slide28.xml><?xml version="1.0" encoding="utf-8"?>
-<p:sld xmlns:a="http://schemas.openxmlformats.org/drawingml/2006/main" xmlns:r="http://schemas.openxmlformats.org/officeDocument/2006/relationships" xmlns:p="http://schemas.openxmlformats.org/presentationml/2006/main">
-  <p:cSld>
-    <p:spTree>
-      <p:nvGrpSpPr>
         <p:cNvPr id="1" name="">
           <a:extLst>
             <a:ext uri="{FF2B5EF4-FFF2-40B4-BE49-F238E27FC236}">
@@ -10828,7 +11002,7 @@
 </p:sld>
 </file>
 
-<file path=ppt/slides/slide29.xml><?xml version="1.0" encoding="utf-8"?>
+<file path=ppt/slides/slide28.xml><?xml version="1.0" encoding="utf-8"?>
 <p:sld xmlns:a="http://schemas.openxmlformats.org/drawingml/2006/main" xmlns:r="http://schemas.openxmlformats.org/officeDocument/2006/relationships" xmlns:p="http://schemas.openxmlformats.org/presentationml/2006/main">
   <p:cSld>
     <p:spTree>
@@ -10912,10 +11086,17 @@
               <a:buNone/>
             </a:pPr>
             <a:r>
+              <a:rPr kumimoji="1" lang="en-US" altLang="ja-JP" dirty="0"/>
+              <a:t>2.2.1. </a:t>
+            </a:r>
+            <a:r>
               <a:rPr kumimoji="1" lang="ja-JP" altLang="en-US" dirty="0"/>
-              <a:t>循環参照の特定</a:t>
-            </a:r>
-            <a:endParaRPr kumimoji="1" lang="en-US" altLang="ja-JP" dirty="0"/>
+              <a:t>循環参照の特定と </a:t>
+            </a:r>
+            <a:r>
+              <a:rPr kumimoji="1" lang="en-US" altLang="ja-JP" dirty="0"/>
+              <a:t>GC</a:t>
+            </a:r>
           </a:p>
           <a:p>
             <a:pPr marL="0" indent="0">
@@ -11084,171 +11265,7 @@
 </p:sld>
 </file>
 
-<file path=ppt/slides/slide3.xml><?xml version="1.0" encoding="utf-8"?>
-<p:sld xmlns:a="http://schemas.openxmlformats.org/drawingml/2006/main" xmlns:r="http://schemas.openxmlformats.org/officeDocument/2006/relationships" xmlns:p="http://schemas.openxmlformats.org/presentationml/2006/main">
-  <p:cSld>
-    <p:spTree>
-      <p:nvGrpSpPr>
-        <p:cNvPr id="1" name=""/>
-        <p:cNvGrpSpPr/>
-        <p:nvPr/>
-      </p:nvGrpSpPr>
-      <p:grpSpPr>
-        <a:xfrm>
-          <a:off x="0" y="0"/>
-          <a:ext cx="0" cy="0"/>
-          <a:chOff x="0" y="0"/>
-          <a:chExt cx="0" cy="0"/>
-        </a:xfrm>
-      </p:grpSpPr>
-      <p:sp>
-        <p:nvSpPr>
-          <p:cNvPr id="2" name="タイトル 1">
-            <a:extLst>
-              <a:ext uri="{FF2B5EF4-FFF2-40B4-BE49-F238E27FC236}">
-                <a16:creationId xmlns:a16="http://schemas.microsoft.com/office/drawing/2014/main" id="{98F8C8B3-BE85-2105-13D7-821F38D33CF8}"/>
-              </a:ext>
-            </a:extLst>
-          </p:cNvPr>
-          <p:cNvSpPr>
-            <a:spLocks noGrp="1"/>
-          </p:cNvSpPr>
-          <p:nvPr>
-            <p:ph type="title"/>
-          </p:nvPr>
-        </p:nvSpPr>
-        <p:spPr/>
-        <p:txBody>
-          <a:bodyPr/>
-          <a:lstStyle/>
-          <a:p>
-            <a:r>
-              <a:rPr lang="ja-JP" altLang="en-US" dirty="0"/>
-              <a:t>今回の内容</a:t>
-            </a:r>
-            <a:endParaRPr kumimoji="1" lang="ja-JP" altLang="en-US" dirty="0"/>
-          </a:p>
-        </p:txBody>
-      </p:sp>
-      <p:sp>
-        <p:nvSpPr>
-          <p:cNvPr id="3" name="コンテンツ プレースホルダー 2">
-            <a:extLst>
-              <a:ext uri="{FF2B5EF4-FFF2-40B4-BE49-F238E27FC236}">
-                <a16:creationId xmlns:a16="http://schemas.microsoft.com/office/drawing/2014/main" id="{34CDB8A5-9AA4-813E-57B1-A823686A88B6}"/>
-              </a:ext>
-            </a:extLst>
-          </p:cNvPr>
-          <p:cNvSpPr>
-            <a:spLocks noGrp="1"/>
-          </p:cNvSpPr>
-          <p:nvPr>
-            <p:ph idx="1"/>
-          </p:nvPr>
-        </p:nvSpPr>
-        <p:spPr/>
-        <p:txBody>
-          <a:bodyPr/>
-          <a:lstStyle/>
-          <a:p>
-            <a:pPr marL="0" indent="0">
-              <a:buNone/>
-            </a:pPr>
-            <a:r>
-              <a:rPr lang="en-US" altLang="ja-JP" dirty="0"/>
-              <a:t>Python</a:t>
-            </a:r>
-            <a:r>
-              <a:rPr lang="ja-JP" altLang="en-US" dirty="0"/>
-              <a:t>での</a:t>
-            </a:r>
-            <a:r>
-              <a:rPr lang="en-US" altLang="ja-JP" dirty="0"/>
-              <a:t>GC</a:t>
-            </a:r>
-            <a:r>
-              <a:rPr lang="ja-JP" altLang="en-US" dirty="0"/>
-              <a:t>の仕組みについて，今後の研究に向けた自分の理解＆備忘録として，今回のゼミで共有します．</a:t>
-            </a:r>
-            <a:endParaRPr kumimoji="1" lang="en-US" altLang="ja-JP" dirty="0"/>
-          </a:p>
-          <a:p>
-            <a:pPr marL="0" indent="0">
-              <a:buNone/>
-            </a:pPr>
-            <a:endParaRPr lang="en-US" altLang="ja-JP" dirty="0"/>
-          </a:p>
-          <a:p>
-            <a:pPr marL="0" indent="0">
-              <a:buNone/>
-            </a:pPr>
-            <a:endParaRPr lang="en-US" altLang="ja-JP" dirty="0"/>
-          </a:p>
-          <a:p>
-            <a:pPr marL="0" indent="0">
-              <a:buNone/>
-            </a:pPr>
-            <a:r>
-              <a:rPr kumimoji="1" lang="en-US" altLang="ja-JP" dirty="0"/>
-              <a:t>1. Garbage Collection</a:t>
-            </a:r>
-            <a:r>
-              <a:rPr lang="ja-JP" altLang="en-US" dirty="0"/>
-              <a:t> 概論</a:t>
-            </a:r>
-            <a:endParaRPr kumimoji="1" lang="en-US" altLang="ja-JP" dirty="0"/>
-          </a:p>
-          <a:p>
-            <a:pPr marL="0" indent="0">
-              <a:buNone/>
-            </a:pPr>
-            <a:r>
-              <a:rPr kumimoji="1" lang="en-US" altLang="ja-JP" dirty="0"/>
-              <a:t>2. </a:t>
-            </a:r>
-            <a:r>
-              <a:rPr lang="en-US" altLang="ja-JP" dirty="0"/>
-              <a:t>Python </a:t>
-            </a:r>
-            <a:r>
-              <a:rPr lang="ja-JP" altLang="en-US" dirty="0"/>
-              <a:t>における </a:t>
-            </a:r>
-            <a:r>
-              <a:rPr lang="en-US" altLang="ja-JP" dirty="0"/>
-              <a:t>GC</a:t>
-            </a:r>
-          </a:p>
-          <a:p>
-            <a:pPr marL="0" indent="0">
-              <a:buNone/>
-            </a:pPr>
-            <a:r>
-              <a:rPr kumimoji="1" lang="en-US" altLang="ja-JP" dirty="0"/>
-              <a:t>3. </a:t>
-            </a:r>
-            <a:r>
-              <a:rPr kumimoji="1" lang="ja-JP" altLang="en-US" dirty="0"/>
-              <a:t>冒頭の疑問への答え</a:t>
-            </a:r>
-            <a:endParaRPr kumimoji="1" lang="en-US" altLang="ja-JP" dirty="0"/>
-          </a:p>
-        </p:txBody>
-      </p:sp>
-    </p:spTree>
-    <p:extLst>
-      <p:ext uri="{BB962C8B-B14F-4D97-AF65-F5344CB8AC3E}">
-        <p14:creationId xmlns:p14="http://schemas.microsoft.com/office/powerpoint/2010/main" val="2829603837"/>
-      </p:ext>
-    </p:extLst>
-  </p:cSld>
-  <p:clrMapOvr>
-    <a:masterClrMapping/>
-  </p:clrMapOvr>
-</p:sld>
-</file>
-
-<file path=ppt/slides/slide30.xml><?xml version="1.0" encoding="utf-8"?>
+<file path=ppt/slides/slide29.xml><?xml version="1.0" encoding="utf-8"?>
 <p:sld xmlns:a="http://schemas.openxmlformats.org/drawingml/2006/main" xmlns:r="http://schemas.openxmlformats.org/officeDocument/2006/relationships" xmlns:p="http://schemas.openxmlformats.org/presentationml/2006/main">
   <p:cSld>
     <p:spTree>
@@ -11332,10 +11349,17 @@
               <a:buNone/>
             </a:pPr>
             <a:r>
+              <a:rPr kumimoji="1" lang="en-US" altLang="ja-JP" dirty="0"/>
+              <a:t>2.2.1. </a:t>
+            </a:r>
+            <a:r>
               <a:rPr kumimoji="1" lang="ja-JP" altLang="en-US" dirty="0"/>
-              <a:t>循環参照の特定</a:t>
-            </a:r>
-            <a:endParaRPr kumimoji="1" lang="en-US" altLang="ja-JP" dirty="0"/>
+              <a:t>循環参照の特定と </a:t>
+            </a:r>
+            <a:r>
+              <a:rPr kumimoji="1" lang="en-US" altLang="ja-JP" dirty="0"/>
+              <a:t>GC</a:t>
+            </a:r>
           </a:p>
           <a:p>
             <a:pPr marL="0" indent="0">
@@ -11441,7 +11465,185 @@
 </p:sld>
 </file>
 
-<file path=ppt/slides/slide31.xml><?xml version="1.0" encoding="utf-8"?>
+<file path=ppt/slides/slide3.xml><?xml version="1.0" encoding="utf-8"?>
+<p:sld xmlns:a="http://schemas.openxmlformats.org/drawingml/2006/main" xmlns:r="http://schemas.openxmlformats.org/officeDocument/2006/relationships" xmlns:p="http://schemas.openxmlformats.org/presentationml/2006/main">
+  <p:cSld>
+    <p:spTree>
+      <p:nvGrpSpPr>
+        <p:cNvPr id="1" name=""/>
+        <p:cNvGrpSpPr/>
+        <p:nvPr/>
+      </p:nvGrpSpPr>
+      <p:grpSpPr>
+        <a:xfrm>
+          <a:off x="0" y="0"/>
+          <a:ext cx="0" cy="0"/>
+          <a:chOff x="0" y="0"/>
+          <a:chExt cx="0" cy="0"/>
+        </a:xfrm>
+      </p:grpSpPr>
+      <p:sp>
+        <p:nvSpPr>
+          <p:cNvPr id="2" name="タイトル 1">
+            <a:extLst>
+              <a:ext uri="{FF2B5EF4-FFF2-40B4-BE49-F238E27FC236}">
+                <a16:creationId xmlns:a16="http://schemas.microsoft.com/office/drawing/2014/main" id="{98F8C8B3-BE85-2105-13D7-821F38D33CF8}"/>
+              </a:ext>
+            </a:extLst>
+          </p:cNvPr>
+          <p:cNvSpPr>
+            <a:spLocks noGrp="1"/>
+          </p:cNvSpPr>
+          <p:nvPr>
+            <p:ph type="title"/>
+          </p:nvPr>
+        </p:nvSpPr>
+        <p:spPr/>
+        <p:txBody>
+          <a:bodyPr/>
+          <a:lstStyle/>
+          <a:p>
+            <a:r>
+              <a:rPr lang="ja-JP" altLang="en-US" dirty="0"/>
+              <a:t>今回の内容</a:t>
+            </a:r>
+            <a:endParaRPr kumimoji="1" lang="ja-JP" altLang="en-US" dirty="0"/>
+          </a:p>
+        </p:txBody>
+      </p:sp>
+      <p:sp>
+        <p:nvSpPr>
+          <p:cNvPr id="3" name="コンテンツ プレースホルダー 2">
+            <a:extLst>
+              <a:ext uri="{FF2B5EF4-FFF2-40B4-BE49-F238E27FC236}">
+                <a16:creationId xmlns:a16="http://schemas.microsoft.com/office/drawing/2014/main" id="{34CDB8A5-9AA4-813E-57B1-A823686A88B6}"/>
+              </a:ext>
+            </a:extLst>
+          </p:cNvPr>
+          <p:cNvSpPr>
+            <a:spLocks noGrp="1"/>
+          </p:cNvSpPr>
+          <p:nvPr>
+            <p:ph idx="1"/>
+          </p:nvPr>
+        </p:nvSpPr>
+        <p:spPr/>
+        <p:txBody>
+          <a:bodyPr/>
+          <a:lstStyle/>
+          <a:p>
+            <a:pPr marL="0" indent="0">
+              <a:buNone/>
+            </a:pPr>
+            <a:r>
+              <a:rPr lang="en-US" altLang="ja-JP" dirty="0"/>
+              <a:t>Python</a:t>
+            </a:r>
+            <a:r>
+              <a:rPr lang="ja-JP" altLang="en-US" dirty="0"/>
+              <a:t>での</a:t>
+            </a:r>
+            <a:r>
+              <a:rPr lang="en-US" altLang="ja-JP" dirty="0"/>
+              <a:t>GC</a:t>
+            </a:r>
+            <a:r>
+              <a:rPr lang="ja-JP" altLang="en-US" dirty="0"/>
+              <a:t>の仕組みについて，今後の研究に向けた自分の理解＆備忘録として，今回のゼミで共有します．</a:t>
+            </a:r>
+            <a:endParaRPr kumimoji="1" lang="en-US" altLang="ja-JP" dirty="0"/>
+          </a:p>
+          <a:p>
+            <a:pPr marL="0" indent="0">
+              <a:buNone/>
+            </a:pPr>
+            <a:endParaRPr lang="en-US" altLang="ja-JP" dirty="0"/>
+          </a:p>
+          <a:p>
+            <a:pPr marL="0" indent="0">
+              <a:buNone/>
+            </a:pPr>
+            <a:endParaRPr lang="en-US" altLang="ja-JP" dirty="0"/>
+          </a:p>
+          <a:p>
+            <a:pPr marL="0" indent="0">
+              <a:buNone/>
+            </a:pPr>
+            <a:r>
+              <a:rPr kumimoji="1" lang="en-US" altLang="ja-JP" dirty="0"/>
+              <a:t>1. Garbage Collection</a:t>
+            </a:r>
+            <a:r>
+              <a:rPr lang="ja-JP" altLang="en-US" dirty="0"/>
+              <a:t> 概論</a:t>
+            </a:r>
+            <a:endParaRPr kumimoji="1" lang="en-US" altLang="ja-JP" dirty="0"/>
+          </a:p>
+          <a:p>
+            <a:pPr marL="0" indent="0">
+              <a:buNone/>
+            </a:pPr>
+            <a:r>
+              <a:rPr kumimoji="1" lang="en-US" altLang="ja-JP" dirty="0"/>
+              <a:t>2. </a:t>
+            </a:r>
+            <a:r>
+              <a:rPr lang="en-US" altLang="ja-JP" dirty="0"/>
+              <a:t>Python </a:t>
+            </a:r>
+            <a:r>
+              <a:rPr lang="ja-JP" altLang="en-US" dirty="0"/>
+              <a:t>における </a:t>
+            </a:r>
+            <a:r>
+              <a:rPr lang="en-US" altLang="ja-JP" dirty="0"/>
+              <a:t>GC</a:t>
+            </a:r>
+          </a:p>
+          <a:p>
+            <a:pPr marL="0" indent="0">
+              <a:buNone/>
+            </a:pPr>
+            <a:r>
+              <a:rPr kumimoji="1" lang="en-US" altLang="ja-JP" dirty="0"/>
+              <a:t>3. </a:t>
+            </a:r>
+            <a:r>
+              <a:rPr kumimoji="1" lang="ja-JP" altLang="en-US" dirty="0"/>
+              <a:t>冒頭の疑問への答え</a:t>
+            </a:r>
+            <a:endParaRPr kumimoji="1" lang="en-US" altLang="ja-JP" dirty="0"/>
+          </a:p>
+          <a:p>
+            <a:pPr marL="0" indent="0">
+              <a:buNone/>
+            </a:pPr>
+            <a:r>
+              <a:rPr lang="en-US" altLang="ja-JP" dirty="0"/>
+              <a:t>4. </a:t>
+            </a:r>
+            <a:r>
+              <a:rPr lang="ja-JP" altLang="en-US" dirty="0"/>
+              <a:t>今後の方針</a:t>
+            </a:r>
+            <a:endParaRPr kumimoji="1" lang="en-US" altLang="ja-JP" dirty="0"/>
+          </a:p>
+        </p:txBody>
+      </p:sp>
+    </p:spTree>
+    <p:extLst>
+      <p:ext uri="{BB962C8B-B14F-4D97-AF65-F5344CB8AC3E}">
+        <p14:creationId xmlns:p14="http://schemas.microsoft.com/office/powerpoint/2010/main" val="2829603837"/>
+      </p:ext>
+    </p:extLst>
+  </p:cSld>
+  <p:clrMapOvr>
+    <a:masterClrMapping/>
+  </p:clrMapOvr>
+</p:sld>
+</file>
+
+<file path=ppt/slides/slide30.xml><?xml version="1.0" encoding="utf-8"?>
 <p:sld xmlns:a="http://schemas.openxmlformats.org/drawingml/2006/main" xmlns:r="http://schemas.openxmlformats.org/officeDocument/2006/relationships" xmlns:p="http://schemas.openxmlformats.org/presentationml/2006/main">
   <p:cSld>
     <p:spTree>
@@ -11525,10 +11727,17 @@
               <a:buNone/>
             </a:pPr>
             <a:r>
+              <a:rPr kumimoji="1" lang="en-US" altLang="ja-JP" dirty="0"/>
+              <a:t>2.2.1. </a:t>
+            </a:r>
+            <a:r>
               <a:rPr kumimoji="1" lang="ja-JP" altLang="en-US" dirty="0"/>
-              <a:t>循環参照の特定</a:t>
-            </a:r>
-            <a:endParaRPr kumimoji="1" lang="en-US" altLang="ja-JP" dirty="0"/>
+              <a:t>循環参照の特定と </a:t>
+            </a:r>
+            <a:r>
+              <a:rPr kumimoji="1" lang="en-US" altLang="ja-JP" dirty="0"/>
+              <a:t>GC</a:t>
+            </a:r>
           </a:p>
           <a:p>
             <a:pPr marL="0" indent="0">
@@ -11776,7 +11985,7 @@
 </p:sld>
 </file>
 
-<file path=ppt/slides/slide32.xml><?xml version="1.0" encoding="utf-8"?>
+<file path=ppt/slides/slide31.xml><?xml version="1.0" encoding="utf-8"?>
 <p:sld xmlns:a="http://schemas.openxmlformats.org/drawingml/2006/main" xmlns:r="http://schemas.openxmlformats.org/officeDocument/2006/relationships" xmlns:p="http://schemas.openxmlformats.org/presentationml/2006/main">
   <p:cSld>
     <p:spTree>
@@ -11860,10 +12069,17 @@
               <a:buNone/>
             </a:pPr>
             <a:r>
+              <a:rPr kumimoji="1" lang="en-US" altLang="ja-JP" dirty="0"/>
+              <a:t>2.2.1. </a:t>
+            </a:r>
+            <a:r>
               <a:rPr kumimoji="1" lang="ja-JP" altLang="en-US" dirty="0"/>
-              <a:t>循環参照の特定</a:t>
-            </a:r>
-            <a:endParaRPr kumimoji="1" lang="en-US" altLang="ja-JP" dirty="0"/>
+              <a:t>循環参照の特定と </a:t>
+            </a:r>
+            <a:r>
+              <a:rPr kumimoji="1" lang="en-US" altLang="ja-JP" dirty="0"/>
+              <a:t>GC</a:t>
+            </a:r>
           </a:p>
           <a:p>
             <a:pPr marL="0" indent="0">
@@ -12159,7 +12375,7 @@
 </p:sld>
 </file>
 
-<file path=ppt/slides/slide33.xml><?xml version="1.0" encoding="utf-8"?>
+<file path=ppt/slides/slide32.xml><?xml version="1.0" encoding="utf-8"?>
 <p:sld xmlns:a="http://schemas.openxmlformats.org/drawingml/2006/main" xmlns:r="http://schemas.openxmlformats.org/officeDocument/2006/relationships" xmlns:p="http://schemas.openxmlformats.org/presentationml/2006/main">
   <p:cSld>
     <p:spTree>
@@ -12243,10 +12459,17 @@
               <a:buNone/>
             </a:pPr>
             <a:r>
+              <a:rPr kumimoji="1" lang="en-US" altLang="ja-JP" dirty="0"/>
+              <a:t>2.2.1. </a:t>
+            </a:r>
+            <a:r>
               <a:rPr kumimoji="1" lang="ja-JP" altLang="en-US" dirty="0"/>
-              <a:t>循環参照の特定</a:t>
-            </a:r>
-            <a:endParaRPr kumimoji="1" lang="en-US" altLang="ja-JP" dirty="0"/>
+              <a:t>循環参照の特定と </a:t>
+            </a:r>
+            <a:r>
+              <a:rPr kumimoji="1" lang="en-US" altLang="ja-JP" dirty="0"/>
+              <a:t>GC</a:t>
+            </a:r>
           </a:p>
           <a:p>
             <a:pPr marL="0" indent="0">
@@ -12568,7 +12791,7 @@
 </p:sld>
 </file>
 
-<file path=ppt/slides/slide34.xml><?xml version="1.0" encoding="utf-8"?>
+<file path=ppt/slides/slide33.xml><?xml version="1.0" encoding="utf-8"?>
 <p:sld xmlns:a="http://schemas.openxmlformats.org/drawingml/2006/main" xmlns:r="http://schemas.openxmlformats.org/officeDocument/2006/relationships" xmlns:p="http://schemas.openxmlformats.org/presentationml/2006/main">
   <p:cSld>
     <p:spTree>
@@ -12657,6 +12880,10 @@
               <a:buNone/>
             </a:pPr>
             <a:r>
+              <a:rPr kumimoji="1" lang="en-US" altLang="ja-JP" dirty="0"/>
+              <a:t>2.2.2. </a:t>
+            </a:r>
+            <a:r>
               <a:rPr kumimoji="1" lang="ja-JP" altLang="en-US" dirty="0"/>
               <a:t>アルゴリズムの特徴</a:t>
             </a:r>
@@ -12714,7 +12941,7 @@
             </a:r>
             <a:r>
               <a:rPr kumimoji="1" lang="ja-JP" altLang="en-US" sz="2400" dirty="0"/>
-              <a:t>走査済みオブジェクトにはフラグがつけられ，区別される</a:t>
+              <a:t>走査済みオブジェクトにはフラグがつけられ，区別される．</a:t>
             </a:r>
             <a:endParaRPr kumimoji="1" lang="en-US" altLang="ja-JP" sz="2400" dirty="0"/>
           </a:p>
@@ -12846,6 +13073,242 @@
     <p:extLst>
       <p:ext uri="{BB962C8B-B14F-4D97-AF65-F5344CB8AC3E}">
         <p14:creationId xmlns:p14="http://schemas.microsoft.com/office/powerpoint/2010/main" val="2020960442"/>
+      </p:ext>
+    </p:extLst>
+  </p:cSld>
+  <p:clrMapOvr>
+    <a:masterClrMapping/>
+  </p:clrMapOvr>
+</p:sld>
+</file>
+
+<file path=ppt/slides/slide34.xml><?xml version="1.0" encoding="utf-8"?>
+<p:sld xmlns:a="http://schemas.openxmlformats.org/drawingml/2006/main" xmlns:r="http://schemas.openxmlformats.org/officeDocument/2006/relationships" xmlns:p="http://schemas.openxmlformats.org/presentationml/2006/main">
+  <p:cSld>
+    <p:spTree>
+      <p:nvGrpSpPr>
+        <p:cNvPr id="1" name="">
+          <a:extLst>
+            <a:ext uri="{FF2B5EF4-FFF2-40B4-BE49-F238E27FC236}">
+              <a16:creationId xmlns:a16="http://schemas.microsoft.com/office/drawing/2014/main" id="{3ECCE20F-DA5B-ECF7-597C-B14BE2CAEEB6}"/>
+            </a:ext>
+          </a:extLst>
+        </p:cNvPr>
+        <p:cNvGrpSpPr/>
+        <p:nvPr/>
+      </p:nvGrpSpPr>
+      <p:grpSpPr>
+        <a:xfrm>
+          <a:off x="0" y="0"/>
+          <a:ext cx="0" cy="0"/>
+          <a:chOff x="0" y="0"/>
+          <a:chExt cx="0" cy="0"/>
+        </a:xfrm>
+      </p:grpSpPr>
+      <p:sp>
+        <p:nvSpPr>
+          <p:cNvPr id="2" name="タイトル 1">
+            <a:extLst>
+              <a:ext uri="{FF2B5EF4-FFF2-40B4-BE49-F238E27FC236}">
+                <a16:creationId xmlns:a16="http://schemas.microsoft.com/office/drawing/2014/main" id="{1DEB6B26-C1DC-5E84-78A3-A4D7C6F89814}"/>
+              </a:ext>
+            </a:extLst>
+          </p:cNvPr>
+          <p:cNvSpPr>
+            <a:spLocks noGrp="1"/>
+          </p:cNvSpPr>
+          <p:nvPr>
+            <p:ph type="title"/>
+          </p:nvPr>
+        </p:nvSpPr>
+        <p:spPr/>
+        <p:txBody>
+          <a:bodyPr/>
+          <a:lstStyle/>
+          <a:p>
+            <a:r>
+              <a:rPr lang="en-US" altLang="ja-JP" dirty="0"/>
+              <a:t>2</a:t>
+            </a:r>
+            <a:r>
+              <a:rPr kumimoji="1" lang="en-US" altLang="ja-JP" dirty="0"/>
+              <a:t>.2. </a:t>
+            </a:r>
+            <a:r>
+              <a:rPr kumimoji="1" lang="ja-JP" altLang="en-US" dirty="0"/>
+              <a:t>循環参照への対処</a:t>
+            </a:r>
+          </a:p>
+        </p:txBody>
+      </p:sp>
+      <p:sp>
+        <p:nvSpPr>
+          <p:cNvPr id="3" name="コンテンツ プレースホルダー 2">
+            <a:extLst>
+              <a:ext uri="{FF2B5EF4-FFF2-40B4-BE49-F238E27FC236}">
+                <a16:creationId xmlns:a16="http://schemas.microsoft.com/office/drawing/2014/main" id="{1D83F496-AAF6-AA14-C006-F17901B555E5}"/>
+              </a:ext>
+            </a:extLst>
+          </p:cNvPr>
+          <p:cNvSpPr>
+            <a:spLocks noGrp="1"/>
+          </p:cNvSpPr>
+          <p:nvPr>
+            <p:ph idx="1"/>
+          </p:nvPr>
+        </p:nvSpPr>
+        <p:spPr>
+          <a:xfrm>
+            <a:off x="259195" y="1099789"/>
+            <a:ext cx="8710634" cy="5482165"/>
+          </a:xfrm>
+        </p:spPr>
+        <p:txBody>
+          <a:bodyPr/>
+          <a:lstStyle/>
+          <a:p>
+            <a:pPr marL="0" indent="0">
+              <a:buNone/>
+            </a:pPr>
+            <a:r>
+              <a:rPr kumimoji="1" lang="en-US" altLang="ja-JP" dirty="0"/>
+              <a:t>2.2.3. </a:t>
+            </a:r>
+            <a:r>
+              <a:rPr kumimoji="1" lang="ja-JP" altLang="en-US" dirty="0"/>
+              <a:t>走査の</a:t>
+            </a:r>
+            <a:r>
+              <a:rPr kumimoji="1" lang="en-US" altLang="ja-JP" dirty="0"/>
+              <a:t>”</a:t>
+            </a:r>
+            <a:r>
+              <a:rPr kumimoji="1" lang="ja-JP" altLang="en-US" dirty="0"/>
+              <a:t>正しさ</a:t>
+            </a:r>
+            <a:r>
+              <a:rPr kumimoji="1" lang="en-US" altLang="ja-JP" dirty="0"/>
+              <a:t>”</a:t>
+            </a:r>
+          </a:p>
+          <a:p>
+            <a:pPr marL="0" indent="0">
+              <a:buNone/>
+            </a:pPr>
+            <a:r>
+              <a:rPr lang="en-US" altLang="ja-JP" sz="2400" dirty="0"/>
+              <a:t>Full – scavenge </a:t>
+            </a:r>
+            <a:r>
+              <a:rPr lang="ja-JP" altLang="en-US" sz="2400" dirty="0"/>
+              <a:t>により到達不能なサイクルが見つかることを保証するには，すべての各サイクルは単一インクリメント内に収まっている必要がある．</a:t>
+            </a:r>
+            <a:r>
+              <a:rPr lang="en-US" altLang="ja-JP" sz="2400" dirty="0"/>
+              <a:t> </a:t>
+            </a:r>
+          </a:p>
+          <a:p>
+            <a:pPr marL="0" indent="0">
+              <a:buNone/>
+            </a:pPr>
+            <a:endParaRPr lang="en-US" altLang="ja-JP" sz="2400" dirty="0"/>
+          </a:p>
+          <a:p>
+            <a:pPr marL="0" indent="0">
+              <a:buNone/>
+            </a:pPr>
+            <a:r>
+              <a:rPr lang="ja-JP" altLang="en-US" sz="2400" dirty="0"/>
+              <a:t>部分的なサイクルがインクリメント内に残らないようにするため，最初のインクリメントから到達可能で未スキャンのオブジェクトに対し</a:t>
+            </a:r>
+            <a:r>
+              <a:rPr lang="en-US" altLang="ja-JP" sz="2400" dirty="0"/>
+              <a:t>transitive closure </a:t>
+            </a:r>
+            <a:r>
+              <a:rPr lang="ja-JP" altLang="en-US" sz="2400" dirty="0"/>
+              <a:t>を実行する </a:t>
+            </a:r>
+            <a:r>
+              <a:rPr lang="en-US" altLang="ja-JP" sz="2400" dirty="0"/>
+              <a:t>(?) </a:t>
+            </a:r>
+            <a:r>
+              <a:rPr lang="ja-JP" altLang="en-US" sz="2400" dirty="0"/>
+              <a:t>．</a:t>
+            </a:r>
+            <a:endParaRPr lang="en-US" altLang="ja-JP" sz="2400" dirty="0"/>
+          </a:p>
+          <a:p>
+            <a:pPr marL="0" indent="0">
+              <a:buNone/>
+            </a:pPr>
+            <a:endParaRPr lang="en-US" altLang="ja-JP" sz="2400" dirty="0"/>
+          </a:p>
+          <a:p>
+            <a:pPr marL="0" indent="0">
+              <a:buNone/>
+            </a:pPr>
+            <a:r>
+              <a:rPr lang="ja-JP" altLang="en-US" sz="2400" dirty="0"/>
+              <a:t>（おそらくある未スキャンのオブジェクトから到達可能なすべてのオブジェクトに対してスキャンを実行することで，サイクルの参照があったとしてもすべてたどることができる という意味だと思われる）</a:t>
+            </a:r>
+            <a:endParaRPr lang="en-US" altLang="ja-JP" sz="2400" dirty="0"/>
+          </a:p>
+          <a:p>
+            <a:pPr marL="0" indent="0">
+              <a:buNone/>
+            </a:pPr>
+            <a:endParaRPr lang="en-US" altLang="ja-JP" sz="2400" dirty="0"/>
+          </a:p>
+          <a:p>
+            <a:pPr marL="0" indent="0">
+              <a:buNone/>
+            </a:pPr>
+            <a:endParaRPr lang="en-US" altLang="ja-JP" sz="2400" dirty="0"/>
+          </a:p>
+        </p:txBody>
+      </p:sp>
+      <p:sp>
+        <p:nvSpPr>
+          <p:cNvPr id="4" name="テキスト ボックス 3">
+            <a:extLst>
+              <a:ext uri="{FF2B5EF4-FFF2-40B4-BE49-F238E27FC236}">
+                <a16:creationId xmlns:a16="http://schemas.microsoft.com/office/drawing/2014/main" id="{541BDB8A-CAD7-1155-82AD-95C12AEF8045}"/>
+              </a:ext>
+            </a:extLst>
+          </p:cNvPr>
+          <p:cNvSpPr txBox="1"/>
+          <p:nvPr/>
+        </p:nvSpPr>
+        <p:spPr>
+          <a:xfrm>
+            <a:off x="3517392" y="6627168"/>
+            <a:ext cx="5797296" cy="230832"/>
+          </a:xfrm>
+          <a:prstGeom prst="rect">
+            <a:avLst/>
+          </a:prstGeom>
+          <a:noFill/>
+        </p:spPr>
+        <p:txBody>
+          <a:bodyPr wrap="square">
+            <a:spAutoFit/>
+          </a:bodyPr>
+          <a:lstStyle/>
+          <a:p>
+            <a:r>
+              <a:rPr lang="ja-JP" altLang="en-US" sz="900" dirty="0"/>
+              <a:t>https://github.com/python/cpython/blob/main/InternalDocs/garbage_collector.md#Optimization-incremental-collection</a:t>
+            </a:r>
+          </a:p>
+        </p:txBody>
+      </p:sp>
+    </p:spTree>
+    <p:extLst>
+      <p:ext uri="{BB962C8B-B14F-4D97-AF65-F5344CB8AC3E}">
+        <p14:creationId xmlns:p14="http://schemas.microsoft.com/office/powerpoint/2010/main" val="3593180110"/>
       </p:ext>
     </p:extLst>
   </p:cSld>
@@ -12860,7 +13323,13 @@
   <p:cSld>
     <p:spTree>
       <p:nvGrpSpPr>
-        <p:cNvPr id="1" name=""/>
+        <p:cNvPr id="1" name="">
+          <a:extLst>
+            <a:ext uri="{FF2B5EF4-FFF2-40B4-BE49-F238E27FC236}">
+              <a16:creationId xmlns:a16="http://schemas.microsoft.com/office/drawing/2014/main" id="{65C6DDBA-5F19-FD6B-A47A-F94EAD4647CA}"/>
+            </a:ext>
+          </a:extLst>
+        </p:cNvPr>
         <p:cNvGrpSpPr/>
         <p:nvPr/>
       </p:nvGrpSpPr>
@@ -12874,10 +13343,99 @@
       </p:grpSpPr>
       <p:sp>
         <p:nvSpPr>
+          <p:cNvPr id="11" name="正方形/長方形 10">
+            <a:extLst>
+              <a:ext uri="{FF2B5EF4-FFF2-40B4-BE49-F238E27FC236}">
+                <a16:creationId xmlns:a16="http://schemas.microsoft.com/office/drawing/2014/main" id="{1C8C608F-2FC7-D238-8D70-9A443DD7D801}"/>
+              </a:ext>
+            </a:extLst>
+          </p:cNvPr>
+          <p:cNvSpPr/>
+          <p:nvPr/>
+        </p:nvSpPr>
+        <p:spPr>
+          <a:xfrm>
+            <a:off x="963385" y="3298371"/>
+            <a:ext cx="7217229" cy="1687286"/>
+          </a:xfrm>
+          <a:prstGeom prst="rect">
+            <a:avLst/>
+          </a:prstGeom>
+          <a:noFill/>
+          <a:ln w="28575"/>
+        </p:spPr>
+        <p:style>
+          <a:lnRef idx="2">
+            <a:schemeClr val="accent1">
+              <a:shade val="15000"/>
+            </a:schemeClr>
+          </a:lnRef>
+          <a:fillRef idx="1">
+            <a:schemeClr val="accent1"/>
+          </a:fillRef>
+          <a:effectRef idx="0">
+            <a:schemeClr val="accent1"/>
+          </a:effectRef>
+          <a:fontRef idx="minor">
+            <a:schemeClr val="lt1"/>
+          </a:fontRef>
+        </p:style>
+        <p:txBody>
+          <a:bodyPr rtlCol="0" anchor="ctr"/>
+          <a:lstStyle/>
+          <a:p>
+            <a:r>
+              <a:rPr kumimoji="1" lang="en-US" altLang="ja-JP" dirty="0">
+                <a:solidFill>
+                  <a:schemeClr val="tx1"/>
+                </a:solidFill>
+              </a:rPr>
+              <a:t>Objects to scan</a:t>
+            </a:r>
+          </a:p>
+          <a:p>
+            <a:endParaRPr lang="en-US" altLang="ja-JP" dirty="0">
+              <a:solidFill>
+                <a:schemeClr val="tx1"/>
+              </a:solidFill>
+            </a:endParaRPr>
+          </a:p>
+          <a:p>
+            <a:endParaRPr kumimoji="1" lang="en-US" altLang="ja-JP" dirty="0">
+              <a:solidFill>
+                <a:schemeClr val="tx1"/>
+              </a:solidFill>
+            </a:endParaRPr>
+          </a:p>
+          <a:p>
+            <a:endParaRPr lang="en-US" altLang="ja-JP" dirty="0">
+              <a:solidFill>
+                <a:schemeClr val="tx1"/>
+              </a:solidFill>
+            </a:endParaRPr>
+          </a:p>
+          <a:p>
+            <a:endParaRPr kumimoji="1" lang="en-US" altLang="ja-JP" dirty="0">
+              <a:solidFill>
+                <a:schemeClr val="tx1"/>
+              </a:solidFill>
+            </a:endParaRPr>
+          </a:p>
+          <a:p>
+            <a:endParaRPr kumimoji="1" lang="ja-JP" altLang="en-US" dirty="0">
+              <a:solidFill>
+                <a:schemeClr val="tx1"/>
+              </a:solidFill>
+            </a:endParaRPr>
+          </a:p>
+        </p:txBody>
+      </p:sp>
+      <p:sp>
+        <p:nvSpPr>
           <p:cNvPr id="2" name="タイトル 1">
             <a:extLst>
               <a:ext uri="{FF2B5EF4-FFF2-40B4-BE49-F238E27FC236}">
-                <a16:creationId xmlns:a16="http://schemas.microsoft.com/office/drawing/2014/main" id="{6CBF3B6D-CD52-180C-BE57-EC4937286B4C}"/>
+                <a16:creationId xmlns:a16="http://schemas.microsoft.com/office/drawing/2014/main" id="{D9F58492-58DA-2548-45A0-DD2EA2025003}"/>
               </a:ext>
             </a:extLst>
           </p:cNvPr>
@@ -12894,8 +13452,16 @@
           <a:lstStyle/>
           <a:p>
             <a:r>
+              <a:rPr lang="en-US" altLang="ja-JP" dirty="0"/>
+              <a:t>2</a:t>
+            </a:r>
+            <a:r>
+              <a:rPr kumimoji="1" lang="en-US" altLang="ja-JP" dirty="0"/>
+              <a:t>.2. </a:t>
+            </a:r>
+            <a:r>
               <a:rPr kumimoji="1" lang="ja-JP" altLang="en-US" dirty="0"/>
-              <a:t>参考文献</a:t>
+              <a:t>循環参照への対処</a:t>
             </a:r>
           </a:p>
         </p:txBody>
@@ -12905,7 +13471,7 @@
           <p:cNvPr id="3" name="コンテンツ プレースホルダー 2">
             <a:extLst>
               <a:ext uri="{FF2B5EF4-FFF2-40B4-BE49-F238E27FC236}">
-                <a16:creationId xmlns:a16="http://schemas.microsoft.com/office/drawing/2014/main" id="{A23766E5-2403-0306-015C-1E4F091DF520}"/>
+                <a16:creationId xmlns:a16="http://schemas.microsoft.com/office/drawing/2014/main" id="{AD01EB49-F934-CEFF-724E-7A278DF26DC2}"/>
               </a:ext>
             </a:extLst>
           </p:cNvPr>
@@ -12916,88 +13482,543 @@
             <p:ph idx="1"/>
           </p:nvPr>
         </p:nvSpPr>
-        <p:spPr/>
-        <p:txBody>
-          <a:bodyPr>
-            <a:normAutofit/>
+        <p:spPr>
+          <a:xfrm>
+            <a:off x="259195" y="1099789"/>
+            <a:ext cx="8710634" cy="5482165"/>
+          </a:xfrm>
+        </p:spPr>
+        <p:txBody>
+          <a:bodyPr/>
+          <a:lstStyle/>
+          <a:p>
+            <a:pPr marL="0" indent="0">
+              <a:buNone/>
+            </a:pPr>
+            <a:r>
+              <a:rPr kumimoji="1" lang="en-US" altLang="ja-JP" dirty="0"/>
+              <a:t>2.2.4. </a:t>
+            </a:r>
+            <a:r>
+              <a:rPr kumimoji="1" lang="ja-JP" altLang="en-US" dirty="0"/>
+              <a:t>オブジェクトを移動することが効果的な理由</a:t>
+            </a:r>
+            <a:endParaRPr kumimoji="1" lang="en-US" altLang="ja-JP" dirty="0"/>
+          </a:p>
+          <a:p>
+            <a:pPr marL="0" indent="0">
+              <a:buNone/>
+            </a:pPr>
+            <a:endParaRPr lang="en-US" altLang="ja-JP" sz="2400" dirty="0"/>
+          </a:p>
+          <a:p>
+            <a:pPr marL="0" indent="0">
+              <a:buNone/>
+            </a:pPr>
+            <a:r>
+              <a:rPr lang="ja-JP" altLang="en-US" sz="2400" dirty="0"/>
+              <a:t>例えば，オブジェクト</a:t>
+            </a:r>
+            <a:r>
+              <a:rPr lang="en-US" altLang="ja-JP" sz="2400" dirty="0"/>
+              <a:t>A, B, C </a:t>
+            </a:r>
+            <a:r>
+              <a:rPr lang="ja-JP" altLang="en-US" sz="2400" dirty="0"/>
+              <a:t>をこの順で作成し，</a:t>
+            </a:r>
+            <a:r>
+              <a:rPr lang="en-US" altLang="ja-JP" sz="2400" dirty="0"/>
+              <a:t>C</a:t>
+            </a:r>
+            <a:r>
+              <a:rPr lang="ja-JP" altLang="en-US" sz="2400" dirty="0"/>
+              <a:t>は外部から参照可能とする．また，</a:t>
+            </a:r>
+            <a:r>
+              <a:rPr lang="en-US" altLang="ja-JP" sz="2400" dirty="0"/>
+              <a:t>B </a:t>
+            </a:r>
+            <a:r>
+              <a:rPr lang="ja-JP" altLang="en-US" sz="2400" dirty="0"/>
+              <a:t>は </a:t>
+            </a:r>
+            <a:r>
+              <a:rPr lang="en-US" altLang="ja-JP" sz="2400" dirty="0"/>
+              <a:t>A </a:t>
+            </a:r>
+            <a:r>
+              <a:rPr lang="ja-JP" altLang="en-US" sz="2400" dirty="0"/>
+              <a:t>を，</a:t>
+            </a:r>
+            <a:r>
+              <a:rPr lang="en-US" altLang="ja-JP" sz="2400" dirty="0"/>
+              <a:t>C </a:t>
+            </a:r>
+            <a:r>
+              <a:rPr lang="ja-JP" altLang="en-US" sz="2400" dirty="0"/>
+              <a:t>は </a:t>
+            </a:r>
+            <a:r>
+              <a:rPr lang="en-US" altLang="ja-JP" sz="2400" dirty="0"/>
+              <a:t>B </a:t>
+            </a:r>
+            <a:r>
+              <a:rPr lang="ja-JP" altLang="en-US" sz="2400" dirty="0"/>
+              <a:t>を参照する．</a:t>
+            </a:r>
+            <a:endParaRPr lang="en-US" altLang="ja-JP" sz="2400" dirty="0"/>
+          </a:p>
+        </p:txBody>
+      </p:sp>
+      <p:sp>
+        <p:nvSpPr>
+          <p:cNvPr id="4" name="テキスト ボックス 3">
+            <a:extLst>
+              <a:ext uri="{FF2B5EF4-FFF2-40B4-BE49-F238E27FC236}">
+                <a16:creationId xmlns:a16="http://schemas.microsoft.com/office/drawing/2014/main" id="{AE798806-F836-FAFE-6AAD-478D6D9AD7F3}"/>
+              </a:ext>
+            </a:extLst>
+          </p:cNvPr>
+          <p:cNvSpPr txBox="1"/>
+          <p:nvPr/>
+        </p:nvSpPr>
+        <p:spPr>
+          <a:xfrm>
+            <a:off x="3517392" y="6627168"/>
+            <a:ext cx="5797296" cy="230832"/>
+          </a:xfrm>
+          <a:prstGeom prst="rect">
+            <a:avLst/>
+          </a:prstGeom>
+          <a:noFill/>
+        </p:spPr>
+        <p:txBody>
+          <a:bodyPr wrap="square">
+            <a:spAutoFit/>
           </a:bodyPr>
           <a:lstStyle/>
           <a:p>
-            <a:pPr marL="0" indent="0">
-              <a:buNone/>
-            </a:pPr>
-            <a:endParaRPr lang="en-US" altLang="ja-JP" dirty="0"/>
-          </a:p>
-          <a:p>
-            <a:pPr marL="0" indent="0">
-              <a:buNone/>
-            </a:pPr>
+            <a:r>
+              <a:rPr lang="ja-JP" altLang="en-US" sz="900" dirty="0"/>
+              <a:t>https://github.com/python/cpython/blob/main/InternalDocs/garbage_collector.md#Optimization-incremental-collection</a:t>
+            </a:r>
+          </a:p>
+        </p:txBody>
+      </p:sp>
+      <p:sp>
+        <p:nvSpPr>
+          <p:cNvPr id="5" name="正方形/長方形 4">
+            <a:extLst>
+              <a:ext uri="{FF2B5EF4-FFF2-40B4-BE49-F238E27FC236}">
+                <a16:creationId xmlns:a16="http://schemas.microsoft.com/office/drawing/2014/main" id="{731DB176-EA59-E968-C0D6-35079B36DBA1}"/>
+              </a:ext>
+            </a:extLst>
+          </p:cNvPr>
+          <p:cNvSpPr/>
+          <p:nvPr/>
+        </p:nvSpPr>
+        <p:spPr>
+          <a:xfrm>
+            <a:off x="1106591" y="3840871"/>
+            <a:ext cx="1556657" cy="838200"/>
+          </a:xfrm>
+          <a:prstGeom prst="rect">
+            <a:avLst/>
+          </a:prstGeom>
+          <a:noFill/>
+        </p:spPr>
+        <p:style>
+          <a:lnRef idx="2">
+            <a:schemeClr val="accent1">
+              <a:shade val="15000"/>
+            </a:schemeClr>
+          </a:lnRef>
+          <a:fillRef idx="1">
+            <a:schemeClr val="accent1"/>
+          </a:fillRef>
+          <a:effectRef idx="0">
+            <a:schemeClr val="accent1"/>
+          </a:effectRef>
+          <a:fontRef idx="minor">
+            <a:schemeClr val="lt1"/>
+          </a:fontRef>
+        </p:style>
+        <p:txBody>
+          <a:bodyPr rtlCol="0" anchor="ctr"/>
+          <a:lstStyle/>
+          <a:p>
+            <a:pPr algn="ctr"/>
             <a:r>
               <a:rPr kumimoji="1" lang="en-US" altLang="ja-JP" dirty="0">
-                <a:hlinkClick r:id="rId2"/>
+                <a:solidFill>
+                  <a:schemeClr val="tx1"/>
+                </a:solidFill>
               </a:rPr>
-              <a:t>https://en.wikipedia.org/wiki/Garbage_collection_(computer_science)</a:t>
-            </a:r>
-            <a:r>
-              <a:rPr kumimoji="1" lang="en-US" altLang="ja-JP" dirty="0"/>
-              <a:t> </a:t>
-            </a:r>
-          </a:p>
-          <a:p>
-            <a:pPr marL="0" indent="0">
-              <a:buNone/>
-            </a:pPr>
-            <a:endParaRPr kumimoji="1" lang="en-US" altLang="ja-JP" dirty="0"/>
-          </a:p>
-          <a:p>
-            <a:pPr marL="0" indent="0">
-              <a:buNone/>
-            </a:pPr>
+              <a:t>A</a:t>
+            </a:r>
+          </a:p>
+          <a:p>
+            <a:pPr algn="ctr"/>
+            <a:r>
+              <a:rPr lang="en-US" altLang="ja-JP" dirty="0" err="1">
+                <a:solidFill>
+                  <a:schemeClr val="tx1"/>
+                </a:solidFill>
+              </a:rPr>
+              <a:t>gc_ref</a:t>
+            </a:r>
             <a:r>
               <a:rPr kumimoji="1" lang="en-US" altLang="ja-JP" dirty="0">
-                <a:hlinkClick r:id="rId3"/>
+                <a:solidFill>
+                  <a:schemeClr val="tx1"/>
+                </a:solidFill>
               </a:rPr>
-              <a:t>http://matsu-www.is.titech.ac.jp/~endo/gc/gc.pdf</a:t>
-            </a:r>
-            <a:r>
-              <a:rPr kumimoji="1" lang="en-US" altLang="ja-JP" dirty="0"/>
-              <a:t> </a:t>
-            </a:r>
-          </a:p>
-          <a:p>
-            <a:pPr marL="0" indent="0">
-              <a:buNone/>
-            </a:pPr>
-            <a:endParaRPr lang="en-US" altLang="ja-JP" dirty="0"/>
-          </a:p>
-          <a:p>
-            <a:pPr marL="0" indent="0">
-              <a:buNone/>
-            </a:pPr>
-            <a:r>
-              <a:rPr kumimoji="1" lang="en-US" altLang="ja-JP" sz="2800" dirty="0"/>
-              <a:t>https://ja.wikipedia.org/wiki/%E3%83%95%E3%83%A9%E3%82%B0%E3%83%A1%E3%83%B3%E3%83%86%E3%83%BC%E3%82%B7%E3%83%A7%E3%83%B3 </a:t>
-            </a:r>
-            <a:endParaRPr kumimoji="1" lang="ja-JP" altLang="en-US" sz="2800" dirty="0"/>
-          </a:p>
-          <a:p>
-            <a:pPr marL="0" indent="0">
-              <a:buNone/>
-            </a:pPr>
-            <a:endParaRPr lang="en-US" altLang="ja-JP" dirty="0"/>
-          </a:p>
-          <a:p>
-            <a:pPr marL="0" indent="0">
-              <a:buNone/>
-            </a:pPr>
-            <a:endParaRPr lang="en-US" altLang="ja-JP" dirty="0"/>
+              <a:t> = 0</a:t>
+            </a:r>
+            <a:endParaRPr kumimoji="1" lang="ja-JP" altLang="en-US" dirty="0">
+              <a:solidFill>
+                <a:schemeClr val="tx1"/>
+              </a:solidFill>
+            </a:endParaRPr>
+          </a:p>
+        </p:txBody>
+      </p:sp>
+      <p:sp>
+        <p:nvSpPr>
+          <p:cNvPr id="6" name="正方形/長方形 5">
+            <a:extLst>
+              <a:ext uri="{FF2B5EF4-FFF2-40B4-BE49-F238E27FC236}">
+                <a16:creationId xmlns:a16="http://schemas.microsoft.com/office/drawing/2014/main" id="{4946FB44-EDA0-4F0E-5104-0C4474EA174D}"/>
+              </a:ext>
+            </a:extLst>
+          </p:cNvPr>
+          <p:cNvSpPr/>
+          <p:nvPr/>
+        </p:nvSpPr>
+        <p:spPr>
+          <a:xfrm>
+            <a:off x="3652157" y="3833642"/>
+            <a:ext cx="1556657" cy="838200"/>
+          </a:xfrm>
+          <a:prstGeom prst="rect">
+            <a:avLst/>
+          </a:prstGeom>
+          <a:noFill/>
+        </p:spPr>
+        <p:style>
+          <a:lnRef idx="2">
+            <a:schemeClr val="accent1">
+              <a:shade val="15000"/>
+            </a:schemeClr>
+          </a:lnRef>
+          <a:fillRef idx="1">
+            <a:schemeClr val="accent1"/>
+          </a:fillRef>
+          <a:effectRef idx="0">
+            <a:schemeClr val="accent1"/>
+          </a:effectRef>
+          <a:fontRef idx="minor">
+            <a:schemeClr val="lt1"/>
+          </a:fontRef>
+        </p:style>
+        <p:txBody>
+          <a:bodyPr rtlCol="0" anchor="ctr"/>
+          <a:lstStyle/>
+          <a:p>
+            <a:pPr algn="ctr"/>
+            <a:r>
+              <a:rPr lang="en-US" altLang="ja-JP" dirty="0">
+                <a:solidFill>
+                  <a:schemeClr val="tx1"/>
+                </a:solidFill>
+              </a:rPr>
+              <a:t>B</a:t>
+            </a:r>
+            <a:endParaRPr kumimoji="1" lang="en-US" altLang="ja-JP" dirty="0">
+              <a:solidFill>
+                <a:schemeClr val="tx1"/>
+              </a:solidFill>
+            </a:endParaRPr>
+          </a:p>
+          <a:p>
+            <a:pPr algn="ctr"/>
+            <a:r>
+              <a:rPr kumimoji="1" lang="en-US" altLang="ja-JP" dirty="0" err="1">
+                <a:solidFill>
+                  <a:schemeClr val="tx1"/>
+                </a:solidFill>
+              </a:rPr>
+              <a:t>gc_ref</a:t>
+            </a:r>
+            <a:r>
+              <a:rPr kumimoji="1" lang="en-US" altLang="ja-JP" dirty="0">
+                <a:solidFill>
+                  <a:schemeClr val="tx1"/>
+                </a:solidFill>
+              </a:rPr>
+              <a:t> = 0</a:t>
+            </a:r>
+            <a:endParaRPr kumimoji="1" lang="ja-JP" altLang="en-US" dirty="0">
+              <a:solidFill>
+                <a:schemeClr val="tx1"/>
+              </a:solidFill>
+            </a:endParaRPr>
+          </a:p>
+        </p:txBody>
+      </p:sp>
+      <p:sp>
+        <p:nvSpPr>
+          <p:cNvPr id="7" name="正方形/長方形 6">
+            <a:extLst>
+              <a:ext uri="{FF2B5EF4-FFF2-40B4-BE49-F238E27FC236}">
+                <a16:creationId xmlns:a16="http://schemas.microsoft.com/office/drawing/2014/main" id="{48FC3A0B-52C1-DA3A-5BAF-D9BE6EDA2D5B}"/>
+              </a:ext>
+            </a:extLst>
+          </p:cNvPr>
+          <p:cNvSpPr/>
+          <p:nvPr/>
+        </p:nvSpPr>
+        <p:spPr>
+          <a:xfrm>
+            <a:off x="6200016" y="3833642"/>
+            <a:ext cx="1556657" cy="838200"/>
+          </a:xfrm>
+          <a:prstGeom prst="rect">
+            <a:avLst/>
+          </a:prstGeom>
+          <a:noFill/>
+        </p:spPr>
+        <p:style>
+          <a:lnRef idx="2">
+            <a:schemeClr val="accent1">
+              <a:shade val="15000"/>
+            </a:schemeClr>
+          </a:lnRef>
+          <a:fillRef idx="1">
+            <a:schemeClr val="accent1"/>
+          </a:fillRef>
+          <a:effectRef idx="0">
+            <a:schemeClr val="accent1"/>
+          </a:effectRef>
+          <a:fontRef idx="minor">
+            <a:schemeClr val="lt1"/>
+          </a:fontRef>
+        </p:style>
+        <p:txBody>
+          <a:bodyPr rtlCol="0" anchor="ctr"/>
+          <a:lstStyle/>
+          <a:p>
+            <a:pPr algn="ctr"/>
+            <a:r>
+              <a:rPr lang="en-US" altLang="ja-JP" dirty="0">
+                <a:solidFill>
+                  <a:schemeClr val="tx1"/>
+                </a:solidFill>
+              </a:rPr>
+              <a:t>C</a:t>
+            </a:r>
+            <a:endParaRPr kumimoji="1" lang="en-US" altLang="ja-JP" dirty="0">
+              <a:solidFill>
+                <a:schemeClr val="tx1"/>
+              </a:solidFill>
+            </a:endParaRPr>
+          </a:p>
+          <a:p>
+            <a:pPr algn="ctr"/>
+            <a:r>
+              <a:rPr lang="en-US" altLang="ja-JP" dirty="0" err="1">
+                <a:solidFill>
+                  <a:schemeClr val="tx1"/>
+                </a:solidFill>
+              </a:rPr>
+              <a:t>gc_ref</a:t>
+            </a:r>
+            <a:r>
+              <a:rPr kumimoji="1" lang="en-US" altLang="ja-JP" dirty="0">
+                <a:solidFill>
+                  <a:schemeClr val="tx1"/>
+                </a:solidFill>
+              </a:rPr>
+              <a:t> = 1</a:t>
+            </a:r>
+            <a:endParaRPr kumimoji="1" lang="ja-JP" altLang="en-US" dirty="0">
+              <a:solidFill>
+                <a:schemeClr val="tx1"/>
+              </a:solidFill>
+            </a:endParaRPr>
+          </a:p>
+        </p:txBody>
+      </p:sp>
+      <p:sp>
+        <p:nvSpPr>
+          <p:cNvPr id="9" name="矢印: 下 8">
+            <a:extLst>
+              <a:ext uri="{FF2B5EF4-FFF2-40B4-BE49-F238E27FC236}">
+                <a16:creationId xmlns:a16="http://schemas.microsoft.com/office/drawing/2014/main" id="{8B58CD4B-9F7C-BF7F-DD68-05F84C92A42E}"/>
+              </a:ext>
+            </a:extLst>
+          </p:cNvPr>
+          <p:cNvSpPr/>
+          <p:nvPr/>
+        </p:nvSpPr>
+        <p:spPr>
+          <a:xfrm rot="5400000">
+            <a:off x="5475815" y="3833642"/>
+            <a:ext cx="457200" cy="838200"/>
+          </a:xfrm>
+          <a:prstGeom prst="downArrow">
+            <a:avLst>
+              <a:gd name="adj1" fmla="val 50000"/>
+              <a:gd name="adj2" fmla="val 73809"/>
+            </a:avLst>
+          </a:prstGeom>
+          <a:noFill/>
+          <a:ln>
+            <a:solidFill>
+              <a:schemeClr val="tx1"/>
+            </a:solidFill>
+          </a:ln>
+        </p:spPr>
+        <p:style>
+          <a:lnRef idx="2">
+            <a:schemeClr val="accent1">
+              <a:shade val="15000"/>
+            </a:schemeClr>
+          </a:lnRef>
+          <a:fillRef idx="1">
+            <a:schemeClr val="accent1"/>
+          </a:fillRef>
+          <a:effectRef idx="0">
+            <a:schemeClr val="accent1"/>
+          </a:effectRef>
+          <a:fontRef idx="minor">
+            <a:schemeClr val="lt1"/>
+          </a:fontRef>
+        </p:style>
+        <p:txBody>
+          <a:bodyPr rtlCol="0" anchor="ctr"/>
+          <a:lstStyle/>
+          <a:p>
+            <a:pPr algn="ctr"/>
+            <a:endParaRPr kumimoji="1" lang="ja-JP" altLang="en-US"/>
+          </a:p>
+        </p:txBody>
+      </p:sp>
+      <p:sp>
+        <p:nvSpPr>
+          <p:cNvPr id="10" name="矢印: 下 9">
+            <a:extLst>
+              <a:ext uri="{FF2B5EF4-FFF2-40B4-BE49-F238E27FC236}">
+                <a16:creationId xmlns:a16="http://schemas.microsoft.com/office/drawing/2014/main" id="{7BAEAAA0-9C03-FFD2-EB9A-110205001FB0}"/>
+              </a:ext>
+            </a:extLst>
+          </p:cNvPr>
+          <p:cNvSpPr/>
+          <p:nvPr/>
+        </p:nvSpPr>
+        <p:spPr>
+          <a:xfrm rot="5400000">
+            <a:off x="2921935" y="3833642"/>
+            <a:ext cx="457200" cy="838200"/>
+          </a:xfrm>
+          <a:prstGeom prst="downArrow">
+            <a:avLst>
+              <a:gd name="adj1" fmla="val 50000"/>
+              <a:gd name="adj2" fmla="val 73809"/>
+            </a:avLst>
+          </a:prstGeom>
+          <a:noFill/>
+          <a:ln>
+            <a:solidFill>
+              <a:schemeClr val="tx1"/>
+            </a:solidFill>
+          </a:ln>
+        </p:spPr>
+        <p:style>
+          <a:lnRef idx="2">
+            <a:schemeClr val="accent1">
+              <a:shade val="15000"/>
+            </a:schemeClr>
+          </a:lnRef>
+          <a:fillRef idx="1">
+            <a:schemeClr val="accent1"/>
+          </a:fillRef>
+          <a:effectRef idx="0">
+            <a:schemeClr val="accent1"/>
+          </a:effectRef>
+          <a:fontRef idx="minor">
+            <a:schemeClr val="lt1"/>
+          </a:fontRef>
+        </p:style>
+        <p:txBody>
+          <a:bodyPr rtlCol="0" anchor="ctr"/>
+          <a:lstStyle/>
+          <a:p>
+            <a:pPr algn="ctr"/>
+            <a:endParaRPr kumimoji="1" lang="ja-JP" altLang="en-US"/>
+          </a:p>
+        </p:txBody>
+      </p:sp>
+      <p:sp>
+        <p:nvSpPr>
+          <p:cNvPr id="8" name="矢印: 下 7">
+            <a:extLst>
+              <a:ext uri="{FF2B5EF4-FFF2-40B4-BE49-F238E27FC236}">
+                <a16:creationId xmlns:a16="http://schemas.microsoft.com/office/drawing/2014/main" id="{6D79391E-71A4-4A6C-457E-C4AE95894109}"/>
+              </a:ext>
+            </a:extLst>
+          </p:cNvPr>
+          <p:cNvSpPr/>
+          <p:nvPr/>
+        </p:nvSpPr>
+        <p:spPr>
+          <a:xfrm>
+            <a:off x="6749744" y="3065613"/>
+            <a:ext cx="457200" cy="838200"/>
+          </a:xfrm>
+          <a:prstGeom prst="downArrow">
+            <a:avLst>
+              <a:gd name="adj1" fmla="val 50000"/>
+              <a:gd name="adj2" fmla="val 73809"/>
+            </a:avLst>
+          </a:prstGeom>
+          <a:noFill/>
+          <a:ln>
+            <a:solidFill>
+              <a:schemeClr val="tx1"/>
+            </a:solidFill>
+          </a:ln>
+        </p:spPr>
+        <p:style>
+          <a:lnRef idx="2">
+            <a:schemeClr val="accent1">
+              <a:shade val="15000"/>
+            </a:schemeClr>
+          </a:lnRef>
+          <a:fillRef idx="1">
+            <a:schemeClr val="accent1"/>
+          </a:fillRef>
+          <a:effectRef idx="0">
+            <a:schemeClr val="accent1"/>
+          </a:effectRef>
+          <a:fontRef idx="minor">
+            <a:schemeClr val="lt1"/>
+          </a:fontRef>
+        </p:style>
+        <p:txBody>
+          <a:bodyPr rtlCol="0" anchor="ctr"/>
+          <a:lstStyle/>
+          <a:p>
+            <a:pPr algn="ctr"/>
+            <a:endParaRPr kumimoji="1" lang="ja-JP" altLang="en-US"/>
           </a:p>
         </p:txBody>
       </p:sp>
     </p:spTree>
     <p:extLst>
       <p:ext uri="{BB962C8B-B14F-4D97-AF65-F5344CB8AC3E}">
-        <p14:creationId xmlns:p14="http://schemas.microsoft.com/office/powerpoint/2010/main" val="94726582"/>
+        <p14:creationId xmlns:p14="http://schemas.microsoft.com/office/powerpoint/2010/main" val="370032060"/>
       </p:ext>
     </p:extLst>
   </p:cSld>
@@ -13015,7 +14036,7 @@
         <p:cNvPr id="1" name="">
           <a:extLst>
             <a:ext uri="{FF2B5EF4-FFF2-40B4-BE49-F238E27FC236}">
-              <a16:creationId xmlns:a16="http://schemas.microsoft.com/office/drawing/2014/main" id="{6927EDB8-FD8D-ADA2-5001-E3E74CB7591C}"/>
+              <a16:creationId xmlns:a16="http://schemas.microsoft.com/office/drawing/2014/main" id="{F74DEBC8-81C4-1514-4649-F30BCA3F52D8}"/>
             </a:ext>
           </a:extLst>
         </p:cNvPr>
@@ -13035,7 +14056,7 @@
           <p:cNvPr id="2" name="タイトル 1">
             <a:extLst>
               <a:ext uri="{FF2B5EF4-FFF2-40B4-BE49-F238E27FC236}">
-                <a16:creationId xmlns:a16="http://schemas.microsoft.com/office/drawing/2014/main" id="{103DF0FE-9371-C051-4493-3D17934D7D38}"/>
+                <a16:creationId xmlns:a16="http://schemas.microsoft.com/office/drawing/2014/main" id="{38CBA4B9-263A-5154-970E-7C830E5D2390}"/>
               </a:ext>
             </a:extLst>
           </p:cNvPr>
@@ -13052,8 +14073,16 @@
           <a:lstStyle/>
           <a:p>
             <a:r>
+              <a:rPr lang="en-US" altLang="ja-JP" dirty="0"/>
+              <a:t>2</a:t>
+            </a:r>
+            <a:r>
+              <a:rPr kumimoji="1" lang="en-US" altLang="ja-JP" dirty="0"/>
+              <a:t>.2. </a:t>
+            </a:r>
+            <a:r>
               <a:rPr kumimoji="1" lang="ja-JP" altLang="en-US" dirty="0"/>
-              <a:t>参考文献</a:t>
+              <a:t>循環参照への対処</a:t>
             </a:r>
           </a:p>
         </p:txBody>
@@ -13063,7 +14092,7 @@
           <p:cNvPr id="3" name="コンテンツ プレースホルダー 2">
             <a:extLst>
               <a:ext uri="{FF2B5EF4-FFF2-40B4-BE49-F238E27FC236}">
-                <a16:creationId xmlns:a16="http://schemas.microsoft.com/office/drawing/2014/main" id="{1194B260-6EA0-D9FA-475F-C9EB15B72972}"/>
+                <a16:creationId xmlns:a16="http://schemas.microsoft.com/office/drawing/2014/main" id="{62DE753F-476F-13A4-5D7E-18573F32CA8E}"/>
               </a:ext>
             </a:extLst>
           </p:cNvPr>
@@ -13074,81 +14103,2000 @@
             <p:ph idx="1"/>
           </p:nvPr>
         </p:nvSpPr>
-        <p:spPr/>
-        <p:txBody>
-          <a:bodyPr>
-            <a:normAutofit/>
+        <p:spPr>
+          <a:xfrm>
+            <a:off x="259195" y="1099789"/>
+            <a:ext cx="8710634" cy="5482165"/>
+          </a:xfrm>
+        </p:spPr>
+        <p:txBody>
+          <a:bodyPr/>
+          <a:lstStyle/>
+          <a:p>
+            <a:pPr marL="0" indent="0">
+              <a:buNone/>
+            </a:pPr>
+            <a:r>
+              <a:rPr kumimoji="1" lang="en-US" altLang="ja-JP" dirty="0"/>
+              <a:t>2.2.4. </a:t>
+            </a:r>
+            <a:r>
+              <a:rPr kumimoji="1" lang="ja-JP" altLang="en-US" dirty="0"/>
+              <a:t>オブジェクトを移動することが効果的な理由</a:t>
+            </a:r>
+            <a:endParaRPr kumimoji="1" lang="en-US" altLang="ja-JP" dirty="0"/>
+          </a:p>
+          <a:p>
+            <a:pPr marL="0" indent="0">
+              <a:buNone/>
+            </a:pPr>
+            <a:endParaRPr lang="en-US" altLang="ja-JP" sz="2400" dirty="0"/>
+          </a:p>
+          <a:p>
+            <a:pPr marL="0" indent="0">
+              <a:buNone/>
+            </a:pPr>
+            <a:r>
+              <a:rPr lang="en-US" altLang="ja-JP" sz="2400" dirty="0"/>
+              <a:t>A, B </a:t>
+            </a:r>
+            <a:r>
+              <a:rPr lang="ja-JP" altLang="en-US" sz="2400" dirty="0"/>
+              <a:t>は</a:t>
+            </a:r>
+            <a:r>
+              <a:rPr lang="en-US" altLang="ja-JP" sz="2400" dirty="0"/>
+              <a:t>”</a:t>
+            </a:r>
+            <a:r>
+              <a:rPr lang="ja-JP" altLang="en-US" sz="2400" dirty="0"/>
+              <a:t>暫定的に到達不能</a:t>
+            </a:r>
+            <a:r>
+              <a:rPr lang="en-US" altLang="ja-JP" sz="2400" dirty="0"/>
+              <a:t>”</a:t>
+            </a:r>
+            <a:r>
+              <a:rPr lang="ja-JP" altLang="en-US" sz="2400" dirty="0"/>
+              <a:t>リストへ移動される</a:t>
+            </a:r>
+            <a:r>
+              <a:rPr lang="en-US" altLang="ja-JP" sz="2400" dirty="0"/>
+              <a:t> </a:t>
+            </a:r>
+          </a:p>
+        </p:txBody>
+      </p:sp>
+      <p:sp>
+        <p:nvSpPr>
+          <p:cNvPr id="4" name="テキスト ボックス 3">
+            <a:extLst>
+              <a:ext uri="{FF2B5EF4-FFF2-40B4-BE49-F238E27FC236}">
+                <a16:creationId xmlns:a16="http://schemas.microsoft.com/office/drawing/2014/main" id="{5713E604-623E-C2A4-B48F-CD09CFC21588}"/>
+              </a:ext>
+            </a:extLst>
+          </p:cNvPr>
+          <p:cNvSpPr txBox="1"/>
+          <p:nvPr/>
+        </p:nvSpPr>
+        <p:spPr>
+          <a:xfrm>
+            <a:off x="3517392" y="6627168"/>
+            <a:ext cx="5797296" cy="230832"/>
+          </a:xfrm>
+          <a:prstGeom prst="rect">
+            <a:avLst/>
+          </a:prstGeom>
+          <a:noFill/>
+        </p:spPr>
+        <p:txBody>
+          <a:bodyPr wrap="square">
+            <a:spAutoFit/>
           </a:bodyPr>
           <a:lstStyle/>
           <a:p>
-            <a:pPr marL="0" indent="0">
-              <a:buNone/>
-            </a:pPr>
-            <a:endParaRPr lang="en-US" altLang="ja-JP" dirty="0"/>
-          </a:p>
-          <a:p>
-            <a:pPr marL="0" indent="0">
-              <a:buNone/>
-            </a:pPr>
+            <a:r>
+              <a:rPr lang="ja-JP" altLang="en-US" sz="900" dirty="0"/>
+              <a:t>https://github.com/python/cpython/blob/main/InternalDocs/garbage_collector.md#Optimization-incremental-collection</a:t>
+            </a:r>
+          </a:p>
+        </p:txBody>
+      </p:sp>
+      <p:sp>
+        <p:nvSpPr>
+          <p:cNvPr id="5" name="正方形/長方形 4">
+            <a:extLst>
+              <a:ext uri="{FF2B5EF4-FFF2-40B4-BE49-F238E27FC236}">
+                <a16:creationId xmlns:a16="http://schemas.microsoft.com/office/drawing/2014/main" id="{8D2298E5-7468-D1F9-E8C5-50DC27CE1089}"/>
+              </a:ext>
+            </a:extLst>
+          </p:cNvPr>
+          <p:cNvSpPr/>
+          <p:nvPr/>
+        </p:nvSpPr>
+        <p:spPr>
+          <a:xfrm>
+            <a:off x="4185859" y="3746556"/>
+            <a:ext cx="1556657" cy="838200"/>
+          </a:xfrm>
+          <a:prstGeom prst="rect">
+            <a:avLst/>
+          </a:prstGeom>
+          <a:noFill/>
+        </p:spPr>
+        <p:style>
+          <a:lnRef idx="2">
+            <a:schemeClr val="accent1">
+              <a:shade val="15000"/>
+            </a:schemeClr>
+          </a:lnRef>
+          <a:fillRef idx="1">
+            <a:schemeClr val="accent1"/>
+          </a:fillRef>
+          <a:effectRef idx="0">
+            <a:schemeClr val="accent1"/>
+          </a:effectRef>
+          <a:fontRef idx="minor">
+            <a:schemeClr val="lt1"/>
+          </a:fontRef>
+        </p:style>
+        <p:txBody>
+          <a:bodyPr rtlCol="0" anchor="ctr"/>
+          <a:lstStyle/>
+          <a:p>
+            <a:pPr algn="ctr"/>
             <a:r>
               <a:rPr kumimoji="1" lang="en-US" altLang="ja-JP" dirty="0">
-                <a:hlinkClick r:id="rId2"/>
+                <a:solidFill>
+                  <a:schemeClr val="tx1"/>
+                </a:solidFill>
               </a:rPr>
-              <a:t>https://github.com/python/cpython/blob/main/InternalDocs/garbage_collector.md</a:t>
-            </a:r>
-            <a:endParaRPr kumimoji="1" lang="en-US" altLang="ja-JP" dirty="0"/>
-          </a:p>
-          <a:p>
-            <a:pPr marL="0" indent="0">
-              <a:buNone/>
-            </a:pPr>
-            <a:endParaRPr lang="en-US" altLang="ja-JP" dirty="0"/>
-          </a:p>
-          <a:p>
-            <a:pPr marL="0" indent="0">
-              <a:buNone/>
-            </a:pPr>
-            <a:r>
-              <a:rPr kumimoji="1" lang="en-US" altLang="ja-JP" dirty="0"/>
-              <a:t>https://docs.python.org/ja/3/library/gc.html</a:t>
-            </a:r>
-            <a:r>
-              <a:rPr kumimoji="1" lang="ja-JP" altLang="en-US" dirty="0"/>
-              <a:t>　</a:t>
-            </a:r>
-            <a:endParaRPr kumimoji="1" lang="en-US" altLang="ja-JP" dirty="0"/>
-          </a:p>
-          <a:p>
-            <a:pPr marL="0" indent="0">
-              <a:buNone/>
-            </a:pPr>
-            <a:endParaRPr lang="en-US" altLang="ja-JP" dirty="0"/>
-          </a:p>
-          <a:p>
-            <a:pPr marL="0" indent="0">
-              <a:buNone/>
-            </a:pPr>
-            <a:r>
-              <a:rPr lang="en-US" altLang="ja-JP" dirty="0"/>
-              <a:t>https://docs.python.org/3.13/library/gc.html</a:t>
-            </a:r>
-          </a:p>
-          <a:p>
-            <a:pPr marL="0" indent="0">
-              <a:buNone/>
-            </a:pPr>
-            <a:r>
-              <a:rPr kumimoji="1" lang="en-US" altLang="ja-JP" dirty="0"/>
-              <a:t>https://docs.python.org/3.14/library/gc.html</a:t>
-            </a:r>
-            <a:endParaRPr kumimoji="1" lang="ja-JP" altLang="en-US" dirty="0"/>
+              <a:t>A</a:t>
+            </a:r>
+          </a:p>
+          <a:p>
+            <a:pPr algn="ctr"/>
+            <a:r>
+              <a:rPr lang="en-US" altLang="ja-JP" dirty="0" err="1">
+                <a:solidFill>
+                  <a:schemeClr val="tx1"/>
+                </a:solidFill>
+              </a:rPr>
+              <a:t>gc_ref</a:t>
+            </a:r>
+            <a:r>
+              <a:rPr kumimoji="1" lang="en-US" altLang="ja-JP" dirty="0">
+                <a:solidFill>
+                  <a:schemeClr val="tx1"/>
+                </a:solidFill>
+              </a:rPr>
+              <a:t> = 0</a:t>
+            </a:r>
+            <a:endParaRPr kumimoji="1" lang="ja-JP" altLang="en-US" dirty="0">
+              <a:solidFill>
+                <a:schemeClr val="tx1"/>
+              </a:solidFill>
+            </a:endParaRPr>
+          </a:p>
+        </p:txBody>
+      </p:sp>
+      <p:sp>
+        <p:nvSpPr>
+          <p:cNvPr id="6" name="正方形/長方形 5">
+            <a:extLst>
+              <a:ext uri="{FF2B5EF4-FFF2-40B4-BE49-F238E27FC236}">
+                <a16:creationId xmlns:a16="http://schemas.microsoft.com/office/drawing/2014/main" id="{BA9B473D-2942-B795-E407-115463DD502F}"/>
+              </a:ext>
+            </a:extLst>
+          </p:cNvPr>
+          <p:cNvSpPr/>
+          <p:nvPr/>
+        </p:nvSpPr>
+        <p:spPr>
+          <a:xfrm>
+            <a:off x="6769339" y="3746556"/>
+            <a:ext cx="1556657" cy="838200"/>
+          </a:xfrm>
+          <a:prstGeom prst="rect">
+            <a:avLst/>
+          </a:prstGeom>
+          <a:noFill/>
+        </p:spPr>
+        <p:style>
+          <a:lnRef idx="2">
+            <a:schemeClr val="accent1">
+              <a:shade val="15000"/>
+            </a:schemeClr>
+          </a:lnRef>
+          <a:fillRef idx="1">
+            <a:schemeClr val="accent1"/>
+          </a:fillRef>
+          <a:effectRef idx="0">
+            <a:schemeClr val="accent1"/>
+          </a:effectRef>
+          <a:fontRef idx="minor">
+            <a:schemeClr val="lt1"/>
+          </a:fontRef>
+        </p:style>
+        <p:txBody>
+          <a:bodyPr rtlCol="0" anchor="ctr"/>
+          <a:lstStyle/>
+          <a:p>
+            <a:pPr algn="ctr"/>
+            <a:r>
+              <a:rPr lang="en-US" altLang="ja-JP" dirty="0">
+                <a:solidFill>
+                  <a:schemeClr val="tx1"/>
+                </a:solidFill>
+              </a:rPr>
+              <a:t>B</a:t>
+            </a:r>
+            <a:endParaRPr kumimoji="1" lang="en-US" altLang="ja-JP" dirty="0">
+              <a:solidFill>
+                <a:schemeClr val="tx1"/>
+              </a:solidFill>
+            </a:endParaRPr>
+          </a:p>
+          <a:p>
+            <a:pPr algn="ctr"/>
+            <a:r>
+              <a:rPr kumimoji="1" lang="en-US" altLang="ja-JP" dirty="0" err="1">
+                <a:solidFill>
+                  <a:schemeClr val="tx1"/>
+                </a:solidFill>
+              </a:rPr>
+              <a:t>gc_ref</a:t>
+            </a:r>
+            <a:r>
+              <a:rPr kumimoji="1" lang="en-US" altLang="ja-JP" dirty="0">
+                <a:solidFill>
+                  <a:schemeClr val="tx1"/>
+                </a:solidFill>
+              </a:rPr>
+              <a:t> = 0</a:t>
+            </a:r>
+            <a:endParaRPr kumimoji="1" lang="ja-JP" altLang="en-US" dirty="0">
+              <a:solidFill>
+                <a:schemeClr val="tx1"/>
+              </a:solidFill>
+            </a:endParaRPr>
+          </a:p>
+        </p:txBody>
+      </p:sp>
+      <p:sp>
+        <p:nvSpPr>
+          <p:cNvPr id="7" name="正方形/長方形 6">
+            <a:extLst>
+              <a:ext uri="{FF2B5EF4-FFF2-40B4-BE49-F238E27FC236}">
+                <a16:creationId xmlns:a16="http://schemas.microsoft.com/office/drawing/2014/main" id="{7AE302D5-1ADA-D8D3-93C3-68DEAE3B762D}"/>
+              </a:ext>
+            </a:extLst>
+          </p:cNvPr>
+          <p:cNvSpPr/>
+          <p:nvPr/>
+        </p:nvSpPr>
+        <p:spPr>
+          <a:xfrm>
+            <a:off x="1457805" y="3746556"/>
+            <a:ext cx="1556657" cy="947740"/>
+          </a:xfrm>
+          <a:prstGeom prst="rect">
+            <a:avLst/>
+          </a:prstGeom>
+          <a:noFill/>
+        </p:spPr>
+        <p:style>
+          <a:lnRef idx="2">
+            <a:schemeClr val="accent1">
+              <a:shade val="15000"/>
+            </a:schemeClr>
+          </a:lnRef>
+          <a:fillRef idx="1">
+            <a:schemeClr val="accent1"/>
+          </a:fillRef>
+          <a:effectRef idx="0">
+            <a:schemeClr val="accent1"/>
+          </a:effectRef>
+          <a:fontRef idx="minor">
+            <a:schemeClr val="lt1"/>
+          </a:fontRef>
+        </p:style>
+        <p:txBody>
+          <a:bodyPr rtlCol="0" anchor="ctr"/>
+          <a:lstStyle/>
+          <a:p>
+            <a:pPr algn="ctr"/>
+            <a:r>
+              <a:rPr lang="en-US" altLang="ja-JP" dirty="0">
+                <a:solidFill>
+                  <a:schemeClr val="tx1"/>
+                </a:solidFill>
+              </a:rPr>
+              <a:t>C</a:t>
+            </a:r>
+            <a:endParaRPr kumimoji="1" lang="en-US" altLang="ja-JP" dirty="0">
+              <a:solidFill>
+                <a:schemeClr val="tx1"/>
+              </a:solidFill>
+            </a:endParaRPr>
+          </a:p>
+          <a:p>
+            <a:pPr algn="ctr"/>
+            <a:r>
+              <a:rPr lang="en-US" altLang="ja-JP" dirty="0" err="1">
+                <a:solidFill>
+                  <a:schemeClr val="tx1"/>
+                </a:solidFill>
+              </a:rPr>
+              <a:t>gc_ref</a:t>
+            </a:r>
+            <a:r>
+              <a:rPr kumimoji="1" lang="en-US" altLang="ja-JP" dirty="0">
+                <a:solidFill>
+                  <a:schemeClr val="tx1"/>
+                </a:solidFill>
+              </a:rPr>
+              <a:t> = 1</a:t>
+            </a:r>
+          </a:p>
+          <a:p>
+            <a:pPr algn="ctr"/>
+            <a:r>
+              <a:rPr lang="en-US" altLang="ja-JP" dirty="0">
+                <a:solidFill>
+                  <a:schemeClr val="tx1"/>
+                </a:solidFill>
+              </a:rPr>
+              <a:t>REACHABLE</a:t>
+            </a:r>
+            <a:endParaRPr kumimoji="1" lang="ja-JP" altLang="en-US" dirty="0">
+              <a:solidFill>
+                <a:schemeClr val="tx1"/>
+              </a:solidFill>
+            </a:endParaRPr>
+          </a:p>
+        </p:txBody>
+      </p:sp>
+      <p:sp>
+        <p:nvSpPr>
+          <p:cNvPr id="8" name="矢印: 下 7">
+            <a:extLst>
+              <a:ext uri="{FF2B5EF4-FFF2-40B4-BE49-F238E27FC236}">
+                <a16:creationId xmlns:a16="http://schemas.microsoft.com/office/drawing/2014/main" id="{94C10FF2-5CFA-0D45-AAF7-F8BFC6DF5B51}"/>
+              </a:ext>
+            </a:extLst>
+          </p:cNvPr>
+          <p:cNvSpPr/>
+          <p:nvPr/>
+        </p:nvSpPr>
+        <p:spPr>
+          <a:xfrm>
+            <a:off x="2007533" y="2761594"/>
+            <a:ext cx="457200" cy="838200"/>
+          </a:xfrm>
+          <a:prstGeom prst="downArrow">
+            <a:avLst>
+              <a:gd name="adj1" fmla="val 50000"/>
+              <a:gd name="adj2" fmla="val 73809"/>
+            </a:avLst>
+          </a:prstGeom>
+          <a:noFill/>
+          <a:ln>
+            <a:solidFill>
+              <a:schemeClr val="tx1"/>
+            </a:solidFill>
+          </a:ln>
+        </p:spPr>
+        <p:style>
+          <a:lnRef idx="2">
+            <a:schemeClr val="accent1">
+              <a:shade val="15000"/>
+            </a:schemeClr>
+          </a:lnRef>
+          <a:fillRef idx="1">
+            <a:schemeClr val="accent1"/>
+          </a:fillRef>
+          <a:effectRef idx="0">
+            <a:schemeClr val="accent1"/>
+          </a:effectRef>
+          <a:fontRef idx="minor">
+            <a:schemeClr val="lt1"/>
+          </a:fontRef>
+        </p:style>
+        <p:txBody>
+          <a:bodyPr rtlCol="0" anchor="ctr"/>
+          <a:lstStyle/>
+          <a:p>
+            <a:pPr algn="ctr"/>
+            <a:endParaRPr kumimoji="1" lang="ja-JP" altLang="en-US"/>
+          </a:p>
+        </p:txBody>
+      </p:sp>
+      <p:sp>
+        <p:nvSpPr>
+          <p:cNvPr id="10" name="矢印: 下 9">
+            <a:extLst>
+              <a:ext uri="{FF2B5EF4-FFF2-40B4-BE49-F238E27FC236}">
+                <a16:creationId xmlns:a16="http://schemas.microsoft.com/office/drawing/2014/main" id="{6B779966-78D9-F600-B6BE-710CD799F7D3}"/>
+              </a:ext>
+            </a:extLst>
+          </p:cNvPr>
+          <p:cNvSpPr/>
+          <p:nvPr/>
+        </p:nvSpPr>
+        <p:spPr>
+          <a:xfrm rot="5400000">
+            <a:off x="6013478" y="3746556"/>
+            <a:ext cx="457200" cy="838200"/>
+          </a:xfrm>
+          <a:prstGeom prst="downArrow">
+            <a:avLst>
+              <a:gd name="adj1" fmla="val 50000"/>
+              <a:gd name="adj2" fmla="val 73809"/>
+            </a:avLst>
+          </a:prstGeom>
+          <a:noFill/>
+          <a:ln>
+            <a:solidFill>
+              <a:schemeClr val="tx1"/>
+            </a:solidFill>
+          </a:ln>
+        </p:spPr>
+        <p:style>
+          <a:lnRef idx="2">
+            <a:schemeClr val="accent1">
+              <a:shade val="15000"/>
+            </a:schemeClr>
+          </a:lnRef>
+          <a:fillRef idx="1">
+            <a:schemeClr val="accent1"/>
+          </a:fillRef>
+          <a:effectRef idx="0">
+            <a:schemeClr val="accent1"/>
+          </a:effectRef>
+          <a:fontRef idx="minor">
+            <a:schemeClr val="lt1"/>
+          </a:fontRef>
+        </p:style>
+        <p:txBody>
+          <a:bodyPr rtlCol="0" anchor="ctr"/>
+          <a:lstStyle/>
+          <a:p>
+            <a:pPr algn="ctr"/>
+            <a:endParaRPr kumimoji="1" lang="ja-JP" altLang="en-US"/>
+          </a:p>
+        </p:txBody>
+      </p:sp>
+      <p:sp>
+        <p:nvSpPr>
+          <p:cNvPr id="11" name="矢印: 右カーブ 10">
+            <a:extLst>
+              <a:ext uri="{FF2B5EF4-FFF2-40B4-BE49-F238E27FC236}">
+                <a16:creationId xmlns:a16="http://schemas.microsoft.com/office/drawing/2014/main" id="{9396AAC2-7670-13A2-E061-928C655A5B69}"/>
+              </a:ext>
+            </a:extLst>
+          </p:cNvPr>
+          <p:cNvSpPr/>
+          <p:nvPr/>
+        </p:nvSpPr>
+        <p:spPr>
+          <a:xfrm rot="16200000">
+            <a:off x="4591098" y="2213889"/>
+            <a:ext cx="961714" cy="5922530"/>
+          </a:xfrm>
+          <a:prstGeom prst="curvedRightArrow">
+            <a:avLst>
+              <a:gd name="adj1" fmla="val 30959"/>
+              <a:gd name="adj2" fmla="val 78570"/>
+              <a:gd name="adj3" fmla="val 37706"/>
+            </a:avLst>
+          </a:prstGeom>
+          <a:noFill/>
+          <a:ln>
+            <a:solidFill>
+              <a:schemeClr val="tx1"/>
+            </a:solidFill>
+          </a:ln>
+        </p:spPr>
+        <p:style>
+          <a:lnRef idx="2">
+            <a:schemeClr val="accent1">
+              <a:shade val="15000"/>
+            </a:schemeClr>
+          </a:lnRef>
+          <a:fillRef idx="1">
+            <a:schemeClr val="accent1"/>
+          </a:fillRef>
+          <a:effectRef idx="0">
+            <a:schemeClr val="accent1"/>
+          </a:effectRef>
+          <a:fontRef idx="minor">
+            <a:schemeClr val="lt1"/>
+          </a:fontRef>
+        </p:style>
+        <p:txBody>
+          <a:bodyPr rtlCol="0" anchor="ctr"/>
+          <a:lstStyle/>
+          <a:p>
+            <a:pPr algn="ctr"/>
+            <a:endParaRPr kumimoji="1" lang="ja-JP" altLang="en-US">
+              <a:solidFill>
+                <a:schemeClr val="tx1"/>
+              </a:solidFill>
+            </a:endParaRPr>
+          </a:p>
+        </p:txBody>
+      </p:sp>
+      <p:sp>
+        <p:nvSpPr>
+          <p:cNvPr id="12" name="正方形/長方形 11">
+            <a:extLst>
+              <a:ext uri="{FF2B5EF4-FFF2-40B4-BE49-F238E27FC236}">
+                <a16:creationId xmlns:a16="http://schemas.microsoft.com/office/drawing/2014/main" id="{9BAD5F9B-697C-BE81-C0CB-7438EFA0167A}"/>
+              </a:ext>
+            </a:extLst>
+          </p:cNvPr>
+          <p:cNvSpPr/>
+          <p:nvPr/>
+        </p:nvSpPr>
+        <p:spPr>
+          <a:xfrm>
+            <a:off x="259195" y="3429000"/>
+            <a:ext cx="3115375" cy="1428598"/>
+          </a:xfrm>
+          <a:prstGeom prst="rect">
+            <a:avLst/>
+          </a:prstGeom>
+          <a:noFill/>
+          <a:ln w="28575"/>
+        </p:spPr>
+        <p:style>
+          <a:lnRef idx="2">
+            <a:schemeClr val="accent1">
+              <a:shade val="15000"/>
+            </a:schemeClr>
+          </a:lnRef>
+          <a:fillRef idx="1">
+            <a:schemeClr val="accent1"/>
+          </a:fillRef>
+          <a:effectRef idx="0">
+            <a:schemeClr val="accent1"/>
+          </a:effectRef>
+          <a:fontRef idx="minor">
+            <a:schemeClr val="lt1"/>
+          </a:fontRef>
+        </p:style>
+        <p:txBody>
+          <a:bodyPr rtlCol="0" anchor="ctr"/>
+          <a:lstStyle/>
+          <a:p>
+            <a:r>
+              <a:rPr kumimoji="1" lang="en-US" altLang="ja-JP" dirty="0">
+                <a:solidFill>
+                  <a:schemeClr val="tx1"/>
+                </a:solidFill>
+              </a:rPr>
+              <a:t>Objects to scan</a:t>
+            </a:r>
+          </a:p>
+          <a:p>
+            <a:endParaRPr lang="en-US" altLang="ja-JP" dirty="0">
+              <a:solidFill>
+                <a:schemeClr val="tx1"/>
+              </a:solidFill>
+            </a:endParaRPr>
+          </a:p>
+          <a:p>
+            <a:endParaRPr lang="en-US" altLang="ja-JP" dirty="0">
+              <a:solidFill>
+                <a:schemeClr val="tx1"/>
+              </a:solidFill>
+            </a:endParaRPr>
+          </a:p>
+          <a:p>
+            <a:endParaRPr kumimoji="1" lang="en-US" altLang="ja-JP" dirty="0">
+              <a:solidFill>
+                <a:schemeClr val="tx1"/>
+              </a:solidFill>
+            </a:endParaRPr>
+          </a:p>
+          <a:p>
+            <a:endParaRPr kumimoji="1" lang="ja-JP" altLang="en-US" dirty="0">
+              <a:solidFill>
+                <a:schemeClr val="tx1"/>
+              </a:solidFill>
+            </a:endParaRPr>
+          </a:p>
+        </p:txBody>
+      </p:sp>
+      <p:sp>
+        <p:nvSpPr>
+          <p:cNvPr id="13" name="正方形/長方形 12">
+            <a:extLst>
+              <a:ext uri="{FF2B5EF4-FFF2-40B4-BE49-F238E27FC236}">
+                <a16:creationId xmlns:a16="http://schemas.microsoft.com/office/drawing/2014/main" id="{C964EFD0-B118-E672-9C25-8F533F8C23DB}"/>
+              </a:ext>
+            </a:extLst>
+          </p:cNvPr>
+          <p:cNvSpPr/>
+          <p:nvPr/>
+        </p:nvSpPr>
+        <p:spPr>
+          <a:xfrm>
+            <a:off x="3971472" y="3429000"/>
+            <a:ext cx="4726214" cy="1428598"/>
+          </a:xfrm>
+          <a:prstGeom prst="rect">
+            <a:avLst/>
+          </a:prstGeom>
+          <a:noFill/>
+          <a:ln w="28575"/>
+        </p:spPr>
+        <p:style>
+          <a:lnRef idx="2">
+            <a:schemeClr val="accent1">
+              <a:shade val="15000"/>
+            </a:schemeClr>
+          </a:lnRef>
+          <a:fillRef idx="1">
+            <a:schemeClr val="accent1"/>
+          </a:fillRef>
+          <a:effectRef idx="0">
+            <a:schemeClr val="accent1"/>
+          </a:effectRef>
+          <a:fontRef idx="minor">
+            <a:schemeClr val="lt1"/>
+          </a:fontRef>
+        </p:style>
+        <p:txBody>
+          <a:bodyPr rtlCol="0" anchor="ctr"/>
+          <a:lstStyle/>
+          <a:p>
+            <a:r>
+              <a:rPr lang="en-US" altLang="ja-JP" dirty="0">
+                <a:solidFill>
+                  <a:schemeClr val="tx1"/>
+                </a:solidFill>
+              </a:rPr>
+              <a:t>Unreachable ? </a:t>
+            </a:r>
+            <a:endParaRPr kumimoji="1" lang="en-US" altLang="ja-JP" dirty="0">
+              <a:solidFill>
+                <a:schemeClr val="tx1"/>
+              </a:solidFill>
+            </a:endParaRPr>
+          </a:p>
+          <a:p>
+            <a:endParaRPr lang="en-US" altLang="ja-JP" dirty="0">
+              <a:solidFill>
+                <a:schemeClr val="tx1"/>
+              </a:solidFill>
+            </a:endParaRPr>
+          </a:p>
+          <a:p>
+            <a:endParaRPr lang="en-US" altLang="ja-JP" dirty="0">
+              <a:solidFill>
+                <a:schemeClr val="tx1"/>
+              </a:solidFill>
+            </a:endParaRPr>
+          </a:p>
+          <a:p>
+            <a:endParaRPr kumimoji="1" lang="en-US" altLang="ja-JP" dirty="0">
+              <a:solidFill>
+                <a:schemeClr val="tx1"/>
+              </a:solidFill>
+            </a:endParaRPr>
+          </a:p>
+          <a:p>
+            <a:endParaRPr kumimoji="1" lang="ja-JP" altLang="en-US" dirty="0">
+              <a:solidFill>
+                <a:schemeClr val="tx1"/>
+              </a:solidFill>
+            </a:endParaRPr>
           </a:p>
         </p:txBody>
       </p:sp>
     </p:spTree>
     <p:extLst>
       <p:ext uri="{BB962C8B-B14F-4D97-AF65-F5344CB8AC3E}">
-        <p14:creationId xmlns:p14="http://schemas.microsoft.com/office/powerpoint/2010/main" val="3035484224"/>
+        <p14:creationId xmlns:p14="http://schemas.microsoft.com/office/powerpoint/2010/main" val="755703719"/>
+      </p:ext>
+    </p:extLst>
+  </p:cSld>
+  <p:clrMapOvr>
+    <a:masterClrMapping/>
+  </p:clrMapOvr>
+</p:sld>
+</file>
+
+<file path=ppt/slides/slide37.xml><?xml version="1.0" encoding="utf-8"?>
+<p:sld xmlns:a="http://schemas.openxmlformats.org/drawingml/2006/main" xmlns:r="http://schemas.openxmlformats.org/officeDocument/2006/relationships" xmlns:p="http://schemas.openxmlformats.org/presentationml/2006/main">
+  <p:cSld>
+    <p:spTree>
+      <p:nvGrpSpPr>
+        <p:cNvPr id="1" name="">
+          <a:extLst>
+            <a:ext uri="{FF2B5EF4-FFF2-40B4-BE49-F238E27FC236}">
+              <a16:creationId xmlns:a16="http://schemas.microsoft.com/office/drawing/2014/main" id="{FAAA84D3-33FC-A9DB-B6B2-4AB51B9FE5A7}"/>
+            </a:ext>
+          </a:extLst>
+        </p:cNvPr>
+        <p:cNvGrpSpPr/>
+        <p:nvPr/>
+      </p:nvGrpSpPr>
+      <p:grpSpPr>
+        <a:xfrm>
+          <a:off x="0" y="0"/>
+          <a:ext cx="0" cy="0"/>
+          <a:chOff x="0" y="0"/>
+          <a:chExt cx="0" cy="0"/>
+        </a:xfrm>
+      </p:grpSpPr>
+      <p:sp>
+        <p:nvSpPr>
+          <p:cNvPr id="11" name="正方形/長方形 10">
+            <a:extLst>
+              <a:ext uri="{FF2B5EF4-FFF2-40B4-BE49-F238E27FC236}">
+                <a16:creationId xmlns:a16="http://schemas.microsoft.com/office/drawing/2014/main" id="{8EA28124-068F-60C6-F33E-B5F201566BA4}"/>
+              </a:ext>
+            </a:extLst>
+          </p:cNvPr>
+          <p:cNvSpPr/>
+          <p:nvPr/>
+        </p:nvSpPr>
+        <p:spPr>
+          <a:xfrm>
+            <a:off x="963385" y="3091542"/>
+            <a:ext cx="7217229" cy="1687286"/>
+          </a:xfrm>
+          <a:prstGeom prst="rect">
+            <a:avLst/>
+          </a:prstGeom>
+          <a:noFill/>
+          <a:ln w="28575"/>
+        </p:spPr>
+        <p:style>
+          <a:lnRef idx="2">
+            <a:schemeClr val="accent1">
+              <a:shade val="15000"/>
+            </a:schemeClr>
+          </a:lnRef>
+          <a:fillRef idx="1">
+            <a:schemeClr val="accent1"/>
+          </a:fillRef>
+          <a:effectRef idx="0">
+            <a:schemeClr val="accent1"/>
+          </a:effectRef>
+          <a:fontRef idx="minor">
+            <a:schemeClr val="lt1"/>
+          </a:fontRef>
+        </p:style>
+        <p:txBody>
+          <a:bodyPr rtlCol="0" anchor="ctr"/>
+          <a:lstStyle/>
+          <a:p>
+            <a:r>
+              <a:rPr kumimoji="1" lang="en-US" altLang="ja-JP" dirty="0">
+                <a:solidFill>
+                  <a:schemeClr val="tx1"/>
+                </a:solidFill>
+              </a:rPr>
+              <a:t>Objects to scan</a:t>
+            </a:r>
+          </a:p>
+          <a:p>
+            <a:endParaRPr lang="en-US" altLang="ja-JP" dirty="0">
+              <a:solidFill>
+                <a:schemeClr val="tx1"/>
+              </a:solidFill>
+            </a:endParaRPr>
+          </a:p>
+          <a:p>
+            <a:endParaRPr kumimoji="1" lang="en-US" altLang="ja-JP" dirty="0">
+              <a:solidFill>
+                <a:schemeClr val="tx1"/>
+              </a:solidFill>
+            </a:endParaRPr>
+          </a:p>
+          <a:p>
+            <a:endParaRPr lang="en-US" altLang="ja-JP" dirty="0">
+              <a:solidFill>
+                <a:schemeClr val="tx1"/>
+              </a:solidFill>
+            </a:endParaRPr>
+          </a:p>
+          <a:p>
+            <a:endParaRPr kumimoji="1" lang="en-US" altLang="ja-JP" dirty="0">
+              <a:solidFill>
+                <a:schemeClr val="tx1"/>
+              </a:solidFill>
+            </a:endParaRPr>
+          </a:p>
+          <a:p>
+            <a:endParaRPr kumimoji="1" lang="ja-JP" altLang="en-US" dirty="0">
+              <a:solidFill>
+                <a:schemeClr val="tx1"/>
+              </a:solidFill>
+            </a:endParaRPr>
+          </a:p>
+        </p:txBody>
+      </p:sp>
+      <p:sp>
+        <p:nvSpPr>
+          <p:cNvPr id="2" name="タイトル 1">
+            <a:extLst>
+              <a:ext uri="{FF2B5EF4-FFF2-40B4-BE49-F238E27FC236}">
+                <a16:creationId xmlns:a16="http://schemas.microsoft.com/office/drawing/2014/main" id="{5F71F0FF-E230-95E5-7750-7769E899330E}"/>
+              </a:ext>
+            </a:extLst>
+          </p:cNvPr>
+          <p:cNvSpPr>
+            <a:spLocks noGrp="1"/>
+          </p:cNvSpPr>
+          <p:nvPr>
+            <p:ph type="title"/>
+          </p:nvPr>
+        </p:nvSpPr>
+        <p:spPr/>
+        <p:txBody>
+          <a:bodyPr/>
+          <a:lstStyle/>
+          <a:p>
+            <a:r>
+              <a:rPr lang="en-US" altLang="ja-JP" dirty="0"/>
+              <a:t>2</a:t>
+            </a:r>
+            <a:r>
+              <a:rPr kumimoji="1" lang="en-US" altLang="ja-JP" dirty="0"/>
+              <a:t>.2. </a:t>
+            </a:r>
+            <a:r>
+              <a:rPr kumimoji="1" lang="ja-JP" altLang="en-US" dirty="0"/>
+              <a:t>循環参照への対処</a:t>
+            </a:r>
+          </a:p>
+        </p:txBody>
+      </p:sp>
+      <p:sp>
+        <p:nvSpPr>
+          <p:cNvPr id="3" name="コンテンツ プレースホルダー 2">
+            <a:extLst>
+              <a:ext uri="{FF2B5EF4-FFF2-40B4-BE49-F238E27FC236}">
+                <a16:creationId xmlns:a16="http://schemas.microsoft.com/office/drawing/2014/main" id="{1634CD77-849F-8DFA-5547-1AFAF8242CE4}"/>
+              </a:ext>
+            </a:extLst>
+          </p:cNvPr>
+          <p:cNvSpPr>
+            <a:spLocks noGrp="1"/>
+          </p:cNvSpPr>
+          <p:nvPr>
+            <p:ph idx="1"/>
+          </p:nvPr>
+        </p:nvSpPr>
+        <p:spPr>
+          <a:xfrm>
+            <a:off x="259195" y="1099789"/>
+            <a:ext cx="8710634" cy="5482165"/>
+          </a:xfrm>
+        </p:spPr>
+        <p:txBody>
+          <a:bodyPr/>
+          <a:lstStyle/>
+          <a:p>
+            <a:pPr marL="0" indent="0">
+              <a:buNone/>
+            </a:pPr>
+            <a:r>
+              <a:rPr kumimoji="1" lang="en-US" altLang="ja-JP" dirty="0"/>
+              <a:t>2.2.4. </a:t>
+            </a:r>
+            <a:r>
+              <a:rPr kumimoji="1" lang="ja-JP" altLang="en-US" dirty="0"/>
+              <a:t>オブジェクトを移動することが効果的な理由</a:t>
+            </a:r>
+            <a:endParaRPr kumimoji="1" lang="en-US" altLang="ja-JP" dirty="0"/>
+          </a:p>
+          <a:p>
+            <a:pPr marL="0" indent="0">
+              <a:buNone/>
+            </a:pPr>
+            <a:endParaRPr lang="en-US" altLang="ja-JP" sz="2400" dirty="0"/>
+          </a:p>
+          <a:p>
+            <a:pPr marL="0" indent="0">
+              <a:buNone/>
+            </a:pPr>
+            <a:r>
+              <a:rPr lang="ja-JP" altLang="en-US" sz="2400" dirty="0"/>
+              <a:t>再度 </a:t>
+            </a:r>
+            <a:r>
+              <a:rPr lang="en-US" altLang="ja-JP" sz="2400" dirty="0"/>
+              <a:t>C </a:t>
+            </a:r>
+            <a:r>
+              <a:rPr lang="ja-JP" altLang="en-US" sz="2400" dirty="0"/>
+              <a:t>を走査をするとオブジェクトは復活し，</a:t>
+            </a:r>
+            <a:r>
+              <a:rPr lang="en-US" altLang="ja-JP" sz="2400" dirty="0"/>
+              <a:t>C, B, A </a:t>
+            </a:r>
+            <a:r>
+              <a:rPr lang="ja-JP" altLang="en-US" sz="2400" dirty="0"/>
+              <a:t>の順に並ぶ</a:t>
+            </a:r>
+            <a:endParaRPr lang="en-US" altLang="ja-JP" sz="2400" dirty="0"/>
+          </a:p>
+          <a:p>
+            <a:pPr marL="0" indent="0">
+              <a:buNone/>
+            </a:pPr>
+            <a:endParaRPr lang="en-US" altLang="ja-JP" sz="2400" dirty="0"/>
+          </a:p>
+          <a:p>
+            <a:pPr marL="0" indent="0">
+              <a:buNone/>
+            </a:pPr>
+            <a:endParaRPr lang="en-US" altLang="ja-JP" sz="2400" dirty="0"/>
+          </a:p>
+          <a:p>
+            <a:pPr marL="0" indent="0">
+              <a:buNone/>
+            </a:pPr>
+            <a:endParaRPr lang="en-US" altLang="ja-JP" sz="2400" dirty="0"/>
+          </a:p>
+          <a:p>
+            <a:pPr marL="0" indent="0">
+              <a:buNone/>
+            </a:pPr>
+            <a:endParaRPr lang="en-US" altLang="ja-JP" sz="2400" dirty="0"/>
+          </a:p>
+          <a:p>
+            <a:pPr marL="0" indent="0">
+              <a:buNone/>
+            </a:pPr>
+            <a:endParaRPr lang="en-US" altLang="ja-JP" sz="2400" dirty="0"/>
+          </a:p>
+          <a:p>
+            <a:pPr marL="0" indent="0">
+              <a:buNone/>
+            </a:pPr>
+            <a:endParaRPr lang="en-US" altLang="ja-JP" sz="2400" dirty="0"/>
+          </a:p>
+          <a:p>
+            <a:pPr marL="0" indent="0">
+              <a:buNone/>
+            </a:pPr>
+            <a:r>
+              <a:rPr lang="en-US" altLang="ja-JP" sz="2400" dirty="0"/>
+              <a:t>A, B </a:t>
+            </a:r>
+            <a:r>
+              <a:rPr lang="ja-JP" altLang="en-US" sz="2400" dirty="0"/>
+              <a:t>を</a:t>
+            </a:r>
+            <a:r>
+              <a:rPr lang="en-US" altLang="ja-JP" sz="2400" dirty="0"/>
+              <a:t>2</a:t>
+            </a:r>
+            <a:r>
+              <a:rPr lang="ja-JP" altLang="en-US" sz="2400" dirty="0"/>
+              <a:t>度移動することは一見コストの無駄のように見えるが，この</a:t>
+            </a:r>
+            <a:r>
+              <a:rPr lang="en-US" altLang="ja-JP" sz="2400" dirty="0"/>
+              <a:t>C, B, A </a:t>
+            </a:r>
+            <a:r>
+              <a:rPr lang="ja-JP" altLang="en-US" sz="2400" dirty="0"/>
+              <a:t>の順番は，後続の走査で変更されることはなく，今後走査を行うことにより発生しうる無限回の移動を省略できる可能性がある</a:t>
+            </a:r>
+            <a:r>
+              <a:rPr lang="en-US" altLang="ja-JP" sz="2400" dirty="0"/>
+              <a:t>.</a:t>
+            </a:r>
+          </a:p>
+          <a:p>
+            <a:pPr marL="0" indent="0">
+              <a:buNone/>
+            </a:pPr>
+            <a:endParaRPr lang="en-US" altLang="ja-JP" sz="2400" dirty="0"/>
+          </a:p>
+        </p:txBody>
+      </p:sp>
+      <p:sp>
+        <p:nvSpPr>
+          <p:cNvPr id="4" name="テキスト ボックス 3">
+            <a:extLst>
+              <a:ext uri="{FF2B5EF4-FFF2-40B4-BE49-F238E27FC236}">
+                <a16:creationId xmlns:a16="http://schemas.microsoft.com/office/drawing/2014/main" id="{45B5F430-0240-1F97-BD10-01719B44D0E1}"/>
+              </a:ext>
+            </a:extLst>
+          </p:cNvPr>
+          <p:cNvSpPr txBox="1"/>
+          <p:nvPr/>
+        </p:nvSpPr>
+        <p:spPr>
+          <a:xfrm>
+            <a:off x="3517392" y="6627168"/>
+            <a:ext cx="5797296" cy="230832"/>
+          </a:xfrm>
+          <a:prstGeom prst="rect">
+            <a:avLst/>
+          </a:prstGeom>
+          <a:noFill/>
+        </p:spPr>
+        <p:txBody>
+          <a:bodyPr wrap="square">
+            <a:spAutoFit/>
+          </a:bodyPr>
+          <a:lstStyle/>
+          <a:p>
+            <a:r>
+              <a:rPr lang="ja-JP" altLang="en-US" sz="900" dirty="0"/>
+              <a:t>https://github.com/python/cpython/blob/main/InternalDocs/garbage_collector.md#Optimization-incremental-collection</a:t>
+            </a:r>
+          </a:p>
+        </p:txBody>
+      </p:sp>
+      <p:sp>
+        <p:nvSpPr>
+          <p:cNvPr id="5" name="正方形/長方形 4">
+            <a:extLst>
+              <a:ext uri="{FF2B5EF4-FFF2-40B4-BE49-F238E27FC236}">
+                <a16:creationId xmlns:a16="http://schemas.microsoft.com/office/drawing/2014/main" id="{F156EBC7-E9B7-9917-1E65-7F75B536F744}"/>
+              </a:ext>
+            </a:extLst>
+          </p:cNvPr>
+          <p:cNvSpPr/>
+          <p:nvPr/>
+        </p:nvSpPr>
+        <p:spPr>
+          <a:xfrm>
+            <a:off x="6340929" y="3625027"/>
+            <a:ext cx="1556657" cy="838200"/>
+          </a:xfrm>
+          <a:prstGeom prst="rect">
+            <a:avLst/>
+          </a:prstGeom>
+          <a:noFill/>
+        </p:spPr>
+        <p:style>
+          <a:lnRef idx="2">
+            <a:schemeClr val="accent1">
+              <a:shade val="15000"/>
+            </a:schemeClr>
+          </a:lnRef>
+          <a:fillRef idx="1">
+            <a:schemeClr val="accent1"/>
+          </a:fillRef>
+          <a:effectRef idx="0">
+            <a:schemeClr val="accent1"/>
+          </a:effectRef>
+          <a:fontRef idx="minor">
+            <a:schemeClr val="lt1"/>
+          </a:fontRef>
+        </p:style>
+        <p:txBody>
+          <a:bodyPr rtlCol="0" anchor="ctr"/>
+          <a:lstStyle/>
+          <a:p>
+            <a:pPr algn="ctr"/>
+            <a:r>
+              <a:rPr kumimoji="1" lang="en-US" altLang="ja-JP" dirty="0">
+                <a:solidFill>
+                  <a:schemeClr val="tx1"/>
+                </a:solidFill>
+              </a:rPr>
+              <a:t>A</a:t>
+            </a:r>
+          </a:p>
+          <a:p>
+            <a:pPr algn="ctr"/>
+            <a:r>
+              <a:rPr lang="en-US" altLang="ja-JP" dirty="0" err="1">
+                <a:solidFill>
+                  <a:schemeClr val="tx1"/>
+                </a:solidFill>
+              </a:rPr>
+              <a:t>gc_ref</a:t>
+            </a:r>
+            <a:r>
+              <a:rPr kumimoji="1" lang="en-US" altLang="ja-JP" dirty="0">
+                <a:solidFill>
+                  <a:schemeClr val="tx1"/>
+                </a:solidFill>
+              </a:rPr>
+              <a:t> = </a:t>
+            </a:r>
+            <a:r>
+              <a:rPr lang="en-US" altLang="ja-JP" dirty="0">
+                <a:solidFill>
+                  <a:schemeClr val="tx1"/>
+                </a:solidFill>
+              </a:rPr>
+              <a:t>1</a:t>
+            </a:r>
+            <a:endParaRPr kumimoji="1" lang="en-US" altLang="ja-JP" dirty="0">
+              <a:solidFill>
+                <a:schemeClr val="tx1"/>
+              </a:solidFill>
+            </a:endParaRPr>
+          </a:p>
+          <a:p>
+            <a:pPr algn="ctr"/>
+            <a:r>
+              <a:rPr lang="en-US" altLang="ja-JP" dirty="0">
+                <a:solidFill>
+                  <a:schemeClr val="tx1"/>
+                </a:solidFill>
+              </a:rPr>
+              <a:t>REACHABLE</a:t>
+            </a:r>
+            <a:endParaRPr kumimoji="1" lang="ja-JP" altLang="en-US" dirty="0">
+              <a:solidFill>
+                <a:schemeClr val="tx1"/>
+              </a:solidFill>
+            </a:endParaRPr>
+          </a:p>
+        </p:txBody>
+      </p:sp>
+      <p:sp>
+        <p:nvSpPr>
+          <p:cNvPr id="6" name="正方形/長方形 5">
+            <a:extLst>
+              <a:ext uri="{FF2B5EF4-FFF2-40B4-BE49-F238E27FC236}">
+                <a16:creationId xmlns:a16="http://schemas.microsoft.com/office/drawing/2014/main" id="{25B9ABED-46F1-53C7-3167-6834B6CB087B}"/>
+              </a:ext>
+            </a:extLst>
+          </p:cNvPr>
+          <p:cNvSpPr/>
+          <p:nvPr/>
+        </p:nvSpPr>
+        <p:spPr>
+          <a:xfrm>
+            <a:off x="3793670" y="3634042"/>
+            <a:ext cx="1556657" cy="838200"/>
+          </a:xfrm>
+          <a:prstGeom prst="rect">
+            <a:avLst/>
+          </a:prstGeom>
+          <a:noFill/>
+        </p:spPr>
+        <p:style>
+          <a:lnRef idx="2">
+            <a:schemeClr val="accent1">
+              <a:shade val="15000"/>
+            </a:schemeClr>
+          </a:lnRef>
+          <a:fillRef idx="1">
+            <a:schemeClr val="accent1"/>
+          </a:fillRef>
+          <a:effectRef idx="0">
+            <a:schemeClr val="accent1"/>
+          </a:effectRef>
+          <a:fontRef idx="minor">
+            <a:schemeClr val="lt1"/>
+          </a:fontRef>
+        </p:style>
+        <p:txBody>
+          <a:bodyPr rtlCol="0" anchor="ctr"/>
+          <a:lstStyle/>
+          <a:p>
+            <a:pPr algn="ctr"/>
+            <a:r>
+              <a:rPr lang="en-US" altLang="ja-JP" dirty="0">
+                <a:solidFill>
+                  <a:schemeClr val="tx1"/>
+                </a:solidFill>
+              </a:rPr>
+              <a:t>B</a:t>
+            </a:r>
+            <a:endParaRPr kumimoji="1" lang="en-US" altLang="ja-JP" dirty="0">
+              <a:solidFill>
+                <a:schemeClr val="tx1"/>
+              </a:solidFill>
+            </a:endParaRPr>
+          </a:p>
+          <a:p>
+            <a:pPr algn="ctr"/>
+            <a:r>
+              <a:rPr kumimoji="1" lang="en-US" altLang="ja-JP" dirty="0" err="1">
+                <a:solidFill>
+                  <a:schemeClr val="tx1"/>
+                </a:solidFill>
+              </a:rPr>
+              <a:t>gc_ref</a:t>
+            </a:r>
+            <a:r>
+              <a:rPr kumimoji="1" lang="en-US" altLang="ja-JP" dirty="0">
+                <a:solidFill>
+                  <a:schemeClr val="tx1"/>
+                </a:solidFill>
+              </a:rPr>
+              <a:t> = </a:t>
+            </a:r>
+            <a:r>
+              <a:rPr lang="en-US" altLang="ja-JP" dirty="0">
+                <a:solidFill>
+                  <a:schemeClr val="tx1"/>
+                </a:solidFill>
+              </a:rPr>
+              <a:t>1</a:t>
+            </a:r>
+            <a:endParaRPr kumimoji="1" lang="en-US" altLang="ja-JP" dirty="0">
+              <a:solidFill>
+                <a:schemeClr val="tx1"/>
+              </a:solidFill>
+            </a:endParaRPr>
+          </a:p>
+          <a:p>
+            <a:pPr algn="ctr"/>
+            <a:r>
+              <a:rPr lang="en-US" altLang="ja-JP" dirty="0">
+                <a:solidFill>
+                  <a:schemeClr val="tx1"/>
+                </a:solidFill>
+              </a:rPr>
+              <a:t>REACHABLE</a:t>
+            </a:r>
+            <a:endParaRPr kumimoji="1" lang="ja-JP" altLang="en-US" dirty="0">
+              <a:solidFill>
+                <a:schemeClr val="tx1"/>
+              </a:solidFill>
+            </a:endParaRPr>
+          </a:p>
+        </p:txBody>
+      </p:sp>
+      <p:sp>
+        <p:nvSpPr>
+          <p:cNvPr id="7" name="正方形/長方形 6">
+            <a:extLst>
+              <a:ext uri="{FF2B5EF4-FFF2-40B4-BE49-F238E27FC236}">
+                <a16:creationId xmlns:a16="http://schemas.microsoft.com/office/drawing/2014/main" id="{78EF67EB-EE1A-C12A-DF0F-9C817DE30A96}"/>
+              </a:ext>
+            </a:extLst>
+          </p:cNvPr>
+          <p:cNvSpPr/>
+          <p:nvPr/>
+        </p:nvSpPr>
+        <p:spPr>
+          <a:xfrm>
+            <a:off x="1110943" y="3634042"/>
+            <a:ext cx="1556657" cy="838200"/>
+          </a:xfrm>
+          <a:prstGeom prst="rect">
+            <a:avLst/>
+          </a:prstGeom>
+          <a:noFill/>
+        </p:spPr>
+        <p:style>
+          <a:lnRef idx="2">
+            <a:schemeClr val="accent1">
+              <a:shade val="15000"/>
+            </a:schemeClr>
+          </a:lnRef>
+          <a:fillRef idx="1">
+            <a:schemeClr val="accent1"/>
+          </a:fillRef>
+          <a:effectRef idx="0">
+            <a:schemeClr val="accent1"/>
+          </a:effectRef>
+          <a:fontRef idx="minor">
+            <a:schemeClr val="lt1"/>
+          </a:fontRef>
+        </p:style>
+        <p:txBody>
+          <a:bodyPr rtlCol="0" anchor="ctr"/>
+          <a:lstStyle/>
+          <a:p>
+            <a:pPr algn="ctr"/>
+            <a:r>
+              <a:rPr lang="en-US" altLang="ja-JP" dirty="0">
+                <a:solidFill>
+                  <a:schemeClr val="tx1"/>
+                </a:solidFill>
+              </a:rPr>
+              <a:t>C</a:t>
+            </a:r>
+            <a:endParaRPr kumimoji="1" lang="en-US" altLang="ja-JP" dirty="0">
+              <a:solidFill>
+                <a:schemeClr val="tx1"/>
+              </a:solidFill>
+            </a:endParaRPr>
+          </a:p>
+          <a:p>
+            <a:pPr algn="ctr"/>
+            <a:r>
+              <a:rPr lang="en-US" altLang="ja-JP" dirty="0" err="1">
+                <a:solidFill>
+                  <a:schemeClr val="tx1"/>
+                </a:solidFill>
+              </a:rPr>
+              <a:t>gc_ref</a:t>
+            </a:r>
+            <a:r>
+              <a:rPr kumimoji="1" lang="en-US" altLang="ja-JP" dirty="0">
+                <a:solidFill>
+                  <a:schemeClr val="tx1"/>
+                </a:solidFill>
+              </a:rPr>
+              <a:t> = 1</a:t>
+            </a:r>
+          </a:p>
+          <a:p>
+            <a:pPr algn="ctr"/>
+            <a:r>
+              <a:rPr lang="en-US" altLang="ja-JP" dirty="0">
+                <a:solidFill>
+                  <a:schemeClr val="tx1"/>
+                </a:solidFill>
+              </a:rPr>
+              <a:t>REACHABLE</a:t>
+            </a:r>
+            <a:endParaRPr kumimoji="1" lang="ja-JP" altLang="en-US" dirty="0">
+              <a:solidFill>
+                <a:schemeClr val="tx1"/>
+              </a:solidFill>
+            </a:endParaRPr>
+          </a:p>
+        </p:txBody>
+      </p:sp>
+      <p:sp>
+        <p:nvSpPr>
+          <p:cNvPr id="9" name="矢印: 下 8">
+            <a:extLst>
+              <a:ext uri="{FF2B5EF4-FFF2-40B4-BE49-F238E27FC236}">
+                <a16:creationId xmlns:a16="http://schemas.microsoft.com/office/drawing/2014/main" id="{D0800DC1-2501-A49C-D5A1-96C8A080A9E2}"/>
+              </a:ext>
+            </a:extLst>
+          </p:cNvPr>
+          <p:cNvSpPr/>
+          <p:nvPr/>
+        </p:nvSpPr>
+        <p:spPr>
+          <a:xfrm rot="5400000">
+            <a:off x="5617028" y="3625027"/>
+            <a:ext cx="457200" cy="838200"/>
+          </a:xfrm>
+          <a:prstGeom prst="downArrow">
+            <a:avLst>
+              <a:gd name="adj1" fmla="val 50000"/>
+              <a:gd name="adj2" fmla="val 73809"/>
+            </a:avLst>
+          </a:prstGeom>
+          <a:noFill/>
+          <a:ln>
+            <a:solidFill>
+              <a:schemeClr val="tx1"/>
+            </a:solidFill>
+          </a:ln>
+        </p:spPr>
+        <p:style>
+          <a:lnRef idx="2">
+            <a:schemeClr val="accent1">
+              <a:shade val="15000"/>
+            </a:schemeClr>
+          </a:lnRef>
+          <a:fillRef idx="1">
+            <a:schemeClr val="accent1"/>
+          </a:fillRef>
+          <a:effectRef idx="0">
+            <a:schemeClr val="accent1"/>
+          </a:effectRef>
+          <a:fontRef idx="minor">
+            <a:schemeClr val="lt1"/>
+          </a:fontRef>
+        </p:style>
+        <p:txBody>
+          <a:bodyPr rtlCol="0" anchor="ctr"/>
+          <a:lstStyle/>
+          <a:p>
+            <a:pPr algn="ctr"/>
+            <a:endParaRPr kumimoji="1" lang="ja-JP" altLang="en-US"/>
+          </a:p>
+        </p:txBody>
+      </p:sp>
+      <p:sp>
+        <p:nvSpPr>
+          <p:cNvPr id="10" name="矢印: 下 9">
+            <a:extLst>
+              <a:ext uri="{FF2B5EF4-FFF2-40B4-BE49-F238E27FC236}">
+                <a16:creationId xmlns:a16="http://schemas.microsoft.com/office/drawing/2014/main" id="{B614580B-6186-38B9-9C77-897D6B074278}"/>
+              </a:ext>
+            </a:extLst>
+          </p:cNvPr>
+          <p:cNvSpPr/>
+          <p:nvPr/>
+        </p:nvSpPr>
+        <p:spPr>
+          <a:xfrm rot="5400000">
+            <a:off x="2993568" y="3634042"/>
+            <a:ext cx="457200" cy="838200"/>
+          </a:xfrm>
+          <a:prstGeom prst="downArrow">
+            <a:avLst>
+              <a:gd name="adj1" fmla="val 50000"/>
+              <a:gd name="adj2" fmla="val 73809"/>
+            </a:avLst>
+          </a:prstGeom>
+          <a:noFill/>
+          <a:ln>
+            <a:solidFill>
+              <a:schemeClr val="tx1"/>
+            </a:solidFill>
+          </a:ln>
+        </p:spPr>
+        <p:style>
+          <a:lnRef idx="2">
+            <a:schemeClr val="accent1">
+              <a:shade val="15000"/>
+            </a:schemeClr>
+          </a:lnRef>
+          <a:fillRef idx="1">
+            <a:schemeClr val="accent1"/>
+          </a:fillRef>
+          <a:effectRef idx="0">
+            <a:schemeClr val="accent1"/>
+          </a:effectRef>
+          <a:fontRef idx="minor">
+            <a:schemeClr val="lt1"/>
+          </a:fontRef>
+        </p:style>
+        <p:txBody>
+          <a:bodyPr rtlCol="0" anchor="ctr"/>
+          <a:lstStyle/>
+          <a:p>
+            <a:pPr algn="ctr"/>
+            <a:endParaRPr kumimoji="1" lang="ja-JP" altLang="en-US"/>
+          </a:p>
+        </p:txBody>
+      </p:sp>
+      <p:sp>
+        <p:nvSpPr>
+          <p:cNvPr id="8" name="矢印: 下 7">
+            <a:extLst>
+              <a:ext uri="{FF2B5EF4-FFF2-40B4-BE49-F238E27FC236}">
+                <a16:creationId xmlns:a16="http://schemas.microsoft.com/office/drawing/2014/main" id="{1ACE5348-A340-84D7-4757-811F53F4CEC6}"/>
+              </a:ext>
+            </a:extLst>
+          </p:cNvPr>
+          <p:cNvSpPr/>
+          <p:nvPr/>
+        </p:nvSpPr>
+        <p:spPr>
+          <a:xfrm>
+            <a:off x="2324698" y="2750628"/>
+            <a:ext cx="457200" cy="838200"/>
+          </a:xfrm>
+          <a:prstGeom prst="downArrow">
+            <a:avLst>
+              <a:gd name="adj1" fmla="val 50000"/>
+              <a:gd name="adj2" fmla="val 73809"/>
+            </a:avLst>
+          </a:prstGeom>
+          <a:noFill/>
+          <a:ln>
+            <a:solidFill>
+              <a:schemeClr val="tx1"/>
+            </a:solidFill>
+          </a:ln>
+        </p:spPr>
+        <p:style>
+          <a:lnRef idx="2">
+            <a:schemeClr val="accent1">
+              <a:shade val="15000"/>
+            </a:schemeClr>
+          </a:lnRef>
+          <a:fillRef idx="1">
+            <a:schemeClr val="accent1"/>
+          </a:fillRef>
+          <a:effectRef idx="0">
+            <a:schemeClr val="accent1"/>
+          </a:effectRef>
+          <a:fontRef idx="minor">
+            <a:schemeClr val="lt1"/>
+          </a:fontRef>
+        </p:style>
+        <p:txBody>
+          <a:bodyPr rtlCol="0" anchor="ctr"/>
+          <a:lstStyle/>
+          <a:p>
+            <a:pPr algn="ctr"/>
+            <a:endParaRPr kumimoji="1" lang="ja-JP" altLang="en-US"/>
+          </a:p>
+        </p:txBody>
+      </p:sp>
+    </p:spTree>
+    <p:extLst>
+      <p:ext uri="{BB962C8B-B14F-4D97-AF65-F5344CB8AC3E}">
+        <p14:creationId xmlns:p14="http://schemas.microsoft.com/office/powerpoint/2010/main" val="2008165902"/>
+      </p:ext>
+    </p:extLst>
+  </p:cSld>
+  <p:clrMapOvr>
+    <a:masterClrMapping/>
+  </p:clrMapOvr>
+</p:sld>
+</file>
+
+<file path=ppt/slides/slide38.xml><?xml version="1.0" encoding="utf-8"?>
+<p:sld xmlns:a="http://schemas.openxmlformats.org/drawingml/2006/main" xmlns:r="http://schemas.openxmlformats.org/officeDocument/2006/relationships" xmlns:p="http://schemas.openxmlformats.org/presentationml/2006/main">
+  <p:cSld>
+    <p:spTree>
+      <p:nvGrpSpPr>
+        <p:cNvPr id="1" name="">
+          <a:extLst>
+            <a:ext uri="{FF2B5EF4-FFF2-40B4-BE49-F238E27FC236}">
+              <a16:creationId xmlns:a16="http://schemas.microsoft.com/office/drawing/2014/main" id="{BF19BA07-9710-439E-3C38-520B3961EDF4}"/>
+            </a:ext>
+          </a:extLst>
+        </p:cNvPr>
+        <p:cNvGrpSpPr/>
+        <p:nvPr/>
+      </p:nvGrpSpPr>
+      <p:grpSpPr>
+        <a:xfrm>
+          <a:off x="0" y="0"/>
+          <a:ext cx="0" cy="0"/>
+          <a:chOff x="0" y="0"/>
+          <a:chExt cx="0" cy="0"/>
+        </a:xfrm>
+      </p:grpSpPr>
+      <p:sp>
+        <p:nvSpPr>
+          <p:cNvPr id="2" name="タイトル 1">
+            <a:extLst>
+              <a:ext uri="{FF2B5EF4-FFF2-40B4-BE49-F238E27FC236}">
+                <a16:creationId xmlns:a16="http://schemas.microsoft.com/office/drawing/2014/main" id="{843BCACC-DE62-C7B5-32E4-C94B984FBE23}"/>
+              </a:ext>
+            </a:extLst>
+          </p:cNvPr>
+          <p:cNvSpPr>
+            <a:spLocks noGrp="1"/>
+          </p:cNvSpPr>
+          <p:nvPr>
+            <p:ph type="title"/>
+          </p:nvPr>
+        </p:nvSpPr>
+        <p:spPr/>
+        <p:txBody>
+          <a:bodyPr/>
+          <a:lstStyle/>
+          <a:p>
+            <a:r>
+              <a:rPr lang="ja-JP" altLang="en-US" dirty="0"/>
+              <a:t>今回の内容</a:t>
+            </a:r>
+            <a:endParaRPr kumimoji="1" lang="ja-JP" altLang="en-US" dirty="0"/>
+          </a:p>
+        </p:txBody>
+      </p:sp>
+      <p:sp>
+        <p:nvSpPr>
+          <p:cNvPr id="3" name="コンテンツ プレースホルダー 2">
+            <a:extLst>
+              <a:ext uri="{FF2B5EF4-FFF2-40B4-BE49-F238E27FC236}">
+                <a16:creationId xmlns:a16="http://schemas.microsoft.com/office/drawing/2014/main" id="{A9A9CBAA-4B32-3AC1-0B48-C42A4A336DC4}"/>
+              </a:ext>
+            </a:extLst>
+          </p:cNvPr>
+          <p:cNvSpPr>
+            <a:spLocks noGrp="1"/>
+          </p:cNvSpPr>
+          <p:nvPr>
+            <p:ph idx="1"/>
+          </p:nvPr>
+        </p:nvSpPr>
+        <p:spPr/>
+        <p:txBody>
+          <a:bodyPr/>
+          <a:lstStyle/>
+          <a:p>
+            <a:pPr marL="0" indent="0">
+              <a:buNone/>
+            </a:pPr>
+            <a:endParaRPr lang="en-US" altLang="ja-JP" dirty="0"/>
+          </a:p>
+          <a:p>
+            <a:pPr marL="0" indent="0">
+              <a:buNone/>
+            </a:pPr>
+            <a:endParaRPr lang="en-US" altLang="ja-JP" dirty="0"/>
+          </a:p>
+          <a:p>
+            <a:pPr marL="0" indent="0">
+              <a:buNone/>
+            </a:pPr>
+            <a:endParaRPr lang="en-US" altLang="ja-JP" dirty="0"/>
+          </a:p>
+          <a:p>
+            <a:pPr marL="0" indent="0">
+              <a:buNone/>
+            </a:pPr>
+            <a:r>
+              <a:rPr kumimoji="1" lang="en-US" altLang="ja-JP" dirty="0">
+                <a:solidFill>
+                  <a:schemeClr val="bg1">
+                    <a:lumMod val="85000"/>
+                  </a:schemeClr>
+                </a:solidFill>
+              </a:rPr>
+              <a:t>1. Garbage Collection</a:t>
+            </a:r>
+            <a:r>
+              <a:rPr lang="ja-JP" altLang="en-US" dirty="0">
+                <a:solidFill>
+                  <a:schemeClr val="bg1">
+                    <a:lumMod val="85000"/>
+                  </a:schemeClr>
+                </a:solidFill>
+              </a:rPr>
+              <a:t> 概論</a:t>
+            </a:r>
+            <a:endParaRPr kumimoji="1" lang="en-US" altLang="ja-JP" dirty="0">
+              <a:solidFill>
+                <a:schemeClr val="bg1">
+                  <a:lumMod val="85000"/>
+                </a:schemeClr>
+              </a:solidFill>
+            </a:endParaRPr>
+          </a:p>
+          <a:p>
+            <a:pPr marL="0" indent="0">
+              <a:buNone/>
+            </a:pPr>
+            <a:r>
+              <a:rPr kumimoji="1" lang="en-US" altLang="ja-JP" dirty="0">
+                <a:solidFill>
+                  <a:schemeClr val="bg1">
+                    <a:lumMod val="85000"/>
+                  </a:schemeClr>
+                </a:solidFill>
+              </a:rPr>
+              <a:t>2. </a:t>
+            </a:r>
+            <a:r>
+              <a:rPr lang="en-US" altLang="ja-JP" dirty="0">
+                <a:solidFill>
+                  <a:schemeClr val="bg1">
+                    <a:lumMod val="85000"/>
+                  </a:schemeClr>
+                </a:solidFill>
+              </a:rPr>
+              <a:t>Python </a:t>
+            </a:r>
+            <a:r>
+              <a:rPr lang="ja-JP" altLang="en-US" dirty="0">
+                <a:solidFill>
+                  <a:schemeClr val="bg1">
+                    <a:lumMod val="85000"/>
+                  </a:schemeClr>
+                </a:solidFill>
+              </a:rPr>
+              <a:t>における </a:t>
+            </a:r>
+            <a:r>
+              <a:rPr lang="en-US" altLang="ja-JP" dirty="0">
+                <a:solidFill>
+                  <a:schemeClr val="bg1">
+                    <a:lumMod val="85000"/>
+                  </a:schemeClr>
+                </a:solidFill>
+              </a:rPr>
+              <a:t>GC</a:t>
+            </a:r>
+          </a:p>
+          <a:p>
+            <a:pPr marL="0" indent="0">
+              <a:buNone/>
+            </a:pPr>
+            <a:r>
+              <a:rPr kumimoji="1" lang="en-US" altLang="ja-JP" dirty="0"/>
+              <a:t>3. </a:t>
+            </a:r>
+            <a:r>
+              <a:rPr kumimoji="1" lang="ja-JP" altLang="en-US" dirty="0"/>
+              <a:t>冒頭の疑問への答え</a:t>
+            </a:r>
+            <a:endParaRPr kumimoji="1" lang="en-US" altLang="ja-JP" dirty="0"/>
+          </a:p>
+          <a:p>
+            <a:pPr marL="0" indent="0">
+              <a:buNone/>
+            </a:pPr>
+            <a:r>
+              <a:rPr lang="en-US" altLang="ja-JP" dirty="0">
+                <a:solidFill>
+                  <a:schemeClr val="bg1">
+                    <a:lumMod val="85000"/>
+                  </a:schemeClr>
+                </a:solidFill>
+              </a:rPr>
+              <a:t>4. </a:t>
+            </a:r>
+            <a:r>
+              <a:rPr lang="ja-JP" altLang="en-US" dirty="0">
+                <a:solidFill>
+                  <a:schemeClr val="bg1">
+                    <a:lumMod val="85000"/>
+                  </a:schemeClr>
+                </a:solidFill>
+              </a:rPr>
+              <a:t>今後の方針</a:t>
+            </a:r>
+            <a:endParaRPr kumimoji="1" lang="en-US" altLang="ja-JP" dirty="0">
+              <a:solidFill>
+                <a:schemeClr val="bg1">
+                  <a:lumMod val="85000"/>
+                </a:schemeClr>
+              </a:solidFill>
+            </a:endParaRPr>
+          </a:p>
+          <a:p>
+            <a:pPr marL="0" indent="0">
+              <a:buNone/>
+            </a:pPr>
+            <a:endParaRPr kumimoji="1" lang="en-US" altLang="ja-JP" dirty="0"/>
+          </a:p>
+        </p:txBody>
+      </p:sp>
+    </p:spTree>
+    <p:extLst>
+      <p:ext uri="{BB962C8B-B14F-4D97-AF65-F5344CB8AC3E}">
+        <p14:creationId xmlns:p14="http://schemas.microsoft.com/office/powerpoint/2010/main" val="2354010202"/>
+      </p:ext>
+    </p:extLst>
+  </p:cSld>
+  <p:clrMapOvr>
+    <a:masterClrMapping/>
+  </p:clrMapOvr>
+</p:sld>
+</file>
+
+<file path=ppt/slides/slide39.xml><?xml version="1.0" encoding="utf-8"?>
+<p:sld xmlns:a="http://schemas.openxmlformats.org/drawingml/2006/main" xmlns:r="http://schemas.openxmlformats.org/officeDocument/2006/relationships" xmlns:p="http://schemas.openxmlformats.org/presentationml/2006/main">
+  <p:cSld>
+    <p:spTree>
+      <p:nvGrpSpPr>
+        <p:cNvPr id="1" name="">
+          <a:extLst>
+            <a:ext uri="{FF2B5EF4-FFF2-40B4-BE49-F238E27FC236}">
+              <a16:creationId xmlns:a16="http://schemas.microsoft.com/office/drawing/2014/main" id="{C9993FEC-4E52-03ED-9A81-E287AD3FEF6B}"/>
+            </a:ext>
+          </a:extLst>
+        </p:cNvPr>
+        <p:cNvGrpSpPr/>
+        <p:nvPr/>
+      </p:nvGrpSpPr>
+      <p:grpSpPr>
+        <a:xfrm>
+          <a:off x="0" y="0"/>
+          <a:ext cx="0" cy="0"/>
+          <a:chOff x="0" y="0"/>
+          <a:chExt cx="0" cy="0"/>
+        </a:xfrm>
+      </p:grpSpPr>
+      <p:sp>
+        <p:nvSpPr>
+          <p:cNvPr id="2" name="タイトル 1">
+            <a:extLst>
+              <a:ext uri="{FF2B5EF4-FFF2-40B4-BE49-F238E27FC236}">
+                <a16:creationId xmlns:a16="http://schemas.microsoft.com/office/drawing/2014/main" id="{40641703-CA05-F5B7-9960-5E279CA2F1B2}"/>
+              </a:ext>
+            </a:extLst>
+          </p:cNvPr>
+          <p:cNvSpPr>
+            <a:spLocks noGrp="1"/>
+          </p:cNvSpPr>
+          <p:nvPr>
+            <p:ph type="title"/>
+          </p:nvPr>
+        </p:nvSpPr>
+        <p:spPr/>
+        <p:txBody>
+          <a:bodyPr/>
+          <a:lstStyle/>
+          <a:p>
+            <a:r>
+              <a:rPr lang="ja-JP" altLang="en-US" dirty="0"/>
+              <a:t>卒論に向けた調査時に発生した疑問</a:t>
+            </a:r>
+            <a:endParaRPr kumimoji="1" lang="ja-JP" altLang="en-US" dirty="0"/>
+          </a:p>
+        </p:txBody>
+      </p:sp>
+      <p:sp>
+        <p:nvSpPr>
+          <p:cNvPr id="10" name="テキスト ボックス 9">
+            <a:extLst>
+              <a:ext uri="{FF2B5EF4-FFF2-40B4-BE49-F238E27FC236}">
+                <a16:creationId xmlns:a16="http://schemas.microsoft.com/office/drawing/2014/main" id="{219F028C-F1CD-2951-A272-8E124A9C26E2}"/>
+              </a:ext>
+            </a:extLst>
+          </p:cNvPr>
+          <p:cNvSpPr txBox="1"/>
+          <p:nvPr/>
+        </p:nvSpPr>
+        <p:spPr>
+          <a:xfrm>
+            <a:off x="3862984" y="5143575"/>
+            <a:ext cx="4925568" cy="1323439"/>
+          </a:xfrm>
+          <a:prstGeom prst="rect">
+            <a:avLst/>
+          </a:prstGeom>
+          <a:noFill/>
+        </p:spPr>
+        <p:txBody>
+          <a:bodyPr wrap="square" rtlCol="0">
+            <a:spAutoFit/>
+          </a:bodyPr>
+          <a:lstStyle/>
+          <a:p>
+            <a:r>
+              <a:rPr lang="en-US" altLang="ja-JP" sz="2000" dirty="0" err="1"/>
+              <a:t>gc.collect</a:t>
+            </a:r>
+            <a:r>
+              <a:rPr lang="en-US" altLang="ja-JP" sz="2000" dirty="0"/>
+              <a:t>()</a:t>
+            </a:r>
+            <a:r>
+              <a:rPr lang="ja-JP" altLang="en-US" sz="2000" dirty="0"/>
+              <a:t> や </a:t>
+            </a:r>
+            <a:r>
+              <a:rPr lang="en-US" altLang="ja-JP" sz="2000" dirty="0" err="1"/>
+              <a:t>gc.get_stats</a:t>
+            </a:r>
+            <a:r>
+              <a:rPr lang="en-US" altLang="ja-JP" sz="2000" dirty="0"/>
+              <a:t>() </a:t>
+            </a:r>
+            <a:r>
+              <a:rPr lang="ja-JP" altLang="en-US" sz="2000" dirty="0"/>
+              <a:t>の仕様は</a:t>
+            </a:r>
+            <a:r>
+              <a:rPr lang="en-US" altLang="ja-JP" sz="2000" dirty="0"/>
+              <a:t>?</a:t>
+            </a:r>
+            <a:br>
+              <a:rPr lang="en-US" altLang="ja-JP" sz="2000" dirty="0"/>
+            </a:br>
+            <a:r>
+              <a:rPr lang="en-US" altLang="ja-JP" sz="2000" dirty="0"/>
+              <a:t>x1.next = 0 </a:t>
+            </a:r>
+            <a:r>
+              <a:rPr lang="ja-JP" altLang="en-US" sz="2000" dirty="0"/>
+              <a:t>とした後に</a:t>
+            </a:r>
+            <a:r>
+              <a:rPr lang="en-US" altLang="ja-JP" sz="2000" dirty="0"/>
+              <a:t> GC </a:t>
+            </a:r>
+            <a:r>
+              <a:rPr lang="ja-JP" altLang="en-US" sz="2000" dirty="0"/>
+              <a:t>されたのは何</a:t>
+            </a:r>
+            <a:r>
+              <a:rPr lang="en-US" altLang="ja-JP" sz="2000" dirty="0"/>
+              <a:t>?</a:t>
+            </a:r>
+          </a:p>
+          <a:p>
+            <a:r>
+              <a:rPr lang="ja-JP" altLang="en-US" sz="2000" dirty="0"/>
+              <a:t>なぜ</a:t>
+            </a:r>
+            <a:r>
+              <a:rPr lang="en-US" altLang="ja-JP" sz="2000" dirty="0"/>
+              <a:t>GC</a:t>
+            </a:r>
+            <a:r>
+              <a:rPr lang="ja-JP" altLang="en-US" sz="2000" dirty="0"/>
+              <a:t>された</a:t>
+            </a:r>
+            <a:r>
+              <a:rPr lang="en-US" altLang="ja-JP" sz="2000" dirty="0"/>
+              <a:t>?</a:t>
+            </a:r>
+          </a:p>
+          <a:p>
+            <a:r>
+              <a:rPr lang="en-US" altLang="ja-JP" sz="2000" dirty="0" err="1"/>
+              <a:t>gc.collect</a:t>
+            </a:r>
+            <a:r>
+              <a:rPr lang="en-US" altLang="ja-JP" sz="2000" dirty="0"/>
+              <a:t>() </a:t>
+            </a:r>
+            <a:r>
+              <a:rPr lang="ja-JP" altLang="en-US" sz="2000" dirty="0"/>
+              <a:t>をしないと </a:t>
+            </a:r>
+            <a:r>
+              <a:rPr lang="en-US" altLang="ja-JP" sz="2000" dirty="0"/>
+              <a:t>GC </a:t>
+            </a:r>
+            <a:r>
+              <a:rPr lang="ja-JP" altLang="en-US" sz="2000" dirty="0"/>
+              <a:t>されないのか</a:t>
+            </a:r>
+            <a:r>
+              <a:rPr lang="en-US" altLang="ja-JP" sz="2000" dirty="0"/>
+              <a:t>?</a:t>
+            </a:r>
+          </a:p>
+        </p:txBody>
+      </p:sp>
+      <p:pic>
+        <p:nvPicPr>
+          <p:cNvPr id="7" name="図 6">
+            <a:extLst>
+              <a:ext uri="{FF2B5EF4-FFF2-40B4-BE49-F238E27FC236}">
+                <a16:creationId xmlns:a16="http://schemas.microsoft.com/office/drawing/2014/main" id="{7AAAD360-0267-688C-B176-7B29EF0A4908}"/>
+              </a:ext>
+            </a:extLst>
+          </p:cNvPr>
+          <p:cNvPicPr>
+            <a:picLocks noChangeAspect="1"/>
+          </p:cNvPicPr>
+          <p:nvPr/>
+        </p:nvPicPr>
+        <p:blipFill>
+          <a:blip r:embed="rId2"/>
+          <a:stretch>
+            <a:fillRect/>
+          </a:stretch>
+        </p:blipFill>
+        <p:spPr>
+          <a:xfrm>
+            <a:off x="259195" y="1003326"/>
+            <a:ext cx="2965268" cy="5718148"/>
+          </a:xfrm>
+          <a:prstGeom prst="rect">
+            <a:avLst/>
+          </a:prstGeom>
+        </p:spPr>
+      </p:pic>
+      <p:pic>
+        <p:nvPicPr>
+          <p:cNvPr id="13" name="図 12">
+            <a:extLst>
+              <a:ext uri="{FF2B5EF4-FFF2-40B4-BE49-F238E27FC236}">
+                <a16:creationId xmlns:a16="http://schemas.microsoft.com/office/drawing/2014/main" id="{D7F09420-E39F-CF7E-F641-8FEB59C550BF}"/>
+              </a:ext>
+            </a:extLst>
+          </p:cNvPr>
+          <p:cNvPicPr>
+            <a:picLocks noChangeAspect="1"/>
+          </p:cNvPicPr>
+          <p:nvPr/>
+        </p:nvPicPr>
+        <p:blipFill>
+          <a:blip r:embed="rId3"/>
+          <a:stretch>
+            <a:fillRect/>
+          </a:stretch>
+        </p:blipFill>
+        <p:spPr>
+          <a:xfrm>
+            <a:off x="3571370" y="995619"/>
+            <a:ext cx="5217182" cy="3950583"/>
+          </a:xfrm>
+          <a:prstGeom prst="rect">
+            <a:avLst/>
+          </a:prstGeom>
+        </p:spPr>
+      </p:pic>
+    </p:spTree>
+    <p:extLst>
+      <p:ext uri="{BB962C8B-B14F-4D97-AF65-F5344CB8AC3E}">
+        <p14:creationId xmlns:p14="http://schemas.microsoft.com/office/powerpoint/2010/main" val="498273908"/>
       </p:ext>
     </p:extLst>
   </p:cSld>
@@ -13339,12 +16287,2545 @@
               </a:solidFill>
             </a:endParaRPr>
           </a:p>
+          <a:p>
+            <a:pPr marL="0" indent="0">
+              <a:buNone/>
+            </a:pPr>
+            <a:r>
+              <a:rPr lang="en-US" altLang="ja-JP" dirty="0">
+                <a:solidFill>
+                  <a:schemeClr val="bg1">
+                    <a:lumMod val="85000"/>
+                  </a:schemeClr>
+                </a:solidFill>
+              </a:rPr>
+              <a:t>4. </a:t>
+            </a:r>
+            <a:r>
+              <a:rPr lang="ja-JP" altLang="en-US" dirty="0">
+                <a:solidFill>
+                  <a:schemeClr val="bg1">
+                    <a:lumMod val="85000"/>
+                  </a:schemeClr>
+                </a:solidFill>
+              </a:rPr>
+              <a:t>今後の方針</a:t>
+            </a:r>
+            <a:endParaRPr kumimoji="1" lang="en-US" altLang="ja-JP" dirty="0">
+              <a:solidFill>
+                <a:schemeClr val="bg1">
+                  <a:lumMod val="85000"/>
+                </a:schemeClr>
+              </a:solidFill>
+            </a:endParaRPr>
+          </a:p>
+          <a:p>
+            <a:pPr marL="0" indent="0">
+              <a:buNone/>
+            </a:pPr>
+            <a:endParaRPr kumimoji="1" lang="en-US" altLang="ja-JP" dirty="0">
+              <a:solidFill>
+                <a:schemeClr val="bg1">
+                  <a:lumMod val="85000"/>
+                </a:schemeClr>
+              </a:solidFill>
+            </a:endParaRPr>
+          </a:p>
         </p:txBody>
       </p:sp>
     </p:spTree>
     <p:extLst>
       <p:ext uri="{BB962C8B-B14F-4D97-AF65-F5344CB8AC3E}">
         <p14:creationId xmlns:p14="http://schemas.microsoft.com/office/powerpoint/2010/main" val="540321048"/>
+      </p:ext>
+    </p:extLst>
+  </p:cSld>
+  <p:clrMapOvr>
+    <a:masterClrMapping/>
+  </p:clrMapOvr>
+</p:sld>
+</file>
+
+<file path=ppt/slides/slide40.xml><?xml version="1.0" encoding="utf-8"?>
+<p:sld xmlns:a="http://schemas.openxmlformats.org/drawingml/2006/main" xmlns:r="http://schemas.openxmlformats.org/officeDocument/2006/relationships" xmlns:p="http://schemas.openxmlformats.org/presentationml/2006/main">
+  <p:cSld>
+    <p:spTree>
+      <p:nvGrpSpPr>
+        <p:cNvPr id="1" name="">
+          <a:extLst>
+            <a:ext uri="{FF2B5EF4-FFF2-40B4-BE49-F238E27FC236}">
+              <a16:creationId xmlns:a16="http://schemas.microsoft.com/office/drawing/2014/main" id="{44AABE95-B156-AFB0-2E1A-26A8B6DFA642}"/>
+            </a:ext>
+          </a:extLst>
+        </p:cNvPr>
+        <p:cNvGrpSpPr/>
+        <p:nvPr/>
+      </p:nvGrpSpPr>
+      <p:grpSpPr>
+        <a:xfrm>
+          <a:off x="0" y="0"/>
+          <a:ext cx="0" cy="0"/>
+          <a:chOff x="0" y="0"/>
+          <a:chExt cx="0" cy="0"/>
+        </a:xfrm>
+      </p:grpSpPr>
+      <p:sp>
+        <p:nvSpPr>
+          <p:cNvPr id="2" name="タイトル 1">
+            <a:extLst>
+              <a:ext uri="{FF2B5EF4-FFF2-40B4-BE49-F238E27FC236}">
+                <a16:creationId xmlns:a16="http://schemas.microsoft.com/office/drawing/2014/main" id="{5A92F538-9C2C-D58E-6228-8CF933C6FE9D}"/>
+              </a:ext>
+            </a:extLst>
+          </p:cNvPr>
+          <p:cNvSpPr>
+            <a:spLocks noGrp="1"/>
+          </p:cNvSpPr>
+          <p:nvPr>
+            <p:ph type="title"/>
+          </p:nvPr>
+        </p:nvSpPr>
+        <p:spPr/>
+        <p:txBody>
+          <a:bodyPr/>
+          <a:lstStyle/>
+          <a:p>
+            <a:pPr marL="0" indent="0">
+              <a:buNone/>
+            </a:pPr>
+            <a:r>
+              <a:rPr kumimoji="1" lang="en-US" altLang="ja-JP" dirty="0"/>
+              <a:t>3. </a:t>
+            </a:r>
+            <a:r>
+              <a:rPr kumimoji="1" lang="ja-JP" altLang="en-US" dirty="0"/>
+              <a:t>冒頭の疑問への答え</a:t>
+            </a:r>
+            <a:endParaRPr kumimoji="1" lang="en-US" altLang="ja-JP" dirty="0"/>
+          </a:p>
+        </p:txBody>
+      </p:sp>
+      <p:sp>
+        <p:nvSpPr>
+          <p:cNvPr id="10" name="テキスト ボックス 9">
+            <a:extLst>
+              <a:ext uri="{FF2B5EF4-FFF2-40B4-BE49-F238E27FC236}">
+                <a16:creationId xmlns:a16="http://schemas.microsoft.com/office/drawing/2014/main" id="{AF1241F8-BC14-A44C-17C0-6BEC47655396}"/>
+              </a:ext>
+            </a:extLst>
+          </p:cNvPr>
+          <p:cNvSpPr txBox="1"/>
+          <p:nvPr/>
+        </p:nvSpPr>
+        <p:spPr>
+          <a:xfrm>
+            <a:off x="3456755" y="1050217"/>
+            <a:ext cx="5428050" cy="3170099"/>
+          </a:xfrm>
+          <a:prstGeom prst="rect">
+            <a:avLst/>
+          </a:prstGeom>
+          <a:noFill/>
+        </p:spPr>
+        <p:txBody>
+          <a:bodyPr wrap="square" rtlCol="0">
+            <a:spAutoFit/>
+          </a:bodyPr>
+          <a:lstStyle/>
+          <a:p>
+            <a:r>
+              <a:rPr lang="en-US" altLang="ja-JP" sz="2000" dirty="0"/>
+              <a:t>Reference </a:t>
+            </a:r>
+            <a:r>
+              <a:rPr lang="en-US" altLang="ja-JP" sz="2000" dirty="0" err="1"/>
+              <a:t>Conuting</a:t>
+            </a:r>
+            <a:r>
+              <a:rPr lang="ja-JP" altLang="en-US" sz="2000" dirty="0"/>
+              <a:t>方式であるから</a:t>
+            </a:r>
+            <a:r>
+              <a:rPr lang="en-US" altLang="ja-JP" sz="2000" dirty="0"/>
+              <a:t>GC</a:t>
+            </a:r>
+            <a:r>
+              <a:rPr lang="ja-JP" altLang="en-US" sz="2000" dirty="0"/>
+              <a:t>は随時実行される</a:t>
+            </a:r>
+            <a:r>
+              <a:rPr lang="en-US" altLang="ja-JP" sz="2000" dirty="0"/>
+              <a:t>. </a:t>
+            </a:r>
+            <a:r>
+              <a:rPr lang="ja-JP" altLang="en-US" sz="2000" dirty="0"/>
+              <a:t>しかし，循環参照はいつでも起こり得るため，メモリリークを防ぐために</a:t>
+            </a:r>
+            <a:r>
+              <a:rPr lang="en-US" altLang="ja-JP" sz="2000" dirty="0"/>
+              <a:t>incremental scan </a:t>
+            </a:r>
+            <a:r>
+              <a:rPr lang="ja-JP" altLang="en-US" sz="2000" dirty="0"/>
+              <a:t>を用いた</a:t>
+            </a:r>
+            <a:r>
+              <a:rPr lang="en-US" altLang="ja-JP" sz="2000" dirty="0"/>
+              <a:t>2</a:t>
+            </a:r>
+            <a:r>
+              <a:rPr lang="ja-JP" altLang="en-US" sz="2000" dirty="0"/>
+              <a:t>世代 </a:t>
+            </a:r>
+            <a:r>
+              <a:rPr lang="en-US" altLang="ja-JP" sz="2000" dirty="0"/>
+              <a:t>GC </a:t>
+            </a:r>
+            <a:r>
+              <a:rPr lang="ja-JP" altLang="en-US" sz="2000" dirty="0"/>
+              <a:t>が実装されている．</a:t>
+            </a:r>
+            <a:endParaRPr lang="en-US" altLang="ja-JP" sz="2000" dirty="0"/>
+          </a:p>
+          <a:p>
+            <a:endParaRPr lang="en-US" altLang="ja-JP" sz="2000" dirty="0"/>
+          </a:p>
+          <a:p>
+            <a:r>
+              <a:rPr lang="en-US" altLang="ja-JP" sz="2000" dirty="0" err="1"/>
+              <a:t>gc.collect</a:t>
+            </a:r>
+            <a:r>
+              <a:rPr lang="en-US" altLang="ja-JP" sz="2000" dirty="0"/>
+              <a:t>() </a:t>
+            </a:r>
+            <a:r>
+              <a:rPr lang="ja-JP" altLang="en-US" sz="2000" dirty="0"/>
+              <a:t>は </a:t>
+            </a:r>
+            <a:r>
+              <a:rPr lang="en-US" altLang="ja-JP" sz="2000" dirty="0"/>
+              <a:t>Full-scavenge </a:t>
+            </a:r>
+            <a:r>
+              <a:rPr lang="ja-JP" altLang="en-US" sz="2000" dirty="0"/>
+              <a:t>を即時実行する．</a:t>
+            </a:r>
+            <a:endParaRPr lang="en-US" altLang="ja-JP" sz="2000" dirty="0"/>
+          </a:p>
+          <a:p>
+            <a:r>
+              <a:rPr lang="ja-JP" altLang="en-US" sz="2000" dirty="0"/>
+              <a:t>また，</a:t>
+            </a:r>
+            <a:r>
+              <a:rPr lang="en-US" altLang="ja-JP" sz="2000" dirty="0" err="1"/>
+              <a:t>gc.get_stats</a:t>
+            </a:r>
+            <a:r>
+              <a:rPr lang="en-US" altLang="ja-JP" sz="2000" dirty="0"/>
+              <a:t>() </a:t>
+            </a:r>
+            <a:r>
+              <a:rPr lang="ja-JP" altLang="en-US" sz="2000" dirty="0"/>
+              <a:t>は 各世代の </a:t>
+            </a:r>
+            <a:r>
+              <a:rPr lang="en-US" altLang="ja-JP" sz="2000" dirty="0" err="1"/>
+              <a:t>gc</a:t>
+            </a:r>
+            <a:r>
+              <a:rPr lang="en-US" altLang="ja-JP" sz="2000" dirty="0"/>
+              <a:t> </a:t>
+            </a:r>
+            <a:r>
+              <a:rPr lang="ja-JP" altLang="en-US" sz="2000" dirty="0"/>
+              <a:t>の状況を出力する</a:t>
+            </a:r>
+            <a:r>
+              <a:rPr lang="en-US" altLang="ja-JP" sz="2000" dirty="0"/>
+              <a:t>.</a:t>
+            </a:r>
+          </a:p>
+          <a:p>
+            <a:r>
+              <a:rPr lang="en-US" altLang="ja-JP" sz="2000" dirty="0"/>
+              <a:t> </a:t>
+            </a:r>
+          </a:p>
+          <a:p>
+            <a:endParaRPr lang="en-US" altLang="ja-JP" sz="2000" dirty="0"/>
+          </a:p>
+        </p:txBody>
+      </p:sp>
+      <p:pic>
+        <p:nvPicPr>
+          <p:cNvPr id="7" name="図 6">
+            <a:extLst>
+              <a:ext uri="{FF2B5EF4-FFF2-40B4-BE49-F238E27FC236}">
+                <a16:creationId xmlns:a16="http://schemas.microsoft.com/office/drawing/2014/main" id="{5ECAA5D8-F9C5-E741-E8B9-3E64DF464A75}"/>
+              </a:ext>
+            </a:extLst>
+          </p:cNvPr>
+          <p:cNvPicPr>
+            <a:picLocks noChangeAspect="1"/>
+          </p:cNvPicPr>
+          <p:nvPr/>
+        </p:nvPicPr>
+        <p:blipFill>
+          <a:blip r:embed="rId2"/>
+          <a:stretch>
+            <a:fillRect/>
+          </a:stretch>
+        </p:blipFill>
+        <p:spPr>
+          <a:xfrm>
+            <a:off x="259195" y="1003326"/>
+            <a:ext cx="2965268" cy="5718148"/>
+          </a:xfrm>
+          <a:prstGeom prst="rect">
+            <a:avLst/>
+          </a:prstGeom>
+        </p:spPr>
+      </p:pic>
+      <p:sp>
+        <p:nvSpPr>
+          <p:cNvPr id="4" name="テキスト ボックス 3">
+            <a:extLst>
+              <a:ext uri="{FF2B5EF4-FFF2-40B4-BE49-F238E27FC236}">
+                <a16:creationId xmlns:a16="http://schemas.microsoft.com/office/drawing/2014/main" id="{118CF208-69FA-A4A0-D8EB-9D9E35116D68}"/>
+              </a:ext>
+            </a:extLst>
+          </p:cNvPr>
+          <p:cNvSpPr txBox="1"/>
+          <p:nvPr/>
+        </p:nvSpPr>
+        <p:spPr>
+          <a:xfrm>
+            <a:off x="4908884" y="6488668"/>
+            <a:ext cx="4572000" cy="369332"/>
+          </a:xfrm>
+          <a:prstGeom prst="rect">
+            <a:avLst/>
+          </a:prstGeom>
+          <a:noFill/>
+        </p:spPr>
+        <p:txBody>
+          <a:bodyPr wrap="square">
+            <a:spAutoFit/>
+          </a:bodyPr>
+          <a:lstStyle/>
+          <a:p>
+            <a:r>
+              <a:rPr lang="ja-JP" altLang="en-US" dirty="0"/>
+              <a:t>https://docs.python.org/3.13/library/gc.html</a:t>
+            </a:r>
+          </a:p>
+        </p:txBody>
+      </p:sp>
+    </p:spTree>
+    <p:extLst>
+      <p:ext uri="{BB962C8B-B14F-4D97-AF65-F5344CB8AC3E}">
+        <p14:creationId xmlns:p14="http://schemas.microsoft.com/office/powerpoint/2010/main" val="2115350536"/>
+      </p:ext>
+    </p:extLst>
+  </p:cSld>
+  <p:clrMapOvr>
+    <a:masterClrMapping/>
+  </p:clrMapOvr>
+</p:sld>
+</file>
+
+<file path=ppt/slides/slide41.xml><?xml version="1.0" encoding="utf-8"?>
+<p:sld xmlns:a="http://schemas.openxmlformats.org/drawingml/2006/main" xmlns:r="http://schemas.openxmlformats.org/officeDocument/2006/relationships" xmlns:p="http://schemas.openxmlformats.org/presentationml/2006/main">
+  <p:cSld>
+    <p:spTree>
+      <p:nvGrpSpPr>
+        <p:cNvPr id="1" name="">
+          <a:extLst>
+            <a:ext uri="{FF2B5EF4-FFF2-40B4-BE49-F238E27FC236}">
+              <a16:creationId xmlns:a16="http://schemas.microsoft.com/office/drawing/2014/main" id="{4B5C8FFA-BB9C-8CCD-30FB-5AA488DA9777}"/>
+            </a:ext>
+          </a:extLst>
+        </p:cNvPr>
+        <p:cNvGrpSpPr/>
+        <p:nvPr/>
+      </p:nvGrpSpPr>
+      <p:grpSpPr>
+        <a:xfrm>
+          <a:off x="0" y="0"/>
+          <a:ext cx="0" cy="0"/>
+          <a:chOff x="0" y="0"/>
+          <a:chExt cx="0" cy="0"/>
+        </a:xfrm>
+      </p:grpSpPr>
+      <p:sp>
+        <p:nvSpPr>
+          <p:cNvPr id="2" name="タイトル 1">
+            <a:extLst>
+              <a:ext uri="{FF2B5EF4-FFF2-40B4-BE49-F238E27FC236}">
+                <a16:creationId xmlns:a16="http://schemas.microsoft.com/office/drawing/2014/main" id="{7D170818-CAF3-9BDF-7C0F-69CEAE62F815}"/>
+              </a:ext>
+            </a:extLst>
+          </p:cNvPr>
+          <p:cNvSpPr>
+            <a:spLocks noGrp="1"/>
+          </p:cNvSpPr>
+          <p:nvPr>
+            <p:ph type="title"/>
+          </p:nvPr>
+        </p:nvSpPr>
+        <p:spPr/>
+        <p:txBody>
+          <a:bodyPr/>
+          <a:lstStyle/>
+          <a:p>
+            <a:pPr marL="0" indent="0">
+              <a:buNone/>
+            </a:pPr>
+            <a:r>
+              <a:rPr kumimoji="1" lang="en-US" altLang="ja-JP" dirty="0"/>
+              <a:t>3. </a:t>
+            </a:r>
+            <a:r>
+              <a:rPr kumimoji="1" lang="ja-JP" altLang="en-US" dirty="0"/>
+              <a:t>冒頭の疑問への答え</a:t>
+            </a:r>
+            <a:endParaRPr kumimoji="1" lang="en-US" altLang="ja-JP" dirty="0"/>
+          </a:p>
+        </p:txBody>
+      </p:sp>
+      <p:pic>
+        <p:nvPicPr>
+          <p:cNvPr id="7" name="図 6">
+            <a:extLst>
+              <a:ext uri="{FF2B5EF4-FFF2-40B4-BE49-F238E27FC236}">
+                <a16:creationId xmlns:a16="http://schemas.microsoft.com/office/drawing/2014/main" id="{D0E48484-DF6B-2955-2CC8-C44B5E236D11}"/>
+              </a:ext>
+            </a:extLst>
+          </p:cNvPr>
+          <p:cNvPicPr>
+            <a:picLocks noChangeAspect="1"/>
+          </p:cNvPicPr>
+          <p:nvPr/>
+        </p:nvPicPr>
+        <p:blipFill>
+          <a:blip r:embed="rId2"/>
+          <a:stretch>
+            <a:fillRect/>
+          </a:stretch>
+        </p:blipFill>
+        <p:spPr>
+          <a:xfrm>
+            <a:off x="259195" y="1003326"/>
+            <a:ext cx="2965268" cy="5718148"/>
+          </a:xfrm>
+          <a:prstGeom prst="rect">
+            <a:avLst/>
+          </a:prstGeom>
+        </p:spPr>
+      </p:pic>
+      <p:pic>
+        <p:nvPicPr>
+          <p:cNvPr id="3" name="図 2">
+            <a:extLst>
+              <a:ext uri="{FF2B5EF4-FFF2-40B4-BE49-F238E27FC236}">
+                <a16:creationId xmlns:a16="http://schemas.microsoft.com/office/drawing/2014/main" id="{FF7F70B0-022E-D7CC-9EC4-E4407094ECFF}"/>
+              </a:ext>
+            </a:extLst>
+          </p:cNvPr>
+          <p:cNvPicPr>
+            <a:picLocks noChangeAspect="1"/>
+          </p:cNvPicPr>
+          <p:nvPr/>
+        </p:nvPicPr>
+        <p:blipFill>
+          <a:blip r:embed="rId3"/>
+          <a:srcRect t="26877" b="26527"/>
+          <a:stretch/>
+        </p:blipFill>
+        <p:spPr>
+          <a:xfrm>
+            <a:off x="3446043" y="1003326"/>
+            <a:ext cx="5217182" cy="1840832"/>
+          </a:xfrm>
+          <a:prstGeom prst="rect">
+            <a:avLst/>
+          </a:prstGeom>
+        </p:spPr>
+      </p:pic>
+      <p:sp>
+        <p:nvSpPr>
+          <p:cNvPr id="5" name="テキスト ボックス 4">
+            <a:extLst>
+              <a:ext uri="{FF2B5EF4-FFF2-40B4-BE49-F238E27FC236}">
+                <a16:creationId xmlns:a16="http://schemas.microsoft.com/office/drawing/2014/main" id="{5085D354-8A29-9658-7B76-FF8CEC5EE880}"/>
+              </a:ext>
+            </a:extLst>
+          </p:cNvPr>
+          <p:cNvSpPr txBox="1"/>
+          <p:nvPr/>
+        </p:nvSpPr>
+        <p:spPr>
+          <a:xfrm>
+            <a:off x="3446043" y="3010793"/>
+            <a:ext cx="5217182" cy="2246769"/>
+          </a:xfrm>
+          <a:prstGeom prst="rect">
+            <a:avLst/>
+          </a:prstGeom>
+          <a:noFill/>
+        </p:spPr>
+        <p:txBody>
+          <a:bodyPr wrap="square" rtlCol="0">
+            <a:spAutoFit/>
+          </a:bodyPr>
+          <a:lstStyle/>
+          <a:p>
+            <a:r>
+              <a:rPr lang="en-US" altLang="ja-JP" sz="2000" dirty="0"/>
+              <a:t>x2 </a:t>
+            </a:r>
+            <a:r>
+              <a:rPr lang="ja-JP" altLang="en-US" sz="2000" dirty="0"/>
+              <a:t>が</a:t>
+            </a:r>
+            <a:r>
+              <a:rPr lang="en-US" altLang="ja-JP" sz="2000" dirty="0"/>
+              <a:t>del </a:t>
+            </a:r>
+            <a:r>
+              <a:rPr lang="ja-JP" altLang="en-US" sz="2000" dirty="0"/>
+              <a:t>されても </a:t>
+            </a:r>
+            <a:r>
+              <a:rPr lang="en-US" altLang="ja-JP" sz="2000" dirty="0"/>
+              <a:t>x1.next </a:t>
+            </a:r>
+            <a:r>
+              <a:rPr lang="ja-JP" altLang="en-US" sz="2000" dirty="0"/>
+              <a:t>や </a:t>
+            </a:r>
+            <a:r>
+              <a:rPr lang="en-US" altLang="ja-JP" sz="2000" dirty="0"/>
+              <a:t>x1.next.next </a:t>
+            </a:r>
+            <a:r>
+              <a:rPr lang="ja-JP" altLang="en-US" sz="2000" dirty="0"/>
+              <a:t>のように </a:t>
+            </a:r>
+            <a:r>
+              <a:rPr lang="en-US" altLang="ja-JP" sz="2000" dirty="0"/>
+              <a:t>x2 </a:t>
+            </a:r>
+            <a:r>
+              <a:rPr lang="ja-JP" altLang="en-US" sz="2000" dirty="0"/>
+              <a:t>自身への参照は残っており，オブジェクトは解放されない．</a:t>
+            </a:r>
+            <a:endParaRPr lang="en-US" altLang="ja-JP" sz="2000" dirty="0"/>
+          </a:p>
+          <a:p>
+            <a:endParaRPr lang="en-US" altLang="ja-JP" sz="2000" dirty="0"/>
+          </a:p>
+          <a:p>
+            <a:r>
+              <a:rPr lang="ja-JP" altLang="en-US" sz="2000" dirty="0"/>
+              <a:t>参照が残っている以上，</a:t>
+            </a:r>
+            <a:r>
+              <a:rPr lang="en-US" altLang="ja-JP" sz="2000" dirty="0"/>
+              <a:t>GC</a:t>
+            </a:r>
+            <a:r>
+              <a:rPr lang="ja-JP" altLang="en-US" sz="2000" dirty="0"/>
+              <a:t>も行われない．</a:t>
+            </a:r>
+            <a:endParaRPr lang="en-US" altLang="ja-JP" sz="2000" dirty="0"/>
+          </a:p>
+          <a:p>
+            <a:r>
+              <a:rPr lang="en-US" altLang="ja-JP" sz="2000" dirty="0"/>
+              <a:t> </a:t>
+            </a:r>
+          </a:p>
+          <a:p>
+            <a:endParaRPr lang="en-US" altLang="ja-JP" sz="2000" dirty="0"/>
+          </a:p>
+        </p:txBody>
+      </p:sp>
+    </p:spTree>
+    <p:extLst>
+      <p:ext uri="{BB962C8B-B14F-4D97-AF65-F5344CB8AC3E}">
+        <p14:creationId xmlns:p14="http://schemas.microsoft.com/office/powerpoint/2010/main" val="3973279567"/>
+      </p:ext>
+    </p:extLst>
+  </p:cSld>
+  <p:clrMapOvr>
+    <a:masterClrMapping/>
+  </p:clrMapOvr>
+</p:sld>
+</file>
+
+<file path=ppt/slides/slide42.xml><?xml version="1.0" encoding="utf-8"?>
+<p:sld xmlns:a="http://schemas.openxmlformats.org/drawingml/2006/main" xmlns:r="http://schemas.openxmlformats.org/officeDocument/2006/relationships" xmlns:p="http://schemas.openxmlformats.org/presentationml/2006/main">
+  <p:cSld>
+    <p:spTree>
+      <p:nvGrpSpPr>
+        <p:cNvPr id="1" name="">
+          <a:extLst>
+            <a:ext uri="{FF2B5EF4-FFF2-40B4-BE49-F238E27FC236}">
+              <a16:creationId xmlns:a16="http://schemas.microsoft.com/office/drawing/2014/main" id="{9D16A428-A366-D3DF-B575-9E09E1EE3DF2}"/>
+            </a:ext>
+          </a:extLst>
+        </p:cNvPr>
+        <p:cNvGrpSpPr/>
+        <p:nvPr/>
+      </p:nvGrpSpPr>
+      <p:grpSpPr>
+        <a:xfrm>
+          <a:off x="0" y="0"/>
+          <a:ext cx="0" cy="0"/>
+          <a:chOff x="0" y="0"/>
+          <a:chExt cx="0" cy="0"/>
+        </a:xfrm>
+      </p:grpSpPr>
+      <p:sp>
+        <p:nvSpPr>
+          <p:cNvPr id="2" name="タイトル 1">
+            <a:extLst>
+              <a:ext uri="{FF2B5EF4-FFF2-40B4-BE49-F238E27FC236}">
+                <a16:creationId xmlns:a16="http://schemas.microsoft.com/office/drawing/2014/main" id="{4857A496-FE04-3326-A42C-7F06FAC3F67A}"/>
+              </a:ext>
+            </a:extLst>
+          </p:cNvPr>
+          <p:cNvSpPr>
+            <a:spLocks noGrp="1"/>
+          </p:cNvSpPr>
+          <p:nvPr>
+            <p:ph type="title"/>
+          </p:nvPr>
+        </p:nvSpPr>
+        <p:spPr/>
+        <p:txBody>
+          <a:bodyPr/>
+          <a:lstStyle/>
+          <a:p>
+            <a:pPr marL="0" indent="0">
+              <a:buNone/>
+            </a:pPr>
+            <a:r>
+              <a:rPr kumimoji="1" lang="en-US" altLang="ja-JP" dirty="0"/>
+              <a:t>3. </a:t>
+            </a:r>
+            <a:r>
+              <a:rPr kumimoji="1" lang="ja-JP" altLang="en-US" dirty="0"/>
+              <a:t>冒頭の疑問への答え</a:t>
+            </a:r>
+            <a:endParaRPr kumimoji="1" lang="en-US" altLang="ja-JP" dirty="0"/>
+          </a:p>
+        </p:txBody>
+      </p:sp>
+      <p:pic>
+        <p:nvPicPr>
+          <p:cNvPr id="7" name="図 6">
+            <a:extLst>
+              <a:ext uri="{FF2B5EF4-FFF2-40B4-BE49-F238E27FC236}">
+                <a16:creationId xmlns:a16="http://schemas.microsoft.com/office/drawing/2014/main" id="{636589C5-E998-1382-B011-CF371275A015}"/>
+              </a:ext>
+            </a:extLst>
+          </p:cNvPr>
+          <p:cNvPicPr>
+            <a:picLocks noChangeAspect="1"/>
+          </p:cNvPicPr>
+          <p:nvPr/>
+        </p:nvPicPr>
+        <p:blipFill>
+          <a:blip r:embed="rId2"/>
+          <a:stretch>
+            <a:fillRect/>
+          </a:stretch>
+        </p:blipFill>
+        <p:spPr>
+          <a:xfrm>
+            <a:off x="259195" y="1003326"/>
+            <a:ext cx="2965268" cy="5718148"/>
+          </a:xfrm>
+          <a:prstGeom prst="rect">
+            <a:avLst/>
+          </a:prstGeom>
+        </p:spPr>
+      </p:pic>
+      <p:pic>
+        <p:nvPicPr>
+          <p:cNvPr id="3" name="図 2">
+            <a:extLst>
+              <a:ext uri="{FF2B5EF4-FFF2-40B4-BE49-F238E27FC236}">
+                <a16:creationId xmlns:a16="http://schemas.microsoft.com/office/drawing/2014/main" id="{A15531C0-BDD8-2388-46AD-62B1FC059821}"/>
+              </a:ext>
+            </a:extLst>
+          </p:cNvPr>
+          <p:cNvPicPr>
+            <a:picLocks noChangeAspect="1"/>
+          </p:cNvPicPr>
+          <p:nvPr/>
+        </p:nvPicPr>
+        <p:blipFill>
+          <a:blip r:embed="rId3"/>
+          <a:srcRect t="71941" b="-145"/>
+          <a:stretch/>
+        </p:blipFill>
+        <p:spPr>
+          <a:xfrm>
+            <a:off x="3446043" y="1003326"/>
+            <a:ext cx="5217182" cy="1114232"/>
+          </a:xfrm>
+          <a:prstGeom prst="rect">
+            <a:avLst/>
+          </a:prstGeom>
+        </p:spPr>
+      </p:pic>
+      <p:sp>
+        <p:nvSpPr>
+          <p:cNvPr id="5" name="テキスト ボックス 4">
+            <a:extLst>
+              <a:ext uri="{FF2B5EF4-FFF2-40B4-BE49-F238E27FC236}">
+                <a16:creationId xmlns:a16="http://schemas.microsoft.com/office/drawing/2014/main" id="{8307531F-5890-BA6F-6E7E-8C261FF3D121}"/>
+              </a:ext>
+            </a:extLst>
+          </p:cNvPr>
+          <p:cNvSpPr txBox="1"/>
+          <p:nvPr/>
+        </p:nvSpPr>
+        <p:spPr>
+          <a:xfrm>
+            <a:off x="3446043" y="2305615"/>
+            <a:ext cx="5438762" cy="3477875"/>
+          </a:xfrm>
+          <a:prstGeom prst="rect">
+            <a:avLst/>
+          </a:prstGeom>
+          <a:noFill/>
+        </p:spPr>
+        <p:txBody>
+          <a:bodyPr wrap="square" rtlCol="0">
+            <a:spAutoFit/>
+          </a:bodyPr>
+          <a:lstStyle/>
+          <a:p>
+            <a:r>
+              <a:rPr lang="en-US" altLang="ja-JP" sz="2000" dirty="0"/>
+              <a:t>x1.next = 0 </a:t>
+            </a:r>
+            <a:r>
+              <a:rPr lang="ja-JP" altLang="en-US" sz="2000" dirty="0"/>
+              <a:t>とすると，</a:t>
+            </a:r>
+            <a:endParaRPr lang="en-US" altLang="ja-JP" sz="2000" dirty="0"/>
+          </a:p>
+          <a:p>
+            <a:r>
+              <a:rPr lang="en-US" altLang="ja-JP" sz="2000" dirty="0"/>
+              <a:t>	x1</a:t>
+            </a:r>
+            <a:r>
+              <a:rPr lang="ja-JP" altLang="en-US" sz="2000" dirty="0"/>
+              <a:t>→</a:t>
+            </a:r>
+            <a:r>
+              <a:rPr lang="en-US" altLang="ja-JP" sz="2000" dirty="0"/>
+              <a:t>x2</a:t>
+            </a:r>
+          </a:p>
+          <a:p>
+            <a:r>
+              <a:rPr lang="ja-JP" altLang="en-US" sz="2000" dirty="0"/>
+              <a:t>の参照が切れ，</a:t>
+            </a:r>
+            <a:endParaRPr lang="en-US" altLang="ja-JP" sz="2000" dirty="0"/>
+          </a:p>
+          <a:p>
+            <a:r>
+              <a:rPr lang="en-US" altLang="ja-JP" sz="2000" dirty="0"/>
+              <a:t>	x2 </a:t>
+            </a:r>
+            <a:r>
+              <a:rPr lang="ja-JP" altLang="en-US" sz="2000" dirty="0"/>
+              <a:t>→</a:t>
+            </a:r>
+            <a:r>
+              <a:rPr lang="en-US" altLang="ja-JP" sz="2000" dirty="0"/>
+              <a:t>x2</a:t>
+            </a:r>
+          </a:p>
+          <a:p>
+            <a:r>
+              <a:rPr lang="ja-JP" altLang="en-US" sz="2000" dirty="0"/>
+              <a:t>の参照が残る．かつ </a:t>
+            </a:r>
+            <a:r>
+              <a:rPr lang="en-US" altLang="ja-JP" sz="2000" dirty="0"/>
+              <a:t>x2</a:t>
+            </a:r>
+            <a:r>
+              <a:rPr lang="ja-JP" altLang="en-US" sz="2000" dirty="0"/>
+              <a:t>は外部から到達不可．</a:t>
+            </a:r>
+            <a:endParaRPr lang="en-US" altLang="ja-JP" sz="2000" dirty="0"/>
+          </a:p>
+          <a:p>
+            <a:r>
+              <a:rPr lang="ja-JP" altLang="en-US" sz="2000" dirty="0"/>
+              <a:t>これは</a:t>
+            </a:r>
+            <a:r>
+              <a:rPr lang="en-US" altLang="ja-JP" sz="2000" dirty="0"/>
+              <a:t>Python</a:t>
+            </a:r>
+            <a:r>
+              <a:rPr lang="ja-JP" altLang="en-US" sz="2000" dirty="0"/>
+              <a:t>の </a:t>
+            </a:r>
+            <a:r>
+              <a:rPr lang="en-US" altLang="ja-JP" sz="2000" dirty="0"/>
+              <a:t>GC </a:t>
+            </a:r>
+            <a:r>
+              <a:rPr lang="ja-JP" altLang="en-US" sz="2000" dirty="0"/>
+              <a:t>によりキャッチされる対象であり，</a:t>
+            </a:r>
+            <a:r>
+              <a:rPr lang="en-US" altLang="ja-JP" sz="2000" dirty="0" err="1"/>
+              <a:t>gc.collect</a:t>
+            </a:r>
+            <a:r>
+              <a:rPr lang="en-US" altLang="ja-JP" sz="2000" dirty="0"/>
+              <a:t>() </a:t>
+            </a:r>
+            <a:r>
+              <a:rPr lang="ja-JP" altLang="en-US" sz="2000" dirty="0"/>
+              <a:t>を実行することにより </a:t>
+            </a:r>
+            <a:r>
+              <a:rPr lang="en-US" altLang="ja-JP" sz="2000" dirty="0"/>
+              <a:t>GC </a:t>
+            </a:r>
+            <a:r>
+              <a:rPr lang="ja-JP" altLang="en-US" sz="2000" dirty="0"/>
+              <a:t>された．</a:t>
+            </a:r>
+            <a:endParaRPr lang="en-US" altLang="ja-JP" sz="2000" dirty="0"/>
+          </a:p>
+          <a:p>
+            <a:endParaRPr lang="en-US" altLang="ja-JP" sz="2000" dirty="0"/>
+          </a:p>
+          <a:p>
+            <a:r>
+              <a:rPr lang="en-US" altLang="ja-JP" sz="2000" dirty="0"/>
+              <a:t>“collected” </a:t>
+            </a:r>
+            <a:r>
+              <a:rPr lang="ja-JP" altLang="en-US" sz="2000" dirty="0"/>
+              <a:t>が </a:t>
+            </a:r>
+            <a:r>
+              <a:rPr lang="en-US" altLang="ja-JP" sz="2000" dirty="0"/>
+              <a:t>2 </a:t>
+            </a:r>
+            <a:r>
+              <a:rPr lang="ja-JP" altLang="en-US" sz="2000" dirty="0"/>
+              <a:t>となっているのは，オブジェクト</a:t>
+            </a:r>
+            <a:r>
+              <a:rPr lang="en-US" altLang="ja-JP" sz="2000" dirty="0"/>
+              <a:t>x2</a:t>
+            </a:r>
+            <a:r>
+              <a:rPr lang="ja-JP" altLang="en-US" sz="2000" dirty="0"/>
+              <a:t>と，それ自身の </a:t>
+            </a:r>
+            <a:r>
+              <a:rPr lang="en-US" altLang="ja-JP" sz="2000" dirty="0"/>
+              <a:t>.__</a:t>
+            </a:r>
+            <a:r>
+              <a:rPr lang="en-US" altLang="ja-JP" sz="2000" dirty="0" err="1"/>
+              <a:t>dict</a:t>
+            </a:r>
+            <a:r>
+              <a:rPr lang="en-US" altLang="ja-JP" sz="2000" dirty="0"/>
+              <a:t>__ </a:t>
+            </a:r>
+            <a:r>
+              <a:rPr lang="ja-JP" altLang="en-US" sz="2000" dirty="0"/>
+              <a:t>であると考えられる．</a:t>
+            </a:r>
+            <a:endParaRPr lang="en-US" altLang="ja-JP" sz="2000" dirty="0"/>
+          </a:p>
+          <a:p>
+            <a:endParaRPr lang="en-US" altLang="ja-JP" sz="2000" dirty="0"/>
+          </a:p>
+        </p:txBody>
+      </p:sp>
+      <p:pic>
+        <p:nvPicPr>
+          <p:cNvPr id="8" name="図 7">
+            <a:extLst>
+              <a:ext uri="{FF2B5EF4-FFF2-40B4-BE49-F238E27FC236}">
+                <a16:creationId xmlns:a16="http://schemas.microsoft.com/office/drawing/2014/main" id="{2C7DD224-A1D4-C358-7398-746D19D95D35}"/>
+              </a:ext>
+            </a:extLst>
+          </p:cNvPr>
+          <p:cNvPicPr>
+            <a:picLocks noChangeAspect="1"/>
+          </p:cNvPicPr>
+          <p:nvPr/>
+        </p:nvPicPr>
+        <p:blipFill>
+          <a:blip r:embed="rId4"/>
+          <a:stretch>
+            <a:fillRect/>
+          </a:stretch>
+        </p:blipFill>
+        <p:spPr>
+          <a:xfrm>
+            <a:off x="3456349" y="5530526"/>
+            <a:ext cx="3219452" cy="441021"/>
+          </a:xfrm>
+          <a:prstGeom prst="rect">
+            <a:avLst/>
+          </a:prstGeom>
+        </p:spPr>
+      </p:pic>
+      <p:pic>
+        <p:nvPicPr>
+          <p:cNvPr id="10" name="図 9">
+            <a:extLst>
+              <a:ext uri="{FF2B5EF4-FFF2-40B4-BE49-F238E27FC236}">
+                <a16:creationId xmlns:a16="http://schemas.microsoft.com/office/drawing/2014/main" id="{86050220-AE81-67AF-2DFB-F624DB975693}"/>
+              </a:ext>
+            </a:extLst>
+          </p:cNvPr>
+          <p:cNvPicPr>
+            <a:picLocks noChangeAspect="1"/>
+          </p:cNvPicPr>
+          <p:nvPr/>
+        </p:nvPicPr>
+        <p:blipFill>
+          <a:blip r:embed="rId5"/>
+          <a:stretch>
+            <a:fillRect/>
+          </a:stretch>
+        </p:blipFill>
+        <p:spPr>
+          <a:xfrm>
+            <a:off x="3456349" y="5971547"/>
+            <a:ext cx="5438762" cy="351698"/>
+          </a:xfrm>
+          <a:prstGeom prst="rect">
+            <a:avLst/>
+          </a:prstGeom>
+        </p:spPr>
+      </p:pic>
+    </p:spTree>
+    <p:extLst>
+      <p:ext uri="{BB962C8B-B14F-4D97-AF65-F5344CB8AC3E}">
+        <p14:creationId xmlns:p14="http://schemas.microsoft.com/office/powerpoint/2010/main" val="2100615601"/>
+      </p:ext>
+    </p:extLst>
+  </p:cSld>
+  <p:clrMapOvr>
+    <a:masterClrMapping/>
+  </p:clrMapOvr>
+</p:sld>
+</file>
+
+<file path=ppt/slides/slide43.xml><?xml version="1.0" encoding="utf-8"?>
+<p:sld xmlns:a="http://schemas.openxmlformats.org/drawingml/2006/main" xmlns:r="http://schemas.openxmlformats.org/officeDocument/2006/relationships" xmlns:p="http://schemas.openxmlformats.org/presentationml/2006/main">
+  <p:cSld>
+    <p:spTree>
+      <p:nvGrpSpPr>
+        <p:cNvPr id="1" name=""/>
+        <p:cNvGrpSpPr/>
+        <p:nvPr/>
+      </p:nvGrpSpPr>
+      <p:grpSpPr>
+        <a:xfrm>
+          <a:off x="0" y="0"/>
+          <a:ext cx="0" cy="0"/>
+          <a:chOff x="0" y="0"/>
+          <a:chExt cx="0" cy="0"/>
+        </a:xfrm>
+      </p:grpSpPr>
+      <p:sp>
+        <p:nvSpPr>
+          <p:cNvPr id="2" name="タイトル 1">
+            <a:extLst>
+              <a:ext uri="{FF2B5EF4-FFF2-40B4-BE49-F238E27FC236}">
+                <a16:creationId xmlns:a16="http://schemas.microsoft.com/office/drawing/2014/main" id="{039B31D2-0DBF-4BA9-17B5-246311BDE828}"/>
+              </a:ext>
+            </a:extLst>
+          </p:cNvPr>
+          <p:cNvSpPr>
+            <a:spLocks noGrp="1"/>
+          </p:cNvSpPr>
+          <p:nvPr>
+            <p:ph type="title"/>
+          </p:nvPr>
+        </p:nvSpPr>
+        <p:spPr/>
+        <p:txBody>
+          <a:bodyPr/>
+          <a:lstStyle/>
+          <a:p>
+            <a:r>
+              <a:rPr kumimoji="1" lang="en-US" altLang="ja-JP" dirty="0"/>
+              <a:t>3. </a:t>
+            </a:r>
+            <a:r>
+              <a:rPr kumimoji="1" lang="ja-JP" altLang="en-US" dirty="0"/>
+              <a:t>冒頭の疑問への答え</a:t>
+            </a:r>
+          </a:p>
+        </p:txBody>
+      </p:sp>
+      <p:sp>
+        <p:nvSpPr>
+          <p:cNvPr id="3" name="コンテンツ プレースホルダー 2">
+            <a:extLst>
+              <a:ext uri="{FF2B5EF4-FFF2-40B4-BE49-F238E27FC236}">
+                <a16:creationId xmlns:a16="http://schemas.microsoft.com/office/drawing/2014/main" id="{9C01E299-641A-10A3-5BA6-7C6506DF72C4}"/>
+              </a:ext>
+            </a:extLst>
+          </p:cNvPr>
+          <p:cNvSpPr>
+            <a:spLocks noGrp="1"/>
+          </p:cNvSpPr>
+          <p:nvPr>
+            <p:ph idx="1"/>
+          </p:nvPr>
+        </p:nvSpPr>
+        <p:spPr/>
+        <p:txBody>
+          <a:bodyPr/>
+          <a:lstStyle/>
+          <a:p>
+            <a:pPr marL="0" indent="0">
+              <a:buNone/>
+            </a:pPr>
+            <a:r>
+              <a:rPr kumimoji="1" lang="en-US" altLang="ja-JP" dirty="0" err="1"/>
+              <a:t>gc.collect</a:t>
+            </a:r>
+            <a:r>
+              <a:rPr kumimoji="1" lang="en-US" altLang="ja-JP" dirty="0"/>
+              <a:t>() </a:t>
+            </a:r>
+            <a:r>
+              <a:rPr kumimoji="1" lang="ja-JP" altLang="en-US" dirty="0"/>
+              <a:t>を実行しなくても </a:t>
+            </a:r>
+            <a:r>
+              <a:rPr kumimoji="1" lang="en-US" altLang="ja-JP" dirty="0"/>
+              <a:t>x2 </a:t>
+            </a:r>
+            <a:r>
+              <a:rPr kumimoji="1" lang="ja-JP" altLang="en-US" dirty="0"/>
+              <a:t>は解放されるのか</a:t>
+            </a:r>
+            <a:r>
+              <a:rPr kumimoji="1" lang="en-US" altLang="ja-JP" dirty="0"/>
+              <a:t>?</a:t>
+            </a:r>
+          </a:p>
+          <a:p>
+            <a:pPr marL="0" indent="0">
+              <a:buNone/>
+            </a:pPr>
+            <a:endParaRPr kumimoji="1" lang="ja-JP" altLang="en-US" dirty="0"/>
+          </a:p>
+        </p:txBody>
+      </p:sp>
+      <p:pic>
+        <p:nvPicPr>
+          <p:cNvPr id="13" name="図 12">
+            <a:extLst>
+              <a:ext uri="{FF2B5EF4-FFF2-40B4-BE49-F238E27FC236}">
+                <a16:creationId xmlns:a16="http://schemas.microsoft.com/office/drawing/2014/main" id="{E2AB56D1-1CDD-3C01-9230-327AAB15E2E4}"/>
+              </a:ext>
+            </a:extLst>
+          </p:cNvPr>
+          <p:cNvPicPr>
+            <a:picLocks noChangeAspect="1"/>
+          </p:cNvPicPr>
+          <p:nvPr/>
+        </p:nvPicPr>
+        <p:blipFill>
+          <a:blip r:embed="rId2"/>
+          <a:stretch>
+            <a:fillRect/>
+          </a:stretch>
+        </p:blipFill>
+        <p:spPr>
+          <a:xfrm>
+            <a:off x="259195" y="1606420"/>
+            <a:ext cx="5311426" cy="5115054"/>
+          </a:xfrm>
+          <a:prstGeom prst="rect">
+            <a:avLst/>
+          </a:prstGeom>
+        </p:spPr>
+      </p:pic>
+    </p:spTree>
+    <p:extLst>
+      <p:ext uri="{BB962C8B-B14F-4D97-AF65-F5344CB8AC3E}">
+        <p14:creationId xmlns:p14="http://schemas.microsoft.com/office/powerpoint/2010/main" val="901984651"/>
+      </p:ext>
+    </p:extLst>
+  </p:cSld>
+  <p:clrMapOvr>
+    <a:masterClrMapping/>
+  </p:clrMapOvr>
+</p:sld>
+</file>
+
+<file path=ppt/slides/slide44.xml><?xml version="1.0" encoding="utf-8"?>
+<p:sld xmlns:a="http://schemas.openxmlformats.org/drawingml/2006/main" xmlns:r="http://schemas.openxmlformats.org/officeDocument/2006/relationships" xmlns:p="http://schemas.openxmlformats.org/presentationml/2006/main">
+  <p:cSld>
+    <p:spTree>
+      <p:nvGrpSpPr>
+        <p:cNvPr id="1" name="">
+          <a:extLst>
+            <a:ext uri="{FF2B5EF4-FFF2-40B4-BE49-F238E27FC236}">
+              <a16:creationId xmlns:a16="http://schemas.microsoft.com/office/drawing/2014/main" id="{E5AE0167-A6E3-0AD6-D052-939820B4518B}"/>
+            </a:ext>
+          </a:extLst>
+        </p:cNvPr>
+        <p:cNvGrpSpPr/>
+        <p:nvPr/>
+      </p:nvGrpSpPr>
+      <p:grpSpPr>
+        <a:xfrm>
+          <a:off x="0" y="0"/>
+          <a:ext cx="0" cy="0"/>
+          <a:chOff x="0" y="0"/>
+          <a:chExt cx="0" cy="0"/>
+        </a:xfrm>
+      </p:grpSpPr>
+      <p:sp>
+        <p:nvSpPr>
+          <p:cNvPr id="2" name="タイトル 1">
+            <a:extLst>
+              <a:ext uri="{FF2B5EF4-FFF2-40B4-BE49-F238E27FC236}">
+                <a16:creationId xmlns:a16="http://schemas.microsoft.com/office/drawing/2014/main" id="{78FD8F51-D54D-C2DF-F730-F8D67EE17F56}"/>
+              </a:ext>
+            </a:extLst>
+          </p:cNvPr>
+          <p:cNvSpPr>
+            <a:spLocks noGrp="1"/>
+          </p:cNvSpPr>
+          <p:nvPr>
+            <p:ph type="title"/>
+          </p:nvPr>
+        </p:nvSpPr>
+        <p:spPr/>
+        <p:txBody>
+          <a:bodyPr/>
+          <a:lstStyle/>
+          <a:p>
+            <a:r>
+              <a:rPr kumimoji="1" lang="en-US" altLang="ja-JP" dirty="0"/>
+              <a:t>3. </a:t>
+            </a:r>
+            <a:r>
+              <a:rPr kumimoji="1" lang="ja-JP" altLang="en-US" dirty="0"/>
+              <a:t>冒頭の疑問への答え</a:t>
+            </a:r>
+          </a:p>
+        </p:txBody>
+      </p:sp>
+      <p:sp>
+        <p:nvSpPr>
+          <p:cNvPr id="3" name="コンテンツ プレースホルダー 2">
+            <a:extLst>
+              <a:ext uri="{FF2B5EF4-FFF2-40B4-BE49-F238E27FC236}">
+                <a16:creationId xmlns:a16="http://schemas.microsoft.com/office/drawing/2014/main" id="{30C0CF45-50A0-C798-F831-2F31712F6E0B}"/>
+              </a:ext>
+            </a:extLst>
+          </p:cNvPr>
+          <p:cNvSpPr>
+            <a:spLocks noGrp="1"/>
+          </p:cNvSpPr>
+          <p:nvPr>
+            <p:ph idx="1"/>
+          </p:nvPr>
+        </p:nvSpPr>
+        <p:spPr/>
+        <p:txBody>
+          <a:bodyPr/>
+          <a:lstStyle/>
+          <a:p>
+            <a:pPr marL="0" indent="0">
+              <a:buNone/>
+            </a:pPr>
+            <a:r>
+              <a:rPr lang="ja-JP" altLang="en-US" dirty="0"/>
+              <a:t>たしかに</a:t>
+            </a:r>
+            <a:r>
+              <a:rPr lang="en-US" altLang="ja-JP" dirty="0"/>
+              <a:t>x2</a:t>
+            </a:r>
+            <a:r>
+              <a:rPr lang="ja-JP" altLang="en-US" dirty="0"/>
+              <a:t>は </a:t>
+            </a:r>
+            <a:r>
+              <a:rPr lang="en-US" altLang="ja-JP" dirty="0"/>
+              <a:t>GC </a:t>
+            </a:r>
+            <a:r>
+              <a:rPr lang="ja-JP" altLang="en-US" dirty="0"/>
+              <a:t>されているが，リアルタイムに </a:t>
+            </a:r>
+            <a:r>
+              <a:rPr lang="en-US" altLang="ja-JP" dirty="0"/>
+              <a:t>GC </a:t>
+            </a:r>
+            <a:r>
+              <a:rPr lang="ja-JP" altLang="en-US" dirty="0"/>
+              <a:t>データを出力するコードが書けず</a:t>
+            </a:r>
+            <a:r>
+              <a:rPr lang="en-US" altLang="ja-JP" dirty="0"/>
+              <a:t>…</a:t>
+            </a:r>
+            <a:endParaRPr kumimoji="1" lang="en-US" altLang="ja-JP" dirty="0"/>
+          </a:p>
+          <a:p>
+            <a:pPr marL="0" indent="0">
+              <a:buNone/>
+            </a:pPr>
+            <a:endParaRPr kumimoji="1" lang="ja-JP" altLang="en-US" dirty="0"/>
+          </a:p>
+        </p:txBody>
+      </p:sp>
+      <p:pic>
+        <p:nvPicPr>
+          <p:cNvPr id="5" name="図 4">
+            <a:extLst>
+              <a:ext uri="{FF2B5EF4-FFF2-40B4-BE49-F238E27FC236}">
+                <a16:creationId xmlns:a16="http://schemas.microsoft.com/office/drawing/2014/main" id="{C7EB5B58-FAF9-4BF6-77FF-8E8D963B194E}"/>
+              </a:ext>
+            </a:extLst>
+          </p:cNvPr>
+          <p:cNvPicPr>
+            <a:picLocks noChangeAspect="1"/>
+          </p:cNvPicPr>
+          <p:nvPr/>
+        </p:nvPicPr>
+        <p:blipFill>
+          <a:blip r:embed="rId2"/>
+          <a:stretch>
+            <a:fillRect/>
+          </a:stretch>
+        </p:blipFill>
+        <p:spPr>
+          <a:xfrm>
+            <a:off x="304441" y="2085908"/>
+            <a:ext cx="6102182" cy="4635566"/>
+          </a:xfrm>
+          <a:prstGeom prst="rect">
+            <a:avLst/>
+          </a:prstGeom>
+        </p:spPr>
+      </p:pic>
+      <p:sp>
+        <p:nvSpPr>
+          <p:cNvPr id="6" name="正方形/長方形 5">
+            <a:extLst>
+              <a:ext uri="{FF2B5EF4-FFF2-40B4-BE49-F238E27FC236}">
+                <a16:creationId xmlns:a16="http://schemas.microsoft.com/office/drawing/2014/main" id="{E8EF0C9F-06F8-1D8B-2CA8-485DF908586F}"/>
+              </a:ext>
+            </a:extLst>
+          </p:cNvPr>
+          <p:cNvSpPr/>
+          <p:nvPr/>
+        </p:nvSpPr>
+        <p:spPr>
+          <a:xfrm>
+            <a:off x="321732" y="2549957"/>
+            <a:ext cx="5819185" cy="1144417"/>
+          </a:xfrm>
+          <a:prstGeom prst="rect">
+            <a:avLst/>
+          </a:prstGeom>
+          <a:noFill/>
+          <a:ln w="28575">
+            <a:solidFill>
+              <a:schemeClr val="bg1"/>
+            </a:solidFill>
+          </a:ln>
+        </p:spPr>
+        <p:style>
+          <a:lnRef idx="2">
+            <a:schemeClr val="accent1">
+              <a:shade val="15000"/>
+            </a:schemeClr>
+          </a:lnRef>
+          <a:fillRef idx="1">
+            <a:schemeClr val="accent1"/>
+          </a:fillRef>
+          <a:effectRef idx="0">
+            <a:schemeClr val="accent1"/>
+          </a:effectRef>
+          <a:fontRef idx="minor">
+            <a:schemeClr val="lt1"/>
+          </a:fontRef>
+        </p:style>
+        <p:txBody>
+          <a:bodyPr rtlCol="0" anchor="ctr"/>
+          <a:lstStyle/>
+          <a:p>
+            <a:pPr algn="ctr"/>
+            <a:endParaRPr kumimoji="1" lang="ja-JP" altLang="en-US"/>
+          </a:p>
+        </p:txBody>
+      </p:sp>
+      <p:sp>
+        <p:nvSpPr>
+          <p:cNvPr id="7" name="正方形/長方形 6">
+            <a:extLst>
+              <a:ext uri="{FF2B5EF4-FFF2-40B4-BE49-F238E27FC236}">
+                <a16:creationId xmlns:a16="http://schemas.microsoft.com/office/drawing/2014/main" id="{9EA4D869-85F8-0531-43DE-DF7E0386FE31}"/>
+              </a:ext>
+            </a:extLst>
+          </p:cNvPr>
+          <p:cNvSpPr/>
+          <p:nvPr/>
+        </p:nvSpPr>
+        <p:spPr>
+          <a:xfrm>
+            <a:off x="321732" y="3710135"/>
+            <a:ext cx="5819186" cy="1144417"/>
+          </a:xfrm>
+          <a:prstGeom prst="rect">
+            <a:avLst/>
+          </a:prstGeom>
+          <a:noFill/>
+          <a:ln w="28575">
+            <a:solidFill>
+              <a:schemeClr val="bg1"/>
+            </a:solidFill>
+          </a:ln>
+        </p:spPr>
+        <p:style>
+          <a:lnRef idx="2">
+            <a:schemeClr val="accent1">
+              <a:shade val="15000"/>
+            </a:schemeClr>
+          </a:lnRef>
+          <a:fillRef idx="1">
+            <a:schemeClr val="accent1"/>
+          </a:fillRef>
+          <a:effectRef idx="0">
+            <a:schemeClr val="accent1"/>
+          </a:effectRef>
+          <a:fontRef idx="minor">
+            <a:schemeClr val="lt1"/>
+          </a:fontRef>
+        </p:style>
+        <p:txBody>
+          <a:bodyPr rtlCol="0" anchor="ctr"/>
+          <a:lstStyle/>
+          <a:p>
+            <a:pPr algn="ctr"/>
+            <a:endParaRPr kumimoji="1" lang="ja-JP" altLang="en-US"/>
+          </a:p>
+        </p:txBody>
+      </p:sp>
+      <p:sp>
+        <p:nvSpPr>
+          <p:cNvPr id="8" name="正方形/長方形 7">
+            <a:extLst>
+              <a:ext uri="{FF2B5EF4-FFF2-40B4-BE49-F238E27FC236}">
+                <a16:creationId xmlns:a16="http://schemas.microsoft.com/office/drawing/2014/main" id="{33F93635-F9D8-AF17-11E9-39D0F6CBC2DF}"/>
+              </a:ext>
+            </a:extLst>
+          </p:cNvPr>
+          <p:cNvSpPr/>
+          <p:nvPr/>
+        </p:nvSpPr>
+        <p:spPr>
+          <a:xfrm>
+            <a:off x="321732" y="4849707"/>
+            <a:ext cx="5819186" cy="937787"/>
+          </a:xfrm>
+          <a:prstGeom prst="rect">
+            <a:avLst/>
+          </a:prstGeom>
+          <a:noFill/>
+          <a:ln w="28575">
+            <a:solidFill>
+              <a:schemeClr val="bg1"/>
+            </a:solidFill>
+          </a:ln>
+        </p:spPr>
+        <p:style>
+          <a:lnRef idx="2">
+            <a:schemeClr val="accent1">
+              <a:shade val="15000"/>
+            </a:schemeClr>
+          </a:lnRef>
+          <a:fillRef idx="1">
+            <a:schemeClr val="accent1"/>
+          </a:fillRef>
+          <a:effectRef idx="0">
+            <a:schemeClr val="accent1"/>
+          </a:effectRef>
+          <a:fontRef idx="minor">
+            <a:schemeClr val="lt1"/>
+          </a:fontRef>
+        </p:style>
+        <p:txBody>
+          <a:bodyPr rtlCol="0" anchor="ctr"/>
+          <a:lstStyle/>
+          <a:p>
+            <a:pPr algn="ctr"/>
+            <a:endParaRPr kumimoji="1" lang="ja-JP" altLang="en-US"/>
+          </a:p>
+        </p:txBody>
+      </p:sp>
+      <p:sp>
+        <p:nvSpPr>
+          <p:cNvPr id="9" name="正方形/長方形 8">
+            <a:extLst>
+              <a:ext uri="{FF2B5EF4-FFF2-40B4-BE49-F238E27FC236}">
+                <a16:creationId xmlns:a16="http://schemas.microsoft.com/office/drawing/2014/main" id="{1089DE5E-C848-EF0F-63EF-006FD9CA897A}"/>
+              </a:ext>
+            </a:extLst>
+          </p:cNvPr>
+          <p:cNvSpPr/>
+          <p:nvPr/>
+        </p:nvSpPr>
+        <p:spPr>
+          <a:xfrm>
+            <a:off x="321732" y="5789923"/>
+            <a:ext cx="5819186" cy="877355"/>
+          </a:xfrm>
+          <a:prstGeom prst="rect">
+            <a:avLst/>
+          </a:prstGeom>
+          <a:noFill/>
+          <a:ln w="28575">
+            <a:solidFill>
+              <a:schemeClr val="bg1"/>
+            </a:solidFill>
+          </a:ln>
+        </p:spPr>
+        <p:style>
+          <a:lnRef idx="2">
+            <a:schemeClr val="accent1">
+              <a:shade val="15000"/>
+            </a:schemeClr>
+          </a:lnRef>
+          <a:fillRef idx="1">
+            <a:schemeClr val="accent1"/>
+          </a:fillRef>
+          <a:effectRef idx="0">
+            <a:schemeClr val="accent1"/>
+          </a:effectRef>
+          <a:fontRef idx="minor">
+            <a:schemeClr val="lt1"/>
+          </a:fontRef>
+        </p:style>
+        <p:txBody>
+          <a:bodyPr rtlCol="0" anchor="ctr"/>
+          <a:lstStyle/>
+          <a:p>
+            <a:pPr algn="ctr"/>
+            <a:endParaRPr kumimoji="1" lang="ja-JP" altLang="en-US"/>
+          </a:p>
+        </p:txBody>
+      </p:sp>
+      <p:sp>
+        <p:nvSpPr>
+          <p:cNvPr id="10" name="テキスト ボックス 9">
+            <a:extLst>
+              <a:ext uri="{FF2B5EF4-FFF2-40B4-BE49-F238E27FC236}">
+                <a16:creationId xmlns:a16="http://schemas.microsoft.com/office/drawing/2014/main" id="{3A7A368D-D6DE-AD14-6781-3641817AB0F2}"/>
+              </a:ext>
+            </a:extLst>
+          </p:cNvPr>
+          <p:cNvSpPr txBox="1"/>
+          <p:nvPr/>
+        </p:nvSpPr>
+        <p:spPr>
+          <a:xfrm>
+            <a:off x="6451869" y="2136338"/>
+            <a:ext cx="2764644" cy="2585323"/>
+          </a:xfrm>
+          <a:prstGeom prst="rect">
+            <a:avLst/>
+          </a:prstGeom>
+          <a:noFill/>
+        </p:spPr>
+        <p:txBody>
+          <a:bodyPr wrap="square" rtlCol="0">
+            <a:spAutoFit/>
+          </a:bodyPr>
+          <a:lstStyle/>
+          <a:p>
+            <a:r>
+              <a:rPr kumimoji="1" lang="ja-JP" altLang="en-US" dirty="0"/>
+              <a:t>わかりやすくするため，</a:t>
+            </a:r>
+            <a:endParaRPr kumimoji="1" lang="en-US" altLang="ja-JP" dirty="0"/>
+          </a:p>
+          <a:p>
+            <a:r>
+              <a:rPr kumimoji="1" lang="en-US" altLang="ja-JP" dirty="0"/>
+              <a:t>GC 1</a:t>
+            </a:r>
+            <a:r>
+              <a:rPr kumimoji="1" lang="ja-JP" altLang="en-US" dirty="0"/>
+              <a:t>回当たりの情報を</a:t>
+            </a:r>
+            <a:endParaRPr kumimoji="1" lang="en-US" altLang="ja-JP" dirty="0"/>
+          </a:p>
+          <a:p>
+            <a:r>
+              <a:rPr lang="ja-JP" altLang="en-US" dirty="0"/>
+              <a:t>白枠で囲っています．</a:t>
+            </a:r>
+            <a:endParaRPr lang="en-US" altLang="ja-JP" dirty="0"/>
+          </a:p>
+          <a:p>
+            <a:endParaRPr kumimoji="1" lang="en-US" altLang="ja-JP" dirty="0"/>
+          </a:p>
+          <a:p>
+            <a:r>
+              <a:rPr lang="ja-JP" altLang="en-US" dirty="0"/>
+              <a:t>どうやら</a:t>
+            </a:r>
+            <a:r>
+              <a:rPr lang="en-US" altLang="ja-JP" dirty="0"/>
+              <a:t>4</a:t>
+            </a:r>
+            <a:r>
+              <a:rPr lang="ja-JP" altLang="en-US" dirty="0"/>
+              <a:t>回 </a:t>
+            </a:r>
+            <a:r>
+              <a:rPr lang="en-US" altLang="ja-JP" dirty="0"/>
+              <a:t>gen2 </a:t>
+            </a:r>
+            <a:r>
+              <a:rPr lang="ja-JP" altLang="en-US" dirty="0"/>
+              <a:t>の </a:t>
+            </a:r>
+            <a:r>
+              <a:rPr lang="en-US" altLang="ja-JP" dirty="0"/>
+              <a:t>GC</a:t>
+            </a:r>
+          </a:p>
+          <a:p>
+            <a:r>
+              <a:rPr kumimoji="1" lang="ja-JP" altLang="en-US" dirty="0"/>
+              <a:t>が実行され，</a:t>
+            </a:r>
+            <a:r>
+              <a:rPr kumimoji="1" lang="en-US" altLang="ja-JP" dirty="0"/>
+              <a:t>1</a:t>
+            </a:r>
+            <a:r>
+              <a:rPr kumimoji="1" lang="ja-JP" altLang="en-US" dirty="0"/>
+              <a:t>回目で</a:t>
+            </a:r>
+            <a:endParaRPr kumimoji="1" lang="en-US" altLang="ja-JP" dirty="0"/>
+          </a:p>
+          <a:p>
+            <a:r>
+              <a:rPr lang="en-US" altLang="ja-JP" dirty="0"/>
+              <a:t>x2 </a:t>
+            </a:r>
+            <a:r>
+              <a:rPr lang="ja-JP" altLang="en-US" dirty="0"/>
+              <a:t>が削除され，</a:t>
+            </a:r>
+            <a:endParaRPr lang="en-US" altLang="ja-JP" dirty="0"/>
+          </a:p>
+          <a:p>
+            <a:r>
+              <a:rPr kumimoji="1" lang="en-US" altLang="ja-JP" dirty="0"/>
+              <a:t>2</a:t>
+            </a:r>
+            <a:r>
+              <a:rPr kumimoji="1" lang="ja-JP" altLang="en-US" dirty="0"/>
+              <a:t>回目で </a:t>
+            </a:r>
+            <a:r>
+              <a:rPr kumimoji="1" lang="en-US" altLang="ja-JP" dirty="0"/>
+              <a:t>x1 </a:t>
+            </a:r>
+            <a:r>
+              <a:rPr kumimoji="1" lang="ja-JP" altLang="en-US" dirty="0"/>
+              <a:t>が削除された</a:t>
+            </a:r>
+            <a:endParaRPr kumimoji="1" lang="en-US" altLang="ja-JP" dirty="0"/>
+          </a:p>
+          <a:p>
+            <a:r>
+              <a:rPr lang="ja-JP" altLang="en-US" dirty="0"/>
+              <a:t>らしい</a:t>
+            </a:r>
+            <a:r>
+              <a:rPr lang="en-US" altLang="ja-JP" dirty="0"/>
+              <a:t>…?</a:t>
+            </a:r>
+            <a:r>
+              <a:rPr lang="ja-JP" altLang="en-US" dirty="0"/>
+              <a:t>　なぜ</a:t>
+            </a:r>
+            <a:r>
+              <a:rPr lang="en-US" altLang="ja-JP" dirty="0"/>
+              <a:t>…?</a:t>
+            </a:r>
+          </a:p>
+        </p:txBody>
+      </p:sp>
+    </p:spTree>
+    <p:extLst>
+      <p:ext uri="{BB962C8B-B14F-4D97-AF65-F5344CB8AC3E}">
+        <p14:creationId xmlns:p14="http://schemas.microsoft.com/office/powerpoint/2010/main" val="2474837532"/>
+      </p:ext>
+    </p:extLst>
+  </p:cSld>
+  <p:clrMapOvr>
+    <a:masterClrMapping/>
+  </p:clrMapOvr>
+</p:sld>
+</file>
+
+<file path=ppt/slides/slide45.xml><?xml version="1.0" encoding="utf-8"?>
+<p:sld xmlns:a="http://schemas.openxmlformats.org/drawingml/2006/main" xmlns:r="http://schemas.openxmlformats.org/officeDocument/2006/relationships" xmlns:p="http://schemas.openxmlformats.org/presentationml/2006/main">
+  <p:cSld>
+    <p:spTree>
+      <p:nvGrpSpPr>
+        <p:cNvPr id="1" name="">
+          <a:extLst>
+            <a:ext uri="{FF2B5EF4-FFF2-40B4-BE49-F238E27FC236}">
+              <a16:creationId xmlns:a16="http://schemas.microsoft.com/office/drawing/2014/main" id="{632B4C82-DCA3-28FC-DB6C-773A1B9238BD}"/>
+            </a:ext>
+          </a:extLst>
+        </p:cNvPr>
+        <p:cNvGrpSpPr/>
+        <p:nvPr/>
+      </p:nvGrpSpPr>
+      <p:grpSpPr>
+        <a:xfrm>
+          <a:off x="0" y="0"/>
+          <a:ext cx="0" cy="0"/>
+          <a:chOff x="0" y="0"/>
+          <a:chExt cx="0" cy="0"/>
+        </a:xfrm>
+      </p:grpSpPr>
+      <p:sp>
+        <p:nvSpPr>
+          <p:cNvPr id="2" name="タイトル 1">
+            <a:extLst>
+              <a:ext uri="{FF2B5EF4-FFF2-40B4-BE49-F238E27FC236}">
+                <a16:creationId xmlns:a16="http://schemas.microsoft.com/office/drawing/2014/main" id="{664BB464-EA12-6A8D-9C07-E31ED80B3410}"/>
+              </a:ext>
+            </a:extLst>
+          </p:cNvPr>
+          <p:cNvSpPr>
+            <a:spLocks noGrp="1"/>
+          </p:cNvSpPr>
+          <p:nvPr>
+            <p:ph type="title"/>
+          </p:nvPr>
+        </p:nvSpPr>
+        <p:spPr/>
+        <p:txBody>
+          <a:bodyPr/>
+          <a:lstStyle/>
+          <a:p>
+            <a:r>
+              <a:rPr lang="ja-JP" altLang="en-US" dirty="0"/>
+              <a:t>今回の内容</a:t>
+            </a:r>
+            <a:endParaRPr kumimoji="1" lang="ja-JP" altLang="en-US" dirty="0"/>
+          </a:p>
+        </p:txBody>
+      </p:sp>
+      <p:sp>
+        <p:nvSpPr>
+          <p:cNvPr id="3" name="コンテンツ プレースホルダー 2">
+            <a:extLst>
+              <a:ext uri="{FF2B5EF4-FFF2-40B4-BE49-F238E27FC236}">
+                <a16:creationId xmlns:a16="http://schemas.microsoft.com/office/drawing/2014/main" id="{CD4FCAB6-249C-1339-4265-BF851C19BC54}"/>
+              </a:ext>
+            </a:extLst>
+          </p:cNvPr>
+          <p:cNvSpPr>
+            <a:spLocks noGrp="1"/>
+          </p:cNvSpPr>
+          <p:nvPr>
+            <p:ph idx="1"/>
+          </p:nvPr>
+        </p:nvSpPr>
+        <p:spPr/>
+        <p:txBody>
+          <a:bodyPr/>
+          <a:lstStyle/>
+          <a:p>
+            <a:pPr marL="0" indent="0">
+              <a:buNone/>
+            </a:pPr>
+            <a:endParaRPr lang="en-US" altLang="ja-JP" dirty="0"/>
+          </a:p>
+          <a:p>
+            <a:pPr marL="0" indent="0">
+              <a:buNone/>
+            </a:pPr>
+            <a:endParaRPr lang="en-US" altLang="ja-JP" dirty="0"/>
+          </a:p>
+          <a:p>
+            <a:pPr marL="0" indent="0">
+              <a:buNone/>
+            </a:pPr>
+            <a:endParaRPr lang="en-US" altLang="ja-JP" dirty="0"/>
+          </a:p>
+          <a:p>
+            <a:pPr marL="0" indent="0">
+              <a:buNone/>
+            </a:pPr>
+            <a:r>
+              <a:rPr kumimoji="1" lang="en-US" altLang="ja-JP" dirty="0">
+                <a:solidFill>
+                  <a:schemeClr val="bg1">
+                    <a:lumMod val="85000"/>
+                  </a:schemeClr>
+                </a:solidFill>
+              </a:rPr>
+              <a:t>1. Garbage Collection</a:t>
+            </a:r>
+            <a:r>
+              <a:rPr lang="ja-JP" altLang="en-US" dirty="0">
+                <a:solidFill>
+                  <a:schemeClr val="bg1">
+                    <a:lumMod val="85000"/>
+                  </a:schemeClr>
+                </a:solidFill>
+              </a:rPr>
+              <a:t> 概論</a:t>
+            </a:r>
+            <a:endParaRPr kumimoji="1" lang="en-US" altLang="ja-JP" dirty="0">
+              <a:solidFill>
+                <a:schemeClr val="bg1">
+                  <a:lumMod val="85000"/>
+                </a:schemeClr>
+              </a:solidFill>
+            </a:endParaRPr>
+          </a:p>
+          <a:p>
+            <a:pPr marL="0" indent="0">
+              <a:buNone/>
+            </a:pPr>
+            <a:r>
+              <a:rPr kumimoji="1" lang="en-US" altLang="ja-JP" dirty="0">
+                <a:solidFill>
+                  <a:schemeClr val="bg1">
+                    <a:lumMod val="85000"/>
+                  </a:schemeClr>
+                </a:solidFill>
+              </a:rPr>
+              <a:t>2. </a:t>
+            </a:r>
+            <a:r>
+              <a:rPr lang="en-US" altLang="ja-JP" dirty="0">
+                <a:solidFill>
+                  <a:schemeClr val="bg1">
+                    <a:lumMod val="85000"/>
+                  </a:schemeClr>
+                </a:solidFill>
+              </a:rPr>
+              <a:t>Python </a:t>
+            </a:r>
+            <a:r>
+              <a:rPr lang="ja-JP" altLang="en-US" dirty="0">
+                <a:solidFill>
+                  <a:schemeClr val="bg1">
+                    <a:lumMod val="85000"/>
+                  </a:schemeClr>
+                </a:solidFill>
+              </a:rPr>
+              <a:t>における </a:t>
+            </a:r>
+            <a:r>
+              <a:rPr lang="en-US" altLang="ja-JP" dirty="0">
+                <a:solidFill>
+                  <a:schemeClr val="bg1">
+                    <a:lumMod val="85000"/>
+                  </a:schemeClr>
+                </a:solidFill>
+              </a:rPr>
+              <a:t>GC</a:t>
+            </a:r>
+          </a:p>
+          <a:p>
+            <a:pPr marL="0" indent="0">
+              <a:buNone/>
+            </a:pPr>
+            <a:r>
+              <a:rPr kumimoji="1" lang="en-US" altLang="ja-JP" dirty="0">
+                <a:solidFill>
+                  <a:schemeClr val="bg1">
+                    <a:lumMod val="85000"/>
+                  </a:schemeClr>
+                </a:solidFill>
+              </a:rPr>
+              <a:t>3. </a:t>
+            </a:r>
+            <a:r>
+              <a:rPr kumimoji="1" lang="ja-JP" altLang="en-US" dirty="0">
+                <a:solidFill>
+                  <a:schemeClr val="bg1">
+                    <a:lumMod val="85000"/>
+                  </a:schemeClr>
+                </a:solidFill>
+              </a:rPr>
+              <a:t>冒頭の疑問への答え</a:t>
+            </a:r>
+            <a:endParaRPr kumimoji="1" lang="en-US" altLang="ja-JP" dirty="0">
+              <a:solidFill>
+                <a:schemeClr val="bg1">
+                  <a:lumMod val="85000"/>
+                </a:schemeClr>
+              </a:solidFill>
+            </a:endParaRPr>
+          </a:p>
+          <a:p>
+            <a:pPr marL="0" indent="0">
+              <a:buNone/>
+            </a:pPr>
+            <a:r>
+              <a:rPr lang="en-US" altLang="ja-JP" dirty="0"/>
+              <a:t>4. </a:t>
+            </a:r>
+            <a:r>
+              <a:rPr lang="ja-JP" altLang="en-US" dirty="0"/>
+              <a:t>今後の方針</a:t>
+            </a:r>
+            <a:endParaRPr kumimoji="1" lang="en-US" altLang="ja-JP" dirty="0"/>
+          </a:p>
+          <a:p>
+            <a:pPr marL="0" indent="0">
+              <a:buNone/>
+            </a:pPr>
+            <a:endParaRPr kumimoji="1" lang="en-US" altLang="ja-JP" dirty="0"/>
+          </a:p>
+        </p:txBody>
+      </p:sp>
+    </p:spTree>
+    <p:extLst>
+      <p:ext uri="{BB962C8B-B14F-4D97-AF65-F5344CB8AC3E}">
+        <p14:creationId xmlns:p14="http://schemas.microsoft.com/office/powerpoint/2010/main" val="1789943196"/>
+      </p:ext>
+    </p:extLst>
+  </p:cSld>
+  <p:clrMapOvr>
+    <a:masterClrMapping/>
+  </p:clrMapOvr>
+</p:sld>
+</file>
+
+<file path=ppt/slides/slide46.xml><?xml version="1.0" encoding="utf-8"?>
+<p:sld xmlns:a="http://schemas.openxmlformats.org/drawingml/2006/main" xmlns:r="http://schemas.openxmlformats.org/officeDocument/2006/relationships" xmlns:p="http://schemas.openxmlformats.org/presentationml/2006/main">
+  <p:cSld>
+    <p:spTree>
+      <p:nvGrpSpPr>
+        <p:cNvPr id="1" name=""/>
+        <p:cNvGrpSpPr/>
+        <p:nvPr/>
+      </p:nvGrpSpPr>
+      <p:grpSpPr>
+        <a:xfrm>
+          <a:off x="0" y="0"/>
+          <a:ext cx="0" cy="0"/>
+          <a:chOff x="0" y="0"/>
+          <a:chExt cx="0" cy="0"/>
+        </a:xfrm>
+      </p:grpSpPr>
+      <p:sp>
+        <p:nvSpPr>
+          <p:cNvPr id="2" name="タイトル 1">
+            <a:extLst>
+              <a:ext uri="{FF2B5EF4-FFF2-40B4-BE49-F238E27FC236}">
+                <a16:creationId xmlns:a16="http://schemas.microsoft.com/office/drawing/2014/main" id="{8CBD6F3B-B26D-C9BF-1153-6DA941DE36F3}"/>
+              </a:ext>
+            </a:extLst>
+          </p:cNvPr>
+          <p:cNvSpPr>
+            <a:spLocks noGrp="1"/>
+          </p:cNvSpPr>
+          <p:nvPr>
+            <p:ph type="title"/>
+          </p:nvPr>
+        </p:nvSpPr>
+        <p:spPr/>
+        <p:txBody>
+          <a:bodyPr/>
+          <a:lstStyle/>
+          <a:p>
+            <a:r>
+              <a:rPr kumimoji="1" lang="en-US" altLang="ja-JP" dirty="0"/>
+              <a:t>4. </a:t>
+            </a:r>
+            <a:r>
+              <a:rPr kumimoji="1" lang="ja-JP" altLang="en-US" dirty="0"/>
+              <a:t>今後の方針</a:t>
+            </a:r>
+          </a:p>
+        </p:txBody>
+      </p:sp>
+      <p:sp>
+        <p:nvSpPr>
+          <p:cNvPr id="3" name="コンテンツ プレースホルダー 2">
+            <a:extLst>
+              <a:ext uri="{FF2B5EF4-FFF2-40B4-BE49-F238E27FC236}">
+                <a16:creationId xmlns:a16="http://schemas.microsoft.com/office/drawing/2014/main" id="{4FC6ADCB-10DF-B0B5-5199-59CFAC2C0F13}"/>
+              </a:ext>
+            </a:extLst>
+          </p:cNvPr>
+          <p:cNvSpPr>
+            <a:spLocks noGrp="1"/>
+          </p:cNvSpPr>
+          <p:nvPr>
+            <p:ph idx="1"/>
+          </p:nvPr>
+        </p:nvSpPr>
+        <p:spPr/>
+        <p:txBody>
+          <a:bodyPr/>
+          <a:lstStyle/>
+          <a:p>
+            <a:pPr marL="0" indent="0">
+              <a:buNone/>
+            </a:pPr>
+            <a:r>
+              <a:rPr lang="ja-JP" altLang="en-US" dirty="0"/>
+              <a:t>・</a:t>
+            </a:r>
+            <a:r>
+              <a:rPr lang="en-US" altLang="ja-JP" dirty="0"/>
+              <a:t> Python </a:t>
+            </a:r>
+            <a:r>
+              <a:rPr lang="ja-JP" altLang="en-US" dirty="0"/>
+              <a:t>でメモリリークが発生するような例について，</a:t>
+            </a:r>
+            <a:endParaRPr lang="en-US" altLang="ja-JP" dirty="0"/>
+          </a:p>
+          <a:p>
+            <a:pPr marL="0" indent="0">
+              <a:buNone/>
+            </a:pPr>
+            <a:r>
+              <a:rPr lang="en-US" altLang="ja-JP" dirty="0"/>
+              <a:t>	</a:t>
+            </a:r>
+            <a:r>
+              <a:rPr lang="ja-JP" altLang="en-US" dirty="0"/>
+              <a:t>静的メモリ管理を行う </a:t>
+            </a:r>
+            <a:r>
+              <a:rPr lang="en-US" altLang="ja-JP" dirty="0"/>
+              <a:t>Rust </a:t>
+            </a:r>
+            <a:r>
+              <a:rPr lang="ja-JP" altLang="en-US" dirty="0"/>
+              <a:t>で書くとするとどうなるか</a:t>
+            </a:r>
+            <a:endParaRPr lang="en-US" altLang="ja-JP" dirty="0"/>
+          </a:p>
+          <a:p>
+            <a:pPr marL="0" indent="0">
+              <a:buNone/>
+            </a:pPr>
+            <a:r>
+              <a:rPr lang="en-US" altLang="ja-JP" dirty="0"/>
+              <a:t>	</a:t>
+            </a:r>
+            <a:r>
+              <a:rPr lang="ja-JP" altLang="en-US" dirty="0"/>
+              <a:t>メモリ効率や実行速度など何か違いは生じるか </a:t>
+            </a:r>
+            <a:endParaRPr lang="en-US" altLang="ja-JP" dirty="0"/>
+          </a:p>
+          <a:p>
+            <a:pPr marL="0" indent="0">
+              <a:buNone/>
+            </a:pPr>
+            <a:r>
+              <a:rPr lang="ja-JP" altLang="en-US" dirty="0"/>
+              <a:t>などの対照実験を行う．</a:t>
+            </a:r>
+            <a:endParaRPr lang="en-US" altLang="ja-JP" dirty="0"/>
+          </a:p>
+          <a:p>
+            <a:pPr marL="0" indent="0">
+              <a:buNone/>
+            </a:pPr>
+            <a:endParaRPr kumimoji="1" lang="en-US" altLang="ja-JP" dirty="0"/>
+          </a:p>
+          <a:p>
+            <a:pPr marL="0" indent="0">
+              <a:buNone/>
+            </a:pPr>
+            <a:r>
+              <a:rPr lang="ja-JP" altLang="en-US" dirty="0"/>
+              <a:t>今後のアイデアの一つとして</a:t>
+            </a:r>
+            <a:endParaRPr kumimoji="1" lang="en-US" altLang="ja-JP" dirty="0"/>
+          </a:p>
+          <a:p>
+            <a:pPr marL="0" indent="0">
+              <a:buNone/>
+            </a:pPr>
+            <a:r>
+              <a:rPr lang="ja-JP" altLang="en-US" dirty="0"/>
+              <a:t>・ </a:t>
+            </a:r>
+            <a:r>
+              <a:rPr lang="en-US" altLang="ja-JP" dirty="0"/>
+              <a:t>Python </a:t>
+            </a:r>
+            <a:r>
+              <a:rPr lang="ja-JP" altLang="en-US" dirty="0"/>
+              <a:t>の </a:t>
+            </a:r>
+            <a:r>
+              <a:rPr lang="en-US" altLang="ja-JP" dirty="0"/>
+              <a:t>GC </a:t>
+            </a:r>
+            <a:r>
+              <a:rPr lang="ja-JP" altLang="en-US" dirty="0"/>
+              <a:t>の仕組みを </a:t>
+            </a:r>
+            <a:r>
+              <a:rPr lang="en-US" altLang="ja-JP" dirty="0"/>
+              <a:t>Coq </a:t>
+            </a:r>
+            <a:r>
+              <a:rPr lang="ja-JP" altLang="en-US" dirty="0"/>
+              <a:t>等で定式化する</a:t>
+            </a:r>
+            <a:endParaRPr lang="en-US" altLang="ja-JP" dirty="0"/>
+          </a:p>
+          <a:p>
+            <a:pPr marL="0" indent="0">
+              <a:buNone/>
+            </a:pPr>
+            <a:endParaRPr lang="en-US" altLang="ja-JP" dirty="0"/>
+          </a:p>
+        </p:txBody>
+      </p:sp>
+    </p:spTree>
+    <p:extLst>
+      <p:ext uri="{BB962C8B-B14F-4D97-AF65-F5344CB8AC3E}">
+        <p14:creationId xmlns:p14="http://schemas.microsoft.com/office/powerpoint/2010/main" val="2441860542"/>
+      </p:ext>
+    </p:extLst>
+  </p:cSld>
+  <p:clrMapOvr>
+    <a:masterClrMapping/>
+  </p:clrMapOvr>
+</p:sld>
+</file>
+
+<file path=ppt/slides/slide47.xml><?xml version="1.0" encoding="utf-8"?>
+<p:sld xmlns:a="http://schemas.openxmlformats.org/drawingml/2006/main" xmlns:r="http://schemas.openxmlformats.org/officeDocument/2006/relationships" xmlns:p="http://schemas.openxmlformats.org/presentationml/2006/main">
+  <p:cSld>
+    <p:spTree>
+      <p:nvGrpSpPr>
+        <p:cNvPr id="1" name=""/>
+        <p:cNvGrpSpPr/>
+        <p:nvPr/>
+      </p:nvGrpSpPr>
+      <p:grpSpPr>
+        <a:xfrm>
+          <a:off x="0" y="0"/>
+          <a:ext cx="0" cy="0"/>
+          <a:chOff x="0" y="0"/>
+          <a:chExt cx="0" cy="0"/>
+        </a:xfrm>
+      </p:grpSpPr>
+      <p:sp>
+        <p:nvSpPr>
+          <p:cNvPr id="2" name="タイトル 1">
+            <a:extLst>
+              <a:ext uri="{FF2B5EF4-FFF2-40B4-BE49-F238E27FC236}">
+                <a16:creationId xmlns:a16="http://schemas.microsoft.com/office/drawing/2014/main" id="{6CBF3B6D-CD52-180C-BE57-EC4937286B4C}"/>
+              </a:ext>
+            </a:extLst>
+          </p:cNvPr>
+          <p:cNvSpPr>
+            <a:spLocks noGrp="1"/>
+          </p:cNvSpPr>
+          <p:nvPr>
+            <p:ph type="title"/>
+          </p:nvPr>
+        </p:nvSpPr>
+        <p:spPr/>
+        <p:txBody>
+          <a:bodyPr/>
+          <a:lstStyle/>
+          <a:p>
+            <a:r>
+              <a:rPr kumimoji="1" lang="ja-JP" altLang="en-US" dirty="0"/>
+              <a:t>参考文献</a:t>
+            </a:r>
+          </a:p>
+        </p:txBody>
+      </p:sp>
+      <p:sp>
+        <p:nvSpPr>
+          <p:cNvPr id="3" name="コンテンツ プレースホルダー 2">
+            <a:extLst>
+              <a:ext uri="{FF2B5EF4-FFF2-40B4-BE49-F238E27FC236}">
+                <a16:creationId xmlns:a16="http://schemas.microsoft.com/office/drawing/2014/main" id="{A23766E5-2403-0306-015C-1E4F091DF520}"/>
+              </a:ext>
+            </a:extLst>
+          </p:cNvPr>
+          <p:cNvSpPr>
+            <a:spLocks noGrp="1"/>
+          </p:cNvSpPr>
+          <p:nvPr>
+            <p:ph idx="1"/>
+          </p:nvPr>
+        </p:nvSpPr>
+        <p:spPr>
+          <a:xfrm>
+            <a:off x="259194" y="1099789"/>
+            <a:ext cx="9161531" cy="5482165"/>
+          </a:xfrm>
+        </p:spPr>
+        <p:txBody>
+          <a:bodyPr>
+            <a:normAutofit/>
+          </a:bodyPr>
+          <a:lstStyle/>
+          <a:p>
+            <a:pPr marL="0" indent="0">
+              <a:buNone/>
+            </a:pPr>
+            <a:r>
+              <a:rPr lang="en-US" altLang="ja-JP" b="0" i="0" dirty="0">
+                <a:effectLst/>
+                <a:latin typeface="+mn-lt"/>
+              </a:rPr>
+              <a:t>Garbage collection (computer science) - Wikipedia</a:t>
+            </a:r>
+            <a:endParaRPr lang="en-US" altLang="ja-JP" dirty="0">
+              <a:latin typeface="+mn-lt"/>
+            </a:endParaRPr>
+          </a:p>
+          <a:p>
+            <a:pPr marL="0" indent="0">
+              <a:buNone/>
+            </a:pPr>
+            <a:r>
+              <a:rPr kumimoji="1" lang="en-US" altLang="ja-JP" sz="2000" dirty="0"/>
+              <a:t>https://en.wikipedia.org/wiki/Garbage_collection_(computer_science) </a:t>
+            </a:r>
+          </a:p>
+          <a:p>
+            <a:pPr marL="0" indent="0">
+              <a:buNone/>
+            </a:pPr>
+            <a:endParaRPr kumimoji="1" lang="en-US" altLang="ja-JP" dirty="0"/>
+          </a:p>
+          <a:p>
+            <a:pPr marL="0" indent="0">
+              <a:buNone/>
+            </a:pPr>
+            <a:r>
+              <a:rPr lang="ja-JP" altLang="en-US" dirty="0"/>
+              <a:t>一般教養としての</a:t>
+            </a:r>
+            <a:r>
+              <a:rPr lang="en-US" altLang="ja-JP" dirty="0"/>
+              <a:t>Garbage Collection </a:t>
+            </a:r>
+            <a:r>
+              <a:rPr lang="en-US" altLang="ja-JP" sz="2400" dirty="0"/>
+              <a:t>(</a:t>
+            </a:r>
+            <a:r>
+              <a:rPr lang="ja-JP" altLang="en-US" sz="2400" dirty="0"/>
+              <a:t>コンパイラ演習番外編</a:t>
+            </a:r>
+            <a:r>
+              <a:rPr lang="en-US" altLang="ja-JP" sz="2400" dirty="0"/>
+              <a:t>)</a:t>
+            </a:r>
+            <a:endParaRPr lang="en-US" altLang="ja-JP" dirty="0"/>
+          </a:p>
+          <a:p>
+            <a:pPr marL="0" indent="0">
+              <a:buNone/>
+            </a:pPr>
+            <a:r>
+              <a:rPr kumimoji="1" lang="ja-JP" altLang="en-US" sz="2000" dirty="0"/>
+              <a:t>東京工業大学 総合研究院 スーパーコンピューティング研究センター  遠藤 敏夫  </a:t>
+            </a:r>
+            <a:endParaRPr kumimoji="1" lang="en-US" altLang="ja-JP" sz="2000" dirty="0"/>
+          </a:p>
+          <a:p>
+            <a:pPr marL="0" indent="0">
+              <a:buNone/>
+            </a:pPr>
+            <a:r>
+              <a:rPr kumimoji="1" lang="en-US" altLang="ja-JP" sz="2000" dirty="0"/>
+              <a:t>http://matsu-www.is.titech.ac.jp/~endo/gc/gc.pdf </a:t>
+            </a:r>
+          </a:p>
+          <a:p>
+            <a:pPr marL="0" indent="0">
+              <a:buNone/>
+            </a:pPr>
+            <a:endParaRPr lang="en-US" altLang="ja-JP" dirty="0"/>
+          </a:p>
+          <a:p>
+            <a:pPr marL="0" indent="0">
+              <a:buNone/>
+            </a:pPr>
+            <a:r>
+              <a:rPr lang="en-US" altLang="ja-JP" dirty="0"/>
+              <a:t>Garbage collector design </a:t>
+            </a:r>
+            <a:r>
+              <a:rPr lang="en-US" altLang="ja-JP" sz="2400" dirty="0"/>
+              <a:t>(</a:t>
+            </a:r>
+            <a:r>
+              <a:rPr lang="en-US" altLang="ja-JP" sz="2400" dirty="0" err="1"/>
+              <a:t>CPython</a:t>
+            </a:r>
+            <a:r>
+              <a:rPr lang="en-US" altLang="ja-JP" sz="2400" dirty="0"/>
+              <a:t> Internals Documentation)</a:t>
+            </a:r>
+          </a:p>
+          <a:p>
+            <a:pPr marL="0" indent="0">
+              <a:buNone/>
+            </a:pPr>
+            <a:r>
+              <a:rPr kumimoji="1" lang="en-US" altLang="ja-JP" sz="2000" dirty="0"/>
+              <a:t>https://github.com/python/cpython/blob/main/InternalDocs/garbage_collector.md</a:t>
+            </a:r>
+          </a:p>
+          <a:p>
+            <a:pPr marL="0" indent="0">
+              <a:buNone/>
+            </a:pPr>
+            <a:endParaRPr lang="en-US" altLang="ja-JP" sz="2000" dirty="0"/>
+          </a:p>
+          <a:p>
+            <a:pPr marL="0" indent="0">
+              <a:buNone/>
+            </a:pPr>
+            <a:endParaRPr kumimoji="1" lang="en-US" altLang="ja-JP" sz="2000" dirty="0"/>
+          </a:p>
+          <a:p>
+            <a:pPr marL="0" indent="0">
+              <a:buNone/>
+            </a:pPr>
+            <a:endParaRPr lang="en-US" altLang="ja-JP" dirty="0"/>
+          </a:p>
+          <a:p>
+            <a:pPr marL="0" indent="0">
+              <a:buNone/>
+            </a:pPr>
+            <a:endParaRPr lang="en-US" altLang="ja-JP" dirty="0"/>
+          </a:p>
+          <a:p>
+            <a:pPr marL="0" indent="0">
+              <a:buNone/>
+            </a:pPr>
+            <a:endParaRPr lang="en-US" altLang="ja-JP" dirty="0"/>
+          </a:p>
+        </p:txBody>
+      </p:sp>
+    </p:spTree>
+    <p:extLst>
+      <p:ext uri="{BB962C8B-B14F-4D97-AF65-F5344CB8AC3E}">
+        <p14:creationId xmlns:p14="http://schemas.microsoft.com/office/powerpoint/2010/main" val="94726582"/>
+      </p:ext>
+    </p:extLst>
+  </p:cSld>
+  <p:clrMapOvr>
+    <a:masterClrMapping/>
+  </p:clrMapOvr>
+</p:sld>
+</file>
+
+<file path=ppt/slides/slide48.xml><?xml version="1.0" encoding="utf-8"?>
+<p:sld xmlns:a="http://schemas.openxmlformats.org/drawingml/2006/main" xmlns:r="http://schemas.openxmlformats.org/officeDocument/2006/relationships" xmlns:p="http://schemas.openxmlformats.org/presentationml/2006/main">
+  <p:cSld>
+    <p:spTree>
+      <p:nvGrpSpPr>
+        <p:cNvPr id="1" name="">
+          <a:extLst>
+            <a:ext uri="{FF2B5EF4-FFF2-40B4-BE49-F238E27FC236}">
+              <a16:creationId xmlns:a16="http://schemas.microsoft.com/office/drawing/2014/main" id="{6927EDB8-FD8D-ADA2-5001-E3E74CB7591C}"/>
+            </a:ext>
+          </a:extLst>
+        </p:cNvPr>
+        <p:cNvGrpSpPr/>
+        <p:nvPr/>
+      </p:nvGrpSpPr>
+      <p:grpSpPr>
+        <a:xfrm>
+          <a:off x="0" y="0"/>
+          <a:ext cx="0" cy="0"/>
+          <a:chOff x="0" y="0"/>
+          <a:chExt cx="0" cy="0"/>
+        </a:xfrm>
+      </p:grpSpPr>
+      <p:sp>
+        <p:nvSpPr>
+          <p:cNvPr id="2" name="タイトル 1">
+            <a:extLst>
+              <a:ext uri="{FF2B5EF4-FFF2-40B4-BE49-F238E27FC236}">
+                <a16:creationId xmlns:a16="http://schemas.microsoft.com/office/drawing/2014/main" id="{103DF0FE-9371-C051-4493-3D17934D7D38}"/>
+              </a:ext>
+            </a:extLst>
+          </p:cNvPr>
+          <p:cNvSpPr>
+            <a:spLocks noGrp="1"/>
+          </p:cNvSpPr>
+          <p:nvPr>
+            <p:ph type="title"/>
+          </p:nvPr>
+        </p:nvSpPr>
+        <p:spPr/>
+        <p:txBody>
+          <a:bodyPr/>
+          <a:lstStyle/>
+          <a:p>
+            <a:r>
+              <a:rPr kumimoji="1" lang="ja-JP" altLang="en-US" dirty="0"/>
+              <a:t>参考文献</a:t>
+            </a:r>
+          </a:p>
+        </p:txBody>
+      </p:sp>
+      <p:sp>
+        <p:nvSpPr>
+          <p:cNvPr id="3" name="コンテンツ プレースホルダー 2">
+            <a:extLst>
+              <a:ext uri="{FF2B5EF4-FFF2-40B4-BE49-F238E27FC236}">
+                <a16:creationId xmlns:a16="http://schemas.microsoft.com/office/drawing/2014/main" id="{1194B260-6EA0-D9FA-475F-C9EB15B72972}"/>
+              </a:ext>
+            </a:extLst>
+          </p:cNvPr>
+          <p:cNvSpPr>
+            <a:spLocks noGrp="1"/>
+          </p:cNvSpPr>
+          <p:nvPr>
+            <p:ph idx="1"/>
+          </p:nvPr>
+        </p:nvSpPr>
+        <p:spPr/>
+        <p:txBody>
+          <a:bodyPr>
+            <a:normAutofit/>
+          </a:bodyPr>
+          <a:lstStyle/>
+          <a:p>
+            <a:pPr marL="0" indent="0">
+              <a:buNone/>
+            </a:pPr>
+            <a:r>
+              <a:rPr lang="en-US" altLang="ja-JP" dirty="0" err="1"/>
+              <a:t>gc</a:t>
+            </a:r>
+            <a:r>
+              <a:rPr lang="en-US" altLang="ja-JP" dirty="0"/>
+              <a:t> ― </a:t>
+            </a:r>
+            <a:r>
+              <a:rPr lang="ja-JP" altLang="en-US" dirty="0"/>
+              <a:t>ガベージコレクターインターフェース</a:t>
+            </a:r>
+            <a:endParaRPr lang="en-US" altLang="ja-JP" dirty="0"/>
+          </a:p>
+          <a:p>
+            <a:pPr marL="0" indent="0">
+              <a:buNone/>
+            </a:pPr>
+            <a:r>
+              <a:rPr kumimoji="1" lang="en-US" altLang="ja-JP" sz="2000" dirty="0"/>
+              <a:t>https://docs.python.org/ja/3/library/gc.html</a:t>
+            </a:r>
+            <a:r>
+              <a:rPr lang="ja-JP" altLang="en-US" sz="2000" dirty="0"/>
+              <a:t>　</a:t>
+            </a:r>
+            <a:r>
+              <a:rPr kumimoji="1" lang="ja-JP" altLang="en-US" sz="2000" dirty="0"/>
+              <a:t> </a:t>
+            </a:r>
+            <a:endParaRPr kumimoji="1" lang="en-US" altLang="ja-JP" sz="2000" dirty="0"/>
+          </a:p>
+          <a:p>
+            <a:pPr marL="0" indent="0">
+              <a:buNone/>
+            </a:pPr>
+            <a:endParaRPr lang="en-US" altLang="ja-JP" dirty="0"/>
+          </a:p>
+          <a:p>
+            <a:pPr marL="0" indent="0">
+              <a:buNone/>
+            </a:pPr>
+            <a:r>
+              <a:rPr kumimoji="0" lang="ja-JP" altLang="ja-JP" sz="2800" b="0" i="0" u="none" strike="noStrike" cap="none" normalizeH="0" baseline="0" dirty="0">
+                <a:ln>
+                  <a:noFill/>
+                </a:ln>
+                <a:solidFill>
+                  <a:srgbClr val="000000"/>
+                </a:solidFill>
+                <a:effectLst/>
+                <a:latin typeface="+mn-lt"/>
+                <a:ea typeface="Menlo"/>
+              </a:rPr>
+              <a:t>gc</a:t>
+            </a:r>
+            <a:r>
+              <a:rPr kumimoji="0" lang="ja-JP" altLang="ja-JP" sz="2800" b="0" i="0" u="none" strike="noStrike" cap="none" normalizeH="0" baseline="0" dirty="0">
+                <a:ln>
+                  <a:noFill/>
+                </a:ln>
+                <a:solidFill>
+                  <a:srgbClr val="000000"/>
+                </a:solidFill>
+                <a:effectLst/>
+                <a:latin typeface="+mn-lt"/>
+                <a:ea typeface="-apple-system"/>
+              </a:rPr>
+              <a:t> — Garbage Collector interface</a:t>
+            </a:r>
+            <a:r>
+              <a:rPr kumimoji="0" lang="ja-JP" altLang="en-US" dirty="0">
+                <a:solidFill>
+                  <a:srgbClr val="000000"/>
+                </a:solidFill>
+                <a:latin typeface="+mn-lt"/>
+                <a:ea typeface="-apple-system"/>
+              </a:rPr>
+              <a:t> </a:t>
+            </a:r>
+            <a:r>
+              <a:rPr kumimoji="0" lang="en-US" altLang="ja-JP" dirty="0">
+                <a:solidFill>
+                  <a:srgbClr val="000000"/>
+                </a:solidFill>
+                <a:latin typeface="+mn-lt"/>
+                <a:ea typeface="-apple-system"/>
+              </a:rPr>
+              <a:t>(Python 3.13.0)</a:t>
+            </a:r>
+            <a:endParaRPr lang="en-US" altLang="ja-JP" dirty="0"/>
+          </a:p>
+          <a:p>
+            <a:pPr marL="0" indent="0">
+              <a:buNone/>
+            </a:pPr>
+            <a:r>
+              <a:rPr lang="en-US" altLang="ja-JP" sz="2000" dirty="0"/>
+              <a:t>https://docs.python.org/3.13/library/gc.html </a:t>
+            </a:r>
+          </a:p>
+          <a:p>
+            <a:pPr marL="0" indent="0">
+              <a:buNone/>
+            </a:pPr>
+            <a:endParaRPr lang="en-US" altLang="ja-JP" dirty="0"/>
+          </a:p>
+          <a:p>
+            <a:pPr marL="0" indent="0">
+              <a:buNone/>
+            </a:pPr>
+            <a:r>
+              <a:rPr kumimoji="0" lang="ja-JP" altLang="ja-JP" sz="2800" b="0" i="0" u="none" strike="noStrike" cap="none" normalizeH="0" baseline="0" dirty="0">
+                <a:ln>
+                  <a:noFill/>
+                </a:ln>
+                <a:solidFill>
+                  <a:srgbClr val="000000"/>
+                </a:solidFill>
+                <a:effectLst/>
+                <a:latin typeface="+mn-lt"/>
+                <a:ea typeface="Menlo"/>
+              </a:rPr>
+              <a:t>gc</a:t>
+            </a:r>
+            <a:r>
+              <a:rPr kumimoji="0" lang="ja-JP" altLang="ja-JP" sz="2800" b="0" i="0" u="none" strike="noStrike" cap="none" normalizeH="0" baseline="0" dirty="0">
+                <a:ln>
+                  <a:noFill/>
+                </a:ln>
+                <a:solidFill>
+                  <a:srgbClr val="000000"/>
+                </a:solidFill>
+                <a:effectLst/>
+                <a:latin typeface="+mn-lt"/>
+                <a:ea typeface="-apple-system"/>
+              </a:rPr>
+              <a:t> — Garbage Collector interface</a:t>
+            </a:r>
+            <a:r>
+              <a:rPr kumimoji="0" lang="ja-JP" altLang="en-US" dirty="0">
+                <a:solidFill>
+                  <a:srgbClr val="000000"/>
+                </a:solidFill>
+                <a:latin typeface="+mn-lt"/>
+                <a:ea typeface="-apple-system"/>
+              </a:rPr>
+              <a:t> </a:t>
+            </a:r>
+            <a:r>
+              <a:rPr kumimoji="0" lang="en-US" altLang="ja-JP" dirty="0">
+                <a:solidFill>
+                  <a:srgbClr val="000000"/>
+                </a:solidFill>
+                <a:latin typeface="+mn-lt"/>
+                <a:ea typeface="-apple-system"/>
+              </a:rPr>
+              <a:t>(Python 3.14.0a2)</a:t>
+            </a:r>
+            <a:endParaRPr lang="en-US" altLang="ja-JP" dirty="0"/>
+          </a:p>
+          <a:p>
+            <a:pPr marL="0" indent="0">
+              <a:buNone/>
+            </a:pPr>
+            <a:r>
+              <a:rPr kumimoji="1" lang="en-US" altLang="ja-JP" sz="2000" dirty="0"/>
+              <a:t>https://docs.python.org/3.14/library/gc.html</a:t>
+            </a:r>
+            <a:endParaRPr kumimoji="1" lang="ja-JP" altLang="en-US" sz="2000" dirty="0"/>
+          </a:p>
+        </p:txBody>
+      </p:sp>
+    </p:spTree>
+    <p:extLst>
+      <p:ext uri="{BB962C8B-B14F-4D97-AF65-F5344CB8AC3E}">
+        <p14:creationId xmlns:p14="http://schemas.microsoft.com/office/powerpoint/2010/main" val="3035484224"/>
       </p:ext>
     </p:extLst>
   </p:cSld>

--- a/研究室関連/ゼミ/2024.11.27ゼミ.pptx
+++ b/研究室関連/ゼミ/2024.11.27ゼミ.pptx
@@ -262,7 +262,7 @@
           <a:p>
             <a:fld id="{002B35ED-074F-4DA6-B0D2-0863611FB16F}" type="datetimeFigureOut">
               <a:rPr kumimoji="1" lang="ja-JP" altLang="en-US" smtClean="0"/>
-              <a:t>2024/11/23</a:t>
+              <a:t>2024/11/27</a:t>
             </a:fld>
             <a:endParaRPr kumimoji="1" lang="ja-JP" altLang="en-US"/>
           </a:p>
@@ -439,7 +439,7 @@
           <a:p>
             <a:fld id="{5D2CEC0D-A261-4C59-BB97-0C6E777DBF7E}" type="datetimeFigureOut">
               <a:rPr kumimoji="1" lang="ja-JP" altLang="en-US" smtClean="0"/>
-              <a:t>2024/11/23</a:t>
+              <a:t>2024/11/27</a:t>
             </a:fld>
             <a:endParaRPr kumimoji="1" lang="ja-JP" altLang="en-US"/>
           </a:p>
@@ -2300,7 +2300,7 @@
           <a:p>
             <a:fld id="{E8CAF464-15F3-4BB4-BD7F-4E96634389B9}" type="datetime1">
               <a:rPr kumimoji="1" lang="ja-JP" altLang="en-US" smtClean="0"/>
-              <a:t>2024/11/23</a:t>
+              <a:t>2024/11/27</a:t>
             </a:fld>
             <a:endParaRPr kumimoji="1" lang="ja-JP" altLang="en-US"/>
           </a:p>
@@ -3075,7 +3075,7 @@
           <a:p>
             <a:fld id="{B4C738A0-993E-4FF2-A9D3-F8A25E5BED3D}" type="datetime1">
               <a:rPr kumimoji="1" lang="ja-JP" altLang="en-US" smtClean="0"/>
-              <a:t>2024/11/23</a:t>
+              <a:t>2024/11/27</a:t>
             </a:fld>
             <a:endParaRPr kumimoji="1" lang="ja-JP" altLang="en-US"/>
           </a:p>
@@ -3395,7 +3395,7 @@
           <a:p>
             <a:fld id="{6F43E0D6-D44E-4BB9-A41C-4EBA4BB1D0AA}" type="datetime1">
               <a:rPr kumimoji="1" lang="ja-JP" altLang="en-US" smtClean="0"/>
-              <a:t>2024/11/23</a:t>
+              <a:t>2024/11/27</a:t>
             </a:fld>
             <a:endParaRPr kumimoji="1" lang="ja-JP" altLang="en-US"/>
           </a:p>
@@ -3862,7 +3862,7 @@
           <a:p>
             <a:fld id="{80FBE12C-66DD-425F-87DA-45FA71D4B14C}" type="datetime1">
               <a:rPr kumimoji="1" lang="ja-JP" altLang="en-US" smtClean="0"/>
-              <a:t>2024/11/23</a:t>
+              <a:t>2024/11/27</a:t>
             </a:fld>
             <a:endParaRPr kumimoji="1" lang="ja-JP" altLang="en-US"/>
           </a:p>
@@ -3994,7 +3994,7 @@
           <a:p>
             <a:fld id="{5D337AB5-68CF-4C9A-84F0-CEB8B3F3804F}" type="datetime1">
               <a:rPr kumimoji="1" lang="ja-JP" altLang="en-US" smtClean="0"/>
-              <a:t>2024/11/23</a:t>
+              <a:t>2024/11/27</a:t>
             </a:fld>
             <a:endParaRPr kumimoji="1" lang="ja-JP" altLang="en-US"/>
           </a:p>
@@ -4098,7 +4098,7 @@
           <a:p>
             <a:fld id="{0224F364-07F3-46C8-84AA-302D169C9924}" type="datetime1">
               <a:rPr kumimoji="1" lang="ja-JP" altLang="en-US" smtClean="0"/>
-              <a:t>2024/11/23</a:t>
+              <a:t>2024/11/27</a:t>
             </a:fld>
             <a:endParaRPr kumimoji="1" lang="ja-JP" altLang="en-US"/>
           </a:p>
@@ -4432,7 +4432,7 @@
           <a:p>
             <a:fld id="{C98F773C-6196-4130-BAF3-BF8645CB42FA}" type="datetime1">
               <a:rPr kumimoji="1" lang="ja-JP" altLang="en-US" smtClean="0"/>
-              <a:t>2024/11/23</a:t>
+              <a:t>2024/11/27</a:t>
             </a:fld>
             <a:endParaRPr kumimoji="1" lang="ja-JP" altLang="en-US"/>
           </a:p>
@@ -4711,7 +4711,7 @@
           <a:p>
             <a:fld id="{E4883AD5-0DE6-4DC7-9375-A23AA371A5C4}" type="datetime1">
               <a:rPr kumimoji="1" lang="ja-JP" altLang="en-US" smtClean="0"/>
-              <a:t>2024/11/23</a:t>
+              <a:t>2024/11/27</a:t>
             </a:fld>
             <a:endParaRPr kumimoji="1" lang="ja-JP" altLang="en-US"/>
           </a:p>
@@ -5390,15 +5390,7 @@
           <a:p>
             <a:r>
               <a:rPr kumimoji="1" lang="en-US" altLang="ja-JP" dirty="0"/>
-              <a:t>1.1. </a:t>
-            </a:r>
-            <a:r>
-              <a:rPr kumimoji="1" lang="en-US" altLang="ja-JP" dirty="0" err="1"/>
-              <a:t>Tracting</a:t>
-            </a:r>
-            <a:r>
-              <a:rPr kumimoji="1" lang="en-US" altLang="ja-JP" dirty="0"/>
-              <a:t> GC</a:t>
+              <a:t>1.1. Tracing GC</a:t>
             </a:r>
             <a:endParaRPr kumimoji="1" lang="ja-JP" altLang="en-US" dirty="0"/>
           </a:p>
@@ -5634,15 +5626,7 @@
             </a:r>
             <a:r>
               <a:rPr kumimoji="1" lang="en-US" altLang="ja-JP" dirty="0"/>
-              <a:t>.1. </a:t>
-            </a:r>
-            <a:r>
-              <a:rPr kumimoji="1" lang="en-US" altLang="ja-JP" dirty="0" err="1"/>
-              <a:t>Tracting</a:t>
-            </a:r>
-            <a:r>
-              <a:rPr kumimoji="1" lang="en-US" altLang="ja-JP" dirty="0"/>
-              <a:t> GC</a:t>
+              <a:t>.1. Tracing GC</a:t>
             </a:r>
             <a:endParaRPr kumimoji="1" lang="ja-JP" altLang="en-US" dirty="0"/>
           </a:p>
@@ -5952,15 +5936,7 @@
             </a:r>
             <a:r>
               <a:rPr kumimoji="1" lang="en-US" altLang="ja-JP" dirty="0"/>
-              <a:t>.1. </a:t>
-            </a:r>
-            <a:r>
-              <a:rPr kumimoji="1" lang="en-US" altLang="ja-JP" dirty="0" err="1"/>
-              <a:t>Tracting</a:t>
-            </a:r>
-            <a:r>
-              <a:rPr kumimoji="1" lang="en-US" altLang="ja-JP" dirty="0"/>
-              <a:t> GC</a:t>
+              <a:t>.1. Tracing GC</a:t>
             </a:r>
             <a:endParaRPr kumimoji="1" lang="ja-JP" altLang="en-US" dirty="0"/>
           </a:p>
@@ -6171,15 +6147,7 @@
           <a:p>
             <a:r>
               <a:rPr kumimoji="1" lang="en-US" altLang="ja-JP" dirty="0"/>
-              <a:t>2.1. </a:t>
-            </a:r>
-            <a:r>
-              <a:rPr kumimoji="1" lang="en-US" altLang="ja-JP" dirty="0" err="1"/>
-              <a:t>Tracting</a:t>
-            </a:r>
-            <a:r>
-              <a:rPr kumimoji="1" lang="en-US" altLang="ja-JP" dirty="0"/>
-              <a:t> GC</a:t>
+              <a:t>2.1. Tracing GC</a:t>
             </a:r>
             <a:endParaRPr kumimoji="1" lang="ja-JP" altLang="en-US" dirty="0"/>
           </a:p>
@@ -6569,15 +6537,7 @@
             </a:r>
             <a:r>
               <a:rPr kumimoji="1" lang="en-US" altLang="ja-JP" dirty="0"/>
-              <a:t>.1. </a:t>
-            </a:r>
-            <a:r>
-              <a:rPr kumimoji="1" lang="en-US" altLang="ja-JP" dirty="0" err="1"/>
-              <a:t>Tracting</a:t>
-            </a:r>
-            <a:r>
-              <a:rPr kumimoji="1" lang="en-US" altLang="ja-JP" dirty="0"/>
-              <a:t> GC</a:t>
+              <a:t>.1. Tracing GC</a:t>
             </a:r>
             <a:endParaRPr kumimoji="1" lang="ja-JP" altLang="en-US" dirty="0"/>
           </a:p>
@@ -15456,7 +15416,7 @@
           <p:nvPr/>
         </p:nvSpPr>
         <p:spPr>
-          <a:xfrm rot="5400000">
+          <a:xfrm rot="16200000">
             <a:off x="5617028" y="3625027"/>
             <a:ext cx="457200" cy="838200"/>
           </a:xfrm>
@@ -15511,7 +15471,7 @@
           <p:nvPr/>
         </p:nvSpPr>
         <p:spPr>
-          <a:xfrm rot="5400000">
+          <a:xfrm rot="16200000">
             <a:off x="2993568" y="3634042"/>
             <a:ext cx="457200" cy="838200"/>
           </a:xfrm>
@@ -18439,6 +18399,11 @@
               <a:rPr kumimoji="1" lang="en-US" altLang="ja-JP" sz="2000" dirty="0"/>
               <a:t>https://en.wikipedia.org/wiki/Garbage_collection_(computer_science) </a:t>
             </a:r>
+            <a:r>
+              <a:rPr kumimoji="1" lang="ja-JP" altLang="en-US" sz="2000" dirty="0"/>
+              <a:t>　</a:t>
+            </a:r>
+            <a:endParaRPr kumimoji="1" lang="en-US" altLang="ja-JP" sz="2000" dirty="0"/>
           </a:p>
           <a:p>
             <a:pPr marL="0" indent="0">
@@ -19470,7 +19435,15 @@
             </a:pPr>
             <a:r>
               <a:rPr kumimoji="1" lang="en-US" altLang="ja-JP" sz="2000" dirty="0"/>
-              <a:t>	ML, Haskel, APL</a:t>
+              <a:t>	ML</a:t>
+            </a:r>
+            <a:r>
+              <a:rPr kumimoji="1" lang="en-US" altLang="ja-JP" sz="2000"/>
+              <a:t>, Haskell, </a:t>
+            </a:r>
+            <a:r>
+              <a:rPr kumimoji="1" lang="en-US" altLang="ja-JP" sz="2000" dirty="0"/>
+              <a:t>APL</a:t>
             </a:r>
             <a:r>
               <a:rPr kumimoji="1" lang="ja-JP" altLang="en-US" sz="2000" dirty="0"/>
@@ -19735,11 +19708,7 @@
             </a:pPr>
             <a:r>
               <a:rPr kumimoji="1" lang="en-US" altLang="ja-JP" sz="2400" dirty="0"/>
-              <a:t>	1. </a:t>
-            </a:r>
-            <a:r>
-              <a:rPr kumimoji="1" lang="en-US" altLang="ja-JP" sz="2400" dirty="0" err="1"/>
-              <a:t>Tracting</a:t>
+              <a:t>	1. Tracing</a:t>
             </a:r>
             <a:r>
               <a:rPr lang="ja-JP" altLang="en-US" sz="2400" dirty="0"/>
@@ -19958,15 +19927,7 @@
             </a:r>
             <a:r>
               <a:rPr kumimoji="1" lang="en-US" altLang="ja-JP" dirty="0"/>
-              <a:t>.1. </a:t>
-            </a:r>
-            <a:r>
-              <a:rPr kumimoji="1" lang="en-US" altLang="ja-JP" dirty="0" err="1"/>
-              <a:t>Tracting</a:t>
-            </a:r>
-            <a:r>
-              <a:rPr kumimoji="1" lang="en-US" altLang="ja-JP" dirty="0"/>
-              <a:t> GC</a:t>
+              <a:t>.1. Tracing GC</a:t>
             </a:r>
             <a:endParaRPr kumimoji="1" lang="ja-JP" altLang="en-US" dirty="0"/>
           </a:p>
